--- a/프론트 디자인.pptx
+++ b/프론트 디자인.pptx
@@ -10,9 +10,14 @@
     <p:sldId id="257" r:id="rId4"/>
     <p:sldId id="262" r:id="rId5"/>
     <p:sldId id="263" r:id="rId6"/>
-    <p:sldId id="258" r:id="rId7"/>
-    <p:sldId id="259" r:id="rId8"/>
-    <p:sldId id="260" r:id="rId9"/>
+    <p:sldId id="264" r:id="rId7"/>
+    <p:sldId id="268" r:id="rId8"/>
+    <p:sldId id="265" r:id="rId9"/>
+    <p:sldId id="266" r:id="rId10"/>
+    <p:sldId id="267" r:id="rId11"/>
+    <p:sldId id="258" r:id="rId12"/>
+    <p:sldId id="259" r:id="rId13"/>
+    <p:sldId id="260" r:id="rId14"/>
   </p:sldIdLst>
   <p:sldSz cx="12192000" cy="6858000"/>
   <p:notesSz cx="6858000" cy="9144000"/>
@@ -111,6 +116,11 @@
       </a:defRPr>
     </a:lvl9pPr>
   </p:defaultTextStyle>
+  <p:extLst>
+    <p:ext uri="{EFAFB233-063F-42B5-8137-9DF3F51BA10A}">
+      <p15:sldGuideLst xmlns:p15="http://schemas.microsoft.com/office/powerpoint/2012/main"/>
+    </p:ext>
+  </p:extLst>
 </p:presentation>
 </file>
 
@@ -261,7 +271,7 @@
           <a:p>
             <a:fld id="{D4ABF3E3-EBFF-45BD-AF4D-C526F9EC8AA9}" type="datetimeFigureOut">
               <a:rPr lang="ko-KR" altLang="en-US" smtClean="0"/>
-              <a:t>2021-11-30</a:t>
+              <a:t>2021-12-01</a:t>
             </a:fld>
             <a:endParaRPr lang="ko-KR" altLang="en-US"/>
           </a:p>
@@ -459,7 +469,7 @@
           <a:p>
             <a:fld id="{D4ABF3E3-EBFF-45BD-AF4D-C526F9EC8AA9}" type="datetimeFigureOut">
               <a:rPr lang="ko-KR" altLang="en-US" smtClean="0"/>
-              <a:t>2021-11-30</a:t>
+              <a:t>2021-12-01</a:t>
             </a:fld>
             <a:endParaRPr lang="ko-KR" altLang="en-US"/>
           </a:p>
@@ -667,7 +677,7 @@
           <a:p>
             <a:fld id="{D4ABF3E3-EBFF-45BD-AF4D-C526F9EC8AA9}" type="datetimeFigureOut">
               <a:rPr lang="ko-KR" altLang="en-US" smtClean="0"/>
-              <a:t>2021-11-30</a:t>
+              <a:t>2021-12-01</a:t>
             </a:fld>
             <a:endParaRPr lang="ko-KR" altLang="en-US"/>
           </a:p>
@@ -865,7 +875,7 @@
           <a:p>
             <a:fld id="{D4ABF3E3-EBFF-45BD-AF4D-C526F9EC8AA9}" type="datetimeFigureOut">
               <a:rPr lang="ko-KR" altLang="en-US" smtClean="0"/>
-              <a:t>2021-11-30</a:t>
+              <a:t>2021-12-01</a:t>
             </a:fld>
             <a:endParaRPr lang="ko-KR" altLang="en-US"/>
           </a:p>
@@ -1140,7 +1150,7 @@
           <a:p>
             <a:fld id="{D4ABF3E3-EBFF-45BD-AF4D-C526F9EC8AA9}" type="datetimeFigureOut">
               <a:rPr lang="ko-KR" altLang="en-US" smtClean="0"/>
-              <a:t>2021-11-30</a:t>
+              <a:t>2021-12-01</a:t>
             </a:fld>
             <a:endParaRPr lang="ko-KR" altLang="en-US"/>
           </a:p>
@@ -1405,7 +1415,7 @@
           <a:p>
             <a:fld id="{D4ABF3E3-EBFF-45BD-AF4D-C526F9EC8AA9}" type="datetimeFigureOut">
               <a:rPr lang="ko-KR" altLang="en-US" smtClean="0"/>
-              <a:t>2021-11-30</a:t>
+              <a:t>2021-12-01</a:t>
             </a:fld>
             <a:endParaRPr lang="ko-KR" altLang="en-US"/>
           </a:p>
@@ -1817,7 +1827,7 @@
           <a:p>
             <a:fld id="{D4ABF3E3-EBFF-45BD-AF4D-C526F9EC8AA9}" type="datetimeFigureOut">
               <a:rPr lang="ko-KR" altLang="en-US" smtClean="0"/>
-              <a:t>2021-11-30</a:t>
+              <a:t>2021-12-01</a:t>
             </a:fld>
             <a:endParaRPr lang="ko-KR" altLang="en-US"/>
           </a:p>
@@ -1958,7 +1968,7 @@
           <a:p>
             <a:fld id="{D4ABF3E3-EBFF-45BD-AF4D-C526F9EC8AA9}" type="datetimeFigureOut">
               <a:rPr lang="ko-KR" altLang="en-US" smtClean="0"/>
-              <a:t>2021-11-30</a:t>
+              <a:t>2021-12-01</a:t>
             </a:fld>
             <a:endParaRPr lang="ko-KR" altLang="en-US"/>
           </a:p>
@@ -2071,7 +2081,7 @@
           <a:p>
             <a:fld id="{D4ABF3E3-EBFF-45BD-AF4D-C526F9EC8AA9}" type="datetimeFigureOut">
               <a:rPr lang="ko-KR" altLang="en-US" smtClean="0"/>
-              <a:t>2021-11-30</a:t>
+              <a:t>2021-12-01</a:t>
             </a:fld>
             <a:endParaRPr lang="ko-KR" altLang="en-US"/>
           </a:p>
@@ -2382,7 +2392,7 @@
           <a:p>
             <a:fld id="{D4ABF3E3-EBFF-45BD-AF4D-C526F9EC8AA9}" type="datetimeFigureOut">
               <a:rPr lang="ko-KR" altLang="en-US" smtClean="0"/>
-              <a:t>2021-11-30</a:t>
+              <a:t>2021-12-01</a:t>
             </a:fld>
             <a:endParaRPr lang="ko-KR" altLang="en-US"/>
           </a:p>
@@ -2670,7 +2680,7 @@
           <a:p>
             <a:fld id="{D4ABF3E3-EBFF-45BD-AF4D-C526F9EC8AA9}" type="datetimeFigureOut">
               <a:rPr lang="ko-KR" altLang="en-US" smtClean="0"/>
-              <a:t>2021-11-30</a:t>
+              <a:t>2021-12-01</a:t>
             </a:fld>
             <a:endParaRPr lang="ko-KR" altLang="en-US"/>
           </a:p>
@@ -2911,7 +2921,7 @@
           <a:p>
             <a:fld id="{D4ABF3E3-EBFF-45BD-AF4D-C526F9EC8AA9}" type="datetimeFigureOut">
               <a:rPr lang="ko-KR" altLang="en-US" smtClean="0"/>
-              <a:t>2021-11-30</a:t>
+              <a:t>2021-12-01</a:t>
             </a:fld>
             <a:endParaRPr lang="ko-KR" altLang="en-US"/>
           </a:p>
@@ -3806,7 +3816,7 @@
 </p:sld>
 </file>
 
-<file path=ppt/slides/slide2.xml><?xml version="1.0" encoding="utf-8"?>
+<file path=ppt/slides/slide10.xml><?xml version="1.0" encoding="utf-8"?>
 <p:sld xmlns:a="http://schemas.openxmlformats.org/drawingml/2006/main" xmlns:r="http://schemas.openxmlformats.org/officeDocument/2006/relationships" xmlns:p="http://schemas.openxmlformats.org/presentationml/2006/main">
   <p:cSld>
     <p:spTree>
@@ -3853,7 +3863,7 @@
           <a:p>
             <a:r>
               <a:rPr lang="en-US" altLang="ko-KR" dirty="0"/>
-              <a:t>signup</a:t>
+              <a:t>login</a:t>
             </a:r>
             <a:endParaRPr lang="ko-KR" altLang="en-US" dirty="0"/>
           </a:p>
@@ -3861,11 +3871,223 @@
       </p:sp>
       <p:sp>
         <p:nvSpPr>
-          <p:cNvPr id="7" name="사각형: 둥근 모서리 6">
+          <p:cNvPr id="8" name="TextBox 7">
+            <a:extLst>
+              <a:ext uri="{FF2B5EF4-FFF2-40B4-BE49-F238E27FC236}">
+                <a16:creationId xmlns:a16="http://schemas.microsoft.com/office/drawing/2014/main" id="{75C42BA6-7A07-4CC1-93DA-C1906C7A3C45}"/>
+              </a:ext>
+            </a:extLst>
+          </p:cNvPr>
+          <p:cNvSpPr txBox="1"/>
+          <p:nvPr/>
+        </p:nvSpPr>
+        <p:spPr>
+          <a:xfrm>
+            <a:off x="4172631" y="1478456"/>
+            <a:ext cx="2587953" cy="1285288"/>
+          </a:xfrm>
+          <a:prstGeom prst="rect">
+            <a:avLst/>
+          </a:prstGeom>
+          <a:noFill/>
+        </p:spPr>
+        <p:txBody>
+          <a:bodyPr wrap="none" rtlCol="0">
+            <a:spAutoFit/>
+          </a:bodyPr>
+          <a:lstStyle/>
+          <a:p>
+            <a:pPr>
+              <a:lnSpc>
+                <a:spcPct val="150000"/>
+              </a:lnSpc>
+            </a:pPr>
+            <a:r>
+              <a:rPr lang="ko-KR" altLang="en-US" dirty="0"/>
+              <a:t>이름</a:t>
+            </a:r>
+            <a:r>
+              <a:rPr lang="en-US" altLang="ko-KR" dirty="0"/>
+              <a:t>: </a:t>
+            </a:r>
+            <a:r>
+              <a:rPr lang="ko-KR" altLang="en-US" dirty="0"/>
+              <a:t>홍길동</a:t>
+            </a:r>
+            <a:endParaRPr lang="en-US" altLang="ko-KR" dirty="0"/>
+          </a:p>
+          <a:p>
+            <a:pPr>
+              <a:lnSpc>
+                <a:spcPct val="150000"/>
+              </a:lnSpc>
+            </a:pPr>
+            <a:r>
+              <a:rPr lang="ko-KR" altLang="en-US" dirty="0"/>
+              <a:t>이메일</a:t>
+            </a:r>
+            <a:r>
+              <a:rPr lang="en-US" altLang="ko-KR" dirty="0"/>
+              <a:t>: asdf@asdf.com</a:t>
+            </a:r>
+          </a:p>
+          <a:p>
+            <a:pPr>
+              <a:lnSpc>
+                <a:spcPct val="150000"/>
+              </a:lnSpc>
+            </a:pPr>
+            <a:r>
+              <a:rPr lang="ko-KR" altLang="en-US" dirty="0"/>
+              <a:t>포인트</a:t>
+            </a:r>
+            <a:r>
+              <a:rPr lang="en-US" altLang="ko-KR" dirty="0"/>
+              <a:t>: 100</a:t>
+            </a:r>
+          </a:p>
+        </p:txBody>
+      </p:sp>
+      <p:sp>
+        <p:nvSpPr>
+          <p:cNvPr id="11" name="TextBox 10">
+            <a:extLst>
+              <a:ext uri="{FF2B5EF4-FFF2-40B4-BE49-F238E27FC236}">
+                <a16:creationId xmlns:a16="http://schemas.microsoft.com/office/drawing/2014/main" id="{7372AEBA-C50D-4DF1-8F06-C71C3DEA659F}"/>
+              </a:ext>
+            </a:extLst>
+          </p:cNvPr>
+          <p:cNvSpPr txBox="1"/>
+          <p:nvPr/>
+        </p:nvSpPr>
+        <p:spPr>
+          <a:xfrm>
+            <a:off x="973222" y="7136"/>
+            <a:ext cx="3161944" cy="707886"/>
+          </a:xfrm>
+          <a:prstGeom prst="rect">
+            <a:avLst/>
+          </a:prstGeom>
+          <a:noFill/>
+        </p:spPr>
+        <p:txBody>
+          <a:bodyPr wrap="square" rtlCol="0">
+            <a:spAutoFit/>
+          </a:bodyPr>
+          <a:lstStyle/>
+          <a:p>
+            <a:r>
+              <a:rPr lang="en-US" altLang="ko-KR" sz="4000" dirty="0"/>
+              <a:t>ONCHALL</a:t>
+            </a:r>
+            <a:endParaRPr lang="ko-KR" altLang="en-US" sz="4000" dirty="0"/>
+          </a:p>
+        </p:txBody>
+      </p:sp>
+      <p:sp>
+        <p:nvSpPr>
+          <p:cNvPr id="12" name="TextBox 11">
+            <a:extLst>
+              <a:ext uri="{FF2B5EF4-FFF2-40B4-BE49-F238E27FC236}">
+                <a16:creationId xmlns:a16="http://schemas.microsoft.com/office/drawing/2014/main" id="{00EC4550-7BAE-4775-9A3C-30AB89ACCF47}"/>
+              </a:ext>
+            </a:extLst>
+          </p:cNvPr>
+          <p:cNvSpPr txBox="1"/>
+          <p:nvPr/>
+        </p:nvSpPr>
+        <p:spPr>
+          <a:xfrm>
+            <a:off x="4477995" y="284102"/>
+            <a:ext cx="7306656" cy="307777"/>
+          </a:xfrm>
+          <a:prstGeom prst="rect">
+            <a:avLst/>
+          </a:prstGeom>
+          <a:noFill/>
+        </p:spPr>
+        <p:txBody>
+          <a:bodyPr wrap="square" rtlCol="0">
+            <a:spAutoFit/>
+          </a:bodyPr>
+          <a:lstStyle/>
+          <a:p>
+            <a:r>
+              <a:rPr lang="ko-KR" altLang="en-US" sz="1400" dirty="0" err="1"/>
+              <a:t>온챌아카데미학원</a:t>
+            </a:r>
+            <a:r>
+              <a:rPr lang="ko-KR" altLang="en-US" sz="1400" dirty="0"/>
+              <a:t>       </a:t>
+            </a:r>
+            <a:r>
+              <a:rPr lang="ko-KR" altLang="en-US" sz="1400" dirty="0" err="1"/>
+              <a:t>온챌개념서</a:t>
+            </a:r>
+            <a:r>
+              <a:rPr lang="ko-KR" altLang="en-US" sz="1400" dirty="0"/>
+              <a:t> 무료보기     </a:t>
+            </a:r>
+            <a:r>
+              <a:rPr lang="ko-KR" altLang="en-US" sz="1400" dirty="0" err="1"/>
+              <a:t>온챌개념서</a:t>
+            </a:r>
+            <a:r>
+              <a:rPr lang="ko-KR" altLang="en-US" sz="1400" dirty="0"/>
+              <a:t> 구매     장바구니    회원정보</a:t>
+            </a:r>
+          </a:p>
+        </p:txBody>
+      </p:sp>
+      <p:sp>
+        <p:nvSpPr>
+          <p:cNvPr id="13" name="TextBox 12">
+            <a:extLst>
+              <a:ext uri="{FF2B5EF4-FFF2-40B4-BE49-F238E27FC236}">
+                <a16:creationId xmlns:a16="http://schemas.microsoft.com/office/drawing/2014/main" id="{978C000E-E8E9-4707-98A8-994482492F42}"/>
+              </a:ext>
+            </a:extLst>
+          </p:cNvPr>
+          <p:cNvSpPr txBox="1"/>
+          <p:nvPr/>
+        </p:nvSpPr>
+        <p:spPr>
+          <a:xfrm>
+            <a:off x="1778409" y="938419"/>
+            <a:ext cx="1463555" cy="461665"/>
+          </a:xfrm>
+          <a:prstGeom prst="rect">
+            <a:avLst/>
+          </a:prstGeom>
+          <a:noFill/>
+        </p:spPr>
+        <p:txBody>
+          <a:bodyPr wrap="square" rtlCol="0">
+            <a:spAutoFit/>
+          </a:bodyPr>
+          <a:lstStyle/>
+          <a:p>
+            <a:pPr algn="l"/>
+            <a:r>
+              <a:rPr lang="ko-KR" altLang="en-US" sz="2400" b="1" i="0" dirty="0">
+                <a:solidFill>
+                  <a:srgbClr val="1A1A1A"/>
+                </a:solidFill>
+                <a:effectLst/>
+                <a:latin typeface="Montserrat" panose="020B0604020202020204" pitchFamily="2" charset="0"/>
+              </a:rPr>
+              <a:t>회원정보</a:t>
+            </a:r>
+          </a:p>
+        </p:txBody>
+      </p:sp>
+      <p:sp>
+        <p:nvSpPr>
+          <p:cNvPr id="10" name="사각형: 둥근 모서리 9">
             <a:hlinkClick r:id="rId2" action="ppaction://hlinksldjump"/>
             <a:extLst>
               <a:ext uri="{FF2B5EF4-FFF2-40B4-BE49-F238E27FC236}">
-                <a16:creationId xmlns:a16="http://schemas.microsoft.com/office/drawing/2014/main" id="{505604E0-B60B-426C-A2AC-632DCEB4DC65}"/>
+                <a16:creationId xmlns:a16="http://schemas.microsoft.com/office/drawing/2014/main" id="{247DCBFF-F4AB-4922-8212-F2E7CFA52CFE}"/>
               </a:ext>
             </a:extLst>
           </p:cNvPr>
@@ -3874,8 +4096,8 @@
         </p:nvSpPr>
         <p:spPr>
           <a:xfrm>
-            <a:off x="5725430" y="4211694"/>
-            <a:ext cx="1258784" cy="427512"/>
+            <a:off x="5617367" y="5422001"/>
+            <a:ext cx="1203814" cy="408843"/>
           </a:xfrm>
           <a:prstGeom prst="roundRect">
             <a:avLst/>
@@ -3911,19 +4133,65 @@
           <a:p>
             <a:pPr algn="ctr"/>
             <a:r>
-              <a:rPr lang="ko-KR" altLang="en-US"/>
-              <a:t>로그인</a:t>
-            </a:r>
-            <a:endParaRPr lang="ko-KR" altLang="en-US" dirty="0"/>
-          </a:p>
-        </p:txBody>
-      </p:sp>
-      <p:sp>
-        <p:nvSpPr>
-          <p:cNvPr id="8" name="TextBox 7">
-            <a:extLst>
-              <a:ext uri="{FF2B5EF4-FFF2-40B4-BE49-F238E27FC236}">
-                <a16:creationId xmlns:a16="http://schemas.microsoft.com/office/drawing/2014/main" id="{99275EA9-9A4D-4068-8463-EA5CFA4E72C2}"/>
+              <a:rPr lang="ko-KR" altLang="en-US" sz="1200" dirty="0"/>
+              <a:t>비밀번호 변경</a:t>
+            </a:r>
+          </a:p>
+        </p:txBody>
+      </p:sp>
+      <p:sp>
+        <p:nvSpPr>
+          <p:cNvPr id="2" name="직사각형 1">
+            <a:extLst>
+              <a:ext uri="{FF2B5EF4-FFF2-40B4-BE49-F238E27FC236}">
+                <a16:creationId xmlns:a16="http://schemas.microsoft.com/office/drawing/2014/main" id="{06A75D69-78E7-4C99-98E3-7CD1AB6D0A4D}"/>
+              </a:ext>
+            </a:extLst>
+          </p:cNvPr>
+          <p:cNvSpPr/>
+          <p:nvPr/>
+        </p:nvSpPr>
+        <p:spPr>
+          <a:xfrm>
+            <a:off x="3759529" y="3360335"/>
+            <a:ext cx="4868883" cy="1862115"/>
+          </a:xfrm>
+          <a:prstGeom prst="rect">
+            <a:avLst/>
+          </a:prstGeom>
+          <a:noFill/>
+        </p:spPr>
+        <p:style>
+          <a:lnRef idx="2">
+            <a:schemeClr val="accent1">
+              <a:shade val="50000"/>
+            </a:schemeClr>
+          </a:lnRef>
+          <a:fillRef idx="1">
+            <a:schemeClr val="accent1"/>
+          </a:fillRef>
+          <a:effectRef idx="0">
+            <a:schemeClr val="accent1"/>
+          </a:effectRef>
+          <a:fontRef idx="minor">
+            <a:schemeClr val="lt1"/>
+          </a:fontRef>
+        </p:style>
+        <p:txBody>
+          <a:bodyPr rtlCol="0" anchor="ctr"/>
+          <a:lstStyle/>
+          <a:p>
+            <a:pPr algn="ctr"/>
+            <a:endParaRPr lang="ko-KR" altLang="en-US"/>
+          </a:p>
+        </p:txBody>
+      </p:sp>
+      <p:sp>
+        <p:nvSpPr>
+          <p:cNvPr id="3" name="TextBox 2">
+            <a:extLst>
+              <a:ext uri="{FF2B5EF4-FFF2-40B4-BE49-F238E27FC236}">
+                <a16:creationId xmlns:a16="http://schemas.microsoft.com/office/drawing/2014/main" id="{48BDC465-6947-4327-BB77-E8844FFAD023}"/>
               </a:ext>
             </a:extLst>
           </p:cNvPr>
@@ -3932,8 +4200,8 @@
         </p:nvSpPr>
         <p:spPr>
           <a:xfrm>
-            <a:off x="973222" y="7136"/>
-            <a:ext cx="3161944" cy="707886"/>
+            <a:off x="4100450" y="3420062"/>
+            <a:ext cx="1324098" cy="369332"/>
           </a:xfrm>
           <a:prstGeom prst="rect">
             <a:avLst/>
@@ -3946,20 +4214,20 @@
           </a:bodyPr>
           <a:lstStyle/>
           <a:p>
-            <a:r>
-              <a:rPr lang="en-US" altLang="ko-KR" sz="4000" dirty="0"/>
-              <a:t>ONCHALL</a:t>
-            </a:r>
-            <a:endParaRPr lang="ko-KR" altLang="en-US" sz="4000" dirty="0"/>
-          </a:p>
-        </p:txBody>
-      </p:sp>
-      <p:sp>
-        <p:nvSpPr>
-          <p:cNvPr id="9" name="TextBox 8">
-            <a:extLst>
-              <a:ext uri="{FF2B5EF4-FFF2-40B4-BE49-F238E27FC236}">
-                <a16:creationId xmlns:a16="http://schemas.microsoft.com/office/drawing/2014/main" id="{BD956F93-A230-401B-BD44-2B9CCD8B9583}"/>
+            <a:pPr algn="ctr"/>
+            <a:r>
+              <a:rPr lang="ko-KR" altLang="en-US" dirty="0"/>
+              <a:t>상품명</a:t>
+            </a:r>
+          </a:p>
+        </p:txBody>
+      </p:sp>
+      <p:sp>
+        <p:nvSpPr>
+          <p:cNvPr id="14" name="TextBox 13">
+            <a:extLst>
+              <a:ext uri="{FF2B5EF4-FFF2-40B4-BE49-F238E27FC236}">
+                <a16:creationId xmlns:a16="http://schemas.microsoft.com/office/drawing/2014/main" id="{CE622568-B9C3-466F-9CB1-19BA46429FCC}"/>
               </a:ext>
             </a:extLst>
           </p:cNvPr>
@@ -3968,8 +4236,8 @@
         </p:nvSpPr>
         <p:spPr>
           <a:xfrm>
-            <a:off x="4477995" y="284102"/>
-            <a:ext cx="7306656" cy="307777"/>
+            <a:off x="7160571" y="3460228"/>
+            <a:ext cx="955480" cy="369332"/>
           </a:xfrm>
           <a:prstGeom prst="rect">
             <a:avLst/>
@@ -3982,47 +4250,20 @@
           </a:bodyPr>
           <a:lstStyle/>
           <a:p>
-            <a:r>
-              <a:rPr lang="ko-KR" altLang="en-US" sz="1400" dirty="0" err="1"/>
-              <a:t>온챌아카데미학원</a:t>
-            </a:r>
-            <a:r>
-              <a:rPr lang="ko-KR" altLang="en-US" sz="1400" dirty="0"/>
-              <a:t>       </a:t>
-            </a:r>
-            <a:r>
-              <a:rPr lang="ko-KR" altLang="en-US" sz="1400" dirty="0" err="1"/>
-              <a:t>온챌개념서</a:t>
-            </a:r>
-            <a:r>
-              <a:rPr lang="ko-KR" altLang="en-US" sz="1400" dirty="0"/>
-              <a:t> 무료보기      </a:t>
-            </a:r>
-            <a:r>
-              <a:rPr lang="ko-KR" altLang="en-US" sz="1400" dirty="0" err="1"/>
-              <a:t>온챌개념서</a:t>
-            </a:r>
-            <a:r>
-              <a:rPr lang="ko-KR" altLang="en-US" sz="1400" dirty="0"/>
-              <a:t> 구매     로그인     </a:t>
-            </a:r>
-            <a:r>
-              <a:rPr lang="ko-KR" altLang="en-US" sz="1400" b="1" dirty="0"/>
-              <a:t>회원가입</a:t>
-            </a:r>
-            <a:r>
-              <a:rPr lang="ko-KR" altLang="en-US" sz="1400" dirty="0"/>
-              <a:t> </a:t>
-            </a:r>
-          </a:p>
-        </p:txBody>
-      </p:sp>
-      <p:sp>
-        <p:nvSpPr>
-          <p:cNvPr id="10" name="TextBox 9">
-            <a:extLst>
-              <a:ext uri="{FF2B5EF4-FFF2-40B4-BE49-F238E27FC236}">
-                <a16:creationId xmlns:a16="http://schemas.microsoft.com/office/drawing/2014/main" id="{FC582BD5-C557-424A-8086-76407BA6B6DC}"/>
+            <a:pPr algn="ctr"/>
+            <a:r>
+              <a:rPr lang="ko-KR" altLang="en-US" dirty="0"/>
+              <a:t>가격</a:t>
+            </a:r>
+          </a:p>
+        </p:txBody>
+      </p:sp>
+      <p:sp>
+        <p:nvSpPr>
+          <p:cNvPr id="16" name="TextBox 15">
+            <a:extLst>
+              <a:ext uri="{FF2B5EF4-FFF2-40B4-BE49-F238E27FC236}">
+                <a16:creationId xmlns:a16="http://schemas.microsoft.com/office/drawing/2014/main" id="{DF0DD307-C78F-4B6E-8E25-ED7CACE18D7B}"/>
               </a:ext>
             </a:extLst>
           </p:cNvPr>
@@ -4031,8 +4272,8 @@
         </p:nvSpPr>
         <p:spPr>
           <a:xfrm>
-            <a:off x="3886279" y="1815309"/>
-            <a:ext cx="4937087" cy="830997"/>
+            <a:off x="3949288" y="3877094"/>
+            <a:ext cx="1661807" cy="253916"/>
           </a:xfrm>
           <a:prstGeom prst="rect">
             <a:avLst/>
@@ -4046,75 +4287,30 @@
           <a:lstStyle/>
           <a:p>
             <a:r>
-              <a:rPr lang="ko-KR" altLang="en-US" sz="2400" dirty="0"/>
-              <a:t>인증 이메일이 전송되었습니다</a:t>
-            </a:r>
-            <a:r>
-              <a:rPr lang="en-US" altLang="ko-KR" sz="2400" dirty="0"/>
-              <a:t>.</a:t>
-            </a:r>
-          </a:p>
-          <a:p>
-            <a:r>
-              <a:rPr lang="en-US" altLang="ko-KR" sz="2400" dirty="0"/>
+              <a:rPr lang="en-US" altLang="ko-KR" sz="1050" dirty="0"/>
               <a:t>[</a:t>
             </a:r>
             <a:r>
-              <a:rPr lang="ko-KR" altLang="en-US" sz="2400" dirty="0"/>
-              <a:t>인증하기</a:t>
-            </a:r>
-            <a:r>
-              <a:rPr lang="en-US" altLang="ko-KR" sz="2400" dirty="0"/>
-              <a:t>] </a:t>
-            </a:r>
-            <a:r>
-              <a:rPr lang="ko-KR" altLang="en-US" sz="2400" dirty="0"/>
-              <a:t>버튼을 눌러주세요</a:t>
-            </a:r>
-            <a:r>
-              <a:rPr lang="en-US" altLang="ko-KR" sz="2400" dirty="0"/>
-              <a:t>.</a:t>
-            </a:r>
-            <a:endParaRPr lang="ko-KR" altLang="en-US" sz="2400" dirty="0"/>
-          </a:p>
-        </p:txBody>
-      </p:sp>
-    </p:spTree>
-    <p:extLst>
-      <p:ext uri="{BB962C8B-B14F-4D97-AF65-F5344CB8AC3E}">
-        <p14:creationId xmlns:p14="http://schemas.microsoft.com/office/powerpoint/2010/main" val="3171307389"/>
-      </p:ext>
-    </p:extLst>
-  </p:cSld>
-  <p:clrMapOvr>
-    <a:masterClrMapping/>
-  </p:clrMapOvr>
-</p:sld>
-</file>
-
-<file path=ppt/slides/slide3.xml><?xml version="1.0" encoding="utf-8"?>
-<p:sld xmlns:a="http://schemas.openxmlformats.org/drawingml/2006/main" xmlns:r="http://schemas.openxmlformats.org/officeDocument/2006/relationships" xmlns:p="http://schemas.openxmlformats.org/presentationml/2006/main">
-  <p:cSld>
-    <p:spTree>
-      <p:nvGrpSpPr>
-        <p:cNvPr id="1" name=""/>
-        <p:cNvGrpSpPr/>
-        <p:nvPr/>
-      </p:nvGrpSpPr>
-      <p:grpSpPr>
-        <a:xfrm>
-          <a:off x="0" y="0"/>
-          <a:ext cx="0" cy="0"/>
-          <a:chOff x="0" y="0"/>
-          <a:chExt cx="0" cy="0"/>
-        </a:xfrm>
-      </p:grpSpPr>
-      <p:sp>
-        <p:nvSpPr>
-          <p:cNvPr id="4" name="TextBox 3">
-            <a:extLst>
-              <a:ext uri="{FF2B5EF4-FFF2-40B4-BE49-F238E27FC236}">
-                <a16:creationId xmlns:a16="http://schemas.microsoft.com/office/drawing/2014/main" id="{181F38E4-D20C-4834-B1F4-69D8B5846AD9}"/>
+              <a:rPr lang="ko-KR" altLang="en-US" sz="1050" dirty="0" err="1"/>
+              <a:t>온챌개념서</a:t>
+            </a:r>
+            <a:r>
+              <a:rPr lang="en-US" altLang="ko-KR" sz="1050" dirty="0"/>
+              <a:t>]</a:t>
+            </a:r>
+            <a:r>
+              <a:rPr lang="ko-KR" altLang="en-US" sz="1050" dirty="0"/>
+              <a:t>고등수학 상</a:t>
+            </a:r>
+          </a:p>
+        </p:txBody>
+      </p:sp>
+      <p:sp>
+        <p:nvSpPr>
+          <p:cNvPr id="17" name="TextBox 16">
+            <a:extLst>
+              <a:ext uri="{FF2B5EF4-FFF2-40B4-BE49-F238E27FC236}">
+                <a16:creationId xmlns:a16="http://schemas.microsoft.com/office/drawing/2014/main" id="{D5323913-0EC2-475A-96A2-10DDC523D084}"/>
               </a:ext>
             </a:extLst>
           </p:cNvPr>
@@ -4123,8 +4319,8 @@
         </p:nvSpPr>
         <p:spPr>
           <a:xfrm>
-            <a:off x="47501" y="0"/>
-            <a:ext cx="1686296" cy="369332"/>
+            <a:off x="7053943" y="3867150"/>
+            <a:ext cx="1168736" cy="246221"/>
           </a:xfrm>
           <a:prstGeom prst="rect">
             <a:avLst/>
@@ -4137,62 +4333,22 @@
           </a:bodyPr>
           <a:lstStyle/>
           <a:p>
-            <a:r>
-              <a:rPr lang="en-US" altLang="ko-KR" dirty="0"/>
-              <a:t>login</a:t>
-            </a:r>
-            <a:endParaRPr lang="ko-KR" altLang="en-US" dirty="0"/>
-          </a:p>
-        </p:txBody>
-      </p:sp>
-      <p:sp>
-        <p:nvSpPr>
-          <p:cNvPr id="8" name="TextBox 7">
-            <a:extLst>
-              <a:ext uri="{FF2B5EF4-FFF2-40B4-BE49-F238E27FC236}">
-                <a16:creationId xmlns:a16="http://schemas.microsoft.com/office/drawing/2014/main" id="{75C42BA6-7A07-4CC1-93DA-C1906C7A3C45}"/>
-              </a:ext>
-            </a:extLst>
-          </p:cNvPr>
-          <p:cNvSpPr txBox="1"/>
-          <p:nvPr/>
-        </p:nvSpPr>
-        <p:spPr>
-          <a:xfrm>
-            <a:off x="4926222" y="2166222"/>
-            <a:ext cx="1203406" cy="646331"/>
-          </a:xfrm>
-          <a:prstGeom prst="rect">
-            <a:avLst/>
-          </a:prstGeom>
-          <a:noFill/>
-        </p:spPr>
-        <p:txBody>
-          <a:bodyPr wrap="none" rtlCol="0">
-            <a:spAutoFit/>
-          </a:bodyPr>
-          <a:lstStyle/>
-          <a:p>
-            <a:r>
-              <a:rPr lang="en-US" altLang="ko-KR" dirty="0"/>
-              <a:t>Email:</a:t>
-            </a:r>
-          </a:p>
-          <a:p>
-            <a:r>
-              <a:rPr lang="en-US" altLang="ko-KR" dirty="0"/>
-              <a:t>Password:</a:t>
-            </a:r>
-          </a:p>
-        </p:txBody>
-      </p:sp>
-      <p:sp>
-        <p:nvSpPr>
-          <p:cNvPr id="9" name="사각형: 둥근 모서리 8">
-            <a:hlinkClick r:id="rId2" action="ppaction://hlinksldjump"/>
-            <a:extLst>
-              <a:ext uri="{FF2B5EF4-FFF2-40B4-BE49-F238E27FC236}">
-                <a16:creationId xmlns:a16="http://schemas.microsoft.com/office/drawing/2014/main" id="{2B888A01-3F40-40CF-845D-1BF1F6B9F250}"/>
+            <a:pPr algn="ctr"/>
+            <a:r>
+              <a:rPr lang="en-US" altLang="ko-KR" sz="1000" dirty="0"/>
+              <a:t>1000</a:t>
+            </a:r>
+            <a:endParaRPr lang="ko-KR" altLang="en-US" sz="1000" dirty="0"/>
+          </a:p>
+        </p:txBody>
+      </p:sp>
+      <p:sp>
+        <p:nvSpPr>
+          <p:cNvPr id="25" name="사각형: 둥근 모서리 24">
+            <a:hlinkClick r:id="rId3" action="ppaction://hlinksldjump"/>
+            <a:extLst>
+              <a:ext uri="{FF2B5EF4-FFF2-40B4-BE49-F238E27FC236}">
+                <a16:creationId xmlns:a16="http://schemas.microsoft.com/office/drawing/2014/main" id="{6F95F916-C513-4DE9-9CB3-E7F0EE556A57}"/>
               </a:ext>
             </a:extLst>
           </p:cNvPr>
@@ -4201,8 +4357,8 @@
         </p:nvSpPr>
         <p:spPr>
           <a:xfrm>
-            <a:off x="6663388" y="3486298"/>
-            <a:ext cx="1258784" cy="427512"/>
+            <a:off x="3759529" y="3104227"/>
+            <a:ext cx="983898" cy="247997"/>
           </a:xfrm>
           <a:prstGeom prst="roundRect">
             <a:avLst/>
@@ -4238,19 +4394,195 @@
           <a:p>
             <a:pPr algn="ctr"/>
             <a:r>
-              <a:rPr lang="ko-KR" altLang="en-US" dirty="0"/>
-              <a:t>로그인</a:t>
-            </a:r>
-          </a:p>
-        </p:txBody>
-      </p:sp>
-      <p:sp>
-        <p:nvSpPr>
-          <p:cNvPr id="10" name="사각형: 둥근 모서리 9">
-            <a:hlinkClick r:id="rId3" action="ppaction://hlinksldjump"/>
-            <a:extLst>
-              <a:ext uri="{FF2B5EF4-FFF2-40B4-BE49-F238E27FC236}">
-                <a16:creationId xmlns:a16="http://schemas.microsoft.com/office/drawing/2014/main" id="{C0F6282E-1A67-4C85-AB1F-785B187D1D39}"/>
+              <a:rPr lang="ko-KR" altLang="en-US" sz="1050" dirty="0"/>
+              <a:t>다운로드</a:t>
+            </a:r>
+          </a:p>
+        </p:txBody>
+      </p:sp>
+      <p:sp>
+        <p:nvSpPr>
+          <p:cNvPr id="27" name="TextBox 26">
+            <a:extLst>
+              <a:ext uri="{FF2B5EF4-FFF2-40B4-BE49-F238E27FC236}">
+                <a16:creationId xmlns:a16="http://schemas.microsoft.com/office/drawing/2014/main" id="{B7719C62-A5FF-400C-9E54-406EA21E5CE2}"/>
+              </a:ext>
+            </a:extLst>
+          </p:cNvPr>
+          <p:cNvSpPr txBox="1"/>
+          <p:nvPr/>
+        </p:nvSpPr>
+        <p:spPr>
+          <a:xfrm>
+            <a:off x="3949288" y="4219497"/>
+            <a:ext cx="1661807" cy="253916"/>
+          </a:xfrm>
+          <a:prstGeom prst="rect">
+            <a:avLst/>
+          </a:prstGeom>
+          <a:noFill/>
+        </p:spPr>
+        <p:txBody>
+          <a:bodyPr wrap="square" rtlCol="0">
+            <a:spAutoFit/>
+          </a:bodyPr>
+          <a:lstStyle/>
+          <a:p>
+            <a:r>
+              <a:rPr lang="en-US" altLang="ko-KR" sz="1050" dirty="0"/>
+              <a:t>[</a:t>
+            </a:r>
+            <a:r>
+              <a:rPr lang="ko-KR" altLang="en-US" sz="1050" dirty="0" err="1"/>
+              <a:t>온챌개념서</a:t>
+            </a:r>
+            <a:r>
+              <a:rPr lang="en-US" altLang="ko-KR" sz="1050" dirty="0"/>
+              <a:t>]</a:t>
+            </a:r>
+            <a:r>
+              <a:rPr lang="ko-KR" altLang="en-US" sz="1050" dirty="0"/>
+              <a:t>고등수학 하</a:t>
+            </a:r>
+          </a:p>
+        </p:txBody>
+      </p:sp>
+      <p:sp>
+        <p:nvSpPr>
+          <p:cNvPr id="28" name="TextBox 27">
+            <a:extLst>
+              <a:ext uri="{FF2B5EF4-FFF2-40B4-BE49-F238E27FC236}">
+                <a16:creationId xmlns:a16="http://schemas.microsoft.com/office/drawing/2014/main" id="{BB490D31-42B1-48C7-AC20-AA73FA944CD1}"/>
+              </a:ext>
+            </a:extLst>
+          </p:cNvPr>
+          <p:cNvSpPr txBox="1"/>
+          <p:nvPr/>
+        </p:nvSpPr>
+        <p:spPr>
+          <a:xfrm>
+            <a:off x="7053943" y="4223343"/>
+            <a:ext cx="1168736" cy="246221"/>
+          </a:xfrm>
+          <a:prstGeom prst="rect">
+            <a:avLst/>
+          </a:prstGeom>
+          <a:noFill/>
+        </p:spPr>
+        <p:txBody>
+          <a:bodyPr wrap="square" rtlCol="0">
+            <a:spAutoFit/>
+          </a:bodyPr>
+          <a:lstStyle/>
+          <a:p>
+            <a:pPr algn="ctr"/>
+            <a:r>
+              <a:rPr lang="en-US" altLang="ko-KR" sz="1000" dirty="0"/>
+              <a:t>9000</a:t>
+            </a:r>
+            <a:endParaRPr lang="ko-KR" altLang="en-US" sz="1000" dirty="0"/>
+          </a:p>
+        </p:txBody>
+      </p:sp>
+      <p:sp>
+        <p:nvSpPr>
+          <p:cNvPr id="29" name="TextBox 28">
+            <a:extLst>
+              <a:ext uri="{FF2B5EF4-FFF2-40B4-BE49-F238E27FC236}">
+                <a16:creationId xmlns:a16="http://schemas.microsoft.com/office/drawing/2014/main" id="{36377ED9-1895-4977-8B65-4D2832DFB86B}"/>
+              </a:ext>
+            </a:extLst>
+          </p:cNvPr>
+          <p:cNvSpPr txBox="1"/>
+          <p:nvPr/>
+        </p:nvSpPr>
+        <p:spPr>
+          <a:xfrm>
+            <a:off x="3965647" y="4561900"/>
+            <a:ext cx="1661807" cy="415498"/>
+          </a:xfrm>
+          <a:prstGeom prst="rect">
+            <a:avLst/>
+          </a:prstGeom>
+          <a:noFill/>
+        </p:spPr>
+        <p:txBody>
+          <a:bodyPr wrap="square" rtlCol="0">
+            <a:spAutoFit/>
+          </a:bodyPr>
+          <a:lstStyle/>
+          <a:p>
+            <a:r>
+              <a:rPr lang="en-US" altLang="ko-KR" sz="1050" dirty="0"/>
+              <a:t>[</a:t>
+            </a:r>
+            <a:r>
+              <a:rPr lang="ko-KR" altLang="en-US" sz="1050" dirty="0" err="1"/>
+              <a:t>온챌개념서</a:t>
+            </a:r>
+            <a:r>
+              <a:rPr lang="en-US" altLang="ko-KR" sz="1050" dirty="0"/>
+              <a:t>]</a:t>
+            </a:r>
+            <a:r>
+              <a:rPr lang="ko-KR" altLang="en-US" sz="1050" dirty="0"/>
+              <a:t>고등수학상</a:t>
+            </a:r>
+            <a:r>
+              <a:rPr lang="en-US" altLang="ko-KR" sz="1050" dirty="0"/>
+              <a:t>_07</a:t>
+            </a:r>
+            <a:r>
+              <a:rPr lang="ko-KR" altLang="en-US" sz="1050" dirty="0"/>
+              <a:t>여러가지 방정식</a:t>
+            </a:r>
+          </a:p>
+        </p:txBody>
+      </p:sp>
+      <p:sp>
+        <p:nvSpPr>
+          <p:cNvPr id="30" name="TextBox 29">
+            <a:extLst>
+              <a:ext uri="{FF2B5EF4-FFF2-40B4-BE49-F238E27FC236}">
+                <a16:creationId xmlns:a16="http://schemas.microsoft.com/office/drawing/2014/main" id="{AE0C6D8A-4070-4097-B236-D0DC2E1EC9CD}"/>
+              </a:ext>
+            </a:extLst>
+          </p:cNvPr>
+          <p:cNvSpPr txBox="1"/>
+          <p:nvPr/>
+        </p:nvSpPr>
+        <p:spPr>
+          <a:xfrm>
+            <a:off x="7053943" y="4646538"/>
+            <a:ext cx="1168736" cy="246221"/>
+          </a:xfrm>
+          <a:prstGeom prst="rect">
+            <a:avLst/>
+          </a:prstGeom>
+          <a:noFill/>
+        </p:spPr>
+        <p:txBody>
+          <a:bodyPr wrap="square" rtlCol="0">
+            <a:spAutoFit/>
+          </a:bodyPr>
+          <a:lstStyle/>
+          <a:p>
+            <a:pPr algn="ctr"/>
+            <a:r>
+              <a:rPr lang="en-US" altLang="ko-KR" sz="1000" dirty="0"/>
+              <a:t>1000</a:t>
+            </a:r>
+            <a:endParaRPr lang="ko-KR" altLang="en-US" sz="1000" dirty="0"/>
+          </a:p>
+        </p:txBody>
+      </p:sp>
+      <p:sp>
+        <p:nvSpPr>
+          <p:cNvPr id="33" name="사각형: 둥근 모서리 32">
+            <a:hlinkClick r:id="rId4" action="ppaction://hlinksldjump"/>
+            <a:extLst>
+              <a:ext uri="{FF2B5EF4-FFF2-40B4-BE49-F238E27FC236}">
+                <a16:creationId xmlns:a16="http://schemas.microsoft.com/office/drawing/2014/main" id="{527F6944-D138-44B7-89D6-A0060F3BFB9E}"/>
               </a:ext>
             </a:extLst>
           </p:cNvPr>
@@ -4259,8 +4591,8 @@
         </p:nvSpPr>
         <p:spPr>
           <a:xfrm>
-            <a:off x="4926222" y="3486298"/>
-            <a:ext cx="1258784" cy="427512"/>
+            <a:off x="4743427" y="3104227"/>
+            <a:ext cx="983898" cy="247997"/>
           </a:xfrm>
           <a:prstGeom prst="roundRect">
             <a:avLst/>
@@ -4296,344 +4628,18 @@
           <a:p>
             <a:pPr algn="ctr"/>
             <a:r>
-              <a:rPr lang="ko-KR" altLang="en-US" dirty="0"/>
-              <a:t>회원가입</a:t>
-            </a:r>
-          </a:p>
-        </p:txBody>
-      </p:sp>
-      <p:sp>
-        <p:nvSpPr>
-          <p:cNvPr id="11" name="TextBox 10">
-            <a:extLst>
-              <a:ext uri="{FF2B5EF4-FFF2-40B4-BE49-F238E27FC236}">
-                <a16:creationId xmlns:a16="http://schemas.microsoft.com/office/drawing/2014/main" id="{7372AEBA-C50D-4DF1-8F06-C71C3DEA659F}"/>
-              </a:ext>
-            </a:extLst>
-          </p:cNvPr>
-          <p:cNvSpPr txBox="1"/>
-          <p:nvPr/>
-        </p:nvSpPr>
-        <p:spPr>
-          <a:xfrm>
-            <a:off x="973222" y="7136"/>
-            <a:ext cx="3161944" cy="707886"/>
-          </a:xfrm>
-          <a:prstGeom prst="rect">
-            <a:avLst/>
-          </a:prstGeom>
-          <a:noFill/>
-        </p:spPr>
-        <p:txBody>
-          <a:bodyPr wrap="square" rtlCol="0">
-            <a:spAutoFit/>
-          </a:bodyPr>
-          <a:lstStyle/>
-          <a:p>
-            <a:r>
-              <a:rPr lang="en-US" altLang="ko-KR" sz="4000" dirty="0"/>
-              <a:t>ONCHALL</a:t>
-            </a:r>
-            <a:endParaRPr lang="ko-KR" altLang="en-US" sz="4000" dirty="0"/>
-          </a:p>
-        </p:txBody>
-      </p:sp>
-      <p:sp>
-        <p:nvSpPr>
-          <p:cNvPr id="12" name="TextBox 11">
-            <a:extLst>
-              <a:ext uri="{FF2B5EF4-FFF2-40B4-BE49-F238E27FC236}">
-                <a16:creationId xmlns:a16="http://schemas.microsoft.com/office/drawing/2014/main" id="{00EC4550-7BAE-4775-9A3C-30AB89ACCF47}"/>
-              </a:ext>
-            </a:extLst>
-          </p:cNvPr>
-          <p:cNvSpPr txBox="1"/>
-          <p:nvPr/>
-        </p:nvSpPr>
-        <p:spPr>
-          <a:xfrm>
-            <a:off x="4477995" y="284102"/>
-            <a:ext cx="7306656" cy="307777"/>
-          </a:xfrm>
-          <a:prstGeom prst="rect">
-            <a:avLst/>
-          </a:prstGeom>
-          <a:noFill/>
-        </p:spPr>
-        <p:txBody>
-          <a:bodyPr wrap="square" rtlCol="0">
-            <a:spAutoFit/>
-          </a:bodyPr>
-          <a:lstStyle/>
-          <a:p>
-            <a:r>
-              <a:rPr lang="ko-KR" altLang="en-US" sz="1400" dirty="0" err="1"/>
-              <a:t>온챌아카데미학원</a:t>
-            </a:r>
-            <a:r>
-              <a:rPr lang="ko-KR" altLang="en-US" sz="1400" dirty="0"/>
-              <a:t>       </a:t>
-            </a:r>
-            <a:r>
-              <a:rPr lang="ko-KR" altLang="en-US" sz="1400" dirty="0" err="1"/>
-              <a:t>온챌개념서</a:t>
-            </a:r>
-            <a:r>
-              <a:rPr lang="ko-KR" altLang="en-US" sz="1400" dirty="0"/>
-              <a:t> 무료보기      </a:t>
-            </a:r>
-            <a:r>
-              <a:rPr lang="ko-KR" altLang="en-US" sz="1400" dirty="0" err="1"/>
-              <a:t>온챌개념서</a:t>
-            </a:r>
-            <a:r>
-              <a:rPr lang="ko-KR" altLang="en-US" sz="1400" dirty="0"/>
-              <a:t> 구매     </a:t>
-            </a:r>
-            <a:r>
-              <a:rPr lang="ko-KR" altLang="en-US" sz="1400" b="1" dirty="0"/>
-              <a:t>로그인</a:t>
-            </a:r>
-            <a:r>
-              <a:rPr lang="ko-KR" altLang="en-US" sz="1400" dirty="0"/>
-              <a:t>     회원가입 </a:t>
-            </a:r>
-          </a:p>
-        </p:txBody>
-      </p:sp>
-      <p:sp>
-        <p:nvSpPr>
-          <p:cNvPr id="13" name="TextBox 12">
-            <a:extLst>
-              <a:ext uri="{FF2B5EF4-FFF2-40B4-BE49-F238E27FC236}">
-                <a16:creationId xmlns:a16="http://schemas.microsoft.com/office/drawing/2014/main" id="{978C000E-E8E9-4707-98A8-994482492F42}"/>
-              </a:ext>
-            </a:extLst>
-          </p:cNvPr>
-          <p:cNvSpPr txBox="1"/>
-          <p:nvPr/>
-        </p:nvSpPr>
-        <p:spPr>
-          <a:xfrm>
-            <a:off x="1778409" y="938419"/>
-            <a:ext cx="1780032" cy="461665"/>
-          </a:xfrm>
-          <a:prstGeom prst="rect">
-            <a:avLst/>
-          </a:prstGeom>
-          <a:noFill/>
-        </p:spPr>
-        <p:txBody>
-          <a:bodyPr wrap="square" rtlCol="0">
-            <a:spAutoFit/>
-          </a:bodyPr>
-          <a:lstStyle/>
-          <a:p>
-            <a:r>
-              <a:rPr lang="ko-KR" altLang="en-US" sz="2400" dirty="0"/>
-              <a:t>로그인</a:t>
-            </a:r>
-          </a:p>
-        </p:txBody>
-      </p:sp>
-      <p:sp>
-        <p:nvSpPr>
-          <p:cNvPr id="15" name="TextBox 14">
-            <a:extLst>
-              <a:ext uri="{FF2B5EF4-FFF2-40B4-BE49-F238E27FC236}">
-                <a16:creationId xmlns:a16="http://schemas.microsoft.com/office/drawing/2014/main" id="{C2180903-C03F-4E8C-95E5-9D47C1CA2E44}"/>
-              </a:ext>
-            </a:extLst>
-          </p:cNvPr>
-          <p:cNvSpPr txBox="1"/>
-          <p:nvPr/>
-        </p:nvSpPr>
-        <p:spPr>
-          <a:xfrm>
-            <a:off x="1846692" y="1521926"/>
-            <a:ext cx="5937504" cy="276999"/>
-          </a:xfrm>
-          <a:prstGeom prst="rect">
-            <a:avLst/>
-          </a:prstGeom>
-          <a:noFill/>
-        </p:spPr>
-        <p:txBody>
-          <a:bodyPr wrap="square" rtlCol="0">
-            <a:spAutoFit/>
-          </a:bodyPr>
-          <a:lstStyle/>
-          <a:p>
-            <a:pPr marL="285750" indent="-285750">
-              <a:buFontTx/>
-              <a:buChar char="-"/>
-            </a:pPr>
-            <a:r>
-              <a:rPr lang="ko-KR" altLang="en-US" sz="1200" dirty="0"/>
-              <a:t>환영합니다</a:t>
-            </a:r>
-            <a:r>
-              <a:rPr lang="en-US" altLang="ko-KR" sz="1200" dirty="0"/>
-              <a:t>.</a:t>
-            </a:r>
-            <a:endParaRPr lang="ko-KR" altLang="en-US" sz="1200" dirty="0"/>
-          </a:p>
-        </p:txBody>
-      </p:sp>
-      <p:sp>
-        <p:nvSpPr>
-          <p:cNvPr id="3" name="TextBox 2">
-            <a:extLst>
-              <a:ext uri="{FF2B5EF4-FFF2-40B4-BE49-F238E27FC236}">
-                <a16:creationId xmlns:a16="http://schemas.microsoft.com/office/drawing/2014/main" id="{DE3647C4-6AB6-4422-A0DC-A2ED48C6136F}"/>
-              </a:ext>
-            </a:extLst>
-          </p:cNvPr>
-          <p:cNvSpPr txBox="1"/>
-          <p:nvPr/>
-        </p:nvSpPr>
-        <p:spPr>
-          <a:xfrm>
-            <a:off x="4982419" y="4192149"/>
-            <a:ext cx="2939753" cy="307777"/>
-          </a:xfrm>
-          <a:prstGeom prst="rect">
-            <a:avLst/>
-          </a:prstGeom>
-          <a:noFill/>
-        </p:spPr>
-        <p:txBody>
-          <a:bodyPr wrap="square" rtlCol="0">
-            <a:spAutoFit/>
-          </a:bodyPr>
-          <a:lstStyle/>
-          <a:p>
-            <a:pPr algn="ctr"/>
-            <a:r>
-              <a:rPr lang="ko-KR" altLang="en-US" sz="1400" dirty="0"/>
-              <a:t>비밀번호를 잊으셨나요</a:t>
-            </a:r>
-            <a:r>
-              <a:rPr lang="en-US" altLang="ko-KR" sz="1400" dirty="0"/>
-              <a:t>?</a:t>
-            </a:r>
-            <a:endParaRPr lang="ko-KR" altLang="en-US" sz="1400" dirty="0"/>
-          </a:p>
-        </p:txBody>
-      </p:sp>
-    </p:spTree>
-    <p:extLst>
-      <p:ext uri="{BB962C8B-B14F-4D97-AF65-F5344CB8AC3E}">
-        <p14:creationId xmlns:p14="http://schemas.microsoft.com/office/powerpoint/2010/main" val="3113401599"/>
-      </p:ext>
-    </p:extLst>
-  </p:cSld>
-  <p:clrMapOvr>
-    <a:masterClrMapping/>
-  </p:clrMapOvr>
-</p:sld>
-</file>
-
-<file path=ppt/slides/slide4.xml><?xml version="1.0" encoding="utf-8"?>
-<p:sld xmlns:a="http://schemas.openxmlformats.org/drawingml/2006/main" xmlns:r="http://schemas.openxmlformats.org/officeDocument/2006/relationships" xmlns:p="http://schemas.openxmlformats.org/presentationml/2006/main">
-  <p:cSld>
-    <p:spTree>
-      <p:nvGrpSpPr>
-        <p:cNvPr id="1" name=""/>
-        <p:cNvGrpSpPr/>
-        <p:nvPr/>
-      </p:nvGrpSpPr>
-      <p:grpSpPr>
-        <a:xfrm>
-          <a:off x="0" y="0"/>
-          <a:ext cx="0" cy="0"/>
-          <a:chOff x="0" y="0"/>
-          <a:chExt cx="0" cy="0"/>
-        </a:xfrm>
-      </p:grpSpPr>
-      <p:sp>
-        <p:nvSpPr>
-          <p:cNvPr id="4" name="TextBox 3">
-            <a:extLst>
-              <a:ext uri="{FF2B5EF4-FFF2-40B4-BE49-F238E27FC236}">
-                <a16:creationId xmlns:a16="http://schemas.microsoft.com/office/drawing/2014/main" id="{181F38E4-D20C-4834-B1F4-69D8B5846AD9}"/>
-              </a:ext>
-            </a:extLst>
-          </p:cNvPr>
-          <p:cNvSpPr txBox="1"/>
-          <p:nvPr/>
-        </p:nvSpPr>
-        <p:spPr>
-          <a:xfrm>
-            <a:off x="47501" y="0"/>
-            <a:ext cx="1686296" cy="369332"/>
-          </a:xfrm>
-          <a:prstGeom prst="rect">
-            <a:avLst/>
-          </a:prstGeom>
-          <a:noFill/>
-        </p:spPr>
-        <p:txBody>
-          <a:bodyPr wrap="square" rtlCol="0">
-            <a:spAutoFit/>
-          </a:bodyPr>
-          <a:lstStyle/>
-          <a:p>
-            <a:r>
-              <a:rPr lang="en-US" altLang="ko-KR" dirty="0"/>
-              <a:t>login</a:t>
-            </a:r>
-            <a:endParaRPr lang="ko-KR" altLang="en-US" dirty="0"/>
-          </a:p>
-        </p:txBody>
-      </p:sp>
-      <p:sp>
-        <p:nvSpPr>
-          <p:cNvPr id="8" name="TextBox 7">
-            <a:extLst>
-              <a:ext uri="{FF2B5EF4-FFF2-40B4-BE49-F238E27FC236}">
-                <a16:creationId xmlns:a16="http://schemas.microsoft.com/office/drawing/2014/main" id="{75C42BA6-7A07-4CC1-93DA-C1906C7A3C45}"/>
-              </a:ext>
-            </a:extLst>
-          </p:cNvPr>
-          <p:cNvSpPr txBox="1"/>
-          <p:nvPr/>
-        </p:nvSpPr>
-        <p:spPr>
-          <a:xfrm>
-            <a:off x="5253907" y="1940077"/>
-            <a:ext cx="859531" cy="646331"/>
-          </a:xfrm>
-          <a:prstGeom prst="rect">
-            <a:avLst/>
-          </a:prstGeom>
-          <a:noFill/>
-        </p:spPr>
-        <p:txBody>
-          <a:bodyPr wrap="none" rtlCol="0">
-            <a:spAutoFit/>
-          </a:bodyPr>
-          <a:lstStyle/>
-          <a:p>
-            <a:r>
-              <a:rPr lang="en-US" altLang="ko-KR" dirty="0"/>
-              <a:t>Name:</a:t>
-            </a:r>
-          </a:p>
-          <a:p>
-            <a:r>
-              <a:rPr lang="en-US" altLang="ko-KR" dirty="0"/>
-              <a:t>Email:</a:t>
-            </a:r>
-          </a:p>
-        </p:txBody>
-      </p:sp>
-      <p:sp>
-        <p:nvSpPr>
-          <p:cNvPr id="9" name="사각형: 둥근 모서리 8">
-            <a:extLst>
-              <a:ext uri="{FF2B5EF4-FFF2-40B4-BE49-F238E27FC236}">
-                <a16:creationId xmlns:a16="http://schemas.microsoft.com/office/drawing/2014/main" id="{2B888A01-3F40-40CF-845D-1BF1F6B9F250}"/>
+              <a:rPr lang="ko-KR" altLang="en-US" sz="1050" dirty="0"/>
+              <a:t>포인트 내역</a:t>
+            </a:r>
+          </a:p>
+        </p:txBody>
+      </p:sp>
+      <p:sp>
+        <p:nvSpPr>
+          <p:cNvPr id="34" name="사각형: 둥근 모서리 33">
+            <a:extLst>
+              <a:ext uri="{FF2B5EF4-FFF2-40B4-BE49-F238E27FC236}">
+                <a16:creationId xmlns:a16="http://schemas.microsoft.com/office/drawing/2014/main" id="{D8639496-8B0D-4C23-B825-0AA3D9C4E7DB}"/>
               </a:ext>
             </a:extLst>
           </p:cNvPr>
@@ -4642,8 +4648,8 @@
         </p:nvSpPr>
         <p:spPr>
           <a:xfrm>
-            <a:off x="5407897" y="3429000"/>
-            <a:ext cx="1376207" cy="427512"/>
+            <a:off x="5727325" y="3104227"/>
+            <a:ext cx="983898" cy="247997"/>
           </a:xfrm>
           <a:prstGeom prst="roundRect">
             <a:avLst/>
@@ -4679,18 +4685,18 @@
           <a:p>
             <a:pPr algn="ctr"/>
             <a:r>
-              <a:rPr lang="ko-KR" altLang="en-US" sz="1200" dirty="0"/>
-              <a:t>비밀번호 재설정</a:t>
-            </a:r>
-          </a:p>
-        </p:txBody>
-      </p:sp>
-      <p:sp>
-        <p:nvSpPr>
-          <p:cNvPr id="11" name="TextBox 10">
-            <a:extLst>
-              <a:ext uri="{FF2B5EF4-FFF2-40B4-BE49-F238E27FC236}">
-                <a16:creationId xmlns:a16="http://schemas.microsoft.com/office/drawing/2014/main" id="{7372AEBA-C50D-4DF1-8F06-C71C3DEA659F}"/>
+              <a:rPr lang="ko-KR" altLang="en-US" sz="1050" b="1" dirty="0"/>
+              <a:t>구매 내역</a:t>
+            </a:r>
+          </a:p>
+        </p:txBody>
+      </p:sp>
+      <p:sp>
+        <p:nvSpPr>
+          <p:cNvPr id="35" name="TextBox 34">
+            <a:extLst>
+              <a:ext uri="{FF2B5EF4-FFF2-40B4-BE49-F238E27FC236}">
+                <a16:creationId xmlns:a16="http://schemas.microsoft.com/office/drawing/2014/main" id="{B6684624-BA7E-4EAA-AF72-853BA164DC32}"/>
               </a:ext>
             </a:extLst>
           </p:cNvPr>
@@ -4699,8 +4705,8 @@
         </p:nvSpPr>
         <p:spPr>
           <a:xfrm>
-            <a:off x="973222" y="7136"/>
-            <a:ext cx="3161944" cy="707886"/>
+            <a:off x="5722978" y="3448352"/>
+            <a:ext cx="1192983" cy="369332"/>
           </a:xfrm>
           <a:prstGeom prst="rect">
             <a:avLst/>
@@ -4713,20 +4719,21 @@
           </a:bodyPr>
           <a:lstStyle/>
           <a:p>
-            <a:r>
-              <a:rPr lang="en-US" altLang="ko-KR" sz="4000" dirty="0"/>
-              <a:t>ONCHALL</a:t>
-            </a:r>
-            <a:endParaRPr lang="ko-KR" altLang="en-US" sz="4000" dirty="0"/>
-          </a:p>
-        </p:txBody>
-      </p:sp>
-      <p:sp>
-        <p:nvSpPr>
-          <p:cNvPr id="12" name="TextBox 11">
-            <a:extLst>
-              <a:ext uri="{FF2B5EF4-FFF2-40B4-BE49-F238E27FC236}">
-                <a16:creationId xmlns:a16="http://schemas.microsoft.com/office/drawing/2014/main" id="{00EC4550-7BAE-4775-9A3C-30AB89ACCF47}"/>
+            <a:pPr algn="ctr"/>
+            <a:r>
+              <a:rPr lang="ko-KR" altLang="en-US"/>
+              <a:t>구매 날짜</a:t>
+            </a:r>
+            <a:endParaRPr lang="ko-KR" altLang="en-US" dirty="0"/>
+          </a:p>
+        </p:txBody>
+      </p:sp>
+      <p:sp>
+        <p:nvSpPr>
+          <p:cNvPr id="36" name="TextBox 35">
+            <a:extLst>
+              <a:ext uri="{FF2B5EF4-FFF2-40B4-BE49-F238E27FC236}">
+                <a16:creationId xmlns:a16="http://schemas.microsoft.com/office/drawing/2014/main" id="{99E925E5-C5E6-4DB2-A8A9-D1229BBE09D4}"/>
               </a:ext>
             </a:extLst>
           </p:cNvPr>
@@ -4735,8 +4742,8 @@
         </p:nvSpPr>
         <p:spPr>
           <a:xfrm>
-            <a:off x="4477995" y="284102"/>
-            <a:ext cx="7306656" cy="307777"/>
+            <a:off x="5669663" y="3879086"/>
+            <a:ext cx="1299613" cy="246221"/>
           </a:xfrm>
           <a:prstGeom prst="rect">
             <a:avLst/>
@@ -4749,47 +4756,21 @@
           </a:bodyPr>
           <a:lstStyle/>
           <a:p>
-            <a:r>
-              <a:rPr lang="ko-KR" altLang="en-US" sz="1400" dirty="0" err="1"/>
-              <a:t>온챌아카데미학원</a:t>
-            </a:r>
-            <a:r>
-              <a:rPr lang="ko-KR" altLang="en-US" sz="1400" dirty="0"/>
-              <a:t>       </a:t>
-            </a:r>
-            <a:r>
-              <a:rPr lang="ko-KR" altLang="en-US" sz="1400" dirty="0" err="1"/>
-              <a:t>온챌개념서</a:t>
-            </a:r>
-            <a:r>
-              <a:rPr lang="ko-KR" altLang="en-US" sz="1400" dirty="0"/>
-              <a:t> 무료보기      </a:t>
-            </a:r>
-            <a:r>
-              <a:rPr lang="ko-KR" altLang="en-US" sz="1400" dirty="0" err="1"/>
-              <a:t>온챌개념서</a:t>
-            </a:r>
-            <a:r>
-              <a:rPr lang="ko-KR" altLang="en-US" sz="1400" dirty="0"/>
-              <a:t> 구매     </a:t>
-            </a:r>
-            <a:r>
-              <a:rPr lang="ko-KR" altLang="en-US" sz="1400" b="1" dirty="0"/>
-              <a:t>로그인</a:t>
-            </a:r>
-            <a:r>
-              <a:rPr lang="ko-KR" altLang="en-US" sz="1400" dirty="0"/>
-              <a:t>     회원가입 </a:t>
-            </a:r>
-          </a:p>
-        </p:txBody>
-      </p:sp>
-      <p:sp>
-        <p:nvSpPr>
-          <p:cNvPr id="13" name="TextBox 12">
-            <a:extLst>
-              <a:ext uri="{FF2B5EF4-FFF2-40B4-BE49-F238E27FC236}">
-                <a16:creationId xmlns:a16="http://schemas.microsoft.com/office/drawing/2014/main" id="{978C000E-E8E9-4707-98A8-994482492F42}"/>
+            <a:pPr algn="ctr"/>
+            <a:r>
+              <a:rPr lang="en-US" altLang="ko-KR" sz="1000" dirty="0"/>
+              <a:t>2021-12-08 16:31</a:t>
+            </a:r>
+            <a:endParaRPr lang="ko-KR" altLang="en-US" sz="1000" dirty="0"/>
+          </a:p>
+        </p:txBody>
+      </p:sp>
+      <p:sp>
+        <p:nvSpPr>
+          <p:cNvPr id="37" name="TextBox 36">
+            <a:extLst>
+              <a:ext uri="{FF2B5EF4-FFF2-40B4-BE49-F238E27FC236}">
+                <a16:creationId xmlns:a16="http://schemas.microsoft.com/office/drawing/2014/main" id="{EBE4F258-552C-4227-8303-3DB16EFB6F96}"/>
               </a:ext>
             </a:extLst>
           </p:cNvPr>
@@ -4798,8 +4779,8 @@
         </p:nvSpPr>
         <p:spPr>
           <a:xfrm>
-            <a:off x="1778409" y="938419"/>
-            <a:ext cx="2431394" cy="461665"/>
+            <a:off x="5669663" y="4223344"/>
+            <a:ext cx="1299612" cy="246221"/>
           </a:xfrm>
           <a:prstGeom prst="rect">
             <a:avLst/>
@@ -4812,24 +4793,56 @@
           </a:bodyPr>
           <a:lstStyle/>
           <a:p>
-            <a:pPr algn="l"/>
-            <a:r>
-              <a:rPr lang="ko-KR" altLang="en-US" sz="2400" b="1" i="0" dirty="0">
-                <a:solidFill>
-                  <a:srgbClr val="1A1A1A"/>
-                </a:solidFill>
-                <a:effectLst/>
-                <a:latin typeface="Montserrat" panose="020B0604020202020204" pitchFamily="2" charset="0"/>
-              </a:rPr>
-              <a:t>비밀번호 재설정</a:t>
-            </a:r>
+            <a:pPr algn="ctr"/>
+            <a:r>
+              <a:rPr lang="en-US" altLang="ko-KR" sz="1000" dirty="0"/>
+              <a:t>2021-12-09 04:31</a:t>
+            </a:r>
+            <a:endParaRPr lang="ko-KR" altLang="en-US" sz="1000" dirty="0"/>
+          </a:p>
+        </p:txBody>
+      </p:sp>
+      <p:sp>
+        <p:nvSpPr>
+          <p:cNvPr id="38" name="TextBox 37">
+            <a:extLst>
+              <a:ext uri="{FF2B5EF4-FFF2-40B4-BE49-F238E27FC236}">
+                <a16:creationId xmlns:a16="http://schemas.microsoft.com/office/drawing/2014/main" id="{F19BED51-E1F8-4644-95C3-6368835AFEA9}"/>
+              </a:ext>
+            </a:extLst>
+          </p:cNvPr>
+          <p:cNvSpPr txBox="1"/>
+          <p:nvPr/>
+        </p:nvSpPr>
+        <p:spPr>
+          <a:xfrm>
+            <a:off x="5702382" y="4616145"/>
+            <a:ext cx="1234174" cy="246221"/>
+          </a:xfrm>
+          <a:prstGeom prst="rect">
+            <a:avLst/>
+          </a:prstGeom>
+          <a:noFill/>
+        </p:spPr>
+        <p:txBody>
+          <a:bodyPr wrap="square" rtlCol="0">
+            <a:spAutoFit/>
+          </a:bodyPr>
+          <a:lstStyle/>
+          <a:p>
+            <a:pPr algn="ctr"/>
+            <a:r>
+              <a:rPr lang="en-US" altLang="ko-KR" sz="1000" dirty="0"/>
+              <a:t>2021-12-11 12:31</a:t>
+            </a:r>
+            <a:endParaRPr lang="ko-KR" altLang="en-US" sz="1000" dirty="0"/>
           </a:p>
         </p:txBody>
       </p:sp>
     </p:spTree>
     <p:extLst>
       <p:ext uri="{BB962C8B-B14F-4D97-AF65-F5344CB8AC3E}">
-        <p14:creationId xmlns:p14="http://schemas.microsoft.com/office/powerpoint/2010/main" val="2075105476"/>
+        <p14:creationId xmlns:p14="http://schemas.microsoft.com/office/powerpoint/2010/main" val="1015397005"/>
       </p:ext>
     </p:extLst>
   </p:cSld>
@@ -4839,313 +4852,7 @@
 </p:sld>
 </file>
 
-<file path=ppt/slides/slide5.xml><?xml version="1.0" encoding="utf-8"?>
-<p:sld xmlns:a="http://schemas.openxmlformats.org/drawingml/2006/main" xmlns:r="http://schemas.openxmlformats.org/officeDocument/2006/relationships" xmlns:p="http://schemas.openxmlformats.org/presentationml/2006/main">
-  <p:cSld>
-    <p:spTree>
-      <p:nvGrpSpPr>
-        <p:cNvPr id="1" name=""/>
-        <p:cNvGrpSpPr/>
-        <p:nvPr/>
-      </p:nvGrpSpPr>
-      <p:grpSpPr>
-        <a:xfrm>
-          <a:off x="0" y="0"/>
-          <a:ext cx="0" cy="0"/>
-          <a:chOff x="0" y="0"/>
-          <a:chExt cx="0" cy="0"/>
-        </a:xfrm>
-      </p:grpSpPr>
-      <p:sp>
-        <p:nvSpPr>
-          <p:cNvPr id="4" name="TextBox 3">
-            <a:extLst>
-              <a:ext uri="{FF2B5EF4-FFF2-40B4-BE49-F238E27FC236}">
-                <a16:creationId xmlns:a16="http://schemas.microsoft.com/office/drawing/2014/main" id="{181F38E4-D20C-4834-B1F4-69D8B5846AD9}"/>
-              </a:ext>
-            </a:extLst>
-          </p:cNvPr>
-          <p:cNvSpPr txBox="1"/>
-          <p:nvPr/>
-        </p:nvSpPr>
-        <p:spPr>
-          <a:xfrm>
-            <a:off x="47501" y="0"/>
-            <a:ext cx="1686296" cy="369332"/>
-          </a:xfrm>
-          <a:prstGeom prst="rect">
-            <a:avLst/>
-          </a:prstGeom>
-          <a:noFill/>
-        </p:spPr>
-        <p:txBody>
-          <a:bodyPr wrap="square" rtlCol="0">
-            <a:spAutoFit/>
-          </a:bodyPr>
-          <a:lstStyle/>
-          <a:p>
-            <a:r>
-              <a:rPr lang="en-US" altLang="ko-KR" dirty="0"/>
-              <a:t>login</a:t>
-            </a:r>
-            <a:endParaRPr lang="ko-KR" altLang="en-US" dirty="0"/>
-          </a:p>
-        </p:txBody>
-      </p:sp>
-      <p:sp>
-        <p:nvSpPr>
-          <p:cNvPr id="8" name="TextBox 7">
-            <a:extLst>
-              <a:ext uri="{FF2B5EF4-FFF2-40B4-BE49-F238E27FC236}">
-                <a16:creationId xmlns:a16="http://schemas.microsoft.com/office/drawing/2014/main" id="{75C42BA6-7A07-4CC1-93DA-C1906C7A3C45}"/>
-              </a:ext>
-            </a:extLst>
-          </p:cNvPr>
-          <p:cNvSpPr txBox="1"/>
-          <p:nvPr/>
-        </p:nvSpPr>
-        <p:spPr>
-          <a:xfrm>
-            <a:off x="3416421" y="1940077"/>
-            <a:ext cx="5359159" cy="369332"/>
-          </a:xfrm>
-          <a:prstGeom prst="rect">
-            <a:avLst/>
-          </a:prstGeom>
-          <a:noFill/>
-        </p:spPr>
-        <p:txBody>
-          <a:bodyPr wrap="none" rtlCol="0">
-            <a:spAutoFit/>
-          </a:bodyPr>
-          <a:lstStyle/>
-          <a:p>
-            <a:pPr algn="ctr"/>
-            <a:r>
-              <a:rPr lang="ko-KR" altLang="en-US" dirty="0"/>
-              <a:t>입력한 이메일로 임시 비밀번호가 전송되었습니다</a:t>
-            </a:r>
-            <a:r>
-              <a:rPr lang="en-US" altLang="ko-KR" dirty="0"/>
-              <a:t>.</a:t>
-            </a:r>
-          </a:p>
-        </p:txBody>
-      </p:sp>
-      <p:sp>
-        <p:nvSpPr>
-          <p:cNvPr id="11" name="TextBox 10">
-            <a:extLst>
-              <a:ext uri="{FF2B5EF4-FFF2-40B4-BE49-F238E27FC236}">
-                <a16:creationId xmlns:a16="http://schemas.microsoft.com/office/drawing/2014/main" id="{7372AEBA-C50D-4DF1-8F06-C71C3DEA659F}"/>
-              </a:ext>
-            </a:extLst>
-          </p:cNvPr>
-          <p:cNvSpPr txBox="1"/>
-          <p:nvPr/>
-        </p:nvSpPr>
-        <p:spPr>
-          <a:xfrm>
-            <a:off x="973222" y="7136"/>
-            <a:ext cx="3161944" cy="707886"/>
-          </a:xfrm>
-          <a:prstGeom prst="rect">
-            <a:avLst/>
-          </a:prstGeom>
-          <a:noFill/>
-        </p:spPr>
-        <p:txBody>
-          <a:bodyPr wrap="square" rtlCol="0">
-            <a:spAutoFit/>
-          </a:bodyPr>
-          <a:lstStyle/>
-          <a:p>
-            <a:r>
-              <a:rPr lang="en-US" altLang="ko-KR" sz="4000" dirty="0"/>
-              <a:t>ONCHALL</a:t>
-            </a:r>
-            <a:endParaRPr lang="ko-KR" altLang="en-US" sz="4000" dirty="0"/>
-          </a:p>
-        </p:txBody>
-      </p:sp>
-      <p:sp>
-        <p:nvSpPr>
-          <p:cNvPr id="12" name="TextBox 11">
-            <a:extLst>
-              <a:ext uri="{FF2B5EF4-FFF2-40B4-BE49-F238E27FC236}">
-                <a16:creationId xmlns:a16="http://schemas.microsoft.com/office/drawing/2014/main" id="{00EC4550-7BAE-4775-9A3C-30AB89ACCF47}"/>
-              </a:ext>
-            </a:extLst>
-          </p:cNvPr>
-          <p:cNvSpPr txBox="1"/>
-          <p:nvPr/>
-        </p:nvSpPr>
-        <p:spPr>
-          <a:xfrm>
-            <a:off x="4477995" y="284102"/>
-            <a:ext cx="7306656" cy="307777"/>
-          </a:xfrm>
-          <a:prstGeom prst="rect">
-            <a:avLst/>
-          </a:prstGeom>
-          <a:noFill/>
-        </p:spPr>
-        <p:txBody>
-          <a:bodyPr wrap="square" rtlCol="0">
-            <a:spAutoFit/>
-          </a:bodyPr>
-          <a:lstStyle/>
-          <a:p>
-            <a:r>
-              <a:rPr lang="ko-KR" altLang="en-US" sz="1400" dirty="0" err="1"/>
-              <a:t>온챌아카데미학원</a:t>
-            </a:r>
-            <a:r>
-              <a:rPr lang="ko-KR" altLang="en-US" sz="1400" dirty="0"/>
-              <a:t>       </a:t>
-            </a:r>
-            <a:r>
-              <a:rPr lang="ko-KR" altLang="en-US" sz="1400" dirty="0" err="1"/>
-              <a:t>온챌개념서</a:t>
-            </a:r>
-            <a:r>
-              <a:rPr lang="ko-KR" altLang="en-US" sz="1400" dirty="0"/>
-              <a:t> 무료보기      </a:t>
-            </a:r>
-            <a:r>
-              <a:rPr lang="ko-KR" altLang="en-US" sz="1400" dirty="0" err="1"/>
-              <a:t>온챌개념서</a:t>
-            </a:r>
-            <a:r>
-              <a:rPr lang="ko-KR" altLang="en-US" sz="1400" dirty="0"/>
-              <a:t> 구매     </a:t>
-            </a:r>
-            <a:r>
-              <a:rPr lang="ko-KR" altLang="en-US" sz="1400" b="1" dirty="0"/>
-              <a:t>로그인</a:t>
-            </a:r>
-            <a:r>
-              <a:rPr lang="ko-KR" altLang="en-US" sz="1400" dirty="0"/>
-              <a:t>     회원가입 </a:t>
-            </a:r>
-          </a:p>
-        </p:txBody>
-      </p:sp>
-      <p:sp>
-        <p:nvSpPr>
-          <p:cNvPr id="13" name="TextBox 12">
-            <a:extLst>
-              <a:ext uri="{FF2B5EF4-FFF2-40B4-BE49-F238E27FC236}">
-                <a16:creationId xmlns:a16="http://schemas.microsoft.com/office/drawing/2014/main" id="{978C000E-E8E9-4707-98A8-994482492F42}"/>
-              </a:ext>
-            </a:extLst>
-          </p:cNvPr>
-          <p:cNvSpPr txBox="1"/>
-          <p:nvPr/>
-        </p:nvSpPr>
-        <p:spPr>
-          <a:xfrm>
-            <a:off x="1778409" y="938419"/>
-            <a:ext cx="2431394" cy="461665"/>
-          </a:xfrm>
-          <a:prstGeom prst="rect">
-            <a:avLst/>
-          </a:prstGeom>
-          <a:noFill/>
-        </p:spPr>
-        <p:txBody>
-          <a:bodyPr wrap="square" rtlCol="0">
-            <a:spAutoFit/>
-          </a:bodyPr>
-          <a:lstStyle/>
-          <a:p>
-            <a:pPr algn="l"/>
-            <a:r>
-              <a:rPr lang="ko-KR" altLang="en-US" sz="2400" b="1" i="0" dirty="0">
-                <a:solidFill>
-                  <a:srgbClr val="1A1A1A"/>
-                </a:solidFill>
-                <a:effectLst/>
-                <a:latin typeface="Montserrat" panose="020B0604020202020204" pitchFamily="2" charset="0"/>
-              </a:rPr>
-              <a:t>비밀번호 재설정</a:t>
-            </a:r>
-          </a:p>
-        </p:txBody>
-      </p:sp>
-      <p:sp>
-        <p:nvSpPr>
-          <p:cNvPr id="10" name="사각형: 둥근 모서리 9">
-            <a:hlinkClick r:id="rId2" action="ppaction://hlinksldjump"/>
-            <a:extLst>
-              <a:ext uri="{FF2B5EF4-FFF2-40B4-BE49-F238E27FC236}">
-                <a16:creationId xmlns:a16="http://schemas.microsoft.com/office/drawing/2014/main" id="{247DCBFF-F4AB-4922-8212-F2E7CFA52CFE}"/>
-              </a:ext>
-            </a:extLst>
-          </p:cNvPr>
-          <p:cNvSpPr/>
-          <p:nvPr/>
-        </p:nvSpPr>
-        <p:spPr>
-          <a:xfrm>
-            <a:off x="5466608" y="4211694"/>
-            <a:ext cx="1258784" cy="427512"/>
-          </a:xfrm>
-          <a:prstGeom prst="roundRect">
-            <a:avLst/>
-          </a:prstGeom>
-          <a:ln>
-            <a:solidFill>
-              <a:schemeClr val="accent1">
-                <a:lumMod val="40000"/>
-                <a:lumOff val="60000"/>
-              </a:schemeClr>
-            </a:solidFill>
-          </a:ln>
-        </p:spPr>
-        <p:style>
-          <a:lnRef idx="2">
-            <a:schemeClr val="accent6">
-              <a:shade val="50000"/>
-            </a:schemeClr>
-          </a:lnRef>
-          <a:fillRef idx="1">
-            <a:schemeClr val="accent6"/>
-          </a:fillRef>
-          <a:effectRef idx="0">
-            <a:schemeClr val="accent6"/>
-          </a:effectRef>
-          <a:fontRef idx="minor">
-            <a:schemeClr val="lt1"/>
-          </a:fontRef>
-        </p:style>
-        <p:txBody>
-          <a:bodyPr rtlCol="0" anchor="ctr"/>
-          <a:lstStyle/>
-          <a:p>
-            <a:pPr algn="ctr"/>
-            <a:r>
-              <a:rPr lang="ko-KR" altLang="en-US"/>
-              <a:t>로그인</a:t>
-            </a:r>
-            <a:endParaRPr lang="ko-KR" altLang="en-US" dirty="0"/>
-          </a:p>
-        </p:txBody>
-      </p:sp>
-    </p:spTree>
-    <p:extLst>
-      <p:ext uri="{BB962C8B-B14F-4D97-AF65-F5344CB8AC3E}">
-        <p14:creationId xmlns:p14="http://schemas.microsoft.com/office/powerpoint/2010/main" val="1077259711"/>
-      </p:ext>
-    </p:extLst>
-  </p:cSld>
-  <p:clrMapOvr>
-    <a:masterClrMapping/>
-  </p:clrMapOvr>
-</p:sld>
-</file>
-
-<file path=ppt/slides/slide6.xml><?xml version="1.0" encoding="utf-8"?>
+<file path=ppt/slides/slide11.xml><?xml version="1.0" encoding="utf-8"?>
 <p:sld xmlns:a="http://schemas.openxmlformats.org/drawingml/2006/main" xmlns:r="http://schemas.openxmlformats.org/officeDocument/2006/relationships" xmlns:p="http://schemas.openxmlformats.org/presentationml/2006/main">
   <p:cSld>
     <p:bg>
@@ -5168,6 +4875,567 @@
           <a:chExt cx="0" cy="0"/>
         </a:xfrm>
       </p:grpSpPr>
+      <p:grpSp>
+        <p:nvGrpSpPr>
+          <p:cNvPr id="5" name="그룹 4">
+            <a:extLst>
+              <a:ext uri="{FF2B5EF4-FFF2-40B4-BE49-F238E27FC236}">
+                <a16:creationId xmlns:a16="http://schemas.microsoft.com/office/drawing/2014/main" id="{5F06C249-C2E7-4DC7-94A1-7881EDD251E6}"/>
+              </a:ext>
+            </a:extLst>
+          </p:cNvPr>
+          <p:cNvGrpSpPr/>
+          <p:nvPr/>
+        </p:nvGrpSpPr>
+        <p:grpSpPr>
+          <a:xfrm>
+            <a:off x="2278529" y="2633025"/>
+            <a:ext cx="7634943" cy="1885377"/>
+            <a:chOff x="2278529" y="2633025"/>
+            <a:chExt cx="7634943" cy="1885377"/>
+          </a:xfrm>
+        </p:grpSpPr>
+        <p:sp>
+          <p:nvSpPr>
+            <p:cNvPr id="13" name="TextBox 12">
+              <a:extLst>
+                <a:ext uri="{FF2B5EF4-FFF2-40B4-BE49-F238E27FC236}">
+                  <a16:creationId xmlns:a16="http://schemas.microsoft.com/office/drawing/2014/main" id="{75C3FE87-B101-47C3-BF2F-F6C94F5360B8}"/>
+                </a:ext>
+              </a:extLst>
+            </p:cNvPr>
+            <p:cNvSpPr txBox="1"/>
+            <p:nvPr/>
+          </p:nvSpPr>
+          <p:spPr>
+            <a:xfrm>
+              <a:off x="2278529" y="4102904"/>
+              <a:ext cx="1734800" cy="261610"/>
+            </a:xfrm>
+            <a:prstGeom prst="rect">
+              <a:avLst/>
+            </a:prstGeom>
+            <a:noFill/>
+          </p:spPr>
+          <p:txBody>
+            <a:bodyPr wrap="square" rtlCol="0">
+              <a:spAutoFit/>
+            </a:bodyPr>
+            <a:lstStyle/>
+            <a:p>
+              <a:pPr algn="ctr"/>
+              <a:r>
+                <a:rPr lang="en-US" altLang="ko-KR" sz="1050" dirty="0">
+                  <a:solidFill>
+                    <a:schemeClr val="accent1"/>
+                  </a:solidFill>
+                </a:rPr>
+                <a:t>[</a:t>
+              </a:r>
+              <a:r>
+                <a:rPr lang="ko-KR" altLang="en-US" sz="1050" dirty="0" err="1">
+                  <a:solidFill>
+                    <a:schemeClr val="accent1"/>
+                  </a:solidFill>
+                </a:rPr>
+                <a:t>온챌개념서</a:t>
+              </a:r>
+              <a:r>
+                <a:rPr lang="en-US" altLang="ko-KR" sz="1050" dirty="0">
+                  <a:solidFill>
+                    <a:schemeClr val="accent1"/>
+                  </a:solidFill>
+                </a:rPr>
+                <a:t>]</a:t>
+              </a:r>
+              <a:r>
+                <a:rPr lang="ko-KR" altLang="en-US" sz="1050" dirty="0">
+                  <a:solidFill>
+                    <a:schemeClr val="accent1"/>
+                  </a:solidFill>
+                </a:rPr>
+                <a:t>고등수학 상</a:t>
+              </a:r>
+            </a:p>
+          </p:txBody>
+        </p:sp>
+        <p:sp>
+          <p:nvSpPr>
+            <p:cNvPr id="14" name="직사각형 13">
+              <a:hlinkClick r:id="rId2" action="ppaction://hlinksldjump"/>
+              <a:extLst>
+                <a:ext uri="{FF2B5EF4-FFF2-40B4-BE49-F238E27FC236}">
+                  <a16:creationId xmlns:a16="http://schemas.microsoft.com/office/drawing/2014/main" id="{5EA075DE-7B7A-4317-ABB8-CB360D478A2C}"/>
+                </a:ext>
+              </a:extLst>
+            </p:cNvPr>
+            <p:cNvSpPr/>
+            <p:nvPr/>
+          </p:nvSpPr>
+          <p:spPr>
+            <a:xfrm>
+              <a:off x="2389626" y="2633025"/>
+              <a:ext cx="1452787" cy="1452787"/>
+            </a:xfrm>
+            <a:prstGeom prst="rect">
+              <a:avLst/>
+            </a:prstGeom>
+            <a:noFill/>
+            <a:ln w="28575">
+              <a:solidFill>
+                <a:schemeClr val="tx1"/>
+              </a:solidFill>
+            </a:ln>
+          </p:spPr>
+          <p:style>
+            <a:lnRef idx="2">
+              <a:schemeClr val="accent1">
+                <a:shade val="50000"/>
+              </a:schemeClr>
+            </a:lnRef>
+            <a:fillRef idx="1">
+              <a:schemeClr val="accent1"/>
+            </a:fillRef>
+            <a:effectRef idx="0">
+              <a:schemeClr val="accent1"/>
+            </a:effectRef>
+            <a:fontRef idx="minor">
+              <a:schemeClr val="lt1"/>
+            </a:fontRef>
+          </p:style>
+          <p:txBody>
+            <a:bodyPr rtlCol="0" anchor="ctr"/>
+            <a:lstStyle/>
+            <a:p>
+              <a:pPr algn="ctr"/>
+              <a:r>
+                <a:rPr lang="ko-KR" altLang="en-US" dirty="0">
+                  <a:solidFill>
+                    <a:schemeClr val="tx1"/>
+                  </a:solidFill>
+                </a:rPr>
+                <a:t>이미지</a:t>
+              </a:r>
+            </a:p>
+          </p:txBody>
+        </p:sp>
+        <p:sp>
+          <p:nvSpPr>
+            <p:cNvPr id="22" name="TextBox 21">
+              <a:extLst>
+                <a:ext uri="{FF2B5EF4-FFF2-40B4-BE49-F238E27FC236}">
+                  <a16:creationId xmlns:a16="http://schemas.microsoft.com/office/drawing/2014/main" id="{B59E2588-8A59-4785-88EB-A05833C5B3FB}"/>
+                </a:ext>
+              </a:extLst>
+            </p:cNvPr>
+            <p:cNvSpPr txBox="1"/>
+            <p:nvPr/>
+          </p:nvSpPr>
+          <p:spPr>
+            <a:xfrm>
+              <a:off x="4291397" y="4102904"/>
+              <a:ext cx="1734800" cy="261610"/>
+            </a:xfrm>
+            <a:prstGeom prst="rect">
+              <a:avLst/>
+            </a:prstGeom>
+            <a:noFill/>
+          </p:spPr>
+          <p:txBody>
+            <a:bodyPr wrap="square" rtlCol="0">
+              <a:spAutoFit/>
+            </a:bodyPr>
+            <a:lstStyle/>
+            <a:p>
+              <a:pPr algn="ctr"/>
+              <a:r>
+                <a:rPr lang="en-US" altLang="ko-KR" sz="1050" dirty="0">
+                  <a:solidFill>
+                    <a:schemeClr val="accent1"/>
+                  </a:solidFill>
+                </a:rPr>
+                <a:t>[</a:t>
+              </a:r>
+              <a:r>
+                <a:rPr lang="ko-KR" altLang="en-US" sz="1050" dirty="0" err="1">
+                  <a:solidFill>
+                    <a:schemeClr val="accent1"/>
+                  </a:solidFill>
+                </a:rPr>
+                <a:t>온챌개념서</a:t>
+              </a:r>
+              <a:r>
+                <a:rPr lang="en-US" altLang="ko-KR" sz="1050" dirty="0">
+                  <a:solidFill>
+                    <a:schemeClr val="accent1"/>
+                  </a:solidFill>
+                </a:rPr>
+                <a:t>]</a:t>
+              </a:r>
+              <a:r>
+                <a:rPr lang="ko-KR" altLang="en-US" sz="1050" dirty="0">
+                  <a:solidFill>
+                    <a:schemeClr val="accent1"/>
+                  </a:solidFill>
+                </a:rPr>
+                <a:t>고등수학 하</a:t>
+              </a:r>
+            </a:p>
+          </p:txBody>
+        </p:sp>
+        <p:sp>
+          <p:nvSpPr>
+            <p:cNvPr id="23" name="직사각형 22">
+              <a:hlinkClick r:id="rId2" action="ppaction://hlinksldjump"/>
+              <a:extLst>
+                <a:ext uri="{FF2B5EF4-FFF2-40B4-BE49-F238E27FC236}">
+                  <a16:creationId xmlns:a16="http://schemas.microsoft.com/office/drawing/2014/main" id="{4A2B8D5B-1B80-49A1-8D46-0D4AA9556CD0}"/>
+                </a:ext>
+              </a:extLst>
+            </p:cNvPr>
+            <p:cNvSpPr/>
+            <p:nvPr/>
+          </p:nvSpPr>
+          <p:spPr>
+            <a:xfrm>
+              <a:off x="4402494" y="2633025"/>
+              <a:ext cx="1452787" cy="1452787"/>
+            </a:xfrm>
+            <a:prstGeom prst="rect">
+              <a:avLst/>
+            </a:prstGeom>
+            <a:noFill/>
+            <a:ln w="28575">
+              <a:solidFill>
+                <a:schemeClr val="tx1"/>
+              </a:solidFill>
+            </a:ln>
+          </p:spPr>
+          <p:style>
+            <a:lnRef idx="2">
+              <a:schemeClr val="accent1">
+                <a:shade val="50000"/>
+              </a:schemeClr>
+            </a:lnRef>
+            <a:fillRef idx="1">
+              <a:schemeClr val="accent1"/>
+            </a:fillRef>
+            <a:effectRef idx="0">
+              <a:schemeClr val="accent1"/>
+            </a:effectRef>
+            <a:fontRef idx="minor">
+              <a:schemeClr val="lt1"/>
+            </a:fontRef>
+          </p:style>
+          <p:txBody>
+            <a:bodyPr rtlCol="0" anchor="ctr"/>
+            <a:lstStyle/>
+            <a:p>
+              <a:pPr algn="ctr"/>
+              <a:r>
+                <a:rPr lang="ko-KR" altLang="en-US" dirty="0">
+                  <a:solidFill>
+                    <a:schemeClr val="tx1"/>
+                  </a:solidFill>
+                </a:rPr>
+                <a:t>이미지</a:t>
+              </a:r>
+            </a:p>
+          </p:txBody>
+        </p:sp>
+        <p:sp>
+          <p:nvSpPr>
+            <p:cNvPr id="28" name="TextBox 27">
+              <a:extLst>
+                <a:ext uri="{FF2B5EF4-FFF2-40B4-BE49-F238E27FC236}">
+                  <a16:creationId xmlns:a16="http://schemas.microsoft.com/office/drawing/2014/main" id="{EBD4C268-39C6-4247-A112-15C172E5C8CB}"/>
+                </a:ext>
+              </a:extLst>
+            </p:cNvPr>
+            <p:cNvSpPr txBox="1"/>
+            <p:nvPr/>
+          </p:nvSpPr>
+          <p:spPr>
+            <a:xfrm>
+              <a:off x="6275966" y="4102904"/>
+              <a:ext cx="1653446" cy="415498"/>
+            </a:xfrm>
+            <a:prstGeom prst="rect">
+              <a:avLst/>
+            </a:prstGeom>
+            <a:noFill/>
+          </p:spPr>
+          <p:txBody>
+            <a:bodyPr wrap="square" rtlCol="0">
+              <a:spAutoFit/>
+            </a:bodyPr>
+            <a:lstStyle/>
+            <a:p>
+              <a:r>
+                <a:rPr lang="en-US" altLang="ko-KR" sz="1050" dirty="0">
+                  <a:solidFill>
+                    <a:schemeClr val="accent1"/>
+                  </a:solidFill>
+                </a:rPr>
+                <a:t>[</a:t>
+              </a:r>
+              <a:r>
+                <a:rPr lang="ko-KR" altLang="en-US" sz="1050" dirty="0" err="1">
+                  <a:solidFill>
+                    <a:schemeClr val="accent1"/>
+                  </a:solidFill>
+                </a:rPr>
+                <a:t>온챌개념서</a:t>
+              </a:r>
+              <a:r>
+                <a:rPr lang="en-US" altLang="ko-KR" sz="1050" dirty="0">
+                  <a:solidFill>
+                    <a:schemeClr val="accent1"/>
+                  </a:solidFill>
+                </a:rPr>
+                <a:t>]</a:t>
+              </a:r>
+              <a:r>
+                <a:rPr lang="ko-KR" altLang="en-US" sz="1050" dirty="0">
+                  <a:solidFill>
+                    <a:schemeClr val="accent1"/>
+                  </a:solidFill>
+                </a:rPr>
+                <a:t>고등수학 하</a:t>
+              </a:r>
+              <a:endParaRPr lang="en-US" altLang="ko-KR" sz="1050" dirty="0">
+                <a:solidFill>
+                  <a:schemeClr val="accent1"/>
+                </a:solidFill>
+              </a:endParaRPr>
+            </a:p>
+            <a:p>
+              <a:r>
+                <a:rPr lang="en-US" altLang="ko-KR" sz="1050" dirty="0">
+                  <a:solidFill>
+                    <a:schemeClr val="accent1"/>
+                  </a:solidFill>
+                </a:rPr>
+                <a:t>_02</a:t>
+              </a:r>
+              <a:r>
+                <a:rPr lang="ko-KR" altLang="en-US" sz="1050" dirty="0">
+                  <a:solidFill>
+                    <a:schemeClr val="accent1"/>
+                  </a:solidFill>
+                </a:rPr>
+                <a:t> 집합의 연산</a:t>
+              </a:r>
+            </a:p>
+          </p:txBody>
+        </p:sp>
+        <p:sp>
+          <p:nvSpPr>
+            <p:cNvPr id="29" name="직사각형 28">
+              <a:hlinkClick r:id="rId2" action="ppaction://hlinksldjump"/>
+              <a:extLst>
+                <a:ext uri="{FF2B5EF4-FFF2-40B4-BE49-F238E27FC236}">
+                  <a16:creationId xmlns:a16="http://schemas.microsoft.com/office/drawing/2014/main" id="{7EFF24E9-35F0-4B32-A950-2ECC626E3A8C}"/>
+                </a:ext>
+              </a:extLst>
+            </p:cNvPr>
+            <p:cNvSpPr/>
+            <p:nvPr/>
+          </p:nvSpPr>
+          <p:spPr>
+            <a:xfrm>
+              <a:off x="6357373" y="2633025"/>
+              <a:ext cx="1452787" cy="1452787"/>
+            </a:xfrm>
+            <a:prstGeom prst="rect">
+              <a:avLst/>
+            </a:prstGeom>
+            <a:noFill/>
+            <a:ln w="28575">
+              <a:solidFill>
+                <a:schemeClr val="tx1"/>
+              </a:solidFill>
+            </a:ln>
+          </p:spPr>
+          <p:style>
+            <a:lnRef idx="2">
+              <a:schemeClr val="accent1">
+                <a:shade val="50000"/>
+              </a:schemeClr>
+            </a:lnRef>
+            <a:fillRef idx="1">
+              <a:schemeClr val="accent1"/>
+            </a:fillRef>
+            <a:effectRef idx="0">
+              <a:schemeClr val="accent1"/>
+            </a:effectRef>
+            <a:fontRef idx="minor">
+              <a:schemeClr val="lt1"/>
+            </a:fontRef>
+          </p:style>
+          <p:txBody>
+            <a:bodyPr rtlCol="0" anchor="ctr"/>
+            <a:lstStyle/>
+            <a:p>
+              <a:pPr algn="ctr"/>
+              <a:r>
+                <a:rPr lang="ko-KR" altLang="en-US" dirty="0">
+                  <a:solidFill>
+                    <a:schemeClr val="tx1"/>
+                  </a:solidFill>
+                </a:rPr>
+                <a:t>이미지</a:t>
+              </a:r>
+            </a:p>
+          </p:txBody>
+        </p:sp>
+        <p:sp>
+          <p:nvSpPr>
+            <p:cNvPr id="34" name="TextBox 33">
+              <a:extLst>
+                <a:ext uri="{FF2B5EF4-FFF2-40B4-BE49-F238E27FC236}">
+                  <a16:creationId xmlns:a16="http://schemas.microsoft.com/office/drawing/2014/main" id="{F5AFD711-28EC-425F-AF79-9A2771EDD214}"/>
+                </a:ext>
+              </a:extLst>
+            </p:cNvPr>
+            <p:cNvSpPr txBox="1"/>
+            <p:nvPr/>
+          </p:nvSpPr>
+          <p:spPr>
+            <a:xfrm>
+              <a:off x="8260026" y="4085812"/>
+              <a:ext cx="1653446" cy="415498"/>
+            </a:xfrm>
+            <a:prstGeom prst="rect">
+              <a:avLst/>
+            </a:prstGeom>
+            <a:noFill/>
+          </p:spPr>
+          <p:txBody>
+            <a:bodyPr wrap="square" rtlCol="0">
+              <a:spAutoFit/>
+            </a:bodyPr>
+            <a:lstStyle/>
+            <a:p>
+              <a:r>
+                <a:rPr lang="en-US" altLang="ko-KR" sz="1050" dirty="0">
+                  <a:solidFill>
+                    <a:schemeClr val="accent1"/>
+                  </a:solidFill>
+                </a:rPr>
+                <a:t>[</a:t>
+              </a:r>
+              <a:r>
+                <a:rPr lang="ko-KR" altLang="en-US" sz="1050" dirty="0" err="1">
+                  <a:solidFill>
+                    <a:schemeClr val="accent1"/>
+                  </a:solidFill>
+                </a:rPr>
+                <a:t>온챌개념서</a:t>
+              </a:r>
+              <a:r>
+                <a:rPr lang="en-US" altLang="ko-KR" sz="1050" dirty="0">
+                  <a:solidFill>
+                    <a:schemeClr val="accent1"/>
+                  </a:solidFill>
+                </a:rPr>
+                <a:t>]</a:t>
+              </a:r>
+              <a:r>
+                <a:rPr lang="ko-KR" altLang="en-US" sz="1050" dirty="0">
+                  <a:solidFill>
+                    <a:schemeClr val="accent1"/>
+                  </a:solidFill>
+                </a:rPr>
+                <a:t>고등수학 하</a:t>
+              </a:r>
+              <a:endParaRPr lang="en-US" altLang="ko-KR" sz="1050" dirty="0">
+                <a:solidFill>
+                  <a:schemeClr val="accent1"/>
+                </a:solidFill>
+              </a:endParaRPr>
+            </a:p>
+            <a:p>
+              <a:r>
+                <a:rPr lang="en-US" altLang="ko-KR" sz="1050" dirty="0">
+                  <a:solidFill>
+                    <a:schemeClr val="accent1"/>
+                  </a:solidFill>
+                </a:rPr>
+                <a:t>_03 </a:t>
+              </a:r>
+              <a:r>
+                <a:rPr lang="ko-KR" altLang="en-US" sz="1050" dirty="0">
+                  <a:solidFill>
+                    <a:schemeClr val="accent1"/>
+                  </a:solidFill>
+                </a:rPr>
+                <a:t>집합의 명제</a:t>
+              </a:r>
+            </a:p>
+          </p:txBody>
+        </p:sp>
+        <p:sp>
+          <p:nvSpPr>
+            <p:cNvPr id="35" name="직사각형 34">
+              <a:hlinkClick r:id="rId2" action="ppaction://hlinksldjump"/>
+              <a:extLst>
+                <a:ext uri="{FF2B5EF4-FFF2-40B4-BE49-F238E27FC236}">
+                  <a16:creationId xmlns:a16="http://schemas.microsoft.com/office/drawing/2014/main" id="{506DE7F0-0F23-4F30-9CE2-64D900FC2A0B}"/>
+                </a:ext>
+              </a:extLst>
+            </p:cNvPr>
+            <p:cNvSpPr/>
+            <p:nvPr/>
+          </p:nvSpPr>
+          <p:spPr>
+            <a:xfrm>
+              <a:off x="8312251" y="2633025"/>
+              <a:ext cx="1452787" cy="1452787"/>
+            </a:xfrm>
+            <a:prstGeom prst="rect">
+              <a:avLst/>
+            </a:prstGeom>
+            <a:noFill/>
+            <a:ln w="28575">
+              <a:solidFill>
+                <a:schemeClr val="tx1"/>
+              </a:solidFill>
+            </a:ln>
+          </p:spPr>
+          <p:style>
+            <a:lnRef idx="2">
+              <a:schemeClr val="accent1">
+                <a:shade val="50000"/>
+              </a:schemeClr>
+            </a:lnRef>
+            <a:fillRef idx="1">
+              <a:schemeClr val="accent1"/>
+            </a:fillRef>
+            <a:effectRef idx="0">
+              <a:schemeClr val="accent1"/>
+            </a:effectRef>
+            <a:fontRef idx="minor">
+              <a:schemeClr val="lt1"/>
+            </a:fontRef>
+          </p:style>
+          <p:txBody>
+            <a:bodyPr rtlCol="0" anchor="ctr"/>
+            <a:lstStyle/>
+            <a:p>
+              <a:pPr algn="ctr"/>
+              <a:r>
+                <a:rPr lang="ko-KR" altLang="en-US" dirty="0">
+                  <a:solidFill>
+                    <a:schemeClr val="tx1"/>
+                  </a:solidFill>
+                </a:rPr>
+                <a:t>이미지</a:t>
+              </a:r>
+            </a:p>
+          </p:txBody>
+        </p:sp>
+      </p:grpSp>
       <p:sp>
         <p:nvSpPr>
           <p:cNvPr id="4" name="TextBox 3">
@@ -5294,7 +5562,7 @@
             </a:r>
             <a:r>
               <a:rPr lang="ko-KR" altLang="en-US" sz="1400" dirty="0"/>
-              <a:t>장바구니    로그아웃 </a:t>
+              <a:t>장바구니    회원정보</a:t>
             </a:r>
           </a:p>
         </p:txBody>
@@ -5678,129 +5946,6 @@
                 <a:latin typeface="Nanum Gothic"/>
               </a:rPr>
               <a:t>!</a:t>
-            </a:r>
-          </a:p>
-        </p:txBody>
-      </p:sp>
-      <p:sp>
-        <p:nvSpPr>
-          <p:cNvPr id="13" name="TextBox 12">
-            <a:extLst>
-              <a:ext uri="{FF2B5EF4-FFF2-40B4-BE49-F238E27FC236}">
-                <a16:creationId xmlns:a16="http://schemas.microsoft.com/office/drawing/2014/main" id="{75C3FE87-B101-47C3-BF2F-F6C94F5360B8}"/>
-              </a:ext>
-            </a:extLst>
-          </p:cNvPr>
-          <p:cNvSpPr txBox="1"/>
-          <p:nvPr/>
-        </p:nvSpPr>
-        <p:spPr>
-          <a:xfrm>
-            <a:off x="2278529" y="4102904"/>
-            <a:ext cx="1734800" cy="261610"/>
-          </a:xfrm>
-          <a:prstGeom prst="rect">
-            <a:avLst/>
-          </a:prstGeom>
-          <a:noFill/>
-        </p:spPr>
-        <p:txBody>
-          <a:bodyPr wrap="square" rtlCol="0">
-            <a:spAutoFit/>
-          </a:bodyPr>
-          <a:lstStyle/>
-          <a:p>
-            <a:pPr algn="ctr"/>
-            <a:r>
-              <a:rPr lang="en-US" altLang="ko-KR" sz="1050" dirty="0">
-                <a:solidFill>
-                  <a:schemeClr val="accent1"/>
-                </a:solidFill>
-              </a:rPr>
-              <a:t>[</a:t>
-            </a:r>
-            <a:r>
-              <a:rPr lang="ko-KR" altLang="en-US" sz="1050" dirty="0" err="1">
-                <a:solidFill>
-                  <a:schemeClr val="accent1"/>
-                </a:solidFill>
-              </a:rPr>
-              <a:t>온챌개념서</a:t>
-            </a:r>
-            <a:r>
-              <a:rPr lang="en-US" altLang="ko-KR" sz="1050" dirty="0">
-                <a:solidFill>
-                  <a:schemeClr val="accent1"/>
-                </a:solidFill>
-              </a:rPr>
-              <a:t>]</a:t>
-            </a:r>
-            <a:r>
-              <a:rPr lang="ko-KR" altLang="en-US" sz="1050" dirty="0">
-                <a:solidFill>
-                  <a:schemeClr val="accent1"/>
-                </a:solidFill>
-              </a:rPr>
-              <a:t>고등수학 상</a:t>
-            </a:r>
-          </a:p>
-        </p:txBody>
-      </p:sp>
-      <p:sp>
-        <p:nvSpPr>
-          <p:cNvPr id="14" name="직사각형 13">
-            <a:extLst>
-              <a:ext uri="{FF2B5EF4-FFF2-40B4-BE49-F238E27FC236}">
-                <a16:creationId xmlns:a16="http://schemas.microsoft.com/office/drawing/2014/main" id="{5EA075DE-7B7A-4317-ABB8-CB360D478A2C}"/>
-              </a:ext>
-            </a:extLst>
-          </p:cNvPr>
-          <p:cNvSpPr/>
-          <p:nvPr/>
-        </p:nvSpPr>
-        <p:spPr>
-          <a:xfrm>
-            <a:off x="2389626" y="2633025"/>
-            <a:ext cx="1452787" cy="1452787"/>
-          </a:xfrm>
-          <a:prstGeom prst="rect">
-            <a:avLst/>
-          </a:prstGeom>
-          <a:noFill/>
-          <a:ln w="28575">
-            <a:solidFill>
-              <a:schemeClr val="tx1"/>
-            </a:solidFill>
-          </a:ln>
-        </p:spPr>
-        <p:style>
-          <a:lnRef idx="2">
-            <a:schemeClr val="accent1">
-              <a:shade val="50000"/>
-            </a:schemeClr>
-          </a:lnRef>
-          <a:fillRef idx="1">
-            <a:schemeClr val="accent1"/>
-          </a:fillRef>
-          <a:effectRef idx="0">
-            <a:schemeClr val="accent1"/>
-          </a:effectRef>
-          <a:fontRef idx="minor">
-            <a:schemeClr val="lt1"/>
-          </a:fontRef>
-        </p:style>
-        <p:txBody>
-          <a:bodyPr rtlCol="0" anchor="ctr"/>
-          <a:lstStyle/>
-          <a:p>
-            <a:pPr algn="ctr"/>
-            <a:r>
-              <a:rPr lang="ko-KR" altLang="en-US" dirty="0">
-                <a:solidFill>
-                  <a:schemeClr val="tx1"/>
-                </a:solidFill>
-              </a:rPr>
-              <a:t>이미지</a:t>
             </a:r>
           </a:p>
         </p:txBody>
@@ -6116,129 +6261,6 @@
       </p:sp>
       <p:sp>
         <p:nvSpPr>
-          <p:cNvPr id="22" name="TextBox 21">
-            <a:extLst>
-              <a:ext uri="{FF2B5EF4-FFF2-40B4-BE49-F238E27FC236}">
-                <a16:creationId xmlns:a16="http://schemas.microsoft.com/office/drawing/2014/main" id="{B59E2588-8A59-4785-88EB-A05833C5B3FB}"/>
-              </a:ext>
-            </a:extLst>
-          </p:cNvPr>
-          <p:cNvSpPr txBox="1"/>
-          <p:nvPr/>
-        </p:nvSpPr>
-        <p:spPr>
-          <a:xfrm>
-            <a:off x="4291397" y="4102904"/>
-            <a:ext cx="1734800" cy="261610"/>
-          </a:xfrm>
-          <a:prstGeom prst="rect">
-            <a:avLst/>
-          </a:prstGeom>
-          <a:noFill/>
-        </p:spPr>
-        <p:txBody>
-          <a:bodyPr wrap="square" rtlCol="0">
-            <a:spAutoFit/>
-          </a:bodyPr>
-          <a:lstStyle/>
-          <a:p>
-            <a:pPr algn="ctr"/>
-            <a:r>
-              <a:rPr lang="en-US" altLang="ko-KR" sz="1050" dirty="0">
-                <a:solidFill>
-                  <a:schemeClr val="accent1"/>
-                </a:solidFill>
-              </a:rPr>
-              <a:t>[</a:t>
-            </a:r>
-            <a:r>
-              <a:rPr lang="ko-KR" altLang="en-US" sz="1050" dirty="0" err="1">
-                <a:solidFill>
-                  <a:schemeClr val="accent1"/>
-                </a:solidFill>
-              </a:rPr>
-              <a:t>온챌개념서</a:t>
-            </a:r>
-            <a:r>
-              <a:rPr lang="en-US" altLang="ko-KR" sz="1050" dirty="0">
-                <a:solidFill>
-                  <a:schemeClr val="accent1"/>
-                </a:solidFill>
-              </a:rPr>
-              <a:t>]</a:t>
-            </a:r>
-            <a:r>
-              <a:rPr lang="ko-KR" altLang="en-US" sz="1050" dirty="0">
-                <a:solidFill>
-                  <a:schemeClr val="accent1"/>
-                </a:solidFill>
-              </a:rPr>
-              <a:t>고등수학 하</a:t>
-            </a:r>
-          </a:p>
-        </p:txBody>
-      </p:sp>
-      <p:sp>
-        <p:nvSpPr>
-          <p:cNvPr id="23" name="직사각형 22">
-            <a:extLst>
-              <a:ext uri="{FF2B5EF4-FFF2-40B4-BE49-F238E27FC236}">
-                <a16:creationId xmlns:a16="http://schemas.microsoft.com/office/drawing/2014/main" id="{4A2B8D5B-1B80-49A1-8D46-0D4AA9556CD0}"/>
-              </a:ext>
-            </a:extLst>
-          </p:cNvPr>
-          <p:cNvSpPr/>
-          <p:nvPr/>
-        </p:nvSpPr>
-        <p:spPr>
-          <a:xfrm>
-            <a:off x="4402494" y="2633025"/>
-            <a:ext cx="1452787" cy="1452787"/>
-          </a:xfrm>
-          <a:prstGeom prst="rect">
-            <a:avLst/>
-          </a:prstGeom>
-          <a:noFill/>
-          <a:ln w="28575">
-            <a:solidFill>
-              <a:schemeClr val="tx1"/>
-            </a:solidFill>
-          </a:ln>
-        </p:spPr>
-        <p:style>
-          <a:lnRef idx="2">
-            <a:schemeClr val="accent1">
-              <a:shade val="50000"/>
-            </a:schemeClr>
-          </a:lnRef>
-          <a:fillRef idx="1">
-            <a:schemeClr val="accent1"/>
-          </a:fillRef>
-          <a:effectRef idx="0">
-            <a:schemeClr val="accent1"/>
-          </a:effectRef>
-          <a:fontRef idx="minor">
-            <a:schemeClr val="lt1"/>
-          </a:fontRef>
-        </p:style>
-        <p:txBody>
-          <a:bodyPr rtlCol="0" anchor="ctr"/>
-          <a:lstStyle/>
-          <a:p>
-            <a:pPr algn="ctr"/>
-            <a:r>
-              <a:rPr lang="ko-KR" altLang="en-US" dirty="0">
-                <a:solidFill>
-                  <a:schemeClr val="tx1"/>
-                </a:solidFill>
-              </a:rPr>
-              <a:t>이미지</a:t>
-            </a:r>
-          </a:p>
-        </p:txBody>
-      </p:sp>
-      <p:sp>
-        <p:nvSpPr>
           <p:cNvPr id="24" name="TextBox 23">
             <a:extLst>
               <a:ext uri="{FF2B5EF4-FFF2-40B4-BE49-F238E27FC236}">
@@ -6548,151 +6570,6 @@
       </p:sp>
       <p:sp>
         <p:nvSpPr>
-          <p:cNvPr id="28" name="TextBox 27">
-            <a:extLst>
-              <a:ext uri="{FF2B5EF4-FFF2-40B4-BE49-F238E27FC236}">
-                <a16:creationId xmlns:a16="http://schemas.microsoft.com/office/drawing/2014/main" id="{EBD4C268-39C6-4247-A112-15C172E5C8CB}"/>
-              </a:ext>
-            </a:extLst>
-          </p:cNvPr>
-          <p:cNvSpPr txBox="1"/>
-          <p:nvPr/>
-        </p:nvSpPr>
-        <p:spPr>
-          <a:xfrm>
-            <a:off x="6275966" y="4102904"/>
-            <a:ext cx="1653446" cy="415498"/>
-          </a:xfrm>
-          <a:prstGeom prst="rect">
-            <a:avLst/>
-          </a:prstGeom>
-          <a:noFill/>
-        </p:spPr>
-        <p:txBody>
-          <a:bodyPr wrap="square" rtlCol="0">
-            <a:spAutoFit/>
-          </a:bodyPr>
-          <a:lstStyle/>
-          <a:p>
-            <a:r>
-              <a:rPr lang="en-US" altLang="ko-KR" sz="1050" dirty="0">
-                <a:solidFill>
-                  <a:schemeClr val="accent1"/>
-                </a:solidFill>
-              </a:rPr>
-              <a:t>[</a:t>
-            </a:r>
-            <a:r>
-              <a:rPr lang="ko-KR" altLang="en-US" sz="1050" dirty="0" err="1">
-                <a:solidFill>
-                  <a:schemeClr val="accent1"/>
-                </a:solidFill>
-              </a:rPr>
-              <a:t>온챌개념서</a:t>
-            </a:r>
-            <a:r>
-              <a:rPr lang="en-US" altLang="ko-KR" sz="1050" dirty="0">
-                <a:solidFill>
-                  <a:schemeClr val="accent1"/>
-                </a:solidFill>
-              </a:rPr>
-              <a:t>]</a:t>
-            </a:r>
-            <a:r>
-              <a:rPr lang="ko-KR" altLang="en-US" sz="1050" dirty="0">
-                <a:solidFill>
-                  <a:schemeClr val="accent1"/>
-                </a:solidFill>
-              </a:rPr>
-              <a:t>고등수학 하</a:t>
-            </a:r>
-            <a:endParaRPr lang="en-US" altLang="ko-KR" sz="1050" dirty="0">
-              <a:solidFill>
-                <a:schemeClr val="accent1"/>
-              </a:solidFill>
-            </a:endParaRPr>
-          </a:p>
-          <a:p>
-            <a:r>
-              <a:rPr lang="en-US" altLang="ko-KR" sz="1050" dirty="0">
-                <a:solidFill>
-                  <a:schemeClr val="accent1"/>
-                </a:solidFill>
-              </a:rPr>
-              <a:t>_02</a:t>
-            </a:r>
-            <a:r>
-              <a:rPr lang="ko-KR" altLang="en-US" sz="1050" dirty="0">
-                <a:solidFill>
-                  <a:schemeClr val="accent1"/>
-                </a:solidFill>
-              </a:rPr>
-              <a:t> 집합의 연산</a:t>
-            </a:r>
-          </a:p>
-        </p:txBody>
-      </p:sp>
-      <p:sp>
-        <p:nvSpPr>
-          <p:cNvPr id="29" name="직사각형 28">
-            <a:extLst>
-              <a:ext uri="{FF2B5EF4-FFF2-40B4-BE49-F238E27FC236}">
-                <a16:creationId xmlns:a16="http://schemas.microsoft.com/office/drawing/2014/main" id="{7EFF24E9-35F0-4B32-A950-2ECC626E3A8C}"/>
-              </a:ext>
-            </a:extLst>
-          </p:cNvPr>
-          <p:cNvSpPr/>
-          <p:nvPr/>
-        </p:nvSpPr>
-        <p:spPr>
-          <a:xfrm>
-            <a:off x="6357373" y="2633025"/>
-            <a:ext cx="1452787" cy="1452787"/>
-          </a:xfrm>
-          <a:prstGeom prst="rect">
-            <a:avLst/>
-          </a:prstGeom>
-          <a:noFill/>
-          <a:ln w="28575">
-            <a:solidFill>
-              <a:schemeClr val="tx1"/>
-            </a:solidFill>
-          </a:ln>
-        </p:spPr>
-        <p:style>
-          <a:lnRef idx="2">
-            <a:schemeClr val="accent1">
-              <a:shade val="50000"/>
-            </a:schemeClr>
-          </a:lnRef>
-          <a:fillRef idx="1">
-            <a:schemeClr val="accent1"/>
-          </a:fillRef>
-          <a:effectRef idx="0">
-            <a:schemeClr val="accent1"/>
-          </a:effectRef>
-          <a:fontRef idx="minor">
-            <a:schemeClr val="lt1"/>
-          </a:fontRef>
-        </p:style>
-        <p:txBody>
-          <a:bodyPr rtlCol="0" anchor="ctr"/>
-          <a:lstStyle/>
-          <a:p>
-            <a:pPr algn="ctr"/>
-            <a:r>
-              <a:rPr lang="ko-KR" altLang="en-US" dirty="0">
-                <a:solidFill>
-                  <a:schemeClr val="tx1"/>
-                </a:solidFill>
-              </a:rPr>
-              <a:t>이미지</a:t>
-            </a:r>
-          </a:p>
-        </p:txBody>
-      </p:sp>
-      <p:sp>
-        <p:nvSpPr>
           <p:cNvPr id="30" name="TextBox 29">
             <a:extLst>
               <a:ext uri="{FF2B5EF4-FFF2-40B4-BE49-F238E27FC236}">
@@ -6889,151 +6766,6 @@
             <a:r>
               <a:rPr lang="ko-KR" altLang="en-US" sz="1100" dirty="0"/>
               <a:t>장바구니</a:t>
-            </a:r>
-          </a:p>
-        </p:txBody>
-      </p:sp>
-      <p:sp>
-        <p:nvSpPr>
-          <p:cNvPr id="34" name="TextBox 33">
-            <a:extLst>
-              <a:ext uri="{FF2B5EF4-FFF2-40B4-BE49-F238E27FC236}">
-                <a16:creationId xmlns:a16="http://schemas.microsoft.com/office/drawing/2014/main" id="{F5AFD711-28EC-425F-AF79-9A2771EDD214}"/>
-              </a:ext>
-            </a:extLst>
-          </p:cNvPr>
-          <p:cNvSpPr txBox="1"/>
-          <p:nvPr/>
-        </p:nvSpPr>
-        <p:spPr>
-          <a:xfrm>
-            <a:off x="8260026" y="4085812"/>
-            <a:ext cx="1653446" cy="415498"/>
-          </a:xfrm>
-          <a:prstGeom prst="rect">
-            <a:avLst/>
-          </a:prstGeom>
-          <a:noFill/>
-        </p:spPr>
-        <p:txBody>
-          <a:bodyPr wrap="square" rtlCol="0">
-            <a:spAutoFit/>
-          </a:bodyPr>
-          <a:lstStyle/>
-          <a:p>
-            <a:r>
-              <a:rPr lang="en-US" altLang="ko-KR" sz="1050" dirty="0">
-                <a:solidFill>
-                  <a:schemeClr val="accent1"/>
-                </a:solidFill>
-              </a:rPr>
-              <a:t>[</a:t>
-            </a:r>
-            <a:r>
-              <a:rPr lang="ko-KR" altLang="en-US" sz="1050" dirty="0" err="1">
-                <a:solidFill>
-                  <a:schemeClr val="accent1"/>
-                </a:solidFill>
-              </a:rPr>
-              <a:t>온챌개념서</a:t>
-            </a:r>
-            <a:r>
-              <a:rPr lang="en-US" altLang="ko-KR" sz="1050" dirty="0">
-                <a:solidFill>
-                  <a:schemeClr val="accent1"/>
-                </a:solidFill>
-              </a:rPr>
-              <a:t>]</a:t>
-            </a:r>
-            <a:r>
-              <a:rPr lang="ko-KR" altLang="en-US" sz="1050" dirty="0">
-                <a:solidFill>
-                  <a:schemeClr val="accent1"/>
-                </a:solidFill>
-              </a:rPr>
-              <a:t>고등수학 하</a:t>
-            </a:r>
-            <a:endParaRPr lang="en-US" altLang="ko-KR" sz="1050" dirty="0">
-              <a:solidFill>
-                <a:schemeClr val="accent1"/>
-              </a:solidFill>
-            </a:endParaRPr>
-          </a:p>
-          <a:p>
-            <a:r>
-              <a:rPr lang="en-US" altLang="ko-KR" sz="1050" dirty="0">
-                <a:solidFill>
-                  <a:schemeClr val="accent1"/>
-                </a:solidFill>
-              </a:rPr>
-              <a:t>_03 </a:t>
-            </a:r>
-            <a:r>
-              <a:rPr lang="ko-KR" altLang="en-US" sz="1050" dirty="0">
-                <a:solidFill>
-                  <a:schemeClr val="accent1"/>
-                </a:solidFill>
-              </a:rPr>
-              <a:t>집합의 명제</a:t>
-            </a:r>
-          </a:p>
-        </p:txBody>
-      </p:sp>
-      <p:sp>
-        <p:nvSpPr>
-          <p:cNvPr id="35" name="직사각형 34">
-            <a:extLst>
-              <a:ext uri="{FF2B5EF4-FFF2-40B4-BE49-F238E27FC236}">
-                <a16:creationId xmlns:a16="http://schemas.microsoft.com/office/drawing/2014/main" id="{506DE7F0-0F23-4F30-9CE2-64D900FC2A0B}"/>
-              </a:ext>
-            </a:extLst>
-          </p:cNvPr>
-          <p:cNvSpPr/>
-          <p:nvPr/>
-        </p:nvSpPr>
-        <p:spPr>
-          <a:xfrm>
-            <a:off x="8312251" y="2633025"/>
-            <a:ext cx="1452787" cy="1452787"/>
-          </a:xfrm>
-          <a:prstGeom prst="rect">
-            <a:avLst/>
-          </a:prstGeom>
-          <a:noFill/>
-          <a:ln w="28575">
-            <a:solidFill>
-              <a:schemeClr val="tx1"/>
-            </a:solidFill>
-          </a:ln>
-        </p:spPr>
-        <p:style>
-          <a:lnRef idx="2">
-            <a:schemeClr val="accent1">
-              <a:shade val="50000"/>
-            </a:schemeClr>
-          </a:lnRef>
-          <a:fillRef idx="1">
-            <a:schemeClr val="accent1"/>
-          </a:fillRef>
-          <a:effectRef idx="0">
-            <a:schemeClr val="accent1"/>
-          </a:effectRef>
-          <a:fontRef idx="minor">
-            <a:schemeClr val="lt1"/>
-          </a:fontRef>
-        </p:style>
-        <p:txBody>
-          <a:bodyPr rtlCol="0" anchor="ctr"/>
-          <a:lstStyle/>
-          <a:p>
-            <a:pPr algn="ctr"/>
-            <a:r>
-              <a:rPr lang="ko-KR" altLang="en-US" dirty="0">
-                <a:solidFill>
-                  <a:schemeClr val="tx1"/>
-                </a:solidFill>
-              </a:rPr>
-              <a:t>이미지</a:t>
             </a:r>
           </a:p>
         </p:txBody>
@@ -7607,7 +7339,7 @@
 </p:sld>
 </file>
 
-<file path=ppt/slides/slide7.xml><?xml version="1.0" encoding="utf-8"?>
+<file path=ppt/slides/slide12.xml><?xml version="1.0" encoding="utf-8"?>
 <p:sld xmlns:a="http://schemas.openxmlformats.org/drawingml/2006/main" xmlns:r="http://schemas.openxmlformats.org/officeDocument/2006/relationships" xmlns:p="http://schemas.openxmlformats.org/presentationml/2006/main">
   <p:cSld>
     <p:spTree>
@@ -9062,7 +8794,7 @@
         <p:spPr>
           <a:xfrm>
             <a:off x="9332396" y="4290288"/>
-            <a:ext cx="2091317" cy="215444"/>
+            <a:ext cx="2091317" cy="338554"/>
           </a:xfrm>
           <a:prstGeom prst="rect">
             <a:avLst/>
@@ -9085,11 +8817,11 @@
             </a:r>
             <a:r>
               <a:rPr lang="ko-KR" altLang="en-US" sz="800" dirty="0"/>
-              <a:t>또 </a:t>
-            </a:r>
-            <a:r>
-              <a:rPr lang="ko-KR" altLang="en-US" sz="800" dirty="0" err="1"/>
-              <a:t>먹고싶다ㅜ</a:t>
+              <a:t>처음 공부에 딱 좋아요</a:t>
+            </a:r>
+            <a:r>
+              <a:rPr lang="en-US" altLang="ko-KR" sz="800" dirty="0"/>
+              <a:t>~</a:t>
             </a:r>
             <a:endParaRPr lang="ko-KR" altLang="en-US" sz="800" dirty="0"/>
           </a:p>
@@ -10841,16 +10573,12 @@
               <a:t> 무료보기      </a:t>
             </a:r>
             <a:r>
-              <a:rPr lang="ko-KR" altLang="en-US" sz="1400" b="1" dirty="0" err="1"/>
+              <a:rPr lang="ko-KR" altLang="en-US" sz="1400" dirty="0" err="1"/>
               <a:t>온챌개념서</a:t>
             </a:r>
             <a:r>
-              <a:rPr lang="ko-KR" altLang="en-US" sz="1400" b="1" dirty="0"/>
-              <a:t> 구매     </a:t>
-            </a:r>
-            <a:r>
               <a:rPr lang="ko-KR" altLang="en-US" sz="1400" dirty="0"/>
-              <a:t>장바구니    로그아웃 </a:t>
+              <a:t> 구매     장바구니    회원정보 </a:t>
             </a:r>
           </a:p>
         </p:txBody>
@@ -10859,6 +10587,3042 @@
     <p:extLst>
       <p:ext uri="{BB962C8B-B14F-4D97-AF65-F5344CB8AC3E}">
         <p14:creationId xmlns:p14="http://schemas.microsoft.com/office/powerpoint/2010/main" val="174710853"/>
+      </p:ext>
+    </p:extLst>
+  </p:cSld>
+  <p:clrMapOvr>
+    <a:masterClrMapping/>
+  </p:clrMapOvr>
+</p:sld>
+</file>
+
+<file path=ppt/slides/slide13.xml><?xml version="1.0" encoding="utf-8"?>
+<p:sld xmlns:a="http://schemas.openxmlformats.org/drawingml/2006/main" xmlns:r="http://schemas.openxmlformats.org/officeDocument/2006/relationships" xmlns:p="http://schemas.openxmlformats.org/presentationml/2006/main">
+  <p:cSld>
+    <p:spTree>
+      <p:nvGrpSpPr>
+        <p:cNvPr id="1" name=""/>
+        <p:cNvGrpSpPr/>
+        <p:nvPr/>
+      </p:nvGrpSpPr>
+      <p:grpSpPr>
+        <a:xfrm>
+          <a:off x="0" y="0"/>
+          <a:ext cx="0" cy="0"/>
+          <a:chOff x="0" y="0"/>
+          <a:chExt cx="0" cy="0"/>
+        </a:xfrm>
+      </p:grpSpPr>
+      <p:sp>
+        <p:nvSpPr>
+          <p:cNvPr id="4" name="TextBox 3">
+            <a:extLst>
+              <a:ext uri="{FF2B5EF4-FFF2-40B4-BE49-F238E27FC236}">
+                <a16:creationId xmlns:a16="http://schemas.microsoft.com/office/drawing/2014/main" id="{181F38E4-D20C-4834-B1F4-69D8B5846AD9}"/>
+              </a:ext>
+            </a:extLst>
+          </p:cNvPr>
+          <p:cNvSpPr txBox="1"/>
+          <p:nvPr/>
+        </p:nvSpPr>
+        <p:spPr>
+          <a:xfrm>
+            <a:off x="47501" y="0"/>
+            <a:ext cx="1686296" cy="369332"/>
+          </a:xfrm>
+          <a:prstGeom prst="rect">
+            <a:avLst/>
+          </a:prstGeom>
+          <a:noFill/>
+        </p:spPr>
+        <p:txBody>
+          <a:bodyPr wrap="square" rtlCol="0">
+            <a:spAutoFit/>
+          </a:bodyPr>
+          <a:lstStyle/>
+          <a:p>
+            <a:r>
+              <a:rPr lang="en-US" altLang="ko-KR" dirty="0"/>
+              <a:t>cart</a:t>
+            </a:r>
+            <a:endParaRPr lang="ko-KR" altLang="en-US" dirty="0"/>
+          </a:p>
+        </p:txBody>
+      </p:sp>
+      <p:sp>
+        <p:nvSpPr>
+          <p:cNvPr id="48" name="TextBox 47">
+            <a:extLst>
+              <a:ext uri="{FF2B5EF4-FFF2-40B4-BE49-F238E27FC236}">
+                <a16:creationId xmlns:a16="http://schemas.microsoft.com/office/drawing/2014/main" id="{89E1C475-E274-40EA-A709-C9A638A15FFD}"/>
+              </a:ext>
+            </a:extLst>
+          </p:cNvPr>
+          <p:cNvSpPr txBox="1"/>
+          <p:nvPr/>
+        </p:nvSpPr>
+        <p:spPr>
+          <a:xfrm>
+            <a:off x="1778409" y="884981"/>
+            <a:ext cx="1780032" cy="461665"/>
+          </a:xfrm>
+          <a:prstGeom prst="rect">
+            <a:avLst/>
+          </a:prstGeom>
+          <a:noFill/>
+        </p:spPr>
+        <p:txBody>
+          <a:bodyPr wrap="square" rtlCol="0">
+            <a:spAutoFit/>
+          </a:bodyPr>
+          <a:lstStyle/>
+          <a:p>
+            <a:r>
+              <a:rPr lang="ko-KR" altLang="en-US" sz="2400" dirty="0"/>
+              <a:t>장바구니</a:t>
+            </a:r>
+          </a:p>
+        </p:txBody>
+      </p:sp>
+      <p:sp>
+        <p:nvSpPr>
+          <p:cNvPr id="49" name="TextBox 48">
+            <a:extLst>
+              <a:ext uri="{FF2B5EF4-FFF2-40B4-BE49-F238E27FC236}">
+                <a16:creationId xmlns:a16="http://schemas.microsoft.com/office/drawing/2014/main" id="{BA5E65A1-9976-4E31-8139-E527950E560D}"/>
+              </a:ext>
+            </a:extLst>
+          </p:cNvPr>
+          <p:cNvSpPr txBox="1"/>
+          <p:nvPr/>
+        </p:nvSpPr>
+        <p:spPr>
+          <a:xfrm>
+            <a:off x="1846691" y="1346646"/>
+            <a:ext cx="7522939" cy="830997"/>
+          </a:xfrm>
+          <a:prstGeom prst="rect">
+            <a:avLst/>
+          </a:prstGeom>
+          <a:noFill/>
+        </p:spPr>
+        <p:txBody>
+          <a:bodyPr wrap="square" rtlCol="0">
+            <a:spAutoFit/>
+          </a:bodyPr>
+          <a:lstStyle/>
+          <a:p>
+            <a:pPr marL="285750" indent="-285750">
+              <a:buFontTx/>
+              <a:buChar char="-"/>
+            </a:pPr>
+            <a:r>
+              <a:rPr lang="ko-KR" altLang="en-US" sz="1200" b="0" i="0" dirty="0">
+                <a:solidFill>
+                  <a:srgbClr val="1A1A1A"/>
+                </a:solidFill>
+                <a:effectLst/>
+                <a:latin typeface="Nanum Gothic"/>
+              </a:rPr>
+              <a:t>결제 전 중복되는 주문이 없는지 확인해 주세요</a:t>
+            </a:r>
+            <a:r>
+              <a:rPr lang="en-US" altLang="ko-KR" sz="1200" b="0" i="0" dirty="0">
+                <a:solidFill>
+                  <a:srgbClr val="1A1A1A"/>
+                </a:solidFill>
+                <a:effectLst/>
+                <a:latin typeface="Nanum Gothic"/>
+              </a:rPr>
+              <a:t>. </a:t>
+            </a:r>
+            <a:r>
+              <a:rPr lang="ko-KR" altLang="en-US" sz="1200" b="0" i="0" dirty="0">
+                <a:solidFill>
+                  <a:srgbClr val="1A1A1A"/>
+                </a:solidFill>
+                <a:effectLst/>
+                <a:latin typeface="Nanum Gothic"/>
+              </a:rPr>
+              <a:t>다운로드 상품의 특성상 교환 및 환불이 불가능합니다</a:t>
+            </a:r>
+            <a:r>
+              <a:rPr lang="en-US" altLang="ko-KR" sz="1200" b="0" i="0" dirty="0">
+                <a:solidFill>
+                  <a:srgbClr val="1A1A1A"/>
+                </a:solidFill>
+                <a:effectLst/>
+                <a:latin typeface="Nanum Gothic"/>
+              </a:rPr>
+              <a:t>.</a:t>
+            </a:r>
+            <a:br>
+              <a:rPr lang="ko-KR" altLang="en-US" sz="1200" dirty="0"/>
+            </a:br>
+            <a:br>
+              <a:rPr lang="ko-KR" altLang="en-US" sz="1200" dirty="0"/>
+            </a:br>
+            <a:r>
+              <a:rPr lang="ko-KR" altLang="en-US" sz="1200" b="0" i="0" dirty="0">
+                <a:solidFill>
+                  <a:srgbClr val="1A1A1A"/>
+                </a:solidFill>
+                <a:effectLst/>
+                <a:latin typeface="Nanum Gothic"/>
+              </a:rPr>
+              <a:t>예</a:t>
+            </a:r>
+            <a:r>
+              <a:rPr lang="en-US" altLang="ko-KR" sz="1200" b="0" i="0" dirty="0">
+                <a:solidFill>
+                  <a:srgbClr val="1A1A1A"/>
+                </a:solidFill>
+                <a:effectLst/>
+                <a:latin typeface="Nanum Gothic"/>
+              </a:rPr>
+              <a:t>) ‘[</a:t>
+            </a:r>
+            <a:r>
+              <a:rPr lang="ko-KR" altLang="en-US" sz="1200" b="0" i="0" dirty="0" err="1">
+                <a:solidFill>
+                  <a:srgbClr val="1A1A1A"/>
+                </a:solidFill>
+                <a:effectLst/>
+                <a:latin typeface="Nanum Gothic"/>
+              </a:rPr>
+              <a:t>온챌개념서</a:t>
+            </a:r>
+            <a:r>
+              <a:rPr lang="en-US" altLang="ko-KR" sz="1200" b="0" i="0" dirty="0">
+                <a:solidFill>
+                  <a:srgbClr val="1A1A1A"/>
+                </a:solidFill>
+                <a:effectLst/>
+                <a:latin typeface="Nanum Gothic"/>
+              </a:rPr>
+              <a:t>] </a:t>
+            </a:r>
+            <a:r>
+              <a:rPr lang="ko-KR" altLang="en-US" sz="1200" b="0" i="0" dirty="0" err="1">
+                <a:solidFill>
+                  <a:srgbClr val="1A1A1A"/>
+                </a:solidFill>
+                <a:effectLst/>
+                <a:latin typeface="Nanum Gothic"/>
+              </a:rPr>
+              <a:t>고등수학상’은</a:t>
+            </a:r>
+            <a:r>
+              <a:rPr lang="ko-KR" altLang="en-US" sz="1200" b="0" i="0" dirty="0">
+                <a:solidFill>
+                  <a:srgbClr val="1A1A1A"/>
+                </a:solidFill>
+                <a:effectLst/>
+                <a:latin typeface="Nanum Gothic"/>
+              </a:rPr>
+              <a:t> 고등수학상 전과정을 포함하고 있습니다</a:t>
+            </a:r>
+            <a:r>
+              <a:rPr lang="en-US" altLang="ko-KR" sz="1200" b="0" i="0" dirty="0">
+                <a:solidFill>
+                  <a:srgbClr val="1A1A1A"/>
+                </a:solidFill>
+                <a:effectLst/>
+                <a:latin typeface="Nanum Gothic"/>
+              </a:rPr>
+              <a:t>.</a:t>
+            </a:r>
+            <a:br>
+              <a:rPr lang="ko-KR" altLang="en-US" sz="1200" dirty="0"/>
+            </a:br>
+            <a:r>
+              <a:rPr lang="ko-KR" altLang="en-US" sz="1200" b="0" i="0" dirty="0">
+                <a:solidFill>
+                  <a:srgbClr val="1A1A1A"/>
+                </a:solidFill>
+                <a:effectLst/>
+                <a:latin typeface="Nanum Gothic"/>
+              </a:rPr>
+              <a:t>이것과 함께 소단원 ‘고등수학상</a:t>
+            </a:r>
+            <a:r>
+              <a:rPr lang="en-US" altLang="ko-KR" sz="1200" b="0" i="0" dirty="0">
+                <a:solidFill>
+                  <a:srgbClr val="1A1A1A"/>
+                </a:solidFill>
+                <a:effectLst/>
+                <a:latin typeface="Nanum Gothic"/>
+              </a:rPr>
+              <a:t>_02</a:t>
+            </a:r>
+            <a:r>
+              <a:rPr lang="ko-KR" altLang="en-US" sz="1200" b="0" i="0" dirty="0" err="1">
+                <a:solidFill>
+                  <a:srgbClr val="1A1A1A"/>
+                </a:solidFill>
+                <a:effectLst/>
+                <a:latin typeface="Nanum Gothic"/>
+              </a:rPr>
+              <a:t>항등식과나머지정리’를</a:t>
+            </a:r>
+            <a:r>
+              <a:rPr lang="ko-KR" altLang="en-US" sz="1200" b="0" i="0" dirty="0">
+                <a:solidFill>
+                  <a:srgbClr val="1A1A1A"/>
+                </a:solidFill>
+                <a:effectLst/>
+                <a:latin typeface="Nanum Gothic"/>
+              </a:rPr>
+              <a:t> 구매하시면 안됩니다</a:t>
+            </a:r>
+            <a:endParaRPr lang="ko-KR" altLang="en-US" sz="1200" dirty="0"/>
+          </a:p>
+        </p:txBody>
+      </p:sp>
+      <p:sp>
+        <p:nvSpPr>
+          <p:cNvPr id="8" name="TextBox 7">
+            <a:extLst>
+              <a:ext uri="{FF2B5EF4-FFF2-40B4-BE49-F238E27FC236}">
+                <a16:creationId xmlns:a16="http://schemas.microsoft.com/office/drawing/2014/main" id="{9081EA17-54FE-4965-83EF-0E69D15E4A9F}"/>
+              </a:ext>
+            </a:extLst>
+          </p:cNvPr>
+          <p:cNvSpPr txBox="1"/>
+          <p:nvPr/>
+        </p:nvSpPr>
+        <p:spPr>
+          <a:xfrm>
+            <a:off x="3210422" y="2901161"/>
+            <a:ext cx="2493820" cy="338554"/>
+          </a:xfrm>
+          <a:prstGeom prst="rect">
+            <a:avLst/>
+          </a:prstGeom>
+          <a:noFill/>
+        </p:spPr>
+        <p:txBody>
+          <a:bodyPr wrap="square" rtlCol="0">
+            <a:spAutoFit/>
+          </a:bodyPr>
+          <a:lstStyle/>
+          <a:p>
+            <a:r>
+              <a:rPr lang="en-US" altLang="ko-KR" sz="1600" dirty="0"/>
+              <a:t>[</a:t>
+            </a:r>
+            <a:r>
+              <a:rPr lang="ko-KR" altLang="en-US" sz="1600" dirty="0" err="1"/>
+              <a:t>온챌개념서</a:t>
+            </a:r>
+            <a:r>
+              <a:rPr lang="en-US" altLang="ko-KR" sz="1600" dirty="0"/>
+              <a:t>]_</a:t>
+            </a:r>
+            <a:r>
+              <a:rPr lang="ko-KR" altLang="en-US" sz="1600" dirty="0"/>
+              <a:t>고등수학상</a:t>
+            </a:r>
+          </a:p>
+        </p:txBody>
+      </p:sp>
+      <p:sp>
+        <p:nvSpPr>
+          <p:cNvPr id="75" name="TextBox 74">
+            <a:extLst>
+              <a:ext uri="{FF2B5EF4-FFF2-40B4-BE49-F238E27FC236}">
+                <a16:creationId xmlns:a16="http://schemas.microsoft.com/office/drawing/2014/main" id="{101ACEE7-576E-4CE7-856C-1304BDFCE705}"/>
+              </a:ext>
+            </a:extLst>
+          </p:cNvPr>
+          <p:cNvSpPr txBox="1"/>
+          <p:nvPr/>
+        </p:nvSpPr>
+        <p:spPr>
+          <a:xfrm>
+            <a:off x="5933960" y="2901161"/>
+            <a:ext cx="860962" cy="338554"/>
+          </a:xfrm>
+          <a:prstGeom prst="rect">
+            <a:avLst/>
+          </a:prstGeom>
+          <a:noFill/>
+        </p:spPr>
+        <p:txBody>
+          <a:bodyPr wrap="square" rtlCol="0">
+            <a:spAutoFit/>
+          </a:bodyPr>
+          <a:lstStyle/>
+          <a:p>
+            <a:r>
+              <a:rPr lang="ko-KR" altLang="en-US" sz="1600" b="0" i="0" dirty="0">
+                <a:solidFill>
+                  <a:srgbClr val="1A1A1A"/>
+                </a:solidFill>
+                <a:effectLst/>
+                <a:latin typeface="Nanum Gothic"/>
+              </a:rPr>
+              <a:t>₩</a:t>
+            </a:r>
+            <a:r>
+              <a:rPr lang="en-US" altLang="ko-KR" sz="1600" b="0" i="0" dirty="0">
+                <a:solidFill>
+                  <a:srgbClr val="1A1A1A"/>
+                </a:solidFill>
+                <a:effectLst/>
+                <a:latin typeface="Nanum Gothic"/>
+              </a:rPr>
+              <a:t>9,000</a:t>
+            </a:r>
+            <a:endParaRPr lang="ko-KR" altLang="en-US" sz="1600" dirty="0"/>
+          </a:p>
+        </p:txBody>
+      </p:sp>
+      <p:sp>
+        <p:nvSpPr>
+          <p:cNvPr id="9" name="직사각형 8">
+            <a:extLst>
+              <a:ext uri="{FF2B5EF4-FFF2-40B4-BE49-F238E27FC236}">
+                <a16:creationId xmlns:a16="http://schemas.microsoft.com/office/drawing/2014/main" id="{7244A1DD-47C2-489B-82D7-297D252CED30}"/>
+              </a:ext>
+            </a:extLst>
+          </p:cNvPr>
+          <p:cNvSpPr/>
+          <p:nvPr/>
+        </p:nvSpPr>
+        <p:spPr>
+          <a:xfrm>
+            <a:off x="2220685" y="2386941"/>
+            <a:ext cx="6923313" cy="2131620"/>
+          </a:xfrm>
+          <a:prstGeom prst="rect">
+            <a:avLst/>
+          </a:prstGeom>
+          <a:noFill/>
+          <a:ln>
+            <a:solidFill>
+              <a:schemeClr val="tx1"/>
+            </a:solidFill>
+          </a:ln>
+        </p:spPr>
+        <p:style>
+          <a:lnRef idx="2">
+            <a:schemeClr val="accent1">
+              <a:shade val="50000"/>
+            </a:schemeClr>
+          </a:lnRef>
+          <a:fillRef idx="1">
+            <a:schemeClr val="accent1"/>
+          </a:fillRef>
+          <a:effectRef idx="0">
+            <a:schemeClr val="accent1"/>
+          </a:effectRef>
+          <a:fontRef idx="minor">
+            <a:schemeClr val="lt1"/>
+          </a:fontRef>
+        </p:style>
+        <p:txBody>
+          <a:bodyPr rtlCol="0" anchor="ctr"/>
+          <a:lstStyle/>
+          <a:p>
+            <a:pPr algn="ctr"/>
+            <a:endParaRPr lang="ko-KR" altLang="en-US"/>
+          </a:p>
+        </p:txBody>
+      </p:sp>
+      <p:sp>
+        <p:nvSpPr>
+          <p:cNvPr id="19" name="TextBox 18">
+            <a:extLst>
+              <a:ext uri="{FF2B5EF4-FFF2-40B4-BE49-F238E27FC236}">
+                <a16:creationId xmlns:a16="http://schemas.microsoft.com/office/drawing/2014/main" id="{A2E3675B-963D-4EDF-9A24-47197D92A58A}"/>
+              </a:ext>
+            </a:extLst>
+          </p:cNvPr>
+          <p:cNvSpPr txBox="1"/>
+          <p:nvPr/>
+        </p:nvSpPr>
+        <p:spPr>
+          <a:xfrm>
+            <a:off x="7254358" y="2901161"/>
+            <a:ext cx="1104404" cy="338554"/>
+          </a:xfrm>
+          <a:prstGeom prst="rect">
+            <a:avLst/>
+          </a:prstGeom>
+          <a:noFill/>
+          <a:ln>
+            <a:solidFill>
+              <a:srgbClr val="FF0000"/>
+            </a:solidFill>
+          </a:ln>
+        </p:spPr>
+        <p:txBody>
+          <a:bodyPr wrap="square" rtlCol="0">
+            <a:spAutoFit/>
+          </a:bodyPr>
+          <a:lstStyle/>
+          <a:p>
+            <a:pPr algn="ctr"/>
+            <a:r>
+              <a:rPr lang="ko-KR" altLang="en-US" sz="1600" dirty="0"/>
+              <a:t>삭제하기</a:t>
+            </a:r>
+          </a:p>
+        </p:txBody>
+      </p:sp>
+      <p:sp>
+        <p:nvSpPr>
+          <p:cNvPr id="22" name="TextBox 21">
+            <a:extLst>
+              <a:ext uri="{FF2B5EF4-FFF2-40B4-BE49-F238E27FC236}">
+                <a16:creationId xmlns:a16="http://schemas.microsoft.com/office/drawing/2014/main" id="{6A88FED1-E3C6-455E-A026-385C652E9AEB}"/>
+              </a:ext>
+            </a:extLst>
+          </p:cNvPr>
+          <p:cNvSpPr txBox="1"/>
+          <p:nvPr/>
+        </p:nvSpPr>
+        <p:spPr>
+          <a:xfrm>
+            <a:off x="4014976" y="2472521"/>
+            <a:ext cx="884712" cy="369332"/>
+          </a:xfrm>
+          <a:prstGeom prst="rect">
+            <a:avLst/>
+          </a:prstGeom>
+          <a:noFill/>
+        </p:spPr>
+        <p:txBody>
+          <a:bodyPr wrap="square" rtlCol="0">
+            <a:spAutoFit/>
+          </a:bodyPr>
+          <a:lstStyle/>
+          <a:p>
+            <a:r>
+              <a:rPr lang="ko-KR" altLang="en-US"/>
+              <a:t>상품명</a:t>
+            </a:r>
+          </a:p>
+        </p:txBody>
+      </p:sp>
+      <p:sp>
+        <p:nvSpPr>
+          <p:cNvPr id="76" name="TextBox 75">
+            <a:extLst>
+              <a:ext uri="{FF2B5EF4-FFF2-40B4-BE49-F238E27FC236}">
+                <a16:creationId xmlns:a16="http://schemas.microsoft.com/office/drawing/2014/main" id="{F765728F-30C9-4195-A316-EA78B1F473DA}"/>
+              </a:ext>
+            </a:extLst>
+          </p:cNvPr>
+          <p:cNvSpPr txBox="1"/>
+          <p:nvPr/>
+        </p:nvSpPr>
+        <p:spPr>
+          <a:xfrm>
+            <a:off x="5910210" y="2472521"/>
+            <a:ext cx="884712" cy="369332"/>
+          </a:xfrm>
+          <a:prstGeom prst="rect">
+            <a:avLst/>
+          </a:prstGeom>
+          <a:noFill/>
+        </p:spPr>
+        <p:txBody>
+          <a:bodyPr wrap="square" rtlCol="0">
+            <a:spAutoFit/>
+          </a:bodyPr>
+          <a:lstStyle/>
+          <a:p>
+            <a:pPr algn="ctr"/>
+            <a:r>
+              <a:rPr lang="ko-KR" altLang="en-US" dirty="0"/>
+              <a:t>가격</a:t>
+            </a:r>
+          </a:p>
+        </p:txBody>
+      </p:sp>
+      <p:sp>
+        <p:nvSpPr>
+          <p:cNvPr id="80" name="TextBox 79">
+            <a:extLst>
+              <a:ext uri="{FF2B5EF4-FFF2-40B4-BE49-F238E27FC236}">
+                <a16:creationId xmlns:a16="http://schemas.microsoft.com/office/drawing/2014/main" id="{D47E1AB2-341D-49AD-8BAA-0C502D6D4E20}"/>
+              </a:ext>
+            </a:extLst>
+          </p:cNvPr>
+          <p:cNvSpPr txBox="1"/>
+          <p:nvPr/>
+        </p:nvSpPr>
+        <p:spPr>
+          <a:xfrm>
+            <a:off x="3210422" y="3544073"/>
+            <a:ext cx="2493820" cy="584775"/>
+          </a:xfrm>
+          <a:prstGeom prst="rect">
+            <a:avLst/>
+          </a:prstGeom>
+          <a:noFill/>
+        </p:spPr>
+        <p:txBody>
+          <a:bodyPr wrap="square" rtlCol="0">
+            <a:spAutoFit/>
+          </a:bodyPr>
+          <a:lstStyle/>
+          <a:p>
+            <a:r>
+              <a:rPr lang="ko-KR" altLang="en-US" sz="1600" dirty="0"/>
+              <a:t>고등수학상</a:t>
+            </a:r>
+            <a:r>
+              <a:rPr lang="en-US" altLang="ko-KR" sz="1600" dirty="0"/>
+              <a:t>_07</a:t>
+            </a:r>
+            <a:r>
+              <a:rPr lang="ko-KR" altLang="en-US" sz="1600" dirty="0" err="1"/>
+              <a:t>여러가지방정식</a:t>
+            </a:r>
+            <a:endParaRPr lang="ko-KR" altLang="en-US" sz="1600" dirty="0"/>
+          </a:p>
+        </p:txBody>
+      </p:sp>
+      <p:sp>
+        <p:nvSpPr>
+          <p:cNvPr id="81" name="TextBox 80">
+            <a:extLst>
+              <a:ext uri="{FF2B5EF4-FFF2-40B4-BE49-F238E27FC236}">
+                <a16:creationId xmlns:a16="http://schemas.microsoft.com/office/drawing/2014/main" id="{A8381A38-6D8E-4391-9834-7502BA899DB2}"/>
+              </a:ext>
+            </a:extLst>
+          </p:cNvPr>
+          <p:cNvSpPr txBox="1"/>
+          <p:nvPr/>
+        </p:nvSpPr>
+        <p:spPr>
+          <a:xfrm>
+            <a:off x="5933960" y="3544073"/>
+            <a:ext cx="860962" cy="338554"/>
+          </a:xfrm>
+          <a:prstGeom prst="rect">
+            <a:avLst/>
+          </a:prstGeom>
+          <a:noFill/>
+        </p:spPr>
+        <p:txBody>
+          <a:bodyPr wrap="square" rtlCol="0">
+            <a:spAutoFit/>
+          </a:bodyPr>
+          <a:lstStyle/>
+          <a:p>
+            <a:r>
+              <a:rPr lang="ko-KR" altLang="en-US" sz="1600" b="0" i="0" dirty="0">
+                <a:solidFill>
+                  <a:srgbClr val="1A1A1A"/>
+                </a:solidFill>
+                <a:effectLst/>
+                <a:latin typeface="Nanum Gothic"/>
+              </a:rPr>
+              <a:t>₩</a:t>
+            </a:r>
+            <a:r>
+              <a:rPr lang="en-US" altLang="ko-KR" sz="1600" b="0" i="0" dirty="0">
+                <a:solidFill>
+                  <a:srgbClr val="1A1A1A"/>
+                </a:solidFill>
+                <a:effectLst/>
+                <a:latin typeface="Nanum Gothic"/>
+              </a:rPr>
+              <a:t>1,000</a:t>
+            </a:r>
+            <a:endParaRPr lang="ko-KR" altLang="en-US" sz="1600" dirty="0"/>
+          </a:p>
+        </p:txBody>
+      </p:sp>
+      <p:sp>
+        <p:nvSpPr>
+          <p:cNvPr id="82" name="TextBox 81">
+            <a:extLst>
+              <a:ext uri="{FF2B5EF4-FFF2-40B4-BE49-F238E27FC236}">
+                <a16:creationId xmlns:a16="http://schemas.microsoft.com/office/drawing/2014/main" id="{966440AC-5DC7-4C1D-91BD-1F0AEFB8FFDD}"/>
+              </a:ext>
+            </a:extLst>
+          </p:cNvPr>
+          <p:cNvSpPr txBox="1"/>
+          <p:nvPr/>
+        </p:nvSpPr>
+        <p:spPr>
+          <a:xfrm>
+            <a:off x="7254358" y="3544073"/>
+            <a:ext cx="1104404" cy="338554"/>
+          </a:xfrm>
+          <a:prstGeom prst="rect">
+            <a:avLst/>
+          </a:prstGeom>
+          <a:noFill/>
+          <a:ln>
+            <a:solidFill>
+              <a:srgbClr val="FF0000"/>
+            </a:solidFill>
+          </a:ln>
+        </p:spPr>
+        <p:txBody>
+          <a:bodyPr wrap="square" rtlCol="0">
+            <a:spAutoFit/>
+          </a:bodyPr>
+          <a:lstStyle/>
+          <a:p>
+            <a:pPr algn="ctr"/>
+            <a:r>
+              <a:rPr lang="ko-KR" altLang="en-US" sz="1600" dirty="0"/>
+              <a:t>삭제하기</a:t>
+            </a:r>
+          </a:p>
+        </p:txBody>
+      </p:sp>
+      <p:sp>
+        <p:nvSpPr>
+          <p:cNvPr id="83" name="TextBox 82">
+            <a:extLst>
+              <a:ext uri="{FF2B5EF4-FFF2-40B4-BE49-F238E27FC236}">
+                <a16:creationId xmlns:a16="http://schemas.microsoft.com/office/drawing/2014/main" id="{905B90A0-CE4B-491F-B2BD-D7C4A8BCB0AA}"/>
+              </a:ext>
+            </a:extLst>
+          </p:cNvPr>
+          <p:cNvSpPr txBox="1"/>
+          <p:nvPr/>
+        </p:nvSpPr>
+        <p:spPr>
+          <a:xfrm>
+            <a:off x="6958999" y="4587034"/>
+            <a:ext cx="1484357" cy="338554"/>
+          </a:xfrm>
+          <a:prstGeom prst="rect">
+            <a:avLst/>
+          </a:prstGeom>
+          <a:noFill/>
+        </p:spPr>
+        <p:txBody>
+          <a:bodyPr wrap="square" rtlCol="0">
+            <a:spAutoFit/>
+          </a:bodyPr>
+          <a:lstStyle/>
+          <a:p>
+            <a:pPr algn="ctr"/>
+            <a:r>
+              <a:rPr lang="ko-KR" altLang="en-US" sz="1600" dirty="0"/>
+              <a:t>장바구니 합계</a:t>
+            </a:r>
+          </a:p>
+        </p:txBody>
+      </p:sp>
+      <p:sp>
+        <p:nvSpPr>
+          <p:cNvPr id="23" name="사각형: 둥근 모서리 22">
+            <a:extLst>
+              <a:ext uri="{FF2B5EF4-FFF2-40B4-BE49-F238E27FC236}">
+                <a16:creationId xmlns:a16="http://schemas.microsoft.com/office/drawing/2014/main" id="{6C7A3175-7583-4EB0-909F-C3DC5310504A}"/>
+              </a:ext>
+            </a:extLst>
+          </p:cNvPr>
+          <p:cNvSpPr/>
+          <p:nvPr/>
+        </p:nvSpPr>
+        <p:spPr>
+          <a:xfrm>
+            <a:off x="7083631" y="4994061"/>
+            <a:ext cx="1983179" cy="302821"/>
+          </a:xfrm>
+          <a:prstGeom prst="roundRect">
+            <a:avLst/>
+          </a:prstGeom>
+          <a:noFill/>
+          <a:ln>
+            <a:solidFill>
+              <a:schemeClr val="bg1">
+                <a:lumMod val="75000"/>
+              </a:schemeClr>
+            </a:solidFill>
+          </a:ln>
+        </p:spPr>
+        <p:style>
+          <a:lnRef idx="2">
+            <a:schemeClr val="accent1">
+              <a:shade val="50000"/>
+            </a:schemeClr>
+          </a:lnRef>
+          <a:fillRef idx="1">
+            <a:schemeClr val="accent1"/>
+          </a:fillRef>
+          <a:effectRef idx="0">
+            <a:schemeClr val="accent1"/>
+          </a:effectRef>
+          <a:fontRef idx="minor">
+            <a:schemeClr val="lt1"/>
+          </a:fontRef>
+        </p:style>
+        <p:txBody>
+          <a:bodyPr rtlCol="0" anchor="ctr"/>
+          <a:lstStyle/>
+          <a:p>
+            <a:pPr algn="ctr"/>
+            <a:r>
+              <a:rPr lang="ko-KR" altLang="en-US" sz="1400" dirty="0">
+                <a:solidFill>
+                  <a:schemeClr val="tx1"/>
+                </a:solidFill>
+              </a:rPr>
+              <a:t>소계            </a:t>
+            </a:r>
+            <a:r>
+              <a:rPr lang="ko-KR" altLang="en-US" sz="1400" b="0" i="0" dirty="0">
+                <a:solidFill>
+                  <a:schemeClr val="tx1"/>
+                </a:solidFill>
+                <a:effectLst/>
+                <a:latin typeface="Nanum Gothic"/>
+              </a:rPr>
+              <a:t>₩</a:t>
+            </a:r>
+            <a:r>
+              <a:rPr lang="en-US" altLang="ko-KR" sz="1400" b="0" i="0" dirty="0">
+                <a:solidFill>
+                  <a:schemeClr val="tx1"/>
+                </a:solidFill>
+                <a:effectLst/>
+                <a:latin typeface="Nanum Gothic"/>
+              </a:rPr>
+              <a:t>10,000</a:t>
+            </a:r>
+            <a:endParaRPr lang="ko-KR" altLang="en-US" sz="1400" dirty="0">
+              <a:solidFill>
+                <a:schemeClr val="tx1"/>
+              </a:solidFill>
+            </a:endParaRPr>
+          </a:p>
+        </p:txBody>
+      </p:sp>
+      <p:sp>
+        <p:nvSpPr>
+          <p:cNvPr id="84" name="사각형: 둥근 모서리 83">
+            <a:extLst>
+              <a:ext uri="{FF2B5EF4-FFF2-40B4-BE49-F238E27FC236}">
+                <a16:creationId xmlns:a16="http://schemas.microsoft.com/office/drawing/2014/main" id="{492B3B26-D769-468C-9434-8603E2F8EBCA}"/>
+              </a:ext>
+            </a:extLst>
+          </p:cNvPr>
+          <p:cNvSpPr/>
+          <p:nvPr/>
+        </p:nvSpPr>
+        <p:spPr>
+          <a:xfrm>
+            <a:off x="7083631" y="5297370"/>
+            <a:ext cx="1983179" cy="302821"/>
+          </a:xfrm>
+          <a:prstGeom prst="roundRect">
+            <a:avLst/>
+          </a:prstGeom>
+          <a:noFill/>
+          <a:ln>
+            <a:solidFill>
+              <a:schemeClr val="bg1">
+                <a:lumMod val="75000"/>
+              </a:schemeClr>
+            </a:solidFill>
+          </a:ln>
+        </p:spPr>
+        <p:style>
+          <a:lnRef idx="2">
+            <a:schemeClr val="accent1">
+              <a:shade val="50000"/>
+            </a:schemeClr>
+          </a:lnRef>
+          <a:fillRef idx="1">
+            <a:schemeClr val="accent1"/>
+          </a:fillRef>
+          <a:effectRef idx="0">
+            <a:schemeClr val="accent1"/>
+          </a:effectRef>
+          <a:fontRef idx="minor">
+            <a:schemeClr val="lt1"/>
+          </a:fontRef>
+        </p:style>
+        <p:txBody>
+          <a:bodyPr rtlCol="0" anchor="ctr"/>
+          <a:lstStyle/>
+          <a:p>
+            <a:pPr algn="ctr"/>
+            <a:r>
+              <a:rPr lang="ko-KR" altLang="en-US" sz="1400" dirty="0">
+                <a:solidFill>
+                  <a:schemeClr val="tx1"/>
+                </a:solidFill>
+              </a:rPr>
+              <a:t>총계            </a:t>
+            </a:r>
+            <a:r>
+              <a:rPr lang="ko-KR" altLang="en-US" sz="1400" b="0" i="0" dirty="0">
+                <a:solidFill>
+                  <a:schemeClr val="tx1"/>
+                </a:solidFill>
+                <a:effectLst/>
+                <a:latin typeface="Nanum Gothic"/>
+              </a:rPr>
+              <a:t>₩</a:t>
+            </a:r>
+            <a:r>
+              <a:rPr lang="en-US" altLang="ko-KR" sz="1400" b="0" i="0" dirty="0">
+                <a:solidFill>
+                  <a:schemeClr val="tx1"/>
+                </a:solidFill>
+                <a:effectLst/>
+                <a:latin typeface="Nanum Gothic"/>
+              </a:rPr>
+              <a:t>10,000</a:t>
+            </a:r>
+            <a:endParaRPr lang="ko-KR" altLang="en-US" sz="1400" dirty="0">
+              <a:solidFill>
+                <a:schemeClr val="tx1"/>
+              </a:solidFill>
+            </a:endParaRPr>
+          </a:p>
+        </p:txBody>
+      </p:sp>
+      <p:sp>
+        <p:nvSpPr>
+          <p:cNvPr id="24" name="사각형: 둥근 모서리 23">
+            <a:extLst>
+              <a:ext uri="{FF2B5EF4-FFF2-40B4-BE49-F238E27FC236}">
+                <a16:creationId xmlns:a16="http://schemas.microsoft.com/office/drawing/2014/main" id="{9E585501-B69E-4191-A087-8A17CFCCC918}"/>
+              </a:ext>
+            </a:extLst>
+          </p:cNvPr>
+          <p:cNvSpPr/>
+          <p:nvPr/>
+        </p:nvSpPr>
+        <p:spPr>
+          <a:xfrm>
+            <a:off x="7083631" y="5772382"/>
+            <a:ext cx="1983179" cy="469075"/>
+          </a:xfrm>
+          <a:prstGeom prst="roundRect">
+            <a:avLst/>
+          </a:prstGeom>
+        </p:spPr>
+        <p:style>
+          <a:lnRef idx="3">
+            <a:schemeClr val="lt1"/>
+          </a:lnRef>
+          <a:fillRef idx="1">
+            <a:schemeClr val="accent2"/>
+          </a:fillRef>
+          <a:effectRef idx="1">
+            <a:schemeClr val="accent2"/>
+          </a:effectRef>
+          <a:fontRef idx="minor">
+            <a:schemeClr val="lt1"/>
+          </a:fontRef>
+        </p:style>
+        <p:txBody>
+          <a:bodyPr rtlCol="0" anchor="ctr"/>
+          <a:lstStyle/>
+          <a:p>
+            <a:pPr algn="ctr"/>
+            <a:r>
+              <a:rPr lang="ko-KR" altLang="en-US"/>
+              <a:t>결제 진행하기</a:t>
+            </a:r>
+          </a:p>
+        </p:txBody>
+      </p:sp>
+      <p:sp>
+        <p:nvSpPr>
+          <p:cNvPr id="85" name="TextBox 84">
+            <a:extLst>
+              <a:ext uri="{FF2B5EF4-FFF2-40B4-BE49-F238E27FC236}">
+                <a16:creationId xmlns:a16="http://schemas.microsoft.com/office/drawing/2014/main" id="{470F200B-0636-40CB-A6B9-EA0D78B80F55}"/>
+              </a:ext>
+            </a:extLst>
+          </p:cNvPr>
+          <p:cNvSpPr txBox="1"/>
+          <p:nvPr/>
+        </p:nvSpPr>
+        <p:spPr>
+          <a:xfrm>
+            <a:off x="4477994" y="284100"/>
+            <a:ext cx="7373580" cy="307777"/>
+          </a:xfrm>
+          <a:prstGeom prst="rect">
+            <a:avLst/>
+          </a:prstGeom>
+          <a:noFill/>
+        </p:spPr>
+        <p:txBody>
+          <a:bodyPr wrap="square" rtlCol="0">
+            <a:spAutoFit/>
+          </a:bodyPr>
+          <a:lstStyle/>
+          <a:p>
+            <a:r>
+              <a:rPr lang="ko-KR" altLang="en-US" sz="1400" dirty="0" err="1"/>
+              <a:t>온챌아카데미학원</a:t>
+            </a:r>
+            <a:r>
+              <a:rPr lang="ko-KR" altLang="en-US" sz="1400" dirty="0"/>
+              <a:t>       </a:t>
+            </a:r>
+            <a:r>
+              <a:rPr lang="ko-KR" altLang="en-US" sz="1400" dirty="0" err="1"/>
+              <a:t>온챌개념서</a:t>
+            </a:r>
+            <a:r>
+              <a:rPr lang="ko-KR" altLang="en-US" sz="1400" dirty="0"/>
+              <a:t> 무료보기      </a:t>
+            </a:r>
+            <a:r>
+              <a:rPr lang="ko-KR" altLang="en-US" sz="1400" dirty="0" err="1"/>
+              <a:t>온챌개념서</a:t>
+            </a:r>
+            <a:r>
+              <a:rPr lang="ko-KR" altLang="en-US" sz="1400" dirty="0"/>
+              <a:t> 구매     </a:t>
+            </a:r>
+            <a:r>
+              <a:rPr lang="ko-KR" altLang="en-US" sz="1400" b="1" dirty="0"/>
+              <a:t>장바구니</a:t>
+            </a:r>
+            <a:r>
+              <a:rPr lang="ko-KR" altLang="en-US" sz="1400" dirty="0"/>
+              <a:t>    회원정보</a:t>
+            </a:r>
+            <a:r>
+              <a:rPr lang="ko-KR" altLang="en-US" sz="1400" b="1" dirty="0"/>
+              <a:t> </a:t>
+            </a:r>
+          </a:p>
+        </p:txBody>
+      </p:sp>
+      <p:sp>
+        <p:nvSpPr>
+          <p:cNvPr id="86" name="TextBox 85">
+            <a:extLst>
+              <a:ext uri="{FF2B5EF4-FFF2-40B4-BE49-F238E27FC236}">
+                <a16:creationId xmlns:a16="http://schemas.microsoft.com/office/drawing/2014/main" id="{1E499715-DFFE-4D95-B600-B21EF97463D8}"/>
+              </a:ext>
+            </a:extLst>
+          </p:cNvPr>
+          <p:cNvSpPr txBox="1"/>
+          <p:nvPr/>
+        </p:nvSpPr>
+        <p:spPr>
+          <a:xfrm>
+            <a:off x="973222" y="7134"/>
+            <a:ext cx="3161944" cy="707886"/>
+          </a:xfrm>
+          <a:prstGeom prst="rect">
+            <a:avLst/>
+          </a:prstGeom>
+          <a:noFill/>
+        </p:spPr>
+        <p:txBody>
+          <a:bodyPr wrap="square" rtlCol="0">
+            <a:spAutoFit/>
+          </a:bodyPr>
+          <a:lstStyle/>
+          <a:p>
+            <a:r>
+              <a:rPr lang="en-US" altLang="ko-KR" sz="4000" dirty="0"/>
+              <a:t>ONCHALL</a:t>
+            </a:r>
+            <a:endParaRPr lang="ko-KR" altLang="en-US" sz="4000" dirty="0"/>
+          </a:p>
+        </p:txBody>
+      </p:sp>
+    </p:spTree>
+    <p:extLst>
+      <p:ext uri="{BB962C8B-B14F-4D97-AF65-F5344CB8AC3E}">
+        <p14:creationId xmlns:p14="http://schemas.microsoft.com/office/powerpoint/2010/main" val="3743791400"/>
+      </p:ext>
+    </p:extLst>
+  </p:cSld>
+  <p:clrMapOvr>
+    <a:masterClrMapping/>
+  </p:clrMapOvr>
+</p:sld>
+</file>
+
+<file path=ppt/slides/slide2.xml><?xml version="1.0" encoding="utf-8"?>
+<p:sld xmlns:a="http://schemas.openxmlformats.org/drawingml/2006/main" xmlns:r="http://schemas.openxmlformats.org/officeDocument/2006/relationships" xmlns:p="http://schemas.openxmlformats.org/presentationml/2006/main">
+  <p:cSld>
+    <p:spTree>
+      <p:nvGrpSpPr>
+        <p:cNvPr id="1" name=""/>
+        <p:cNvGrpSpPr/>
+        <p:nvPr/>
+      </p:nvGrpSpPr>
+      <p:grpSpPr>
+        <a:xfrm>
+          <a:off x="0" y="0"/>
+          <a:ext cx="0" cy="0"/>
+          <a:chOff x="0" y="0"/>
+          <a:chExt cx="0" cy="0"/>
+        </a:xfrm>
+      </p:grpSpPr>
+      <p:sp>
+        <p:nvSpPr>
+          <p:cNvPr id="4" name="TextBox 3">
+            <a:extLst>
+              <a:ext uri="{FF2B5EF4-FFF2-40B4-BE49-F238E27FC236}">
+                <a16:creationId xmlns:a16="http://schemas.microsoft.com/office/drawing/2014/main" id="{181F38E4-D20C-4834-B1F4-69D8B5846AD9}"/>
+              </a:ext>
+            </a:extLst>
+          </p:cNvPr>
+          <p:cNvSpPr txBox="1"/>
+          <p:nvPr/>
+        </p:nvSpPr>
+        <p:spPr>
+          <a:xfrm>
+            <a:off x="47501" y="0"/>
+            <a:ext cx="1686296" cy="369332"/>
+          </a:xfrm>
+          <a:prstGeom prst="rect">
+            <a:avLst/>
+          </a:prstGeom>
+          <a:noFill/>
+        </p:spPr>
+        <p:txBody>
+          <a:bodyPr wrap="square" rtlCol="0">
+            <a:spAutoFit/>
+          </a:bodyPr>
+          <a:lstStyle/>
+          <a:p>
+            <a:r>
+              <a:rPr lang="en-US" altLang="ko-KR" dirty="0"/>
+              <a:t>signup</a:t>
+            </a:r>
+            <a:endParaRPr lang="ko-KR" altLang="en-US" dirty="0"/>
+          </a:p>
+        </p:txBody>
+      </p:sp>
+      <p:sp>
+        <p:nvSpPr>
+          <p:cNvPr id="7" name="사각형: 둥근 모서리 6">
+            <a:hlinkClick r:id="rId2" action="ppaction://hlinksldjump"/>
+            <a:extLst>
+              <a:ext uri="{FF2B5EF4-FFF2-40B4-BE49-F238E27FC236}">
+                <a16:creationId xmlns:a16="http://schemas.microsoft.com/office/drawing/2014/main" id="{505604E0-B60B-426C-A2AC-632DCEB4DC65}"/>
+              </a:ext>
+            </a:extLst>
+          </p:cNvPr>
+          <p:cNvSpPr/>
+          <p:nvPr/>
+        </p:nvSpPr>
+        <p:spPr>
+          <a:xfrm>
+            <a:off x="5725430" y="4211694"/>
+            <a:ext cx="1258784" cy="427512"/>
+          </a:xfrm>
+          <a:prstGeom prst="roundRect">
+            <a:avLst/>
+          </a:prstGeom>
+          <a:ln>
+            <a:solidFill>
+              <a:schemeClr val="accent1">
+                <a:lumMod val="40000"/>
+                <a:lumOff val="60000"/>
+              </a:schemeClr>
+            </a:solidFill>
+          </a:ln>
+        </p:spPr>
+        <p:style>
+          <a:lnRef idx="2">
+            <a:schemeClr val="accent6">
+              <a:shade val="50000"/>
+            </a:schemeClr>
+          </a:lnRef>
+          <a:fillRef idx="1">
+            <a:schemeClr val="accent6"/>
+          </a:fillRef>
+          <a:effectRef idx="0">
+            <a:schemeClr val="accent6"/>
+          </a:effectRef>
+          <a:fontRef idx="minor">
+            <a:schemeClr val="lt1"/>
+          </a:fontRef>
+        </p:style>
+        <p:txBody>
+          <a:bodyPr rtlCol="0" anchor="ctr"/>
+          <a:lstStyle/>
+          <a:p>
+            <a:pPr algn="ctr"/>
+            <a:r>
+              <a:rPr lang="ko-KR" altLang="en-US"/>
+              <a:t>로그인</a:t>
+            </a:r>
+            <a:endParaRPr lang="ko-KR" altLang="en-US" dirty="0"/>
+          </a:p>
+        </p:txBody>
+      </p:sp>
+      <p:sp>
+        <p:nvSpPr>
+          <p:cNvPr id="8" name="TextBox 7">
+            <a:extLst>
+              <a:ext uri="{FF2B5EF4-FFF2-40B4-BE49-F238E27FC236}">
+                <a16:creationId xmlns:a16="http://schemas.microsoft.com/office/drawing/2014/main" id="{99275EA9-9A4D-4068-8463-EA5CFA4E72C2}"/>
+              </a:ext>
+            </a:extLst>
+          </p:cNvPr>
+          <p:cNvSpPr txBox="1"/>
+          <p:nvPr/>
+        </p:nvSpPr>
+        <p:spPr>
+          <a:xfrm>
+            <a:off x="973222" y="7136"/>
+            <a:ext cx="3161944" cy="707886"/>
+          </a:xfrm>
+          <a:prstGeom prst="rect">
+            <a:avLst/>
+          </a:prstGeom>
+          <a:noFill/>
+        </p:spPr>
+        <p:txBody>
+          <a:bodyPr wrap="square" rtlCol="0">
+            <a:spAutoFit/>
+          </a:bodyPr>
+          <a:lstStyle/>
+          <a:p>
+            <a:r>
+              <a:rPr lang="en-US" altLang="ko-KR" sz="4000" dirty="0"/>
+              <a:t>ONCHALL</a:t>
+            </a:r>
+            <a:endParaRPr lang="ko-KR" altLang="en-US" sz="4000" dirty="0"/>
+          </a:p>
+        </p:txBody>
+      </p:sp>
+      <p:sp>
+        <p:nvSpPr>
+          <p:cNvPr id="9" name="TextBox 8">
+            <a:extLst>
+              <a:ext uri="{FF2B5EF4-FFF2-40B4-BE49-F238E27FC236}">
+                <a16:creationId xmlns:a16="http://schemas.microsoft.com/office/drawing/2014/main" id="{BD956F93-A230-401B-BD44-2B9CCD8B9583}"/>
+              </a:ext>
+            </a:extLst>
+          </p:cNvPr>
+          <p:cNvSpPr txBox="1"/>
+          <p:nvPr/>
+        </p:nvSpPr>
+        <p:spPr>
+          <a:xfrm>
+            <a:off x="4477995" y="284102"/>
+            <a:ext cx="7306656" cy="307777"/>
+          </a:xfrm>
+          <a:prstGeom prst="rect">
+            <a:avLst/>
+          </a:prstGeom>
+          <a:noFill/>
+        </p:spPr>
+        <p:txBody>
+          <a:bodyPr wrap="square" rtlCol="0">
+            <a:spAutoFit/>
+          </a:bodyPr>
+          <a:lstStyle/>
+          <a:p>
+            <a:r>
+              <a:rPr lang="ko-KR" altLang="en-US" sz="1400" dirty="0" err="1"/>
+              <a:t>온챌아카데미학원</a:t>
+            </a:r>
+            <a:r>
+              <a:rPr lang="ko-KR" altLang="en-US" sz="1400" dirty="0"/>
+              <a:t>       </a:t>
+            </a:r>
+            <a:r>
+              <a:rPr lang="ko-KR" altLang="en-US" sz="1400" dirty="0" err="1"/>
+              <a:t>온챌개념서</a:t>
+            </a:r>
+            <a:r>
+              <a:rPr lang="ko-KR" altLang="en-US" sz="1400" dirty="0"/>
+              <a:t> 무료보기      </a:t>
+            </a:r>
+            <a:r>
+              <a:rPr lang="ko-KR" altLang="en-US" sz="1400" dirty="0" err="1"/>
+              <a:t>온챌개념서</a:t>
+            </a:r>
+            <a:r>
+              <a:rPr lang="ko-KR" altLang="en-US" sz="1400" dirty="0"/>
+              <a:t> 구매     로그인     회원가입 </a:t>
+            </a:r>
+          </a:p>
+        </p:txBody>
+      </p:sp>
+      <p:sp>
+        <p:nvSpPr>
+          <p:cNvPr id="10" name="TextBox 9">
+            <a:extLst>
+              <a:ext uri="{FF2B5EF4-FFF2-40B4-BE49-F238E27FC236}">
+                <a16:creationId xmlns:a16="http://schemas.microsoft.com/office/drawing/2014/main" id="{FC582BD5-C557-424A-8086-76407BA6B6DC}"/>
+              </a:ext>
+            </a:extLst>
+          </p:cNvPr>
+          <p:cNvSpPr txBox="1"/>
+          <p:nvPr/>
+        </p:nvSpPr>
+        <p:spPr>
+          <a:xfrm>
+            <a:off x="3886279" y="1815309"/>
+            <a:ext cx="4937087" cy="830997"/>
+          </a:xfrm>
+          <a:prstGeom prst="rect">
+            <a:avLst/>
+          </a:prstGeom>
+          <a:noFill/>
+        </p:spPr>
+        <p:txBody>
+          <a:bodyPr wrap="square" rtlCol="0">
+            <a:spAutoFit/>
+          </a:bodyPr>
+          <a:lstStyle/>
+          <a:p>
+            <a:r>
+              <a:rPr lang="ko-KR" altLang="en-US" sz="2400" dirty="0"/>
+              <a:t>인증 이메일이 전송되었습니다</a:t>
+            </a:r>
+            <a:r>
+              <a:rPr lang="en-US" altLang="ko-KR" sz="2400" dirty="0"/>
+              <a:t>.</a:t>
+            </a:r>
+          </a:p>
+          <a:p>
+            <a:r>
+              <a:rPr lang="en-US" altLang="ko-KR" sz="2400" dirty="0"/>
+              <a:t>[</a:t>
+            </a:r>
+            <a:r>
+              <a:rPr lang="ko-KR" altLang="en-US" sz="2400" dirty="0"/>
+              <a:t>인증하기</a:t>
+            </a:r>
+            <a:r>
+              <a:rPr lang="en-US" altLang="ko-KR" sz="2400" dirty="0"/>
+              <a:t>] </a:t>
+            </a:r>
+            <a:r>
+              <a:rPr lang="ko-KR" altLang="en-US" sz="2400" dirty="0"/>
+              <a:t>버튼을 눌러주세요</a:t>
+            </a:r>
+            <a:r>
+              <a:rPr lang="en-US" altLang="ko-KR" sz="2400" dirty="0"/>
+              <a:t>.</a:t>
+            </a:r>
+            <a:endParaRPr lang="ko-KR" altLang="en-US" sz="2400" dirty="0"/>
+          </a:p>
+        </p:txBody>
+      </p:sp>
+    </p:spTree>
+    <p:extLst>
+      <p:ext uri="{BB962C8B-B14F-4D97-AF65-F5344CB8AC3E}">
+        <p14:creationId xmlns:p14="http://schemas.microsoft.com/office/powerpoint/2010/main" val="3171307389"/>
+      </p:ext>
+    </p:extLst>
+  </p:cSld>
+  <p:clrMapOvr>
+    <a:masterClrMapping/>
+  </p:clrMapOvr>
+</p:sld>
+</file>
+
+<file path=ppt/slides/slide3.xml><?xml version="1.0" encoding="utf-8"?>
+<p:sld xmlns:a="http://schemas.openxmlformats.org/drawingml/2006/main" xmlns:r="http://schemas.openxmlformats.org/officeDocument/2006/relationships" xmlns:p="http://schemas.openxmlformats.org/presentationml/2006/main">
+  <p:cSld>
+    <p:spTree>
+      <p:nvGrpSpPr>
+        <p:cNvPr id="1" name=""/>
+        <p:cNvGrpSpPr/>
+        <p:nvPr/>
+      </p:nvGrpSpPr>
+      <p:grpSpPr>
+        <a:xfrm>
+          <a:off x="0" y="0"/>
+          <a:ext cx="0" cy="0"/>
+          <a:chOff x="0" y="0"/>
+          <a:chExt cx="0" cy="0"/>
+        </a:xfrm>
+      </p:grpSpPr>
+      <p:sp>
+        <p:nvSpPr>
+          <p:cNvPr id="4" name="TextBox 3">
+            <a:extLst>
+              <a:ext uri="{FF2B5EF4-FFF2-40B4-BE49-F238E27FC236}">
+                <a16:creationId xmlns:a16="http://schemas.microsoft.com/office/drawing/2014/main" id="{181F38E4-D20C-4834-B1F4-69D8B5846AD9}"/>
+              </a:ext>
+            </a:extLst>
+          </p:cNvPr>
+          <p:cNvSpPr txBox="1"/>
+          <p:nvPr/>
+        </p:nvSpPr>
+        <p:spPr>
+          <a:xfrm>
+            <a:off x="47501" y="0"/>
+            <a:ext cx="1686296" cy="369332"/>
+          </a:xfrm>
+          <a:prstGeom prst="rect">
+            <a:avLst/>
+          </a:prstGeom>
+          <a:noFill/>
+        </p:spPr>
+        <p:txBody>
+          <a:bodyPr wrap="square" rtlCol="0">
+            <a:spAutoFit/>
+          </a:bodyPr>
+          <a:lstStyle/>
+          <a:p>
+            <a:r>
+              <a:rPr lang="en-US" altLang="ko-KR" dirty="0"/>
+              <a:t>login</a:t>
+            </a:r>
+            <a:endParaRPr lang="ko-KR" altLang="en-US" dirty="0"/>
+          </a:p>
+        </p:txBody>
+      </p:sp>
+      <p:sp>
+        <p:nvSpPr>
+          <p:cNvPr id="8" name="TextBox 7">
+            <a:extLst>
+              <a:ext uri="{FF2B5EF4-FFF2-40B4-BE49-F238E27FC236}">
+                <a16:creationId xmlns:a16="http://schemas.microsoft.com/office/drawing/2014/main" id="{75C42BA6-7A07-4CC1-93DA-C1906C7A3C45}"/>
+              </a:ext>
+            </a:extLst>
+          </p:cNvPr>
+          <p:cNvSpPr txBox="1"/>
+          <p:nvPr/>
+        </p:nvSpPr>
+        <p:spPr>
+          <a:xfrm>
+            <a:off x="4926222" y="2166222"/>
+            <a:ext cx="1203406" cy="646331"/>
+          </a:xfrm>
+          <a:prstGeom prst="rect">
+            <a:avLst/>
+          </a:prstGeom>
+          <a:noFill/>
+        </p:spPr>
+        <p:txBody>
+          <a:bodyPr wrap="none" rtlCol="0">
+            <a:spAutoFit/>
+          </a:bodyPr>
+          <a:lstStyle/>
+          <a:p>
+            <a:r>
+              <a:rPr lang="en-US" altLang="ko-KR" dirty="0"/>
+              <a:t>Email:</a:t>
+            </a:r>
+          </a:p>
+          <a:p>
+            <a:r>
+              <a:rPr lang="en-US" altLang="ko-KR" dirty="0"/>
+              <a:t>Password:</a:t>
+            </a:r>
+          </a:p>
+        </p:txBody>
+      </p:sp>
+      <p:sp>
+        <p:nvSpPr>
+          <p:cNvPr id="9" name="사각형: 둥근 모서리 8">
+            <a:hlinkClick r:id="rId2" action="ppaction://hlinksldjump"/>
+            <a:extLst>
+              <a:ext uri="{FF2B5EF4-FFF2-40B4-BE49-F238E27FC236}">
+                <a16:creationId xmlns:a16="http://schemas.microsoft.com/office/drawing/2014/main" id="{2B888A01-3F40-40CF-845D-1BF1F6B9F250}"/>
+              </a:ext>
+            </a:extLst>
+          </p:cNvPr>
+          <p:cNvSpPr/>
+          <p:nvPr/>
+        </p:nvSpPr>
+        <p:spPr>
+          <a:xfrm>
+            <a:off x="6663388" y="3486298"/>
+            <a:ext cx="1258784" cy="427512"/>
+          </a:xfrm>
+          <a:prstGeom prst="roundRect">
+            <a:avLst/>
+          </a:prstGeom>
+          <a:ln>
+            <a:solidFill>
+              <a:schemeClr val="accent1">
+                <a:lumMod val="40000"/>
+                <a:lumOff val="60000"/>
+              </a:schemeClr>
+            </a:solidFill>
+          </a:ln>
+        </p:spPr>
+        <p:style>
+          <a:lnRef idx="2">
+            <a:schemeClr val="accent6">
+              <a:shade val="50000"/>
+            </a:schemeClr>
+          </a:lnRef>
+          <a:fillRef idx="1">
+            <a:schemeClr val="accent6"/>
+          </a:fillRef>
+          <a:effectRef idx="0">
+            <a:schemeClr val="accent6"/>
+          </a:effectRef>
+          <a:fontRef idx="minor">
+            <a:schemeClr val="lt1"/>
+          </a:fontRef>
+        </p:style>
+        <p:txBody>
+          <a:bodyPr rtlCol="0" anchor="ctr"/>
+          <a:lstStyle/>
+          <a:p>
+            <a:pPr algn="ctr"/>
+            <a:r>
+              <a:rPr lang="ko-KR" altLang="en-US" dirty="0"/>
+              <a:t>로그인</a:t>
+            </a:r>
+          </a:p>
+        </p:txBody>
+      </p:sp>
+      <p:sp>
+        <p:nvSpPr>
+          <p:cNvPr id="10" name="사각형: 둥근 모서리 9">
+            <a:hlinkClick r:id="rId3" action="ppaction://hlinksldjump"/>
+            <a:extLst>
+              <a:ext uri="{FF2B5EF4-FFF2-40B4-BE49-F238E27FC236}">
+                <a16:creationId xmlns:a16="http://schemas.microsoft.com/office/drawing/2014/main" id="{C0F6282E-1A67-4C85-AB1F-785B187D1D39}"/>
+              </a:ext>
+            </a:extLst>
+          </p:cNvPr>
+          <p:cNvSpPr/>
+          <p:nvPr/>
+        </p:nvSpPr>
+        <p:spPr>
+          <a:xfrm>
+            <a:off x="4926222" y="3486298"/>
+            <a:ext cx="1258784" cy="427512"/>
+          </a:xfrm>
+          <a:prstGeom prst="roundRect">
+            <a:avLst/>
+          </a:prstGeom>
+          <a:ln>
+            <a:solidFill>
+              <a:schemeClr val="accent1">
+                <a:lumMod val="40000"/>
+                <a:lumOff val="60000"/>
+              </a:schemeClr>
+            </a:solidFill>
+          </a:ln>
+        </p:spPr>
+        <p:style>
+          <a:lnRef idx="2">
+            <a:schemeClr val="accent6">
+              <a:shade val="50000"/>
+            </a:schemeClr>
+          </a:lnRef>
+          <a:fillRef idx="1">
+            <a:schemeClr val="accent6"/>
+          </a:fillRef>
+          <a:effectRef idx="0">
+            <a:schemeClr val="accent6"/>
+          </a:effectRef>
+          <a:fontRef idx="minor">
+            <a:schemeClr val="lt1"/>
+          </a:fontRef>
+        </p:style>
+        <p:txBody>
+          <a:bodyPr rtlCol="0" anchor="ctr"/>
+          <a:lstStyle/>
+          <a:p>
+            <a:pPr algn="ctr"/>
+            <a:r>
+              <a:rPr lang="ko-KR" altLang="en-US" dirty="0"/>
+              <a:t>회원가입</a:t>
+            </a:r>
+          </a:p>
+        </p:txBody>
+      </p:sp>
+      <p:sp>
+        <p:nvSpPr>
+          <p:cNvPr id="11" name="TextBox 10">
+            <a:extLst>
+              <a:ext uri="{FF2B5EF4-FFF2-40B4-BE49-F238E27FC236}">
+                <a16:creationId xmlns:a16="http://schemas.microsoft.com/office/drawing/2014/main" id="{7372AEBA-C50D-4DF1-8F06-C71C3DEA659F}"/>
+              </a:ext>
+            </a:extLst>
+          </p:cNvPr>
+          <p:cNvSpPr txBox="1"/>
+          <p:nvPr/>
+        </p:nvSpPr>
+        <p:spPr>
+          <a:xfrm>
+            <a:off x="973222" y="7136"/>
+            <a:ext cx="3161944" cy="707886"/>
+          </a:xfrm>
+          <a:prstGeom prst="rect">
+            <a:avLst/>
+          </a:prstGeom>
+          <a:noFill/>
+        </p:spPr>
+        <p:txBody>
+          <a:bodyPr wrap="square" rtlCol="0">
+            <a:spAutoFit/>
+          </a:bodyPr>
+          <a:lstStyle/>
+          <a:p>
+            <a:r>
+              <a:rPr lang="en-US" altLang="ko-KR" sz="4000" dirty="0"/>
+              <a:t>ONCHALL</a:t>
+            </a:r>
+            <a:endParaRPr lang="ko-KR" altLang="en-US" sz="4000" dirty="0"/>
+          </a:p>
+        </p:txBody>
+      </p:sp>
+      <p:sp>
+        <p:nvSpPr>
+          <p:cNvPr id="12" name="TextBox 11">
+            <a:extLst>
+              <a:ext uri="{FF2B5EF4-FFF2-40B4-BE49-F238E27FC236}">
+                <a16:creationId xmlns:a16="http://schemas.microsoft.com/office/drawing/2014/main" id="{00EC4550-7BAE-4775-9A3C-30AB89ACCF47}"/>
+              </a:ext>
+            </a:extLst>
+          </p:cNvPr>
+          <p:cNvSpPr txBox="1"/>
+          <p:nvPr/>
+        </p:nvSpPr>
+        <p:spPr>
+          <a:xfrm>
+            <a:off x="4477995" y="284102"/>
+            <a:ext cx="7306656" cy="307777"/>
+          </a:xfrm>
+          <a:prstGeom prst="rect">
+            <a:avLst/>
+          </a:prstGeom>
+          <a:noFill/>
+        </p:spPr>
+        <p:txBody>
+          <a:bodyPr wrap="square" rtlCol="0">
+            <a:spAutoFit/>
+          </a:bodyPr>
+          <a:lstStyle/>
+          <a:p>
+            <a:r>
+              <a:rPr lang="ko-KR" altLang="en-US" sz="1400" dirty="0" err="1"/>
+              <a:t>온챌아카데미학원</a:t>
+            </a:r>
+            <a:r>
+              <a:rPr lang="ko-KR" altLang="en-US" sz="1400" dirty="0"/>
+              <a:t>       </a:t>
+            </a:r>
+            <a:r>
+              <a:rPr lang="ko-KR" altLang="en-US" sz="1400" dirty="0" err="1"/>
+              <a:t>온챌개념서</a:t>
+            </a:r>
+            <a:r>
+              <a:rPr lang="ko-KR" altLang="en-US" sz="1400" dirty="0"/>
+              <a:t> 무료보기      </a:t>
+            </a:r>
+            <a:r>
+              <a:rPr lang="ko-KR" altLang="en-US" sz="1400" dirty="0" err="1"/>
+              <a:t>온챌개념서</a:t>
+            </a:r>
+            <a:r>
+              <a:rPr lang="ko-KR" altLang="en-US" sz="1400" dirty="0"/>
+              <a:t> 구매     </a:t>
+            </a:r>
+            <a:r>
+              <a:rPr lang="ko-KR" altLang="en-US" sz="1400" b="1" dirty="0"/>
+              <a:t>로그인</a:t>
+            </a:r>
+            <a:r>
+              <a:rPr lang="ko-KR" altLang="en-US" sz="1400" dirty="0"/>
+              <a:t>     회원가입 </a:t>
+            </a:r>
+          </a:p>
+        </p:txBody>
+      </p:sp>
+      <p:sp>
+        <p:nvSpPr>
+          <p:cNvPr id="13" name="TextBox 12">
+            <a:extLst>
+              <a:ext uri="{FF2B5EF4-FFF2-40B4-BE49-F238E27FC236}">
+                <a16:creationId xmlns:a16="http://schemas.microsoft.com/office/drawing/2014/main" id="{978C000E-E8E9-4707-98A8-994482492F42}"/>
+              </a:ext>
+            </a:extLst>
+          </p:cNvPr>
+          <p:cNvSpPr txBox="1"/>
+          <p:nvPr/>
+        </p:nvSpPr>
+        <p:spPr>
+          <a:xfrm>
+            <a:off x="1778409" y="938419"/>
+            <a:ext cx="1780032" cy="461665"/>
+          </a:xfrm>
+          <a:prstGeom prst="rect">
+            <a:avLst/>
+          </a:prstGeom>
+          <a:noFill/>
+        </p:spPr>
+        <p:txBody>
+          <a:bodyPr wrap="square" rtlCol="0">
+            <a:spAutoFit/>
+          </a:bodyPr>
+          <a:lstStyle/>
+          <a:p>
+            <a:r>
+              <a:rPr lang="ko-KR" altLang="en-US" sz="2400" dirty="0"/>
+              <a:t>로그인</a:t>
+            </a:r>
+          </a:p>
+        </p:txBody>
+      </p:sp>
+      <p:sp>
+        <p:nvSpPr>
+          <p:cNvPr id="15" name="TextBox 14">
+            <a:extLst>
+              <a:ext uri="{FF2B5EF4-FFF2-40B4-BE49-F238E27FC236}">
+                <a16:creationId xmlns:a16="http://schemas.microsoft.com/office/drawing/2014/main" id="{C2180903-C03F-4E8C-95E5-9D47C1CA2E44}"/>
+              </a:ext>
+            </a:extLst>
+          </p:cNvPr>
+          <p:cNvSpPr txBox="1"/>
+          <p:nvPr/>
+        </p:nvSpPr>
+        <p:spPr>
+          <a:xfrm>
+            <a:off x="1846692" y="1521926"/>
+            <a:ext cx="5937504" cy="276999"/>
+          </a:xfrm>
+          <a:prstGeom prst="rect">
+            <a:avLst/>
+          </a:prstGeom>
+          <a:noFill/>
+        </p:spPr>
+        <p:txBody>
+          <a:bodyPr wrap="square" rtlCol="0">
+            <a:spAutoFit/>
+          </a:bodyPr>
+          <a:lstStyle/>
+          <a:p>
+            <a:pPr marL="285750" indent="-285750">
+              <a:buFontTx/>
+              <a:buChar char="-"/>
+            </a:pPr>
+            <a:r>
+              <a:rPr lang="ko-KR" altLang="en-US" sz="1200" dirty="0"/>
+              <a:t>환영합니다</a:t>
+            </a:r>
+            <a:r>
+              <a:rPr lang="en-US" altLang="ko-KR" sz="1200" dirty="0"/>
+              <a:t>.</a:t>
+            </a:r>
+            <a:endParaRPr lang="ko-KR" altLang="en-US" sz="1200" dirty="0"/>
+          </a:p>
+        </p:txBody>
+      </p:sp>
+      <p:sp>
+        <p:nvSpPr>
+          <p:cNvPr id="3" name="TextBox 2">
+            <a:extLst>
+              <a:ext uri="{FF2B5EF4-FFF2-40B4-BE49-F238E27FC236}">
+                <a16:creationId xmlns:a16="http://schemas.microsoft.com/office/drawing/2014/main" id="{DE3647C4-6AB6-4422-A0DC-A2ED48C6136F}"/>
+              </a:ext>
+            </a:extLst>
+          </p:cNvPr>
+          <p:cNvSpPr txBox="1"/>
+          <p:nvPr/>
+        </p:nvSpPr>
+        <p:spPr>
+          <a:xfrm>
+            <a:off x="4982419" y="4192149"/>
+            <a:ext cx="2939753" cy="307777"/>
+          </a:xfrm>
+          <a:prstGeom prst="rect">
+            <a:avLst/>
+          </a:prstGeom>
+          <a:noFill/>
+        </p:spPr>
+        <p:txBody>
+          <a:bodyPr wrap="square" rtlCol="0">
+            <a:spAutoFit/>
+          </a:bodyPr>
+          <a:lstStyle/>
+          <a:p>
+            <a:pPr algn="ctr"/>
+            <a:r>
+              <a:rPr lang="ko-KR" altLang="en-US" sz="1400" dirty="0"/>
+              <a:t>비밀번호를 잊으셨나요</a:t>
+            </a:r>
+            <a:r>
+              <a:rPr lang="en-US" altLang="ko-KR" sz="1400" dirty="0"/>
+              <a:t>?</a:t>
+            </a:r>
+            <a:endParaRPr lang="ko-KR" altLang="en-US" sz="1400" dirty="0"/>
+          </a:p>
+        </p:txBody>
+      </p:sp>
+    </p:spTree>
+    <p:extLst>
+      <p:ext uri="{BB962C8B-B14F-4D97-AF65-F5344CB8AC3E}">
+        <p14:creationId xmlns:p14="http://schemas.microsoft.com/office/powerpoint/2010/main" val="3113401599"/>
+      </p:ext>
+    </p:extLst>
+  </p:cSld>
+  <p:clrMapOvr>
+    <a:masterClrMapping/>
+  </p:clrMapOvr>
+</p:sld>
+</file>
+
+<file path=ppt/slides/slide4.xml><?xml version="1.0" encoding="utf-8"?>
+<p:sld xmlns:a="http://schemas.openxmlformats.org/drawingml/2006/main" xmlns:r="http://schemas.openxmlformats.org/officeDocument/2006/relationships" xmlns:p="http://schemas.openxmlformats.org/presentationml/2006/main">
+  <p:cSld>
+    <p:spTree>
+      <p:nvGrpSpPr>
+        <p:cNvPr id="1" name=""/>
+        <p:cNvGrpSpPr/>
+        <p:nvPr/>
+      </p:nvGrpSpPr>
+      <p:grpSpPr>
+        <a:xfrm>
+          <a:off x="0" y="0"/>
+          <a:ext cx="0" cy="0"/>
+          <a:chOff x="0" y="0"/>
+          <a:chExt cx="0" cy="0"/>
+        </a:xfrm>
+      </p:grpSpPr>
+      <p:sp>
+        <p:nvSpPr>
+          <p:cNvPr id="4" name="TextBox 3">
+            <a:extLst>
+              <a:ext uri="{FF2B5EF4-FFF2-40B4-BE49-F238E27FC236}">
+                <a16:creationId xmlns:a16="http://schemas.microsoft.com/office/drawing/2014/main" id="{181F38E4-D20C-4834-B1F4-69D8B5846AD9}"/>
+              </a:ext>
+            </a:extLst>
+          </p:cNvPr>
+          <p:cNvSpPr txBox="1"/>
+          <p:nvPr/>
+        </p:nvSpPr>
+        <p:spPr>
+          <a:xfrm>
+            <a:off x="47501" y="0"/>
+            <a:ext cx="1686296" cy="369332"/>
+          </a:xfrm>
+          <a:prstGeom prst="rect">
+            <a:avLst/>
+          </a:prstGeom>
+          <a:noFill/>
+        </p:spPr>
+        <p:txBody>
+          <a:bodyPr wrap="square" rtlCol="0">
+            <a:spAutoFit/>
+          </a:bodyPr>
+          <a:lstStyle/>
+          <a:p>
+            <a:r>
+              <a:rPr lang="en-US" altLang="ko-KR" dirty="0"/>
+              <a:t>login</a:t>
+            </a:r>
+            <a:endParaRPr lang="ko-KR" altLang="en-US" dirty="0"/>
+          </a:p>
+        </p:txBody>
+      </p:sp>
+      <p:sp>
+        <p:nvSpPr>
+          <p:cNvPr id="8" name="TextBox 7">
+            <a:extLst>
+              <a:ext uri="{FF2B5EF4-FFF2-40B4-BE49-F238E27FC236}">
+                <a16:creationId xmlns:a16="http://schemas.microsoft.com/office/drawing/2014/main" id="{75C42BA6-7A07-4CC1-93DA-C1906C7A3C45}"/>
+              </a:ext>
+            </a:extLst>
+          </p:cNvPr>
+          <p:cNvSpPr txBox="1"/>
+          <p:nvPr/>
+        </p:nvSpPr>
+        <p:spPr>
+          <a:xfrm>
+            <a:off x="4862946" y="2148939"/>
+            <a:ext cx="859531" cy="646331"/>
+          </a:xfrm>
+          <a:prstGeom prst="rect">
+            <a:avLst/>
+          </a:prstGeom>
+          <a:noFill/>
+        </p:spPr>
+        <p:txBody>
+          <a:bodyPr wrap="none" rtlCol="0">
+            <a:spAutoFit/>
+          </a:bodyPr>
+          <a:lstStyle/>
+          <a:p>
+            <a:r>
+              <a:rPr lang="en-US" altLang="ko-KR" dirty="0"/>
+              <a:t>Name:</a:t>
+            </a:r>
+          </a:p>
+          <a:p>
+            <a:r>
+              <a:rPr lang="en-US" altLang="ko-KR" dirty="0"/>
+              <a:t>Email:</a:t>
+            </a:r>
+          </a:p>
+        </p:txBody>
+      </p:sp>
+      <p:sp>
+        <p:nvSpPr>
+          <p:cNvPr id="9" name="사각형: 둥근 모서리 8">
+            <a:hlinkClick r:id="rId2" action="ppaction://hlinksldjump"/>
+            <a:extLst>
+              <a:ext uri="{FF2B5EF4-FFF2-40B4-BE49-F238E27FC236}">
+                <a16:creationId xmlns:a16="http://schemas.microsoft.com/office/drawing/2014/main" id="{2B888A01-3F40-40CF-845D-1BF1F6B9F250}"/>
+              </a:ext>
+            </a:extLst>
+          </p:cNvPr>
+          <p:cNvSpPr/>
+          <p:nvPr/>
+        </p:nvSpPr>
+        <p:spPr>
+          <a:xfrm>
+            <a:off x="5407897" y="3429000"/>
+            <a:ext cx="1376207" cy="427512"/>
+          </a:xfrm>
+          <a:prstGeom prst="roundRect">
+            <a:avLst/>
+          </a:prstGeom>
+          <a:ln>
+            <a:solidFill>
+              <a:schemeClr val="accent1">
+                <a:lumMod val="40000"/>
+                <a:lumOff val="60000"/>
+              </a:schemeClr>
+            </a:solidFill>
+          </a:ln>
+        </p:spPr>
+        <p:style>
+          <a:lnRef idx="2">
+            <a:schemeClr val="accent6">
+              <a:shade val="50000"/>
+            </a:schemeClr>
+          </a:lnRef>
+          <a:fillRef idx="1">
+            <a:schemeClr val="accent6"/>
+          </a:fillRef>
+          <a:effectRef idx="0">
+            <a:schemeClr val="accent6"/>
+          </a:effectRef>
+          <a:fontRef idx="minor">
+            <a:schemeClr val="lt1"/>
+          </a:fontRef>
+        </p:style>
+        <p:txBody>
+          <a:bodyPr rtlCol="0" anchor="ctr"/>
+          <a:lstStyle/>
+          <a:p>
+            <a:pPr algn="ctr"/>
+            <a:r>
+              <a:rPr lang="ko-KR" altLang="en-US" sz="1200" dirty="0"/>
+              <a:t>임시 비밀번호 전송</a:t>
+            </a:r>
+          </a:p>
+        </p:txBody>
+      </p:sp>
+      <p:sp>
+        <p:nvSpPr>
+          <p:cNvPr id="11" name="TextBox 10">
+            <a:extLst>
+              <a:ext uri="{FF2B5EF4-FFF2-40B4-BE49-F238E27FC236}">
+                <a16:creationId xmlns:a16="http://schemas.microsoft.com/office/drawing/2014/main" id="{7372AEBA-C50D-4DF1-8F06-C71C3DEA659F}"/>
+              </a:ext>
+            </a:extLst>
+          </p:cNvPr>
+          <p:cNvSpPr txBox="1"/>
+          <p:nvPr/>
+        </p:nvSpPr>
+        <p:spPr>
+          <a:xfrm>
+            <a:off x="973222" y="7136"/>
+            <a:ext cx="3161944" cy="707886"/>
+          </a:xfrm>
+          <a:prstGeom prst="rect">
+            <a:avLst/>
+          </a:prstGeom>
+          <a:noFill/>
+        </p:spPr>
+        <p:txBody>
+          <a:bodyPr wrap="square" rtlCol="0">
+            <a:spAutoFit/>
+          </a:bodyPr>
+          <a:lstStyle/>
+          <a:p>
+            <a:r>
+              <a:rPr lang="en-US" altLang="ko-KR" sz="4000" dirty="0"/>
+              <a:t>ONCHALL</a:t>
+            </a:r>
+            <a:endParaRPr lang="ko-KR" altLang="en-US" sz="4000" dirty="0"/>
+          </a:p>
+        </p:txBody>
+      </p:sp>
+      <p:sp>
+        <p:nvSpPr>
+          <p:cNvPr id="12" name="TextBox 11">
+            <a:extLst>
+              <a:ext uri="{FF2B5EF4-FFF2-40B4-BE49-F238E27FC236}">
+                <a16:creationId xmlns:a16="http://schemas.microsoft.com/office/drawing/2014/main" id="{00EC4550-7BAE-4775-9A3C-30AB89ACCF47}"/>
+              </a:ext>
+            </a:extLst>
+          </p:cNvPr>
+          <p:cNvSpPr txBox="1"/>
+          <p:nvPr/>
+        </p:nvSpPr>
+        <p:spPr>
+          <a:xfrm>
+            <a:off x="4477995" y="284102"/>
+            <a:ext cx="7306656" cy="307777"/>
+          </a:xfrm>
+          <a:prstGeom prst="rect">
+            <a:avLst/>
+          </a:prstGeom>
+          <a:noFill/>
+        </p:spPr>
+        <p:txBody>
+          <a:bodyPr wrap="square" rtlCol="0">
+            <a:spAutoFit/>
+          </a:bodyPr>
+          <a:lstStyle/>
+          <a:p>
+            <a:r>
+              <a:rPr lang="ko-KR" altLang="en-US" sz="1400" dirty="0" err="1"/>
+              <a:t>온챌아카데미학원</a:t>
+            </a:r>
+            <a:r>
+              <a:rPr lang="ko-KR" altLang="en-US" sz="1400" dirty="0"/>
+              <a:t>       </a:t>
+            </a:r>
+            <a:r>
+              <a:rPr lang="ko-KR" altLang="en-US" sz="1400" dirty="0" err="1"/>
+              <a:t>온챌개념서</a:t>
+            </a:r>
+            <a:r>
+              <a:rPr lang="ko-KR" altLang="en-US" sz="1400" dirty="0"/>
+              <a:t> 무료보기      </a:t>
+            </a:r>
+            <a:r>
+              <a:rPr lang="ko-KR" altLang="en-US" sz="1400" dirty="0" err="1"/>
+              <a:t>온챌개념서</a:t>
+            </a:r>
+            <a:r>
+              <a:rPr lang="ko-KR" altLang="en-US" sz="1400" dirty="0"/>
+              <a:t> 구매     로그인     회원가입 </a:t>
+            </a:r>
+          </a:p>
+        </p:txBody>
+      </p:sp>
+      <p:sp>
+        <p:nvSpPr>
+          <p:cNvPr id="13" name="TextBox 12">
+            <a:extLst>
+              <a:ext uri="{FF2B5EF4-FFF2-40B4-BE49-F238E27FC236}">
+                <a16:creationId xmlns:a16="http://schemas.microsoft.com/office/drawing/2014/main" id="{978C000E-E8E9-4707-98A8-994482492F42}"/>
+              </a:ext>
+            </a:extLst>
+          </p:cNvPr>
+          <p:cNvSpPr txBox="1"/>
+          <p:nvPr/>
+        </p:nvSpPr>
+        <p:spPr>
+          <a:xfrm>
+            <a:off x="1778409" y="938419"/>
+            <a:ext cx="2431394" cy="461665"/>
+          </a:xfrm>
+          <a:prstGeom prst="rect">
+            <a:avLst/>
+          </a:prstGeom>
+          <a:noFill/>
+        </p:spPr>
+        <p:txBody>
+          <a:bodyPr wrap="square" rtlCol="0">
+            <a:spAutoFit/>
+          </a:bodyPr>
+          <a:lstStyle/>
+          <a:p>
+            <a:pPr algn="l"/>
+            <a:r>
+              <a:rPr lang="ko-KR" altLang="en-US" sz="2400" b="1" i="0" dirty="0">
+                <a:solidFill>
+                  <a:srgbClr val="1A1A1A"/>
+                </a:solidFill>
+                <a:effectLst/>
+                <a:latin typeface="Montserrat" panose="020B0604020202020204" pitchFamily="2" charset="0"/>
+              </a:rPr>
+              <a:t>비밀번호 찾기</a:t>
+            </a:r>
+          </a:p>
+        </p:txBody>
+      </p:sp>
+      <p:sp>
+        <p:nvSpPr>
+          <p:cNvPr id="2" name="TextBox 1">
+            <a:extLst>
+              <a:ext uri="{FF2B5EF4-FFF2-40B4-BE49-F238E27FC236}">
+                <a16:creationId xmlns:a16="http://schemas.microsoft.com/office/drawing/2014/main" id="{FFFAC660-3C8D-40DB-B6D5-74E535B0E911}"/>
+              </a:ext>
+            </a:extLst>
+          </p:cNvPr>
+          <p:cNvSpPr txBox="1"/>
+          <p:nvPr/>
+        </p:nvSpPr>
+        <p:spPr>
+          <a:xfrm>
+            <a:off x="4862946" y="1871940"/>
+            <a:ext cx="2291938" cy="276999"/>
+          </a:xfrm>
+          <a:prstGeom prst="rect">
+            <a:avLst/>
+          </a:prstGeom>
+          <a:noFill/>
+        </p:spPr>
+        <p:txBody>
+          <a:bodyPr wrap="square" rtlCol="0">
+            <a:spAutoFit/>
+          </a:bodyPr>
+          <a:lstStyle/>
+          <a:p>
+            <a:pPr algn="ctr"/>
+            <a:r>
+              <a:rPr lang="ko-KR" altLang="en-US" sz="1200" dirty="0">
+                <a:solidFill>
+                  <a:srgbClr val="FF0000"/>
+                </a:solidFill>
+              </a:rPr>
+              <a:t>회원정보가 일치하지 않습니다</a:t>
+            </a:r>
+            <a:r>
+              <a:rPr lang="en-US" altLang="ko-KR" sz="1200" dirty="0">
+                <a:solidFill>
+                  <a:srgbClr val="FF0000"/>
+                </a:solidFill>
+              </a:rPr>
+              <a:t>.</a:t>
+            </a:r>
+            <a:endParaRPr lang="ko-KR" altLang="en-US" sz="1200" dirty="0">
+              <a:solidFill>
+                <a:srgbClr val="FF0000"/>
+              </a:solidFill>
+            </a:endParaRPr>
+          </a:p>
+        </p:txBody>
+      </p:sp>
+    </p:spTree>
+    <p:extLst>
+      <p:ext uri="{BB962C8B-B14F-4D97-AF65-F5344CB8AC3E}">
+        <p14:creationId xmlns:p14="http://schemas.microsoft.com/office/powerpoint/2010/main" val="2075105476"/>
+      </p:ext>
+    </p:extLst>
+  </p:cSld>
+  <p:clrMapOvr>
+    <a:masterClrMapping/>
+  </p:clrMapOvr>
+</p:sld>
+</file>
+
+<file path=ppt/slides/slide5.xml><?xml version="1.0" encoding="utf-8"?>
+<p:sld xmlns:a="http://schemas.openxmlformats.org/drawingml/2006/main" xmlns:r="http://schemas.openxmlformats.org/officeDocument/2006/relationships" xmlns:p="http://schemas.openxmlformats.org/presentationml/2006/main">
+  <p:cSld>
+    <p:spTree>
+      <p:nvGrpSpPr>
+        <p:cNvPr id="1" name=""/>
+        <p:cNvGrpSpPr/>
+        <p:nvPr/>
+      </p:nvGrpSpPr>
+      <p:grpSpPr>
+        <a:xfrm>
+          <a:off x="0" y="0"/>
+          <a:ext cx="0" cy="0"/>
+          <a:chOff x="0" y="0"/>
+          <a:chExt cx="0" cy="0"/>
+        </a:xfrm>
+      </p:grpSpPr>
+      <p:sp>
+        <p:nvSpPr>
+          <p:cNvPr id="4" name="TextBox 3">
+            <a:extLst>
+              <a:ext uri="{FF2B5EF4-FFF2-40B4-BE49-F238E27FC236}">
+                <a16:creationId xmlns:a16="http://schemas.microsoft.com/office/drawing/2014/main" id="{181F38E4-D20C-4834-B1F4-69D8B5846AD9}"/>
+              </a:ext>
+            </a:extLst>
+          </p:cNvPr>
+          <p:cNvSpPr txBox="1"/>
+          <p:nvPr/>
+        </p:nvSpPr>
+        <p:spPr>
+          <a:xfrm>
+            <a:off x="47501" y="0"/>
+            <a:ext cx="1686296" cy="369332"/>
+          </a:xfrm>
+          <a:prstGeom prst="rect">
+            <a:avLst/>
+          </a:prstGeom>
+          <a:noFill/>
+        </p:spPr>
+        <p:txBody>
+          <a:bodyPr wrap="square" rtlCol="0">
+            <a:spAutoFit/>
+          </a:bodyPr>
+          <a:lstStyle/>
+          <a:p>
+            <a:r>
+              <a:rPr lang="en-US" altLang="ko-KR" dirty="0"/>
+              <a:t>login</a:t>
+            </a:r>
+            <a:endParaRPr lang="ko-KR" altLang="en-US" dirty="0"/>
+          </a:p>
+        </p:txBody>
+      </p:sp>
+      <p:sp>
+        <p:nvSpPr>
+          <p:cNvPr id="8" name="TextBox 7">
+            <a:extLst>
+              <a:ext uri="{FF2B5EF4-FFF2-40B4-BE49-F238E27FC236}">
+                <a16:creationId xmlns:a16="http://schemas.microsoft.com/office/drawing/2014/main" id="{75C42BA6-7A07-4CC1-93DA-C1906C7A3C45}"/>
+              </a:ext>
+            </a:extLst>
+          </p:cNvPr>
+          <p:cNvSpPr txBox="1"/>
+          <p:nvPr/>
+        </p:nvSpPr>
+        <p:spPr>
+          <a:xfrm>
+            <a:off x="3301692" y="2323140"/>
+            <a:ext cx="5671745" cy="646331"/>
+          </a:xfrm>
+          <a:prstGeom prst="rect">
+            <a:avLst/>
+          </a:prstGeom>
+          <a:noFill/>
+        </p:spPr>
+        <p:txBody>
+          <a:bodyPr wrap="none" rtlCol="0">
+            <a:spAutoFit/>
+          </a:bodyPr>
+          <a:lstStyle/>
+          <a:p>
+            <a:pPr algn="ctr"/>
+            <a:r>
+              <a:rPr lang="ko-KR" altLang="en-US" dirty="0"/>
+              <a:t>입력한 이메일로 임시 비밀번호가 전송되었습니다</a:t>
+            </a:r>
+            <a:r>
+              <a:rPr lang="en-US" altLang="ko-KR" dirty="0"/>
+              <a:t>.</a:t>
+            </a:r>
+          </a:p>
+          <a:p>
+            <a:pPr algn="ctr"/>
+            <a:r>
+              <a:rPr lang="ko-KR" altLang="en-US" dirty="0"/>
+              <a:t>로그인 후 회원정보 탭에서 비밀번호를 변경해주세요</a:t>
+            </a:r>
+            <a:r>
+              <a:rPr lang="en-US" altLang="ko-KR" dirty="0"/>
+              <a:t>.</a:t>
+            </a:r>
+          </a:p>
+        </p:txBody>
+      </p:sp>
+      <p:sp>
+        <p:nvSpPr>
+          <p:cNvPr id="11" name="TextBox 10">
+            <a:extLst>
+              <a:ext uri="{FF2B5EF4-FFF2-40B4-BE49-F238E27FC236}">
+                <a16:creationId xmlns:a16="http://schemas.microsoft.com/office/drawing/2014/main" id="{7372AEBA-C50D-4DF1-8F06-C71C3DEA659F}"/>
+              </a:ext>
+            </a:extLst>
+          </p:cNvPr>
+          <p:cNvSpPr txBox="1"/>
+          <p:nvPr/>
+        </p:nvSpPr>
+        <p:spPr>
+          <a:xfrm>
+            <a:off x="973222" y="7136"/>
+            <a:ext cx="3161944" cy="707886"/>
+          </a:xfrm>
+          <a:prstGeom prst="rect">
+            <a:avLst/>
+          </a:prstGeom>
+          <a:noFill/>
+        </p:spPr>
+        <p:txBody>
+          <a:bodyPr wrap="square" rtlCol="0">
+            <a:spAutoFit/>
+          </a:bodyPr>
+          <a:lstStyle/>
+          <a:p>
+            <a:r>
+              <a:rPr lang="en-US" altLang="ko-KR" sz="4000" dirty="0"/>
+              <a:t>ONCHALL</a:t>
+            </a:r>
+            <a:endParaRPr lang="ko-KR" altLang="en-US" sz="4000" dirty="0"/>
+          </a:p>
+        </p:txBody>
+      </p:sp>
+      <p:sp>
+        <p:nvSpPr>
+          <p:cNvPr id="12" name="TextBox 11">
+            <a:extLst>
+              <a:ext uri="{FF2B5EF4-FFF2-40B4-BE49-F238E27FC236}">
+                <a16:creationId xmlns:a16="http://schemas.microsoft.com/office/drawing/2014/main" id="{00EC4550-7BAE-4775-9A3C-30AB89ACCF47}"/>
+              </a:ext>
+            </a:extLst>
+          </p:cNvPr>
+          <p:cNvSpPr txBox="1"/>
+          <p:nvPr/>
+        </p:nvSpPr>
+        <p:spPr>
+          <a:xfrm>
+            <a:off x="4477995" y="284102"/>
+            <a:ext cx="7306656" cy="307777"/>
+          </a:xfrm>
+          <a:prstGeom prst="rect">
+            <a:avLst/>
+          </a:prstGeom>
+          <a:noFill/>
+        </p:spPr>
+        <p:txBody>
+          <a:bodyPr wrap="square" rtlCol="0">
+            <a:spAutoFit/>
+          </a:bodyPr>
+          <a:lstStyle/>
+          <a:p>
+            <a:r>
+              <a:rPr lang="ko-KR" altLang="en-US" sz="1400" dirty="0" err="1"/>
+              <a:t>온챌아카데미학원</a:t>
+            </a:r>
+            <a:r>
+              <a:rPr lang="ko-KR" altLang="en-US" sz="1400" dirty="0"/>
+              <a:t>       </a:t>
+            </a:r>
+            <a:r>
+              <a:rPr lang="ko-KR" altLang="en-US" sz="1400" dirty="0" err="1"/>
+              <a:t>온챌개념서</a:t>
+            </a:r>
+            <a:r>
+              <a:rPr lang="ko-KR" altLang="en-US" sz="1400" dirty="0"/>
+              <a:t> 무료보기      </a:t>
+            </a:r>
+            <a:r>
+              <a:rPr lang="ko-KR" altLang="en-US" sz="1400" dirty="0" err="1"/>
+              <a:t>온챌개념서</a:t>
+            </a:r>
+            <a:r>
+              <a:rPr lang="ko-KR" altLang="en-US" sz="1400" dirty="0"/>
+              <a:t> 구매     로그인     회원가입 </a:t>
+            </a:r>
+          </a:p>
+        </p:txBody>
+      </p:sp>
+      <p:sp>
+        <p:nvSpPr>
+          <p:cNvPr id="13" name="TextBox 12">
+            <a:extLst>
+              <a:ext uri="{FF2B5EF4-FFF2-40B4-BE49-F238E27FC236}">
+                <a16:creationId xmlns:a16="http://schemas.microsoft.com/office/drawing/2014/main" id="{978C000E-E8E9-4707-98A8-994482492F42}"/>
+              </a:ext>
+            </a:extLst>
+          </p:cNvPr>
+          <p:cNvSpPr txBox="1"/>
+          <p:nvPr/>
+        </p:nvSpPr>
+        <p:spPr>
+          <a:xfrm>
+            <a:off x="1778409" y="938419"/>
+            <a:ext cx="2431394" cy="461665"/>
+          </a:xfrm>
+          <a:prstGeom prst="rect">
+            <a:avLst/>
+          </a:prstGeom>
+          <a:noFill/>
+        </p:spPr>
+        <p:txBody>
+          <a:bodyPr wrap="square" rtlCol="0">
+            <a:spAutoFit/>
+          </a:bodyPr>
+          <a:lstStyle/>
+          <a:p>
+            <a:pPr algn="l"/>
+            <a:r>
+              <a:rPr lang="ko-KR" altLang="en-US" sz="2400" b="1" i="0" dirty="0">
+                <a:solidFill>
+                  <a:srgbClr val="1A1A1A"/>
+                </a:solidFill>
+                <a:effectLst/>
+                <a:latin typeface="Montserrat" panose="020B0604020202020204" pitchFamily="2" charset="0"/>
+              </a:rPr>
+              <a:t>비밀번호 찾기</a:t>
+            </a:r>
+          </a:p>
+        </p:txBody>
+      </p:sp>
+      <p:sp>
+        <p:nvSpPr>
+          <p:cNvPr id="10" name="사각형: 둥근 모서리 9">
+            <a:hlinkClick r:id="rId2" action="ppaction://hlinksldjump"/>
+            <a:extLst>
+              <a:ext uri="{FF2B5EF4-FFF2-40B4-BE49-F238E27FC236}">
+                <a16:creationId xmlns:a16="http://schemas.microsoft.com/office/drawing/2014/main" id="{247DCBFF-F4AB-4922-8212-F2E7CFA52CFE}"/>
+              </a:ext>
+            </a:extLst>
+          </p:cNvPr>
+          <p:cNvSpPr/>
+          <p:nvPr/>
+        </p:nvSpPr>
+        <p:spPr>
+          <a:xfrm>
+            <a:off x="5466608" y="4211694"/>
+            <a:ext cx="1258784" cy="427512"/>
+          </a:xfrm>
+          <a:prstGeom prst="roundRect">
+            <a:avLst/>
+          </a:prstGeom>
+          <a:ln>
+            <a:solidFill>
+              <a:schemeClr val="accent1">
+                <a:lumMod val="40000"/>
+                <a:lumOff val="60000"/>
+              </a:schemeClr>
+            </a:solidFill>
+          </a:ln>
+        </p:spPr>
+        <p:style>
+          <a:lnRef idx="2">
+            <a:schemeClr val="accent6">
+              <a:shade val="50000"/>
+            </a:schemeClr>
+          </a:lnRef>
+          <a:fillRef idx="1">
+            <a:schemeClr val="accent6"/>
+          </a:fillRef>
+          <a:effectRef idx="0">
+            <a:schemeClr val="accent6"/>
+          </a:effectRef>
+          <a:fontRef idx="minor">
+            <a:schemeClr val="lt1"/>
+          </a:fontRef>
+        </p:style>
+        <p:txBody>
+          <a:bodyPr rtlCol="0" anchor="ctr"/>
+          <a:lstStyle/>
+          <a:p>
+            <a:pPr algn="ctr"/>
+            <a:r>
+              <a:rPr lang="ko-KR" altLang="en-US"/>
+              <a:t>로그인</a:t>
+            </a:r>
+            <a:endParaRPr lang="ko-KR" altLang="en-US" dirty="0"/>
+          </a:p>
+        </p:txBody>
+      </p:sp>
+    </p:spTree>
+    <p:extLst>
+      <p:ext uri="{BB962C8B-B14F-4D97-AF65-F5344CB8AC3E}">
+        <p14:creationId xmlns:p14="http://schemas.microsoft.com/office/powerpoint/2010/main" val="1077259711"/>
+      </p:ext>
+    </p:extLst>
+  </p:cSld>
+  <p:clrMapOvr>
+    <a:masterClrMapping/>
+  </p:clrMapOvr>
+</p:sld>
+</file>
+
+<file path=ppt/slides/slide6.xml><?xml version="1.0" encoding="utf-8"?>
+<p:sld xmlns:a="http://schemas.openxmlformats.org/drawingml/2006/main" xmlns:r="http://schemas.openxmlformats.org/officeDocument/2006/relationships" xmlns:p="http://schemas.openxmlformats.org/presentationml/2006/main">
+  <p:cSld>
+    <p:spTree>
+      <p:nvGrpSpPr>
+        <p:cNvPr id="1" name=""/>
+        <p:cNvGrpSpPr/>
+        <p:nvPr/>
+      </p:nvGrpSpPr>
+      <p:grpSpPr>
+        <a:xfrm>
+          <a:off x="0" y="0"/>
+          <a:ext cx="0" cy="0"/>
+          <a:chOff x="0" y="0"/>
+          <a:chExt cx="0" cy="0"/>
+        </a:xfrm>
+      </p:grpSpPr>
+      <p:sp>
+        <p:nvSpPr>
+          <p:cNvPr id="4" name="TextBox 3">
+            <a:extLst>
+              <a:ext uri="{FF2B5EF4-FFF2-40B4-BE49-F238E27FC236}">
+                <a16:creationId xmlns:a16="http://schemas.microsoft.com/office/drawing/2014/main" id="{181F38E4-D20C-4834-B1F4-69D8B5846AD9}"/>
+              </a:ext>
+            </a:extLst>
+          </p:cNvPr>
+          <p:cNvSpPr txBox="1"/>
+          <p:nvPr/>
+        </p:nvSpPr>
+        <p:spPr>
+          <a:xfrm>
+            <a:off x="47501" y="0"/>
+            <a:ext cx="1686296" cy="369332"/>
+          </a:xfrm>
+          <a:prstGeom prst="rect">
+            <a:avLst/>
+          </a:prstGeom>
+          <a:noFill/>
+        </p:spPr>
+        <p:txBody>
+          <a:bodyPr wrap="square" rtlCol="0">
+            <a:spAutoFit/>
+          </a:bodyPr>
+          <a:lstStyle/>
+          <a:p>
+            <a:r>
+              <a:rPr lang="en-US" altLang="ko-KR" dirty="0"/>
+              <a:t>login</a:t>
+            </a:r>
+            <a:endParaRPr lang="ko-KR" altLang="en-US" dirty="0"/>
+          </a:p>
+        </p:txBody>
+      </p:sp>
+      <p:sp>
+        <p:nvSpPr>
+          <p:cNvPr id="8" name="TextBox 7">
+            <a:extLst>
+              <a:ext uri="{FF2B5EF4-FFF2-40B4-BE49-F238E27FC236}">
+                <a16:creationId xmlns:a16="http://schemas.microsoft.com/office/drawing/2014/main" id="{75C42BA6-7A07-4CC1-93DA-C1906C7A3C45}"/>
+              </a:ext>
+            </a:extLst>
+          </p:cNvPr>
+          <p:cNvSpPr txBox="1"/>
+          <p:nvPr/>
+        </p:nvSpPr>
+        <p:spPr>
+          <a:xfrm>
+            <a:off x="4499837" y="2397277"/>
+            <a:ext cx="1933542" cy="646331"/>
+          </a:xfrm>
+          <a:prstGeom prst="rect">
+            <a:avLst/>
+          </a:prstGeom>
+          <a:noFill/>
+        </p:spPr>
+        <p:txBody>
+          <a:bodyPr wrap="none" rtlCol="0">
+            <a:spAutoFit/>
+          </a:bodyPr>
+          <a:lstStyle/>
+          <a:p>
+            <a:r>
+              <a:rPr lang="ko-KR" altLang="en-US" dirty="0"/>
+              <a:t>새로운 비밀번호</a:t>
+            </a:r>
+            <a:r>
+              <a:rPr lang="en-US" altLang="ko-KR" dirty="0"/>
+              <a:t>:</a:t>
+            </a:r>
+          </a:p>
+          <a:p>
+            <a:r>
+              <a:rPr lang="ko-KR" altLang="en-US" dirty="0"/>
+              <a:t>비밀번호 확인</a:t>
+            </a:r>
+            <a:r>
+              <a:rPr lang="en-US" altLang="ko-KR" dirty="0"/>
+              <a:t>:</a:t>
+            </a:r>
+          </a:p>
+        </p:txBody>
+      </p:sp>
+      <p:sp>
+        <p:nvSpPr>
+          <p:cNvPr id="11" name="TextBox 10">
+            <a:extLst>
+              <a:ext uri="{FF2B5EF4-FFF2-40B4-BE49-F238E27FC236}">
+                <a16:creationId xmlns:a16="http://schemas.microsoft.com/office/drawing/2014/main" id="{7372AEBA-C50D-4DF1-8F06-C71C3DEA659F}"/>
+              </a:ext>
+            </a:extLst>
+          </p:cNvPr>
+          <p:cNvSpPr txBox="1"/>
+          <p:nvPr/>
+        </p:nvSpPr>
+        <p:spPr>
+          <a:xfrm>
+            <a:off x="973222" y="7136"/>
+            <a:ext cx="3161944" cy="707886"/>
+          </a:xfrm>
+          <a:prstGeom prst="rect">
+            <a:avLst/>
+          </a:prstGeom>
+          <a:noFill/>
+        </p:spPr>
+        <p:txBody>
+          <a:bodyPr wrap="square" rtlCol="0">
+            <a:spAutoFit/>
+          </a:bodyPr>
+          <a:lstStyle/>
+          <a:p>
+            <a:r>
+              <a:rPr lang="en-US" altLang="ko-KR" sz="4000" dirty="0"/>
+              <a:t>ONCHALL</a:t>
+            </a:r>
+            <a:endParaRPr lang="ko-KR" altLang="en-US" sz="4000" dirty="0"/>
+          </a:p>
+        </p:txBody>
+      </p:sp>
+      <p:sp>
+        <p:nvSpPr>
+          <p:cNvPr id="12" name="TextBox 11">
+            <a:extLst>
+              <a:ext uri="{FF2B5EF4-FFF2-40B4-BE49-F238E27FC236}">
+                <a16:creationId xmlns:a16="http://schemas.microsoft.com/office/drawing/2014/main" id="{00EC4550-7BAE-4775-9A3C-30AB89ACCF47}"/>
+              </a:ext>
+            </a:extLst>
+          </p:cNvPr>
+          <p:cNvSpPr txBox="1"/>
+          <p:nvPr/>
+        </p:nvSpPr>
+        <p:spPr>
+          <a:xfrm>
+            <a:off x="4477995" y="284102"/>
+            <a:ext cx="7306656" cy="307777"/>
+          </a:xfrm>
+          <a:prstGeom prst="rect">
+            <a:avLst/>
+          </a:prstGeom>
+          <a:noFill/>
+        </p:spPr>
+        <p:txBody>
+          <a:bodyPr wrap="square" rtlCol="0">
+            <a:spAutoFit/>
+          </a:bodyPr>
+          <a:lstStyle/>
+          <a:p>
+            <a:r>
+              <a:rPr lang="ko-KR" altLang="en-US" sz="1400" dirty="0" err="1"/>
+              <a:t>온챌아카데미학원</a:t>
+            </a:r>
+            <a:r>
+              <a:rPr lang="ko-KR" altLang="en-US" sz="1400" dirty="0"/>
+              <a:t>       </a:t>
+            </a:r>
+            <a:r>
+              <a:rPr lang="ko-KR" altLang="en-US" sz="1400" dirty="0" err="1"/>
+              <a:t>온챌개념서</a:t>
+            </a:r>
+            <a:r>
+              <a:rPr lang="ko-KR" altLang="en-US" sz="1400" dirty="0"/>
+              <a:t> 무료보기      </a:t>
+            </a:r>
+            <a:r>
+              <a:rPr lang="ko-KR" altLang="en-US" sz="1400" dirty="0" err="1"/>
+              <a:t>온챌개념서</a:t>
+            </a:r>
+            <a:r>
+              <a:rPr lang="ko-KR" altLang="en-US" sz="1400" dirty="0"/>
+              <a:t> 구매     로그인     회원가입 </a:t>
+            </a:r>
+          </a:p>
+        </p:txBody>
+      </p:sp>
+      <p:sp>
+        <p:nvSpPr>
+          <p:cNvPr id="13" name="TextBox 12">
+            <a:extLst>
+              <a:ext uri="{FF2B5EF4-FFF2-40B4-BE49-F238E27FC236}">
+                <a16:creationId xmlns:a16="http://schemas.microsoft.com/office/drawing/2014/main" id="{978C000E-E8E9-4707-98A8-994482492F42}"/>
+              </a:ext>
+            </a:extLst>
+          </p:cNvPr>
+          <p:cNvSpPr txBox="1"/>
+          <p:nvPr/>
+        </p:nvSpPr>
+        <p:spPr>
+          <a:xfrm>
+            <a:off x="1778409" y="938419"/>
+            <a:ext cx="2431394" cy="461665"/>
+          </a:xfrm>
+          <a:prstGeom prst="rect">
+            <a:avLst/>
+          </a:prstGeom>
+          <a:noFill/>
+        </p:spPr>
+        <p:txBody>
+          <a:bodyPr wrap="square" rtlCol="0">
+            <a:spAutoFit/>
+          </a:bodyPr>
+          <a:lstStyle/>
+          <a:p>
+            <a:pPr algn="l"/>
+            <a:r>
+              <a:rPr lang="ko-KR" altLang="en-US" sz="2400" b="1" i="0" dirty="0">
+                <a:solidFill>
+                  <a:srgbClr val="1A1A1A"/>
+                </a:solidFill>
+                <a:effectLst/>
+                <a:latin typeface="Montserrat" panose="020B0604020202020204" pitchFamily="2" charset="0"/>
+              </a:rPr>
+              <a:t>비밀번호 재설정</a:t>
+            </a:r>
+          </a:p>
+        </p:txBody>
+      </p:sp>
+      <p:sp>
+        <p:nvSpPr>
+          <p:cNvPr id="10" name="사각형: 둥근 모서리 9">
+            <a:hlinkClick r:id="rId2" action="ppaction://hlinksldjump"/>
+            <a:extLst>
+              <a:ext uri="{FF2B5EF4-FFF2-40B4-BE49-F238E27FC236}">
+                <a16:creationId xmlns:a16="http://schemas.microsoft.com/office/drawing/2014/main" id="{247DCBFF-F4AB-4922-8212-F2E7CFA52CFE}"/>
+              </a:ext>
+            </a:extLst>
+          </p:cNvPr>
+          <p:cNvSpPr/>
+          <p:nvPr/>
+        </p:nvSpPr>
+        <p:spPr>
+          <a:xfrm>
+            <a:off x="5466608" y="4211694"/>
+            <a:ext cx="1258784" cy="427512"/>
+          </a:xfrm>
+          <a:prstGeom prst="roundRect">
+            <a:avLst/>
+          </a:prstGeom>
+          <a:ln>
+            <a:solidFill>
+              <a:schemeClr val="accent1">
+                <a:lumMod val="40000"/>
+                <a:lumOff val="60000"/>
+              </a:schemeClr>
+            </a:solidFill>
+          </a:ln>
+        </p:spPr>
+        <p:style>
+          <a:lnRef idx="2">
+            <a:schemeClr val="accent6">
+              <a:shade val="50000"/>
+            </a:schemeClr>
+          </a:lnRef>
+          <a:fillRef idx="1">
+            <a:schemeClr val="accent6"/>
+          </a:fillRef>
+          <a:effectRef idx="0">
+            <a:schemeClr val="accent6"/>
+          </a:effectRef>
+          <a:fontRef idx="minor">
+            <a:schemeClr val="lt1"/>
+          </a:fontRef>
+        </p:style>
+        <p:txBody>
+          <a:bodyPr rtlCol="0" anchor="ctr"/>
+          <a:lstStyle/>
+          <a:p>
+            <a:pPr algn="ctr"/>
+            <a:r>
+              <a:rPr lang="ko-KR" altLang="en-US" sz="1200" dirty="0"/>
+              <a:t>비밀번호 변경</a:t>
+            </a:r>
+          </a:p>
+        </p:txBody>
+      </p:sp>
+    </p:spTree>
+    <p:extLst>
+      <p:ext uri="{BB962C8B-B14F-4D97-AF65-F5344CB8AC3E}">
+        <p14:creationId xmlns:p14="http://schemas.microsoft.com/office/powerpoint/2010/main" val="3417594461"/>
+      </p:ext>
+    </p:extLst>
+  </p:cSld>
+  <p:clrMapOvr>
+    <a:masterClrMapping/>
+  </p:clrMapOvr>
+</p:sld>
+</file>
+
+<file path=ppt/slides/slide7.xml><?xml version="1.0" encoding="utf-8"?>
+<p:sld xmlns:a="http://schemas.openxmlformats.org/drawingml/2006/main" xmlns:r="http://schemas.openxmlformats.org/officeDocument/2006/relationships" xmlns:p="http://schemas.openxmlformats.org/presentationml/2006/main">
+  <p:cSld>
+    <p:spTree>
+      <p:nvGrpSpPr>
+        <p:cNvPr id="1" name=""/>
+        <p:cNvGrpSpPr/>
+        <p:nvPr/>
+      </p:nvGrpSpPr>
+      <p:grpSpPr>
+        <a:xfrm>
+          <a:off x="0" y="0"/>
+          <a:ext cx="0" cy="0"/>
+          <a:chOff x="0" y="0"/>
+          <a:chExt cx="0" cy="0"/>
+        </a:xfrm>
+      </p:grpSpPr>
+      <p:sp>
+        <p:nvSpPr>
+          <p:cNvPr id="4" name="TextBox 3">
+            <a:extLst>
+              <a:ext uri="{FF2B5EF4-FFF2-40B4-BE49-F238E27FC236}">
+                <a16:creationId xmlns:a16="http://schemas.microsoft.com/office/drawing/2014/main" id="{181F38E4-D20C-4834-B1F4-69D8B5846AD9}"/>
+              </a:ext>
+            </a:extLst>
+          </p:cNvPr>
+          <p:cNvSpPr txBox="1"/>
+          <p:nvPr/>
+        </p:nvSpPr>
+        <p:spPr>
+          <a:xfrm>
+            <a:off x="47501" y="0"/>
+            <a:ext cx="1686296" cy="369332"/>
+          </a:xfrm>
+          <a:prstGeom prst="rect">
+            <a:avLst/>
+          </a:prstGeom>
+          <a:noFill/>
+        </p:spPr>
+        <p:txBody>
+          <a:bodyPr wrap="square" rtlCol="0">
+            <a:spAutoFit/>
+          </a:bodyPr>
+          <a:lstStyle/>
+          <a:p>
+            <a:r>
+              <a:rPr lang="en-US" altLang="ko-KR" dirty="0"/>
+              <a:t>login</a:t>
+            </a:r>
+            <a:endParaRPr lang="ko-KR" altLang="en-US" dirty="0"/>
+          </a:p>
+        </p:txBody>
+      </p:sp>
+      <p:sp>
+        <p:nvSpPr>
+          <p:cNvPr id="8" name="TextBox 7">
+            <a:extLst>
+              <a:ext uri="{FF2B5EF4-FFF2-40B4-BE49-F238E27FC236}">
+                <a16:creationId xmlns:a16="http://schemas.microsoft.com/office/drawing/2014/main" id="{75C42BA6-7A07-4CC1-93DA-C1906C7A3C45}"/>
+              </a:ext>
+            </a:extLst>
+          </p:cNvPr>
+          <p:cNvSpPr txBox="1"/>
+          <p:nvPr/>
+        </p:nvSpPr>
+        <p:spPr>
+          <a:xfrm>
+            <a:off x="4499837" y="2397277"/>
+            <a:ext cx="3087705" cy="369332"/>
+          </a:xfrm>
+          <a:prstGeom prst="rect">
+            <a:avLst/>
+          </a:prstGeom>
+          <a:noFill/>
+        </p:spPr>
+        <p:txBody>
+          <a:bodyPr wrap="none" rtlCol="0">
+            <a:spAutoFit/>
+          </a:bodyPr>
+          <a:lstStyle/>
+          <a:p>
+            <a:r>
+              <a:rPr lang="ko-KR" altLang="en-US" dirty="0"/>
+              <a:t>비밀번호가 변경되었습니다</a:t>
+            </a:r>
+            <a:r>
+              <a:rPr lang="en-US" altLang="ko-KR" dirty="0"/>
+              <a:t>.</a:t>
+            </a:r>
+          </a:p>
+        </p:txBody>
+      </p:sp>
+      <p:sp>
+        <p:nvSpPr>
+          <p:cNvPr id="11" name="TextBox 10">
+            <a:extLst>
+              <a:ext uri="{FF2B5EF4-FFF2-40B4-BE49-F238E27FC236}">
+                <a16:creationId xmlns:a16="http://schemas.microsoft.com/office/drawing/2014/main" id="{7372AEBA-C50D-4DF1-8F06-C71C3DEA659F}"/>
+              </a:ext>
+            </a:extLst>
+          </p:cNvPr>
+          <p:cNvSpPr txBox="1"/>
+          <p:nvPr/>
+        </p:nvSpPr>
+        <p:spPr>
+          <a:xfrm>
+            <a:off x="973222" y="7136"/>
+            <a:ext cx="3161944" cy="707886"/>
+          </a:xfrm>
+          <a:prstGeom prst="rect">
+            <a:avLst/>
+          </a:prstGeom>
+          <a:noFill/>
+        </p:spPr>
+        <p:txBody>
+          <a:bodyPr wrap="square" rtlCol="0">
+            <a:spAutoFit/>
+          </a:bodyPr>
+          <a:lstStyle/>
+          <a:p>
+            <a:r>
+              <a:rPr lang="en-US" altLang="ko-KR" sz="4000" dirty="0"/>
+              <a:t>ONCHALL</a:t>
+            </a:r>
+            <a:endParaRPr lang="ko-KR" altLang="en-US" sz="4000" dirty="0"/>
+          </a:p>
+        </p:txBody>
+      </p:sp>
+      <p:sp>
+        <p:nvSpPr>
+          <p:cNvPr id="12" name="TextBox 11">
+            <a:extLst>
+              <a:ext uri="{FF2B5EF4-FFF2-40B4-BE49-F238E27FC236}">
+                <a16:creationId xmlns:a16="http://schemas.microsoft.com/office/drawing/2014/main" id="{00EC4550-7BAE-4775-9A3C-30AB89ACCF47}"/>
+              </a:ext>
+            </a:extLst>
+          </p:cNvPr>
+          <p:cNvSpPr txBox="1"/>
+          <p:nvPr/>
+        </p:nvSpPr>
+        <p:spPr>
+          <a:xfrm>
+            <a:off x="4477995" y="284102"/>
+            <a:ext cx="7306656" cy="307777"/>
+          </a:xfrm>
+          <a:prstGeom prst="rect">
+            <a:avLst/>
+          </a:prstGeom>
+          <a:noFill/>
+        </p:spPr>
+        <p:txBody>
+          <a:bodyPr wrap="square" rtlCol="0">
+            <a:spAutoFit/>
+          </a:bodyPr>
+          <a:lstStyle/>
+          <a:p>
+            <a:r>
+              <a:rPr lang="ko-KR" altLang="en-US" sz="1400" dirty="0" err="1"/>
+              <a:t>온챌아카데미학원</a:t>
+            </a:r>
+            <a:r>
+              <a:rPr lang="ko-KR" altLang="en-US" sz="1400" dirty="0"/>
+              <a:t>       </a:t>
+            </a:r>
+            <a:r>
+              <a:rPr lang="ko-KR" altLang="en-US" sz="1400" dirty="0" err="1"/>
+              <a:t>온챌개념서</a:t>
+            </a:r>
+            <a:r>
+              <a:rPr lang="ko-KR" altLang="en-US" sz="1400" dirty="0"/>
+              <a:t> 무료보기      </a:t>
+            </a:r>
+            <a:r>
+              <a:rPr lang="ko-KR" altLang="en-US" sz="1400" dirty="0" err="1"/>
+              <a:t>온챌개념서</a:t>
+            </a:r>
+            <a:r>
+              <a:rPr lang="ko-KR" altLang="en-US" sz="1400" dirty="0"/>
+              <a:t> 구매     로그인     회원가입 </a:t>
+            </a:r>
+          </a:p>
+        </p:txBody>
+      </p:sp>
+      <p:sp>
+        <p:nvSpPr>
+          <p:cNvPr id="13" name="TextBox 12">
+            <a:extLst>
+              <a:ext uri="{FF2B5EF4-FFF2-40B4-BE49-F238E27FC236}">
+                <a16:creationId xmlns:a16="http://schemas.microsoft.com/office/drawing/2014/main" id="{978C000E-E8E9-4707-98A8-994482492F42}"/>
+              </a:ext>
+            </a:extLst>
+          </p:cNvPr>
+          <p:cNvSpPr txBox="1"/>
+          <p:nvPr/>
+        </p:nvSpPr>
+        <p:spPr>
+          <a:xfrm>
+            <a:off x="1778409" y="938419"/>
+            <a:ext cx="2431394" cy="461665"/>
+          </a:xfrm>
+          <a:prstGeom prst="rect">
+            <a:avLst/>
+          </a:prstGeom>
+          <a:noFill/>
+        </p:spPr>
+        <p:txBody>
+          <a:bodyPr wrap="square" rtlCol="0">
+            <a:spAutoFit/>
+          </a:bodyPr>
+          <a:lstStyle/>
+          <a:p>
+            <a:pPr algn="l"/>
+            <a:r>
+              <a:rPr lang="ko-KR" altLang="en-US" sz="2400" b="1" i="0" dirty="0">
+                <a:solidFill>
+                  <a:srgbClr val="1A1A1A"/>
+                </a:solidFill>
+                <a:effectLst/>
+                <a:latin typeface="Montserrat" panose="020B0604020202020204" pitchFamily="2" charset="0"/>
+              </a:rPr>
+              <a:t>비밀번호 재설정</a:t>
+            </a:r>
+          </a:p>
+        </p:txBody>
+      </p:sp>
+      <p:sp>
+        <p:nvSpPr>
+          <p:cNvPr id="10" name="사각형: 둥근 모서리 9">
+            <a:hlinkClick r:id="rId2" action="ppaction://hlinksldjump"/>
+            <a:extLst>
+              <a:ext uri="{FF2B5EF4-FFF2-40B4-BE49-F238E27FC236}">
+                <a16:creationId xmlns:a16="http://schemas.microsoft.com/office/drawing/2014/main" id="{247DCBFF-F4AB-4922-8212-F2E7CFA52CFE}"/>
+              </a:ext>
+            </a:extLst>
+          </p:cNvPr>
+          <p:cNvSpPr/>
+          <p:nvPr/>
+        </p:nvSpPr>
+        <p:spPr>
+          <a:xfrm>
+            <a:off x="5414297" y="3706992"/>
+            <a:ext cx="1258784" cy="427512"/>
+          </a:xfrm>
+          <a:prstGeom prst="roundRect">
+            <a:avLst/>
+          </a:prstGeom>
+          <a:ln>
+            <a:solidFill>
+              <a:schemeClr val="accent1">
+                <a:lumMod val="40000"/>
+                <a:lumOff val="60000"/>
+              </a:schemeClr>
+            </a:solidFill>
+          </a:ln>
+        </p:spPr>
+        <p:style>
+          <a:lnRef idx="2">
+            <a:schemeClr val="accent6">
+              <a:shade val="50000"/>
+            </a:schemeClr>
+          </a:lnRef>
+          <a:fillRef idx="1">
+            <a:schemeClr val="accent6"/>
+          </a:fillRef>
+          <a:effectRef idx="0">
+            <a:schemeClr val="accent6"/>
+          </a:effectRef>
+          <a:fontRef idx="minor">
+            <a:schemeClr val="lt1"/>
+          </a:fontRef>
+        </p:style>
+        <p:txBody>
+          <a:bodyPr rtlCol="0" anchor="ctr"/>
+          <a:lstStyle/>
+          <a:p>
+            <a:pPr algn="ctr"/>
+            <a:r>
+              <a:rPr lang="ko-KR" altLang="en-US" sz="1200" dirty="0"/>
+              <a:t>회원정보</a:t>
+            </a:r>
+          </a:p>
+        </p:txBody>
+      </p:sp>
+    </p:spTree>
+    <p:extLst>
+      <p:ext uri="{BB962C8B-B14F-4D97-AF65-F5344CB8AC3E}">
+        <p14:creationId xmlns:p14="http://schemas.microsoft.com/office/powerpoint/2010/main" val="2382479911"/>
       </p:ext>
     </p:extLst>
   </p:cSld>
@@ -10915,7 +13679,7 @@
           <a:p>
             <a:r>
               <a:rPr lang="en-US" altLang="ko-KR" dirty="0"/>
-              <a:t>cart</a:t>
+              <a:t>login</a:t>
             </a:r>
             <a:endParaRPr lang="ko-KR" altLang="en-US" dirty="0"/>
           </a:p>
@@ -10923,10 +13687,10 @@
       </p:sp>
       <p:sp>
         <p:nvSpPr>
-          <p:cNvPr id="48" name="TextBox 47">
-            <a:extLst>
-              <a:ext uri="{FF2B5EF4-FFF2-40B4-BE49-F238E27FC236}">
-                <a16:creationId xmlns:a16="http://schemas.microsoft.com/office/drawing/2014/main" id="{89E1C475-E274-40EA-A709-C9A638A15FFD}"/>
+          <p:cNvPr id="8" name="TextBox 7">
+            <a:extLst>
+              <a:ext uri="{FF2B5EF4-FFF2-40B4-BE49-F238E27FC236}">
+                <a16:creationId xmlns:a16="http://schemas.microsoft.com/office/drawing/2014/main" id="{75C42BA6-7A07-4CC1-93DA-C1906C7A3C45}"/>
               </a:ext>
             </a:extLst>
           </p:cNvPr>
@@ -10935,8 +13699,87 @@
         </p:nvSpPr>
         <p:spPr>
           <a:xfrm>
-            <a:off x="1778409" y="884981"/>
-            <a:ext cx="1780032" cy="461665"/>
+            <a:off x="4172631" y="1478456"/>
+            <a:ext cx="2587953" cy="1285288"/>
+          </a:xfrm>
+          <a:prstGeom prst="rect">
+            <a:avLst/>
+          </a:prstGeom>
+          <a:noFill/>
+        </p:spPr>
+        <p:txBody>
+          <a:bodyPr wrap="none" rtlCol="0">
+            <a:spAutoFit/>
+          </a:bodyPr>
+          <a:lstStyle/>
+          <a:p>
+            <a:pPr>
+              <a:lnSpc>
+                <a:spcPct val="150000"/>
+              </a:lnSpc>
+            </a:pPr>
+            <a:r>
+              <a:rPr lang="ko-KR" altLang="en-US" dirty="0"/>
+              <a:t>이름</a:t>
+            </a:r>
+            <a:r>
+              <a:rPr lang="en-US" altLang="ko-KR" dirty="0"/>
+              <a:t>: </a:t>
+            </a:r>
+            <a:r>
+              <a:rPr lang="ko-KR" altLang="en-US" dirty="0"/>
+              <a:t>홍길동</a:t>
+            </a:r>
+            <a:endParaRPr lang="en-US" altLang="ko-KR" dirty="0"/>
+          </a:p>
+          <a:p>
+            <a:pPr>
+              <a:lnSpc>
+                <a:spcPct val="150000"/>
+              </a:lnSpc>
+            </a:pPr>
+            <a:r>
+              <a:rPr lang="ko-KR" altLang="en-US" dirty="0"/>
+              <a:t>이메일</a:t>
+            </a:r>
+            <a:r>
+              <a:rPr lang="en-US" altLang="ko-KR" dirty="0"/>
+              <a:t>: asdf@asdf.com</a:t>
+            </a:r>
+          </a:p>
+          <a:p>
+            <a:pPr>
+              <a:lnSpc>
+                <a:spcPct val="150000"/>
+              </a:lnSpc>
+            </a:pPr>
+            <a:r>
+              <a:rPr lang="ko-KR" altLang="en-US" dirty="0"/>
+              <a:t>포인트</a:t>
+            </a:r>
+            <a:r>
+              <a:rPr lang="en-US" altLang="ko-KR" dirty="0"/>
+              <a:t>: 100</a:t>
+            </a:r>
+          </a:p>
+        </p:txBody>
+      </p:sp>
+      <p:sp>
+        <p:nvSpPr>
+          <p:cNvPr id="11" name="TextBox 10">
+            <a:extLst>
+              <a:ext uri="{FF2B5EF4-FFF2-40B4-BE49-F238E27FC236}">
+                <a16:creationId xmlns:a16="http://schemas.microsoft.com/office/drawing/2014/main" id="{7372AEBA-C50D-4DF1-8F06-C71C3DEA659F}"/>
+              </a:ext>
+            </a:extLst>
+          </p:cNvPr>
+          <p:cNvSpPr txBox="1"/>
+          <p:nvPr/>
+        </p:nvSpPr>
+        <p:spPr>
+          <a:xfrm>
+            <a:off x="973222" y="7136"/>
+            <a:ext cx="3161944" cy="707886"/>
           </a:xfrm>
           <a:prstGeom prst="rect">
             <a:avLst/>
@@ -10950,18 +13793,19 @@
           <a:lstStyle/>
           <a:p>
             <a:r>
-              <a:rPr lang="ko-KR" altLang="en-US" sz="2400" dirty="0"/>
-              <a:t>장바구니</a:t>
-            </a:r>
-          </a:p>
-        </p:txBody>
-      </p:sp>
-      <p:sp>
-        <p:nvSpPr>
-          <p:cNvPr id="49" name="TextBox 48">
-            <a:extLst>
-              <a:ext uri="{FF2B5EF4-FFF2-40B4-BE49-F238E27FC236}">
-                <a16:creationId xmlns:a16="http://schemas.microsoft.com/office/drawing/2014/main" id="{BA5E65A1-9976-4E31-8139-E527950E560D}"/>
+              <a:rPr lang="en-US" altLang="ko-KR" sz="4000" dirty="0"/>
+              <a:t>ONCHALL</a:t>
+            </a:r>
+            <a:endParaRPr lang="ko-KR" altLang="en-US" sz="4000" dirty="0"/>
+          </a:p>
+        </p:txBody>
+      </p:sp>
+      <p:sp>
+        <p:nvSpPr>
+          <p:cNvPr id="12" name="TextBox 11">
+            <a:extLst>
+              <a:ext uri="{FF2B5EF4-FFF2-40B4-BE49-F238E27FC236}">
+                <a16:creationId xmlns:a16="http://schemas.microsoft.com/office/drawing/2014/main" id="{00EC4550-7BAE-4775-9A3C-30AB89ACCF47}"/>
               </a:ext>
             </a:extLst>
           </p:cNvPr>
@@ -10970,8 +13814,8 @@
         </p:nvSpPr>
         <p:spPr>
           <a:xfrm>
-            <a:off x="1846691" y="1346646"/>
-            <a:ext cx="7522939" cy="830997"/>
+            <a:off x="4477995" y="284102"/>
+            <a:ext cx="7306656" cy="307777"/>
           </a:xfrm>
           <a:prstGeom prst="rect">
             <a:avLst/>
@@ -10984,179 +13828,39 @@
           </a:bodyPr>
           <a:lstStyle/>
           <a:p>
-            <a:pPr marL="285750" indent="-285750">
-              <a:buFontTx/>
-              <a:buChar char="-"/>
-            </a:pPr>
-            <a:r>
-              <a:rPr lang="ko-KR" altLang="en-US" sz="1200" b="0" i="0" dirty="0">
-                <a:solidFill>
-                  <a:srgbClr val="1A1A1A"/>
-                </a:solidFill>
-                <a:effectLst/>
-                <a:latin typeface="Nanum Gothic"/>
-              </a:rPr>
-              <a:t>결제 전 중복되는 주문이 없는지 확인해 주세요</a:t>
-            </a:r>
-            <a:r>
-              <a:rPr lang="en-US" altLang="ko-KR" sz="1200" b="0" i="0" dirty="0">
-                <a:solidFill>
-                  <a:srgbClr val="1A1A1A"/>
-                </a:solidFill>
-                <a:effectLst/>
-                <a:latin typeface="Nanum Gothic"/>
-              </a:rPr>
-              <a:t>. </a:t>
-            </a:r>
-            <a:r>
-              <a:rPr lang="ko-KR" altLang="en-US" sz="1200" b="0" i="0" dirty="0">
-                <a:solidFill>
-                  <a:srgbClr val="1A1A1A"/>
-                </a:solidFill>
-                <a:effectLst/>
-                <a:latin typeface="Nanum Gothic"/>
-              </a:rPr>
-              <a:t>다운로드 상품의 특성상 교환 및 환불이 불가능합니다</a:t>
-            </a:r>
-            <a:r>
-              <a:rPr lang="en-US" altLang="ko-KR" sz="1200" b="0" i="0" dirty="0">
-                <a:solidFill>
-                  <a:srgbClr val="1A1A1A"/>
-                </a:solidFill>
-                <a:effectLst/>
-                <a:latin typeface="Nanum Gothic"/>
-              </a:rPr>
-              <a:t>.</a:t>
-            </a:r>
-            <a:br>
-              <a:rPr lang="ko-KR" altLang="en-US" sz="1200" dirty="0"/>
-            </a:br>
-            <a:br>
-              <a:rPr lang="ko-KR" altLang="en-US" sz="1200" dirty="0"/>
-            </a:br>
-            <a:r>
-              <a:rPr lang="ko-KR" altLang="en-US" sz="1200" b="0" i="0" dirty="0">
-                <a:solidFill>
-                  <a:srgbClr val="1A1A1A"/>
-                </a:solidFill>
-                <a:effectLst/>
-                <a:latin typeface="Nanum Gothic"/>
-              </a:rPr>
-              <a:t>예</a:t>
-            </a:r>
-            <a:r>
-              <a:rPr lang="en-US" altLang="ko-KR" sz="1200" b="0" i="0" dirty="0">
-                <a:solidFill>
-                  <a:srgbClr val="1A1A1A"/>
-                </a:solidFill>
-                <a:effectLst/>
-                <a:latin typeface="Nanum Gothic"/>
-              </a:rPr>
-              <a:t>) ‘[</a:t>
-            </a:r>
-            <a:r>
-              <a:rPr lang="ko-KR" altLang="en-US" sz="1200" b="0" i="0" dirty="0" err="1">
-                <a:solidFill>
-                  <a:srgbClr val="1A1A1A"/>
-                </a:solidFill>
-                <a:effectLst/>
-                <a:latin typeface="Nanum Gothic"/>
-              </a:rPr>
+            <a:r>
+              <a:rPr lang="ko-KR" altLang="en-US" sz="1400" dirty="0" err="1"/>
+              <a:t>온챌아카데미학원</a:t>
+            </a:r>
+            <a:r>
+              <a:rPr lang="ko-KR" altLang="en-US" sz="1400" dirty="0"/>
+              <a:t>       </a:t>
+            </a:r>
+            <a:r>
+              <a:rPr lang="ko-KR" altLang="en-US" sz="1400" dirty="0" err="1"/>
               <a:t>온챌개념서</a:t>
             </a:r>
             <a:r>
-              <a:rPr lang="en-US" altLang="ko-KR" sz="1200" b="0" i="0" dirty="0">
-                <a:solidFill>
-                  <a:srgbClr val="1A1A1A"/>
-                </a:solidFill>
-                <a:effectLst/>
-                <a:latin typeface="Nanum Gothic"/>
-              </a:rPr>
-              <a:t>] </a:t>
-            </a:r>
-            <a:r>
-              <a:rPr lang="ko-KR" altLang="en-US" sz="1200" b="0" i="0" dirty="0" err="1">
-                <a:solidFill>
-                  <a:srgbClr val="1A1A1A"/>
-                </a:solidFill>
-                <a:effectLst/>
-                <a:latin typeface="Nanum Gothic"/>
-              </a:rPr>
-              <a:t>고등수학상’은</a:t>
-            </a:r>
-            <a:r>
-              <a:rPr lang="ko-KR" altLang="en-US" sz="1200" b="0" i="0" dirty="0">
-                <a:solidFill>
-                  <a:srgbClr val="1A1A1A"/>
-                </a:solidFill>
-                <a:effectLst/>
-                <a:latin typeface="Nanum Gothic"/>
-              </a:rPr>
-              <a:t> 고등수학상 전과정을 포함하고 있습니다</a:t>
-            </a:r>
-            <a:r>
-              <a:rPr lang="en-US" altLang="ko-KR" sz="1200" b="0" i="0" dirty="0">
-                <a:solidFill>
-                  <a:srgbClr val="1A1A1A"/>
-                </a:solidFill>
-                <a:effectLst/>
-                <a:latin typeface="Nanum Gothic"/>
-              </a:rPr>
-              <a:t>.</a:t>
-            </a:r>
-            <a:br>
-              <a:rPr lang="ko-KR" altLang="en-US" sz="1200" dirty="0"/>
-            </a:br>
-            <a:r>
-              <a:rPr lang="ko-KR" altLang="en-US" sz="1200" b="0" i="0" dirty="0">
-                <a:solidFill>
-                  <a:srgbClr val="1A1A1A"/>
-                </a:solidFill>
-                <a:effectLst/>
-                <a:latin typeface="Nanum Gothic"/>
-              </a:rPr>
-              <a:t>이것과 함께 소단원 ‘고등수학상</a:t>
-            </a:r>
-            <a:r>
-              <a:rPr lang="en-US" altLang="ko-KR" sz="1200" b="0" i="0" dirty="0">
-                <a:solidFill>
-                  <a:srgbClr val="1A1A1A"/>
-                </a:solidFill>
-                <a:effectLst/>
-                <a:latin typeface="Nanum Gothic"/>
-              </a:rPr>
-              <a:t>_02</a:t>
-            </a:r>
-            <a:r>
-              <a:rPr lang="ko-KR" altLang="en-US" sz="1200" b="0" i="0" dirty="0" err="1">
-                <a:solidFill>
-                  <a:srgbClr val="1A1A1A"/>
-                </a:solidFill>
-                <a:effectLst/>
-                <a:latin typeface="Nanum Gothic"/>
-              </a:rPr>
-              <a:t>항등식과나머지정리’를</a:t>
-            </a:r>
-            <a:r>
-              <a:rPr lang="ko-KR" altLang="en-US" sz="1200" b="0" i="0" dirty="0">
-                <a:solidFill>
-                  <a:srgbClr val="1A1A1A"/>
-                </a:solidFill>
-                <a:effectLst/>
-                <a:latin typeface="Nanum Gothic"/>
-              </a:rPr>
-              <a:t> 구매하시면 안됩니다</a:t>
-            </a:r>
-            <a:endParaRPr lang="ko-KR" altLang="en-US" sz="1200" dirty="0"/>
-          </a:p>
-        </p:txBody>
-      </p:sp>
-      <p:sp>
-        <p:nvSpPr>
-          <p:cNvPr id="8" name="TextBox 7">
-            <a:extLst>
-              <a:ext uri="{FF2B5EF4-FFF2-40B4-BE49-F238E27FC236}">
-                <a16:creationId xmlns:a16="http://schemas.microsoft.com/office/drawing/2014/main" id="{9081EA17-54FE-4965-83EF-0E69D15E4A9F}"/>
+              <a:rPr lang="ko-KR" altLang="en-US" sz="1400" dirty="0"/>
+              <a:t> 무료보기     </a:t>
+            </a:r>
+            <a:r>
+              <a:rPr lang="ko-KR" altLang="en-US" sz="1400" dirty="0" err="1"/>
+              <a:t>온챌개념서</a:t>
+            </a:r>
+            <a:r>
+              <a:rPr lang="ko-KR" altLang="en-US" sz="1400" dirty="0"/>
+              <a:t> 구매     장바구니    회원정보</a:t>
+            </a:r>
+          </a:p>
+        </p:txBody>
+      </p:sp>
+      <p:sp>
+        <p:nvSpPr>
+          <p:cNvPr id="13" name="TextBox 12">
+            <a:extLst>
+              <a:ext uri="{FF2B5EF4-FFF2-40B4-BE49-F238E27FC236}">
+                <a16:creationId xmlns:a16="http://schemas.microsoft.com/office/drawing/2014/main" id="{978C000E-E8E9-4707-98A8-994482492F42}"/>
               </a:ext>
             </a:extLst>
           </p:cNvPr>
@@ -11165,8 +13869,8 @@
         </p:nvSpPr>
         <p:spPr>
           <a:xfrm>
-            <a:off x="3210422" y="2901161"/>
-            <a:ext cx="2493820" cy="338554"/>
+            <a:off x="1778409" y="938419"/>
+            <a:ext cx="2431394" cy="461665"/>
           </a:xfrm>
           <a:prstGeom prst="rect">
             <a:avLst/>
@@ -11179,83 +13883,27 @@
           </a:bodyPr>
           <a:lstStyle/>
           <a:p>
-            <a:r>
-              <a:rPr lang="en-US" altLang="ko-KR" sz="1600" dirty="0"/>
-              <a:t>[</a:t>
-            </a:r>
-            <a:r>
-              <a:rPr lang="ko-KR" altLang="en-US" sz="1600" dirty="0" err="1"/>
-              <a:t>온챌개념서</a:t>
-            </a:r>
-            <a:r>
-              <a:rPr lang="en-US" altLang="ko-KR" sz="1600" dirty="0"/>
-              <a:t>]_</a:t>
-            </a:r>
-            <a:r>
-              <a:rPr lang="ko-KR" altLang="en-US" sz="1600" dirty="0"/>
-              <a:t>고등수학상</a:t>
-            </a:r>
-          </a:p>
-        </p:txBody>
-      </p:sp>
-      <p:sp>
-        <p:nvSpPr>
-          <p:cNvPr id="75" name="TextBox 74">
-            <a:extLst>
-              <a:ext uri="{FF2B5EF4-FFF2-40B4-BE49-F238E27FC236}">
-                <a16:creationId xmlns:a16="http://schemas.microsoft.com/office/drawing/2014/main" id="{101ACEE7-576E-4CE7-856C-1304BDFCE705}"/>
-              </a:ext>
-            </a:extLst>
-          </p:cNvPr>
-          <p:cNvSpPr txBox="1"/>
-          <p:nvPr/>
-        </p:nvSpPr>
-        <p:spPr>
-          <a:xfrm>
-            <a:off x="5933960" y="2901161"/>
-            <a:ext cx="860962" cy="338554"/>
-          </a:xfrm>
-          <a:prstGeom prst="rect">
-            <a:avLst/>
-          </a:prstGeom>
-          <a:noFill/>
-        </p:spPr>
-        <p:txBody>
-          <a:bodyPr wrap="square" rtlCol="0">
-            <a:spAutoFit/>
-          </a:bodyPr>
-          <a:lstStyle/>
-          <a:p>
-            <a:r>
-              <a:rPr lang="ko-KR" altLang="en-US" sz="1600" b="0" i="0" dirty="0">
+            <a:pPr algn="l"/>
+            <a:r>
+              <a:rPr lang="ko-KR" altLang="en-US" sz="2400" b="1" i="0" dirty="0">
                 <a:solidFill>
                   <a:srgbClr val="1A1A1A"/>
                 </a:solidFill>
                 <a:effectLst/>
-                <a:latin typeface="Nanum Gothic"/>
-              </a:rPr>
-              <a:t>₩</a:t>
-            </a:r>
-            <a:r>
-              <a:rPr lang="en-US" altLang="ko-KR" sz="1600" b="0" i="0" dirty="0">
-                <a:solidFill>
-                  <a:srgbClr val="1A1A1A"/>
-                </a:solidFill>
-                <a:effectLst/>
-                <a:latin typeface="Nanum Gothic"/>
-              </a:rPr>
-              <a:t>9,000</a:t>
-            </a:r>
-            <a:endParaRPr lang="ko-KR" altLang="en-US" sz="1600" dirty="0"/>
-          </a:p>
-        </p:txBody>
-      </p:sp>
-      <p:sp>
-        <p:nvSpPr>
-          <p:cNvPr id="9" name="직사각형 8">
-            <a:extLst>
-              <a:ext uri="{FF2B5EF4-FFF2-40B4-BE49-F238E27FC236}">
-                <a16:creationId xmlns:a16="http://schemas.microsoft.com/office/drawing/2014/main" id="{7244A1DD-47C2-489B-82D7-297D252CED30}"/>
+                <a:latin typeface="Montserrat" panose="020B0604020202020204" pitchFamily="2" charset="0"/>
+              </a:rPr>
+              <a:t>회원정보</a:t>
+            </a:r>
+          </a:p>
+        </p:txBody>
+      </p:sp>
+      <p:sp>
+        <p:nvSpPr>
+          <p:cNvPr id="44" name="사각형: 둥근 모서리 43">
+            <a:hlinkClick r:id="rId2" action="ppaction://hlinksldjump"/>
+            <a:extLst>
+              <a:ext uri="{FF2B5EF4-FFF2-40B4-BE49-F238E27FC236}">
+                <a16:creationId xmlns:a16="http://schemas.microsoft.com/office/drawing/2014/main" id="{153936F5-86B7-47AF-89E2-B6AD881920BB}"/>
               </a:ext>
             </a:extLst>
           </p:cNvPr>
@@ -11264,18 +13912,70 @@
         </p:nvSpPr>
         <p:spPr>
           <a:xfrm>
-            <a:off x="2220685" y="2386941"/>
-            <a:ext cx="6923313" cy="2131620"/>
-          </a:xfrm>
-          <a:prstGeom prst="rect">
-            <a:avLst/>
-          </a:prstGeom>
-          <a:noFill/>
+            <a:off x="5617367" y="5422001"/>
+            <a:ext cx="1203814" cy="408843"/>
+          </a:xfrm>
+          <a:prstGeom prst="roundRect">
+            <a:avLst/>
+          </a:prstGeom>
           <a:ln>
             <a:solidFill>
-              <a:schemeClr val="tx1"/>
+              <a:schemeClr val="accent1">
+                <a:lumMod val="40000"/>
+                <a:lumOff val="60000"/>
+              </a:schemeClr>
             </a:solidFill>
           </a:ln>
+        </p:spPr>
+        <p:style>
+          <a:lnRef idx="2">
+            <a:schemeClr val="accent6">
+              <a:shade val="50000"/>
+            </a:schemeClr>
+          </a:lnRef>
+          <a:fillRef idx="1">
+            <a:schemeClr val="accent6"/>
+          </a:fillRef>
+          <a:effectRef idx="0">
+            <a:schemeClr val="accent6"/>
+          </a:effectRef>
+          <a:fontRef idx="minor">
+            <a:schemeClr val="lt1"/>
+          </a:fontRef>
+        </p:style>
+        <p:txBody>
+          <a:bodyPr rtlCol="0" anchor="ctr"/>
+          <a:lstStyle/>
+          <a:p>
+            <a:pPr algn="ctr"/>
+            <a:r>
+              <a:rPr lang="ko-KR" altLang="en-US" sz="1200" dirty="0"/>
+              <a:t>비밀번호 변경</a:t>
+            </a:r>
+          </a:p>
+        </p:txBody>
+      </p:sp>
+      <p:sp>
+        <p:nvSpPr>
+          <p:cNvPr id="45" name="직사각형 44">
+            <a:extLst>
+              <a:ext uri="{FF2B5EF4-FFF2-40B4-BE49-F238E27FC236}">
+                <a16:creationId xmlns:a16="http://schemas.microsoft.com/office/drawing/2014/main" id="{299BFEDA-4499-4B01-B660-650F46E70953}"/>
+              </a:ext>
+            </a:extLst>
+          </p:cNvPr>
+          <p:cNvSpPr/>
+          <p:nvPr/>
+        </p:nvSpPr>
+        <p:spPr>
+          <a:xfrm>
+            <a:off x="3759529" y="3360335"/>
+            <a:ext cx="4868883" cy="1862115"/>
+          </a:xfrm>
+          <a:prstGeom prst="rect">
+            <a:avLst/>
+          </a:prstGeom>
+          <a:noFill/>
         </p:spPr>
         <p:style>
           <a:lnRef idx="2">
@@ -11304,10 +14004,10 @@
       </p:sp>
       <p:sp>
         <p:nvSpPr>
-          <p:cNvPr id="19" name="TextBox 18">
-            <a:extLst>
-              <a:ext uri="{FF2B5EF4-FFF2-40B4-BE49-F238E27FC236}">
-                <a16:creationId xmlns:a16="http://schemas.microsoft.com/office/drawing/2014/main" id="{A2E3675B-963D-4EDF-9A24-47197D92A58A}"/>
+          <p:cNvPr id="46" name="TextBox 45">
+            <a:extLst>
+              <a:ext uri="{FF2B5EF4-FFF2-40B4-BE49-F238E27FC236}">
+                <a16:creationId xmlns:a16="http://schemas.microsoft.com/office/drawing/2014/main" id="{B18F7347-E023-49FE-BF9A-565DA4EBB4C1}"/>
               </a:ext>
             </a:extLst>
           </p:cNvPr>
@@ -11316,18 +14016,13 @@
         </p:nvSpPr>
         <p:spPr>
           <a:xfrm>
-            <a:off x="7254358" y="2901161"/>
-            <a:ext cx="1104404" cy="338554"/>
+            <a:off x="4200130" y="3420062"/>
+            <a:ext cx="1324098" cy="369332"/>
           </a:xfrm>
           <a:prstGeom prst="rect">
             <a:avLst/>
           </a:prstGeom>
           <a:noFill/>
-          <a:ln>
-            <a:solidFill>
-              <a:srgbClr val="FF0000"/>
-            </a:solidFill>
-          </a:ln>
         </p:spPr>
         <p:txBody>
           <a:bodyPr wrap="square" rtlCol="0">
@@ -11337,18 +14032,18 @@
           <a:p>
             <a:pPr algn="ctr"/>
             <a:r>
-              <a:rPr lang="ko-KR" altLang="en-US" sz="1600" dirty="0"/>
-              <a:t>삭제하기</a:t>
-            </a:r>
-          </a:p>
-        </p:txBody>
-      </p:sp>
-      <p:sp>
-        <p:nvSpPr>
-          <p:cNvPr id="22" name="TextBox 21">
-            <a:extLst>
-              <a:ext uri="{FF2B5EF4-FFF2-40B4-BE49-F238E27FC236}">
-                <a16:creationId xmlns:a16="http://schemas.microsoft.com/office/drawing/2014/main" id="{6A88FED1-E3C6-455E-A026-385C652E9AEB}"/>
+              <a:rPr lang="ko-KR" altLang="en-US" dirty="0"/>
+              <a:t>상품명</a:t>
+            </a:r>
+          </a:p>
+        </p:txBody>
+      </p:sp>
+      <p:sp>
+        <p:nvSpPr>
+          <p:cNvPr id="48" name="TextBox 47">
+            <a:extLst>
+              <a:ext uri="{FF2B5EF4-FFF2-40B4-BE49-F238E27FC236}">
+                <a16:creationId xmlns:a16="http://schemas.microsoft.com/office/drawing/2014/main" id="{3DB06FF5-0B82-489B-9182-C26D9511D883}"/>
               </a:ext>
             </a:extLst>
           </p:cNvPr>
@@ -11357,8 +14052,8 @@
         </p:nvSpPr>
         <p:spPr>
           <a:xfrm>
-            <a:off x="4014976" y="2472521"/>
-            <a:ext cx="884712" cy="369332"/>
+            <a:off x="3997033" y="3841715"/>
+            <a:ext cx="1730292" cy="253916"/>
           </a:xfrm>
           <a:prstGeom prst="rect">
             <a:avLst/>
@@ -11372,18 +14067,87 @@
           <a:lstStyle/>
           <a:p>
             <a:r>
-              <a:rPr lang="ko-KR" altLang="en-US"/>
-              <a:t>상품명</a:t>
-            </a:r>
-          </a:p>
-        </p:txBody>
-      </p:sp>
-      <p:sp>
-        <p:nvSpPr>
-          <p:cNvPr id="76" name="TextBox 75">
-            <a:extLst>
-              <a:ext uri="{FF2B5EF4-FFF2-40B4-BE49-F238E27FC236}">
-                <a16:creationId xmlns:a16="http://schemas.microsoft.com/office/drawing/2014/main" id="{F765728F-30C9-4195-A316-EA78B1F473DA}"/>
+              <a:rPr lang="en-US" altLang="ko-KR" sz="1050" dirty="0"/>
+              <a:t>[</a:t>
+            </a:r>
+            <a:r>
+              <a:rPr lang="ko-KR" altLang="en-US" sz="1050" dirty="0" err="1"/>
+              <a:t>온챌개념서</a:t>
+            </a:r>
+            <a:r>
+              <a:rPr lang="en-US" altLang="ko-KR" sz="1050" dirty="0"/>
+              <a:t>]</a:t>
+            </a:r>
+            <a:r>
+              <a:rPr lang="ko-KR" altLang="en-US" sz="1050" dirty="0"/>
+              <a:t>고등수학 상</a:t>
+            </a:r>
+          </a:p>
+        </p:txBody>
+      </p:sp>
+      <p:sp>
+        <p:nvSpPr>
+          <p:cNvPr id="50" name="사각형: 둥근 모서리 49">
+            <a:extLst>
+              <a:ext uri="{FF2B5EF4-FFF2-40B4-BE49-F238E27FC236}">
+                <a16:creationId xmlns:a16="http://schemas.microsoft.com/office/drawing/2014/main" id="{6F981F64-92D0-40FF-9365-7BA45D4283A9}"/>
+              </a:ext>
+            </a:extLst>
+          </p:cNvPr>
+          <p:cNvSpPr/>
+          <p:nvPr/>
+        </p:nvSpPr>
+        <p:spPr>
+          <a:xfrm>
+            <a:off x="3759529" y="3104227"/>
+            <a:ext cx="983898" cy="247997"/>
+          </a:xfrm>
+          <a:prstGeom prst="roundRect">
+            <a:avLst/>
+          </a:prstGeom>
+          <a:ln>
+            <a:solidFill>
+              <a:schemeClr val="accent1">
+                <a:lumMod val="40000"/>
+                <a:lumOff val="60000"/>
+              </a:schemeClr>
+            </a:solidFill>
+          </a:ln>
+        </p:spPr>
+        <p:style>
+          <a:lnRef idx="2">
+            <a:schemeClr val="accent6">
+              <a:shade val="50000"/>
+            </a:schemeClr>
+          </a:lnRef>
+          <a:fillRef idx="1">
+            <a:schemeClr val="accent6"/>
+          </a:fillRef>
+          <a:effectRef idx="0">
+            <a:schemeClr val="accent6"/>
+          </a:effectRef>
+          <a:fontRef idx="minor">
+            <a:schemeClr val="lt1"/>
+          </a:fontRef>
+        </p:style>
+        <p:txBody>
+          <a:bodyPr rtlCol="0" anchor="ctr"/>
+          <a:lstStyle/>
+          <a:p>
+            <a:pPr algn="ctr"/>
+            <a:r>
+              <a:rPr lang="ko-KR" altLang="en-US" sz="1050" b="1" dirty="0"/>
+              <a:t>다운로드</a:t>
+            </a:r>
+          </a:p>
+        </p:txBody>
+      </p:sp>
+      <p:sp>
+        <p:nvSpPr>
+          <p:cNvPr id="51" name="TextBox 50">
+            <a:extLst>
+              <a:ext uri="{FF2B5EF4-FFF2-40B4-BE49-F238E27FC236}">
+                <a16:creationId xmlns:a16="http://schemas.microsoft.com/office/drawing/2014/main" id="{C10A7E6F-F94D-42B4-A0EE-6DDD4A0006E6}"/>
               </a:ext>
             </a:extLst>
           </p:cNvPr>
@@ -11392,8 +14156,8 @@
         </p:nvSpPr>
         <p:spPr>
           <a:xfrm>
-            <a:off x="5910210" y="2472521"/>
-            <a:ext cx="884712" cy="369332"/>
+            <a:off x="3997033" y="4314406"/>
+            <a:ext cx="1730292" cy="253916"/>
           </a:xfrm>
           <a:prstGeom prst="rect">
             <a:avLst/>
@@ -11406,20 +14170,31 @@
           </a:bodyPr>
           <a:lstStyle/>
           <a:p>
-            <a:pPr algn="ctr"/>
-            <a:r>
-              <a:rPr lang="ko-KR" altLang="en-US" dirty="0"/>
-              <a:t>가격</a:t>
-            </a:r>
-          </a:p>
-        </p:txBody>
-      </p:sp>
-      <p:sp>
-        <p:nvSpPr>
-          <p:cNvPr id="80" name="TextBox 79">
-            <a:extLst>
-              <a:ext uri="{FF2B5EF4-FFF2-40B4-BE49-F238E27FC236}">
-                <a16:creationId xmlns:a16="http://schemas.microsoft.com/office/drawing/2014/main" id="{D47E1AB2-341D-49AD-8BAA-0C502D6D4E20}"/>
+            <a:r>
+              <a:rPr lang="en-US" altLang="ko-KR" sz="1050" dirty="0"/>
+              <a:t>[</a:t>
+            </a:r>
+            <a:r>
+              <a:rPr lang="ko-KR" altLang="en-US" sz="1050" dirty="0" err="1"/>
+              <a:t>온챌개념서</a:t>
+            </a:r>
+            <a:r>
+              <a:rPr lang="en-US" altLang="ko-KR" sz="1050" dirty="0"/>
+              <a:t>]</a:t>
+            </a:r>
+            <a:r>
+              <a:rPr lang="ko-KR" altLang="en-US" sz="1050" dirty="0"/>
+              <a:t>고등수학 하</a:t>
+            </a:r>
+          </a:p>
+        </p:txBody>
+      </p:sp>
+      <p:sp>
+        <p:nvSpPr>
+          <p:cNvPr id="53" name="TextBox 52">
+            <a:extLst>
+              <a:ext uri="{FF2B5EF4-FFF2-40B4-BE49-F238E27FC236}">
+                <a16:creationId xmlns:a16="http://schemas.microsoft.com/office/drawing/2014/main" id="{8D4863DB-BC8D-47FC-B83E-9E8AEB2360FF}"/>
               </a:ext>
             </a:extLst>
           </p:cNvPr>
@@ -11428,8 +14203,8 @@
         </p:nvSpPr>
         <p:spPr>
           <a:xfrm>
-            <a:off x="3210422" y="3544073"/>
-            <a:ext cx="2493820" cy="584775"/>
+            <a:off x="3997033" y="4776540"/>
+            <a:ext cx="1730292" cy="415498"/>
           </a:xfrm>
           <a:prstGeom prst="rect">
             <a:avLst/>
@@ -11443,27 +14218,154 @@
           <a:lstStyle/>
           <a:p>
             <a:r>
-              <a:rPr lang="ko-KR" altLang="en-US" sz="1600" dirty="0"/>
+              <a:rPr lang="en-US" altLang="ko-KR" sz="1050" dirty="0"/>
+              <a:t>[</a:t>
+            </a:r>
+            <a:r>
+              <a:rPr lang="ko-KR" altLang="en-US" sz="1050" dirty="0" err="1"/>
+              <a:t>온챌개념서</a:t>
+            </a:r>
+            <a:r>
+              <a:rPr lang="en-US" altLang="ko-KR" sz="1050" dirty="0"/>
+              <a:t>]</a:t>
+            </a:r>
+            <a:r>
+              <a:rPr lang="ko-KR" altLang="en-US" sz="1050" dirty="0"/>
               <a:t>고등수학상</a:t>
             </a:r>
             <a:r>
-              <a:rPr lang="en-US" altLang="ko-KR" sz="1600" dirty="0"/>
+              <a:rPr lang="en-US" altLang="ko-KR" sz="1050" dirty="0"/>
               <a:t>_07</a:t>
             </a:r>
             <a:r>
-              <a:rPr lang="ko-KR" altLang="en-US" sz="1600" dirty="0" err="1"/>
-              <a:t>여러가지방정식</a:t>
-            </a:r>
-            <a:endParaRPr lang="ko-KR" altLang="en-US" sz="1600" dirty="0"/>
-          </a:p>
-        </p:txBody>
-      </p:sp>
-      <p:sp>
-        <p:nvSpPr>
-          <p:cNvPr id="81" name="TextBox 80">
-            <a:extLst>
-              <a:ext uri="{FF2B5EF4-FFF2-40B4-BE49-F238E27FC236}">
-                <a16:creationId xmlns:a16="http://schemas.microsoft.com/office/drawing/2014/main" id="{A8381A38-6D8E-4391-9834-7502BA899DB2}"/>
+              <a:rPr lang="ko-KR" altLang="en-US" sz="1050" dirty="0"/>
+              <a:t>여러가지 방정식</a:t>
+            </a:r>
+          </a:p>
+        </p:txBody>
+      </p:sp>
+      <p:sp>
+        <p:nvSpPr>
+          <p:cNvPr id="55" name="사각형: 둥근 모서리 54">
+            <a:hlinkClick r:id="rId3" action="ppaction://hlinksldjump"/>
+            <a:extLst>
+              <a:ext uri="{FF2B5EF4-FFF2-40B4-BE49-F238E27FC236}">
+                <a16:creationId xmlns:a16="http://schemas.microsoft.com/office/drawing/2014/main" id="{6A6C46D8-BEFF-45CA-BA12-5B01610E6CC9}"/>
+              </a:ext>
+            </a:extLst>
+          </p:cNvPr>
+          <p:cNvSpPr/>
+          <p:nvPr/>
+        </p:nvSpPr>
+        <p:spPr>
+          <a:xfrm>
+            <a:off x="4743427" y="3104227"/>
+            <a:ext cx="983898" cy="247997"/>
+          </a:xfrm>
+          <a:prstGeom prst="roundRect">
+            <a:avLst/>
+          </a:prstGeom>
+          <a:ln>
+            <a:solidFill>
+              <a:schemeClr val="accent1">
+                <a:lumMod val="40000"/>
+                <a:lumOff val="60000"/>
+              </a:schemeClr>
+            </a:solidFill>
+          </a:ln>
+        </p:spPr>
+        <p:style>
+          <a:lnRef idx="2">
+            <a:schemeClr val="accent6">
+              <a:shade val="50000"/>
+            </a:schemeClr>
+          </a:lnRef>
+          <a:fillRef idx="1">
+            <a:schemeClr val="accent6"/>
+          </a:fillRef>
+          <a:effectRef idx="0">
+            <a:schemeClr val="accent6"/>
+          </a:effectRef>
+          <a:fontRef idx="minor">
+            <a:schemeClr val="lt1"/>
+          </a:fontRef>
+        </p:style>
+        <p:txBody>
+          <a:bodyPr rtlCol="0" anchor="ctr"/>
+          <a:lstStyle/>
+          <a:p>
+            <a:pPr algn="ctr"/>
+            <a:r>
+              <a:rPr lang="ko-KR" altLang="en-US" sz="1050" dirty="0"/>
+              <a:t>포인트 내역</a:t>
+            </a:r>
+          </a:p>
+        </p:txBody>
+      </p:sp>
+      <p:sp>
+        <p:nvSpPr>
+          <p:cNvPr id="56" name="사각형: 둥근 모서리 55">
+            <a:hlinkClick r:id="rId4" action="ppaction://hlinksldjump"/>
+            <a:extLst>
+              <a:ext uri="{FF2B5EF4-FFF2-40B4-BE49-F238E27FC236}">
+                <a16:creationId xmlns:a16="http://schemas.microsoft.com/office/drawing/2014/main" id="{9A091AB8-D70D-4E31-B596-0A194900924F}"/>
+              </a:ext>
+            </a:extLst>
+          </p:cNvPr>
+          <p:cNvSpPr/>
+          <p:nvPr/>
+        </p:nvSpPr>
+        <p:spPr>
+          <a:xfrm>
+            <a:off x="5727325" y="3104227"/>
+            <a:ext cx="983898" cy="247997"/>
+          </a:xfrm>
+          <a:prstGeom prst="roundRect">
+            <a:avLst/>
+          </a:prstGeom>
+          <a:ln>
+            <a:solidFill>
+              <a:schemeClr val="accent1">
+                <a:lumMod val="40000"/>
+                <a:lumOff val="60000"/>
+              </a:schemeClr>
+            </a:solidFill>
+          </a:ln>
+        </p:spPr>
+        <p:style>
+          <a:lnRef idx="2">
+            <a:schemeClr val="accent6">
+              <a:shade val="50000"/>
+            </a:schemeClr>
+          </a:lnRef>
+          <a:fillRef idx="1">
+            <a:schemeClr val="accent6"/>
+          </a:fillRef>
+          <a:effectRef idx="0">
+            <a:schemeClr val="accent6"/>
+          </a:effectRef>
+          <a:fontRef idx="minor">
+            <a:schemeClr val="lt1"/>
+          </a:fontRef>
+        </p:style>
+        <p:txBody>
+          <a:bodyPr rtlCol="0" anchor="ctr"/>
+          <a:lstStyle/>
+          <a:p>
+            <a:pPr algn="ctr"/>
+            <a:r>
+              <a:rPr lang="ko-KR" altLang="en-US" sz="1050" dirty="0"/>
+              <a:t>구매 내역</a:t>
+            </a:r>
+          </a:p>
+        </p:txBody>
+      </p:sp>
+      <p:sp>
+        <p:nvSpPr>
+          <p:cNvPr id="57" name="TextBox 56">
+            <a:extLst>
+              <a:ext uri="{FF2B5EF4-FFF2-40B4-BE49-F238E27FC236}">
+                <a16:creationId xmlns:a16="http://schemas.microsoft.com/office/drawing/2014/main" id="{16239A93-465E-4F8A-9100-54FC1946EA6A}"/>
               </a:ext>
             </a:extLst>
           </p:cNvPr>
@@ -11472,8 +14374,8 @@
         </p:nvSpPr>
         <p:spPr>
           <a:xfrm>
-            <a:off x="5933960" y="3544073"/>
-            <a:ext cx="860962" cy="338554"/>
+            <a:off x="5637046" y="3445968"/>
+            <a:ext cx="1477013" cy="338554"/>
           </a:xfrm>
           <a:prstGeom prst="rect">
             <a:avLst/>
@@ -11487,35 +14389,18 @@
           <a:lstStyle/>
           <a:p>
             <a:r>
-              <a:rPr lang="ko-KR" altLang="en-US" sz="1600" b="0" i="0" dirty="0">
-                <a:solidFill>
-                  <a:srgbClr val="1A1A1A"/>
-                </a:solidFill>
-                <a:effectLst/>
-                <a:latin typeface="Nanum Gothic"/>
-              </a:rPr>
-              <a:t>₩</a:t>
-            </a:r>
-            <a:r>
-              <a:rPr lang="en-US" altLang="ko-KR" sz="1600" b="0" i="0" dirty="0">
-                <a:solidFill>
-                  <a:srgbClr val="1A1A1A"/>
-                </a:solidFill>
-                <a:effectLst/>
-                <a:latin typeface="Nanum Gothic"/>
-              </a:rPr>
-              <a:t>1,000</a:t>
-            </a:r>
-            <a:endParaRPr lang="ko-KR" altLang="en-US" sz="1600" dirty="0"/>
-          </a:p>
-        </p:txBody>
-      </p:sp>
-      <p:sp>
-        <p:nvSpPr>
-          <p:cNvPr id="82" name="TextBox 81">
-            <a:extLst>
-              <a:ext uri="{FF2B5EF4-FFF2-40B4-BE49-F238E27FC236}">
-                <a16:creationId xmlns:a16="http://schemas.microsoft.com/office/drawing/2014/main" id="{966440AC-5DC7-4C1D-91BD-1F0AEFB8FFDD}"/>
+              <a:rPr lang="ko-KR" altLang="en-US" sz="1600" dirty="0"/>
+              <a:t>다운로드 기간</a:t>
+            </a:r>
+          </a:p>
+        </p:txBody>
+      </p:sp>
+      <p:sp>
+        <p:nvSpPr>
+          <p:cNvPr id="58" name="TextBox 57">
+            <a:extLst>
+              <a:ext uri="{FF2B5EF4-FFF2-40B4-BE49-F238E27FC236}">
+                <a16:creationId xmlns:a16="http://schemas.microsoft.com/office/drawing/2014/main" id="{724EF38B-4F16-4028-99B0-65DE14235C3E}"/>
               </a:ext>
             </a:extLst>
           </p:cNvPr>
@@ -11524,18 +14409,13 @@
         </p:nvSpPr>
         <p:spPr>
           <a:xfrm>
-            <a:off x="7254358" y="3544073"/>
-            <a:ext cx="1104404" cy="338554"/>
+            <a:off x="5721556" y="3845563"/>
+            <a:ext cx="1299613" cy="246221"/>
           </a:xfrm>
           <a:prstGeom prst="rect">
             <a:avLst/>
           </a:prstGeom>
           <a:noFill/>
-          <a:ln>
-            <a:solidFill>
-              <a:srgbClr val="FF0000"/>
-            </a:solidFill>
-          </a:ln>
         </p:spPr>
         <p:txBody>
           <a:bodyPr wrap="square" rtlCol="0">
@@ -11545,18 +14425,19 @@
           <a:p>
             <a:pPr algn="ctr"/>
             <a:r>
-              <a:rPr lang="ko-KR" altLang="en-US" sz="1600" dirty="0"/>
-              <a:t>삭제하기</a:t>
-            </a:r>
-          </a:p>
-        </p:txBody>
-      </p:sp>
-      <p:sp>
-        <p:nvSpPr>
-          <p:cNvPr id="83" name="TextBox 82">
-            <a:extLst>
-              <a:ext uri="{FF2B5EF4-FFF2-40B4-BE49-F238E27FC236}">
-                <a16:creationId xmlns:a16="http://schemas.microsoft.com/office/drawing/2014/main" id="{905B90A0-CE4B-491F-B2BD-D7C4A8BCB0AA}"/>
+              <a:rPr lang="en-US" altLang="ko-KR" sz="1000" dirty="0"/>
+              <a:t>2021-12-08 16:31</a:t>
+            </a:r>
+            <a:endParaRPr lang="ko-KR" altLang="en-US" sz="1000" dirty="0"/>
+          </a:p>
+        </p:txBody>
+      </p:sp>
+      <p:sp>
+        <p:nvSpPr>
+          <p:cNvPr id="59" name="TextBox 58">
+            <a:extLst>
+              <a:ext uri="{FF2B5EF4-FFF2-40B4-BE49-F238E27FC236}">
+                <a16:creationId xmlns:a16="http://schemas.microsoft.com/office/drawing/2014/main" id="{49926342-1E47-4C7C-95D7-71364E49EEB9}"/>
               </a:ext>
             </a:extLst>
           </p:cNvPr>
@@ -11565,8 +14446,8 @@
         </p:nvSpPr>
         <p:spPr>
           <a:xfrm>
-            <a:off x="6958999" y="4587034"/>
-            <a:ext cx="1484357" cy="338554"/>
+            <a:off x="5716868" y="4318254"/>
+            <a:ext cx="1299612" cy="246221"/>
           </a:xfrm>
           <a:prstGeom prst="rect">
             <a:avLst/>
@@ -11581,18 +14462,56 @@
           <a:p>
             <a:pPr algn="ctr"/>
             <a:r>
-              <a:rPr lang="ko-KR" altLang="en-US" sz="1600" dirty="0"/>
-              <a:t>장바구니 합계</a:t>
-            </a:r>
-          </a:p>
-        </p:txBody>
-      </p:sp>
-      <p:sp>
-        <p:nvSpPr>
-          <p:cNvPr id="23" name="사각형: 둥근 모서리 22">
-            <a:extLst>
-              <a:ext uri="{FF2B5EF4-FFF2-40B4-BE49-F238E27FC236}">
-                <a16:creationId xmlns:a16="http://schemas.microsoft.com/office/drawing/2014/main" id="{6C7A3175-7583-4EB0-909F-C3DC5310504A}"/>
+              <a:rPr lang="en-US" altLang="ko-KR" sz="1000" dirty="0"/>
+              <a:t>2021-12-09 04:31</a:t>
+            </a:r>
+            <a:endParaRPr lang="ko-KR" altLang="en-US" sz="1000" dirty="0"/>
+          </a:p>
+        </p:txBody>
+      </p:sp>
+      <p:sp>
+        <p:nvSpPr>
+          <p:cNvPr id="60" name="TextBox 59">
+            <a:extLst>
+              <a:ext uri="{FF2B5EF4-FFF2-40B4-BE49-F238E27FC236}">
+                <a16:creationId xmlns:a16="http://schemas.microsoft.com/office/drawing/2014/main" id="{B754CBB4-E69A-4FC8-A44E-FFDDF78AAD22}"/>
+              </a:ext>
+            </a:extLst>
+          </p:cNvPr>
+          <p:cNvSpPr txBox="1"/>
+          <p:nvPr/>
+        </p:nvSpPr>
+        <p:spPr>
+          <a:xfrm>
+            <a:off x="5754275" y="4861179"/>
+            <a:ext cx="1234174" cy="246221"/>
+          </a:xfrm>
+          <a:prstGeom prst="rect">
+            <a:avLst/>
+          </a:prstGeom>
+          <a:noFill/>
+        </p:spPr>
+        <p:txBody>
+          <a:bodyPr wrap="square" rtlCol="0">
+            <a:spAutoFit/>
+          </a:bodyPr>
+          <a:lstStyle/>
+          <a:p>
+            <a:pPr algn="ctr"/>
+            <a:r>
+              <a:rPr lang="en-US" altLang="ko-KR" sz="1000" dirty="0"/>
+              <a:t>2021-12-11 12:31</a:t>
+            </a:r>
+            <a:endParaRPr lang="ko-KR" altLang="en-US" sz="1000" dirty="0"/>
+          </a:p>
+        </p:txBody>
+      </p:sp>
+      <p:sp>
+        <p:nvSpPr>
+          <p:cNvPr id="61" name="사각형: 둥근 모서리 60">
+            <a:extLst>
+              <a:ext uri="{FF2B5EF4-FFF2-40B4-BE49-F238E27FC236}">
+                <a16:creationId xmlns:a16="http://schemas.microsoft.com/office/drawing/2014/main" id="{06B7CAD1-7EE7-4841-85F8-DF7B15B83320}"/>
               </a:ext>
             </a:extLst>
           </p:cNvPr>
@@ -11601,20 +14520,520 @@
         </p:nvSpPr>
         <p:spPr>
           <a:xfrm>
-            <a:off x="7083631" y="4994061"/>
-            <a:ext cx="1983179" cy="302821"/>
+            <a:off x="7391837" y="3845562"/>
+            <a:ext cx="753088" cy="246222"/>
           </a:xfrm>
           <a:prstGeom prst="roundRect">
             <a:avLst/>
           </a:prstGeom>
-          <a:noFill/>
           <a:ln>
             <a:solidFill>
-              <a:schemeClr val="bg1">
-                <a:lumMod val="75000"/>
+              <a:schemeClr val="accent1">
+                <a:lumMod val="40000"/>
+                <a:lumOff val="60000"/>
               </a:schemeClr>
             </a:solidFill>
           </a:ln>
+        </p:spPr>
+        <p:style>
+          <a:lnRef idx="2">
+            <a:schemeClr val="accent6">
+              <a:shade val="50000"/>
+            </a:schemeClr>
+          </a:lnRef>
+          <a:fillRef idx="1">
+            <a:schemeClr val="accent6"/>
+          </a:fillRef>
+          <a:effectRef idx="0">
+            <a:schemeClr val="accent6"/>
+          </a:effectRef>
+          <a:fontRef idx="minor">
+            <a:schemeClr val="lt1"/>
+          </a:fontRef>
+        </p:style>
+        <p:txBody>
+          <a:bodyPr rtlCol="0" anchor="ctr"/>
+          <a:lstStyle/>
+          <a:p>
+            <a:pPr algn="ctr"/>
+            <a:r>
+              <a:rPr lang="ko-KR" altLang="en-US" sz="1050" dirty="0"/>
+              <a:t>다운로드</a:t>
+            </a:r>
+          </a:p>
+        </p:txBody>
+      </p:sp>
+      <p:sp>
+        <p:nvSpPr>
+          <p:cNvPr id="62" name="사각형: 둥근 모서리 61">
+            <a:extLst>
+              <a:ext uri="{FF2B5EF4-FFF2-40B4-BE49-F238E27FC236}">
+                <a16:creationId xmlns:a16="http://schemas.microsoft.com/office/drawing/2014/main" id="{D22CBC4D-6614-46B9-BD00-D1B816453E08}"/>
+              </a:ext>
+            </a:extLst>
+          </p:cNvPr>
+          <p:cNvSpPr/>
+          <p:nvPr/>
+        </p:nvSpPr>
+        <p:spPr>
+          <a:xfrm>
+            <a:off x="7391837" y="4318253"/>
+            <a:ext cx="753088" cy="246222"/>
+          </a:xfrm>
+          <a:prstGeom prst="roundRect">
+            <a:avLst/>
+          </a:prstGeom>
+          <a:ln>
+            <a:solidFill>
+              <a:schemeClr val="accent1">
+                <a:lumMod val="40000"/>
+                <a:lumOff val="60000"/>
+              </a:schemeClr>
+            </a:solidFill>
+          </a:ln>
+        </p:spPr>
+        <p:style>
+          <a:lnRef idx="2">
+            <a:schemeClr val="accent6">
+              <a:shade val="50000"/>
+            </a:schemeClr>
+          </a:lnRef>
+          <a:fillRef idx="1">
+            <a:schemeClr val="accent6"/>
+          </a:fillRef>
+          <a:effectRef idx="0">
+            <a:schemeClr val="accent6"/>
+          </a:effectRef>
+          <a:fontRef idx="minor">
+            <a:schemeClr val="lt1"/>
+          </a:fontRef>
+        </p:style>
+        <p:txBody>
+          <a:bodyPr rtlCol="0" anchor="ctr"/>
+          <a:lstStyle/>
+          <a:p>
+            <a:pPr algn="ctr"/>
+            <a:r>
+              <a:rPr lang="ko-KR" altLang="en-US" sz="1050" dirty="0"/>
+              <a:t>다운로드</a:t>
+            </a:r>
+          </a:p>
+        </p:txBody>
+      </p:sp>
+      <p:sp>
+        <p:nvSpPr>
+          <p:cNvPr id="63" name="사각형: 둥근 모서리 62">
+            <a:extLst>
+              <a:ext uri="{FF2B5EF4-FFF2-40B4-BE49-F238E27FC236}">
+                <a16:creationId xmlns:a16="http://schemas.microsoft.com/office/drawing/2014/main" id="{A6ECA1BF-C2B9-490E-B32B-975E0E640ED9}"/>
+              </a:ext>
+            </a:extLst>
+          </p:cNvPr>
+          <p:cNvSpPr/>
+          <p:nvPr/>
+        </p:nvSpPr>
+        <p:spPr>
+          <a:xfrm>
+            <a:off x="7391837" y="4861178"/>
+            <a:ext cx="753088" cy="246222"/>
+          </a:xfrm>
+          <a:prstGeom prst="roundRect">
+            <a:avLst/>
+          </a:prstGeom>
+          <a:ln>
+            <a:solidFill>
+              <a:schemeClr val="accent1">
+                <a:lumMod val="40000"/>
+                <a:lumOff val="60000"/>
+              </a:schemeClr>
+            </a:solidFill>
+          </a:ln>
+        </p:spPr>
+        <p:style>
+          <a:lnRef idx="2">
+            <a:schemeClr val="accent6">
+              <a:shade val="50000"/>
+            </a:schemeClr>
+          </a:lnRef>
+          <a:fillRef idx="1">
+            <a:schemeClr val="accent6"/>
+          </a:fillRef>
+          <a:effectRef idx="0">
+            <a:schemeClr val="accent6"/>
+          </a:effectRef>
+          <a:fontRef idx="minor">
+            <a:schemeClr val="lt1"/>
+          </a:fontRef>
+        </p:style>
+        <p:txBody>
+          <a:bodyPr rtlCol="0" anchor="ctr"/>
+          <a:lstStyle/>
+          <a:p>
+            <a:pPr algn="ctr"/>
+            <a:r>
+              <a:rPr lang="ko-KR" altLang="en-US" sz="1050" dirty="0"/>
+              <a:t>다운로드</a:t>
+            </a:r>
+          </a:p>
+        </p:txBody>
+      </p:sp>
+    </p:spTree>
+    <p:extLst>
+      <p:ext uri="{BB962C8B-B14F-4D97-AF65-F5344CB8AC3E}">
+        <p14:creationId xmlns:p14="http://schemas.microsoft.com/office/powerpoint/2010/main" val="1111593167"/>
+      </p:ext>
+    </p:extLst>
+  </p:cSld>
+  <p:clrMapOvr>
+    <a:masterClrMapping/>
+  </p:clrMapOvr>
+</p:sld>
+</file>
+
+<file path=ppt/slides/slide9.xml><?xml version="1.0" encoding="utf-8"?>
+<p:sld xmlns:a="http://schemas.openxmlformats.org/drawingml/2006/main" xmlns:r="http://schemas.openxmlformats.org/officeDocument/2006/relationships" xmlns:p="http://schemas.openxmlformats.org/presentationml/2006/main">
+  <p:cSld>
+    <p:spTree>
+      <p:nvGrpSpPr>
+        <p:cNvPr id="1" name=""/>
+        <p:cNvGrpSpPr/>
+        <p:nvPr/>
+      </p:nvGrpSpPr>
+      <p:grpSpPr>
+        <a:xfrm>
+          <a:off x="0" y="0"/>
+          <a:ext cx="0" cy="0"/>
+          <a:chOff x="0" y="0"/>
+          <a:chExt cx="0" cy="0"/>
+        </a:xfrm>
+      </p:grpSpPr>
+      <p:sp>
+        <p:nvSpPr>
+          <p:cNvPr id="4" name="TextBox 3">
+            <a:extLst>
+              <a:ext uri="{FF2B5EF4-FFF2-40B4-BE49-F238E27FC236}">
+                <a16:creationId xmlns:a16="http://schemas.microsoft.com/office/drawing/2014/main" id="{181F38E4-D20C-4834-B1F4-69D8B5846AD9}"/>
+              </a:ext>
+            </a:extLst>
+          </p:cNvPr>
+          <p:cNvSpPr txBox="1"/>
+          <p:nvPr/>
+        </p:nvSpPr>
+        <p:spPr>
+          <a:xfrm>
+            <a:off x="47501" y="0"/>
+            <a:ext cx="1686296" cy="369332"/>
+          </a:xfrm>
+          <a:prstGeom prst="rect">
+            <a:avLst/>
+          </a:prstGeom>
+          <a:noFill/>
+        </p:spPr>
+        <p:txBody>
+          <a:bodyPr wrap="square" rtlCol="0">
+            <a:spAutoFit/>
+          </a:bodyPr>
+          <a:lstStyle/>
+          <a:p>
+            <a:r>
+              <a:rPr lang="en-US" altLang="ko-KR" dirty="0"/>
+              <a:t>login</a:t>
+            </a:r>
+            <a:endParaRPr lang="ko-KR" altLang="en-US" dirty="0"/>
+          </a:p>
+        </p:txBody>
+      </p:sp>
+      <p:sp>
+        <p:nvSpPr>
+          <p:cNvPr id="8" name="TextBox 7">
+            <a:extLst>
+              <a:ext uri="{FF2B5EF4-FFF2-40B4-BE49-F238E27FC236}">
+                <a16:creationId xmlns:a16="http://schemas.microsoft.com/office/drawing/2014/main" id="{75C42BA6-7A07-4CC1-93DA-C1906C7A3C45}"/>
+              </a:ext>
+            </a:extLst>
+          </p:cNvPr>
+          <p:cNvSpPr txBox="1"/>
+          <p:nvPr/>
+        </p:nvSpPr>
+        <p:spPr>
+          <a:xfrm>
+            <a:off x="4172631" y="1478456"/>
+            <a:ext cx="2587953" cy="1285288"/>
+          </a:xfrm>
+          <a:prstGeom prst="rect">
+            <a:avLst/>
+          </a:prstGeom>
+          <a:noFill/>
+        </p:spPr>
+        <p:txBody>
+          <a:bodyPr wrap="none" rtlCol="0">
+            <a:spAutoFit/>
+          </a:bodyPr>
+          <a:lstStyle/>
+          <a:p>
+            <a:pPr>
+              <a:lnSpc>
+                <a:spcPct val="150000"/>
+              </a:lnSpc>
+            </a:pPr>
+            <a:r>
+              <a:rPr lang="ko-KR" altLang="en-US" dirty="0"/>
+              <a:t>이름</a:t>
+            </a:r>
+            <a:r>
+              <a:rPr lang="en-US" altLang="ko-KR" dirty="0"/>
+              <a:t>: </a:t>
+            </a:r>
+            <a:r>
+              <a:rPr lang="ko-KR" altLang="en-US" dirty="0"/>
+              <a:t>홍길동</a:t>
+            </a:r>
+            <a:endParaRPr lang="en-US" altLang="ko-KR" dirty="0"/>
+          </a:p>
+          <a:p>
+            <a:pPr>
+              <a:lnSpc>
+                <a:spcPct val="150000"/>
+              </a:lnSpc>
+            </a:pPr>
+            <a:r>
+              <a:rPr lang="ko-KR" altLang="en-US" dirty="0"/>
+              <a:t>이메일</a:t>
+            </a:r>
+            <a:r>
+              <a:rPr lang="en-US" altLang="ko-KR" dirty="0"/>
+              <a:t>: asdf@asdf.com</a:t>
+            </a:r>
+          </a:p>
+          <a:p>
+            <a:pPr>
+              <a:lnSpc>
+                <a:spcPct val="150000"/>
+              </a:lnSpc>
+            </a:pPr>
+            <a:r>
+              <a:rPr lang="ko-KR" altLang="en-US" dirty="0"/>
+              <a:t>포인트</a:t>
+            </a:r>
+            <a:r>
+              <a:rPr lang="en-US" altLang="ko-KR" dirty="0"/>
+              <a:t>: 800</a:t>
+            </a:r>
+          </a:p>
+        </p:txBody>
+      </p:sp>
+      <p:sp>
+        <p:nvSpPr>
+          <p:cNvPr id="11" name="TextBox 10">
+            <a:extLst>
+              <a:ext uri="{FF2B5EF4-FFF2-40B4-BE49-F238E27FC236}">
+                <a16:creationId xmlns:a16="http://schemas.microsoft.com/office/drawing/2014/main" id="{7372AEBA-C50D-4DF1-8F06-C71C3DEA659F}"/>
+              </a:ext>
+            </a:extLst>
+          </p:cNvPr>
+          <p:cNvSpPr txBox="1"/>
+          <p:nvPr/>
+        </p:nvSpPr>
+        <p:spPr>
+          <a:xfrm>
+            <a:off x="973222" y="7136"/>
+            <a:ext cx="3161944" cy="707886"/>
+          </a:xfrm>
+          <a:prstGeom prst="rect">
+            <a:avLst/>
+          </a:prstGeom>
+          <a:noFill/>
+        </p:spPr>
+        <p:txBody>
+          <a:bodyPr wrap="square" rtlCol="0">
+            <a:spAutoFit/>
+          </a:bodyPr>
+          <a:lstStyle/>
+          <a:p>
+            <a:r>
+              <a:rPr lang="en-US" altLang="ko-KR" sz="4000" dirty="0"/>
+              <a:t>ONCHALL</a:t>
+            </a:r>
+            <a:endParaRPr lang="ko-KR" altLang="en-US" sz="4000" dirty="0"/>
+          </a:p>
+        </p:txBody>
+      </p:sp>
+      <p:sp>
+        <p:nvSpPr>
+          <p:cNvPr id="12" name="TextBox 11">
+            <a:extLst>
+              <a:ext uri="{FF2B5EF4-FFF2-40B4-BE49-F238E27FC236}">
+                <a16:creationId xmlns:a16="http://schemas.microsoft.com/office/drawing/2014/main" id="{00EC4550-7BAE-4775-9A3C-30AB89ACCF47}"/>
+              </a:ext>
+            </a:extLst>
+          </p:cNvPr>
+          <p:cNvSpPr txBox="1"/>
+          <p:nvPr/>
+        </p:nvSpPr>
+        <p:spPr>
+          <a:xfrm>
+            <a:off x="4477995" y="284102"/>
+            <a:ext cx="7306656" cy="307777"/>
+          </a:xfrm>
+          <a:prstGeom prst="rect">
+            <a:avLst/>
+          </a:prstGeom>
+          <a:noFill/>
+        </p:spPr>
+        <p:txBody>
+          <a:bodyPr wrap="square" rtlCol="0">
+            <a:spAutoFit/>
+          </a:bodyPr>
+          <a:lstStyle/>
+          <a:p>
+            <a:r>
+              <a:rPr lang="ko-KR" altLang="en-US" sz="1400" dirty="0" err="1"/>
+              <a:t>온챌아카데미학원</a:t>
+            </a:r>
+            <a:r>
+              <a:rPr lang="ko-KR" altLang="en-US" sz="1400" dirty="0"/>
+              <a:t>       </a:t>
+            </a:r>
+            <a:r>
+              <a:rPr lang="ko-KR" altLang="en-US" sz="1400" dirty="0" err="1"/>
+              <a:t>온챌개념서</a:t>
+            </a:r>
+            <a:r>
+              <a:rPr lang="ko-KR" altLang="en-US" sz="1400" dirty="0"/>
+              <a:t> 무료보기     </a:t>
+            </a:r>
+            <a:r>
+              <a:rPr lang="ko-KR" altLang="en-US" sz="1400" dirty="0" err="1"/>
+              <a:t>온챌개념서</a:t>
+            </a:r>
+            <a:r>
+              <a:rPr lang="ko-KR" altLang="en-US" sz="1400" dirty="0"/>
+              <a:t> 구매     장바구니    회원정보</a:t>
+            </a:r>
+          </a:p>
+        </p:txBody>
+      </p:sp>
+      <p:sp>
+        <p:nvSpPr>
+          <p:cNvPr id="13" name="TextBox 12">
+            <a:extLst>
+              <a:ext uri="{FF2B5EF4-FFF2-40B4-BE49-F238E27FC236}">
+                <a16:creationId xmlns:a16="http://schemas.microsoft.com/office/drawing/2014/main" id="{978C000E-E8E9-4707-98A8-994482492F42}"/>
+              </a:ext>
+            </a:extLst>
+          </p:cNvPr>
+          <p:cNvSpPr txBox="1"/>
+          <p:nvPr/>
+        </p:nvSpPr>
+        <p:spPr>
+          <a:xfrm>
+            <a:off x="1778409" y="938419"/>
+            <a:ext cx="1463555" cy="461665"/>
+          </a:xfrm>
+          <a:prstGeom prst="rect">
+            <a:avLst/>
+          </a:prstGeom>
+          <a:noFill/>
+        </p:spPr>
+        <p:txBody>
+          <a:bodyPr wrap="square" rtlCol="0">
+            <a:spAutoFit/>
+          </a:bodyPr>
+          <a:lstStyle/>
+          <a:p>
+            <a:pPr algn="l"/>
+            <a:r>
+              <a:rPr lang="ko-KR" altLang="en-US" sz="2400" b="1" i="0" dirty="0">
+                <a:solidFill>
+                  <a:srgbClr val="1A1A1A"/>
+                </a:solidFill>
+                <a:effectLst/>
+                <a:latin typeface="Montserrat" panose="020B0604020202020204" pitchFamily="2" charset="0"/>
+              </a:rPr>
+              <a:t>회원정보</a:t>
+            </a:r>
+          </a:p>
+        </p:txBody>
+      </p:sp>
+      <p:sp>
+        <p:nvSpPr>
+          <p:cNvPr id="10" name="사각형: 둥근 모서리 9">
+            <a:hlinkClick r:id="rId2" action="ppaction://hlinksldjump"/>
+            <a:extLst>
+              <a:ext uri="{FF2B5EF4-FFF2-40B4-BE49-F238E27FC236}">
+                <a16:creationId xmlns:a16="http://schemas.microsoft.com/office/drawing/2014/main" id="{247DCBFF-F4AB-4922-8212-F2E7CFA52CFE}"/>
+              </a:ext>
+            </a:extLst>
+          </p:cNvPr>
+          <p:cNvSpPr/>
+          <p:nvPr/>
+        </p:nvSpPr>
+        <p:spPr>
+          <a:xfrm>
+            <a:off x="5617367" y="5422001"/>
+            <a:ext cx="1203814" cy="408843"/>
+          </a:xfrm>
+          <a:prstGeom prst="roundRect">
+            <a:avLst/>
+          </a:prstGeom>
+          <a:ln>
+            <a:solidFill>
+              <a:schemeClr val="accent1">
+                <a:lumMod val="40000"/>
+                <a:lumOff val="60000"/>
+              </a:schemeClr>
+            </a:solidFill>
+          </a:ln>
+        </p:spPr>
+        <p:style>
+          <a:lnRef idx="2">
+            <a:schemeClr val="accent6">
+              <a:shade val="50000"/>
+            </a:schemeClr>
+          </a:lnRef>
+          <a:fillRef idx="1">
+            <a:schemeClr val="accent6"/>
+          </a:fillRef>
+          <a:effectRef idx="0">
+            <a:schemeClr val="accent6"/>
+          </a:effectRef>
+          <a:fontRef idx="minor">
+            <a:schemeClr val="lt1"/>
+          </a:fontRef>
+        </p:style>
+        <p:txBody>
+          <a:bodyPr rtlCol="0" anchor="ctr"/>
+          <a:lstStyle/>
+          <a:p>
+            <a:pPr algn="ctr"/>
+            <a:r>
+              <a:rPr lang="ko-KR" altLang="en-US" sz="1200" dirty="0"/>
+              <a:t>비밀번호 변경</a:t>
+            </a:r>
+          </a:p>
+        </p:txBody>
+      </p:sp>
+      <p:sp>
+        <p:nvSpPr>
+          <p:cNvPr id="2" name="직사각형 1">
+            <a:extLst>
+              <a:ext uri="{FF2B5EF4-FFF2-40B4-BE49-F238E27FC236}">
+                <a16:creationId xmlns:a16="http://schemas.microsoft.com/office/drawing/2014/main" id="{06A75D69-78E7-4C99-98E3-7CD1AB6D0A4D}"/>
+              </a:ext>
+            </a:extLst>
+          </p:cNvPr>
+          <p:cNvSpPr/>
+          <p:nvPr/>
+        </p:nvSpPr>
+        <p:spPr>
+          <a:xfrm>
+            <a:off x="3759529" y="3360335"/>
+            <a:ext cx="4868883" cy="1862115"/>
+          </a:xfrm>
+          <a:prstGeom prst="rect">
+            <a:avLst/>
+          </a:prstGeom>
+          <a:noFill/>
         </p:spPr>
         <p:style>
           <a:lnRef idx="2">
@@ -11637,48 +15056,163 @@
           <a:lstStyle/>
           <a:p>
             <a:pPr algn="ctr"/>
-            <a:r>
-              <a:rPr lang="ko-KR" altLang="en-US" sz="1400" dirty="0">
-                <a:solidFill>
-                  <a:schemeClr val="tx1"/>
-                </a:solidFill>
-              </a:rPr>
-              <a:t>소계            </a:t>
-            </a:r>
-            <a:r>
-              <a:rPr lang="ko-KR" altLang="en-US" sz="1400" b="0" i="0" dirty="0">
-                <a:solidFill>
-                  <a:schemeClr val="tx1"/>
-                </a:solidFill>
-                <a:effectLst/>
-                <a:latin typeface="Nanum Gothic"/>
-              </a:rPr>
-              <a:t>₩</a:t>
-            </a:r>
-            <a:r>
-              <a:rPr lang="en-US" altLang="ko-KR" sz="1400" b="0" i="0" dirty="0">
-                <a:solidFill>
-                  <a:schemeClr val="tx1"/>
-                </a:solidFill>
-                <a:effectLst/>
-                <a:latin typeface="Nanum Gothic"/>
-              </a:rPr>
-              <a:t>10,000</a:t>
-            </a:r>
-            <a:endParaRPr lang="ko-KR" altLang="en-US" sz="1400" dirty="0">
-              <a:solidFill>
-                <a:schemeClr val="tx1"/>
-              </a:solidFill>
-            </a:endParaRPr>
-          </a:p>
-        </p:txBody>
-      </p:sp>
-      <p:sp>
-        <p:nvSpPr>
-          <p:cNvPr id="84" name="사각형: 둥근 모서리 83">
-            <a:extLst>
-              <a:ext uri="{FF2B5EF4-FFF2-40B4-BE49-F238E27FC236}">
-                <a16:creationId xmlns:a16="http://schemas.microsoft.com/office/drawing/2014/main" id="{492B3B26-D769-468C-9434-8603E2F8EBCA}"/>
+            <a:endParaRPr lang="ko-KR" altLang="en-US"/>
+          </a:p>
+        </p:txBody>
+      </p:sp>
+      <p:sp>
+        <p:nvSpPr>
+          <p:cNvPr id="3" name="TextBox 2">
+            <a:extLst>
+              <a:ext uri="{FF2B5EF4-FFF2-40B4-BE49-F238E27FC236}">
+                <a16:creationId xmlns:a16="http://schemas.microsoft.com/office/drawing/2014/main" id="{48BDC465-6947-4327-BB77-E8844FFAD023}"/>
+              </a:ext>
+            </a:extLst>
+          </p:cNvPr>
+          <p:cNvSpPr txBox="1"/>
+          <p:nvPr/>
+        </p:nvSpPr>
+        <p:spPr>
+          <a:xfrm>
+            <a:off x="4100450" y="3420062"/>
+            <a:ext cx="1324098" cy="369332"/>
+          </a:xfrm>
+          <a:prstGeom prst="rect">
+            <a:avLst/>
+          </a:prstGeom>
+          <a:noFill/>
+        </p:spPr>
+        <p:txBody>
+          <a:bodyPr wrap="square" rtlCol="0">
+            <a:spAutoFit/>
+          </a:bodyPr>
+          <a:lstStyle/>
+          <a:p>
+            <a:pPr algn="ctr"/>
+            <a:r>
+              <a:rPr lang="ko-KR" altLang="en-US" dirty="0"/>
+              <a:t>내용</a:t>
+            </a:r>
+          </a:p>
+        </p:txBody>
+      </p:sp>
+      <p:sp>
+        <p:nvSpPr>
+          <p:cNvPr id="14" name="TextBox 13">
+            <a:extLst>
+              <a:ext uri="{FF2B5EF4-FFF2-40B4-BE49-F238E27FC236}">
+                <a16:creationId xmlns:a16="http://schemas.microsoft.com/office/drawing/2014/main" id="{CE622568-B9C3-466F-9CB1-19BA46429FCC}"/>
+              </a:ext>
+            </a:extLst>
+          </p:cNvPr>
+          <p:cNvSpPr txBox="1"/>
+          <p:nvPr/>
+        </p:nvSpPr>
+        <p:spPr>
+          <a:xfrm>
+            <a:off x="7160571" y="3460228"/>
+            <a:ext cx="955480" cy="369332"/>
+          </a:xfrm>
+          <a:prstGeom prst="rect">
+            <a:avLst/>
+          </a:prstGeom>
+          <a:noFill/>
+        </p:spPr>
+        <p:txBody>
+          <a:bodyPr wrap="square" rtlCol="0">
+            <a:spAutoFit/>
+          </a:bodyPr>
+          <a:lstStyle/>
+          <a:p>
+            <a:pPr algn="ctr"/>
+            <a:r>
+              <a:rPr lang="ko-KR" altLang="en-US" dirty="0"/>
+              <a:t>포인트</a:t>
+            </a:r>
+          </a:p>
+        </p:txBody>
+      </p:sp>
+      <p:sp>
+        <p:nvSpPr>
+          <p:cNvPr id="16" name="TextBox 15">
+            <a:extLst>
+              <a:ext uri="{FF2B5EF4-FFF2-40B4-BE49-F238E27FC236}">
+                <a16:creationId xmlns:a16="http://schemas.microsoft.com/office/drawing/2014/main" id="{DF0DD307-C78F-4B6E-8E25-ED7CACE18D7B}"/>
+              </a:ext>
+            </a:extLst>
+          </p:cNvPr>
+          <p:cNvSpPr txBox="1"/>
+          <p:nvPr/>
+        </p:nvSpPr>
+        <p:spPr>
+          <a:xfrm>
+            <a:off x="3997034" y="3862498"/>
+            <a:ext cx="1530930" cy="253916"/>
+          </a:xfrm>
+          <a:prstGeom prst="rect">
+            <a:avLst/>
+          </a:prstGeom>
+          <a:noFill/>
+        </p:spPr>
+        <p:txBody>
+          <a:bodyPr wrap="square" rtlCol="0">
+            <a:spAutoFit/>
+          </a:bodyPr>
+          <a:lstStyle/>
+          <a:p>
+            <a:pPr algn="ctr"/>
+            <a:r>
+              <a:rPr lang="ko-KR" altLang="en-US" sz="1050"/>
+              <a:t>회원가입 감사 포인트</a:t>
+            </a:r>
+            <a:endParaRPr lang="ko-KR" altLang="en-US" sz="1050" dirty="0"/>
+          </a:p>
+        </p:txBody>
+      </p:sp>
+      <p:sp>
+        <p:nvSpPr>
+          <p:cNvPr id="17" name="TextBox 16">
+            <a:extLst>
+              <a:ext uri="{FF2B5EF4-FFF2-40B4-BE49-F238E27FC236}">
+                <a16:creationId xmlns:a16="http://schemas.microsoft.com/office/drawing/2014/main" id="{D5323913-0EC2-475A-96A2-10DDC523D084}"/>
+              </a:ext>
+            </a:extLst>
+          </p:cNvPr>
+          <p:cNvSpPr txBox="1"/>
+          <p:nvPr/>
+        </p:nvSpPr>
+        <p:spPr>
+          <a:xfrm>
+            <a:off x="7053943" y="3866346"/>
+            <a:ext cx="1168736" cy="246221"/>
+          </a:xfrm>
+          <a:prstGeom prst="rect">
+            <a:avLst/>
+          </a:prstGeom>
+          <a:noFill/>
+        </p:spPr>
+        <p:txBody>
+          <a:bodyPr wrap="square" rtlCol="0">
+            <a:spAutoFit/>
+          </a:bodyPr>
+          <a:lstStyle/>
+          <a:p>
+            <a:pPr algn="ctr"/>
+            <a:r>
+              <a:rPr lang="en-US" altLang="ko-KR" sz="1000" dirty="0"/>
+              <a:t>+ 1000 P</a:t>
+            </a:r>
+            <a:endParaRPr lang="ko-KR" altLang="en-US" sz="1000" dirty="0"/>
+          </a:p>
+        </p:txBody>
+      </p:sp>
+      <p:sp>
+        <p:nvSpPr>
+          <p:cNvPr id="25" name="사각형: 둥근 모서리 24">
+            <a:hlinkClick r:id="rId3" action="ppaction://hlinksldjump"/>
+            <a:extLst>
+              <a:ext uri="{FF2B5EF4-FFF2-40B4-BE49-F238E27FC236}">
+                <a16:creationId xmlns:a16="http://schemas.microsoft.com/office/drawing/2014/main" id="{6F95F916-C513-4DE9-9CB3-E7F0EE556A57}"/>
               </a:ext>
             </a:extLst>
           </p:cNvPr>
@@ -11687,32 +15221,32 @@
         </p:nvSpPr>
         <p:spPr>
           <a:xfrm>
-            <a:off x="7083631" y="5297370"/>
-            <a:ext cx="1983179" cy="302821"/>
+            <a:off x="3759529" y="3104227"/>
+            <a:ext cx="983898" cy="247997"/>
           </a:xfrm>
           <a:prstGeom prst="roundRect">
             <a:avLst/>
           </a:prstGeom>
-          <a:noFill/>
           <a:ln>
             <a:solidFill>
-              <a:schemeClr val="bg1">
-                <a:lumMod val="75000"/>
+              <a:schemeClr val="accent1">
+                <a:lumMod val="40000"/>
+                <a:lumOff val="60000"/>
               </a:schemeClr>
             </a:solidFill>
           </a:ln>
         </p:spPr>
         <p:style>
           <a:lnRef idx="2">
-            <a:schemeClr val="accent1">
+            <a:schemeClr val="accent6">
               <a:shade val="50000"/>
             </a:schemeClr>
           </a:lnRef>
           <a:fillRef idx="1">
-            <a:schemeClr val="accent1"/>
+            <a:schemeClr val="accent6"/>
           </a:fillRef>
           <a:effectRef idx="0">
-            <a:schemeClr val="accent1"/>
+            <a:schemeClr val="accent6"/>
           </a:effectRef>
           <a:fontRef idx="minor">
             <a:schemeClr val="lt1"/>
@@ -11724,47 +15258,164 @@
           <a:p>
             <a:pPr algn="ctr"/>
             <a:r>
-              <a:rPr lang="ko-KR" altLang="en-US" sz="1400" dirty="0">
-                <a:solidFill>
-                  <a:schemeClr val="tx1"/>
-                </a:solidFill>
-              </a:rPr>
-              <a:t>총계            </a:t>
-            </a:r>
-            <a:r>
-              <a:rPr lang="ko-KR" altLang="en-US" sz="1400" b="0" i="0" dirty="0">
-                <a:solidFill>
-                  <a:schemeClr val="tx1"/>
-                </a:solidFill>
-                <a:effectLst/>
-                <a:latin typeface="Nanum Gothic"/>
-              </a:rPr>
-              <a:t>₩</a:t>
-            </a:r>
-            <a:r>
-              <a:rPr lang="en-US" altLang="ko-KR" sz="1400" b="0" i="0" dirty="0">
-                <a:solidFill>
-                  <a:schemeClr val="tx1"/>
-                </a:solidFill>
-                <a:effectLst/>
-                <a:latin typeface="Nanum Gothic"/>
-              </a:rPr>
-              <a:t>10,000</a:t>
-            </a:r>
-            <a:endParaRPr lang="ko-KR" altLang="en-US" sz="1400" dirty="0">
-              <a:solidFill>
-                <a:schemeClr val="tx1"/>
-              </a:solidFill>
-            </a:endParaRPr>
-          </a:p>
-        </p:txBody>
-      </p:sp>
-      <p:sp>
-        <p:nvSpPr>
-          <p:cNvPr id="24" name="사각형: 둥근 모서리 23">
-            <a:extLst>
-              <a:ext uri="{FF2B5EF4-FFF2-40B4-BE49-F238E27FC236}">
-                <a16:creationId xmlns:a16="http://schemas.microsoft.com/office/drawing/2014/main" id="{9E585501-B69E-4191-A087-8A17CFCCC918}"/>
+              <a:rPr lang="ko-KR" altLang="en-US" sz="1050" dirty="0"/>
+              <a:t>다운로드</a:t>
+            </a:r>
+          </a:p>
+        </p:txBody>
+      </p:sp>
+      <p:sp>
+        <p:nvSpPr>
+          <p:cNvPr id="27" name="TextBox 26">
+            <a:extLst>
+              <a:ext uri="{FF2B5EF4-FFF2-40B4-BE49-F238E27FC236}">
+                <a16:creationId xmlns:a16="http://schemas.microsoft.com/office/drawing/2014/main" id="{B7719C62-A5FF-400C-9E54-406EA21E5CE2}"/>
+              </a:ext>
+            </a:extLst>
+          </p:cNvPr>
+          <p:cNvSpPr txBox="1"/>
+          <p:nvPr/>
+        </p:nvSpPr>
+        <p:spPr>
+          <a:xfrm>
+            <a:off x="3997034" y="4240998"/>
+            <a:ext cx="1530930" cy="253916"/>
+          </a:xfrm>
+          <a:prstGeom prst="rect">
+            <a:avLst/>
+          </a:prstGeom>
+          <a:noFill/>
+        </p:spPr>
+        <p:txBody>
+          <a:bodyPr wrap="square" rtlCol="0">
+            <a:spAutoFit/>
+          </a:bodyPr>
+          <a:lstStyle/>
+          <a:p>
+            <a:pPr algn="ctr"/>
+            <a:r>
+              <a:rPr lang="ko-KR" altLang="en-US" sz="1050" dirty="0"/>
+              <a:t>포인트 사용</a:t>
+            </a:r>
+          </a:p>
+        </p:txBody>
+      </p:sp>
+      <p:sp>
+        <p:nvSpPr>
+          <p:cNvPr id="28" name="TextBox 27">
+            <a:extLst>
+              <a:ext uri="{FF2B5EF4-FFF2-40B4-BE49-F238E27FC236}">
+                <a16:creationId xmlns:a16="http://schemas.microsoft.com/office/drawing/2014/main" id="{BB490D31-42B1-48C7-AC20-AA73FA944CD1}"/>
+              </a:ext>
+            </a:extLst>
+          </p:cNvPr>
+          <p:cNvSpPr txBox="1"/>
+          <p:nvPr/>
+        </p:nvSpPr>
+        <p:spPr>
+          <a:xfrm>
+            <a:off x="7053943" y="4244846"/>
+            <a:ext cx="1168736" cy="246221"/>
+          </a:xfrm>
+          <a:prstGeom prst="rect">
+            <a:avLst/>
+          </a:prstGeom>
+          <a:noFill/>
+        </p:spPr>
+        <p:txBody>
+          <a:bodyPr wrap="square" rtlCol="0">
+            <a:spAutoFit/>
+          </a:bodyPr>
+          <a:lstStyle/>
+          <a:p>
+            <a:pPr algn="ctr"/>
+            <a:r>
+              <a:rPr lang="en-US" altLang="ko-KR" sz="1000" dirty="0"/>
+              <a:t>- 500 P</a:t>
+            </a:r>
+            <a:endParaRPr lang="ko-KR" altLang="en-US" sz="1000" dirty="0"/>
+          </a:p>
+        </p:txBody>
+      </p:sp>
+      <p:sp>
+        <p:nvSpPr>
+          <p:cNvPr id="29" name="TextBox 28">
+            <a:extLst>
+              <a:ext uri="{FF2B5EF4-FFF2-40B4-BE49-F238E27FC236}">
+                <a16:creationId xmlns:a16="http://schemas.microsoft.com/office/drawing/2014/main" id="{36377ED9-1895-4977-8B65-4D2832DFB86B}"/>
+              </a:ext>
+            </a:extLst>
+          </p:cNvPr>
+          <p:cNvSpPr txBox="1"/>
+          <p:nvPr/>
+        </p:nvSpPr>
+        <p:spPr>
+          <a:xfrm>
+            <a:off x="3997034" y="4585045"/>
+            <a:ext cx="1530930" cy="253916"/>
+          </a:xfrm>
+          <a:prstGeom prst="rect">
+            <a:avLst/>
+          </a:prstGeom>
+          <a:noFill/>
+        </p:spPr>
+        <p:txBody>
+          <a:bodyPr wrap="square" rtlCol="0">
+            <a:spAutoFit/>
+          </a:bodyPr>
+          <a:lstStyle/>
+          <a:p>
+            <a:pPr algn="ctr"/>
+            <a:r>
+              <a:rPr lang="ko-KR" altLang="en-US" sz="1050" dirty="0"/>
+              <a:t>친구 추천 포인트</a:t>
+            </a:r>
+          </a:p>
+        </p:txBody>
+      </p:sp>
+      <p:sp>
+        <p:nvSpPr>
+          <p:cNvPr id="30" name="TextBox 29">
+            <a:extLst>
+              <a:ext uri="{FF2B5EF4-FFF2-40B4-BE49-F238E27FC236}">
+                <a16:creationId xmlns:a16="http://schemas.microsoft.com/office/drawing/2014/main" id="{AE0C6D8A-4070-4097-B236-D0DC2E1EC9CD}"/>
+              </a:ext>
+            </a:extLst>
+          </p:cNvPr>
+          <p:cNvSpPr txBox="1"/>
+          <p:nvPr/>
+        </p:nvSpPr>
+        <p:spPr>
+          <a:xfrm>
+            <a:off x="7053943" y="4588893"/>
+            <a:ext cx="1168736" cy="246221"/>
+          </a:xfrm>
+          <a:prstGeom prst="rect">
+            <a:avLst/>
+          </a:prstGeom>
+          <a:noFill/>
+        </p:spPr>
+        <p:txBody>
+          <a:bodyPr wrap="square" rtlCol="0">
+            <a:spAutoFit/>
+          </a:bodyPr>
+          <a:lstStyle/>
+          <a:p>
+            <a:pPr algn="ctr"/>
+            <a:r>
+              <a:rPr lang="en-US" altLang="ko-KR" sz="1000" dirty="0"/>
+              <a:t>+ 300 P</a:t>
+            </a:r>
+            <a:endParaRPr lang="ko-KR" altLang="en-US" sz="1000" dirty="0"/>
+          </a:p>
+        </p:txBody>
+      </p:sp>
+      <p:sp>
+        <p:nvSpPr>
+          <p:cNvPr id="33" name="사각형: 둥근 모서리 32">
+            <a:extLst>
+              <a:ext uri="{FF2B5EF4-FFF2-40B4-BE49-F238E27FC236}">
+                <a16:creationId xmlns:a16="http://schemas.microsoft.com/office/drawing/2014/main" id="{527F6944-D138-44B7-89D6-A0060F3BFB9E}"/>
               </a:ext>
             </a:extLst>
           </p:cNvPr>
@@ -11773,22 +15424,32 @@
         </p:nvSpPr>
         <p:spPr>
           <a:xfrm>
-            <a:off x="7083631" y="5772382"/>
-            <a:ext cx="1983179" cy="469075"/>
+            <a:off x="4743427" y="3104227"/>
+            <a:ext cx="983898" cy="247997"/>
           </a:xfrm>
           <a:prstGeom prst="roundRect">
             <a:avLst/>
           </a:prstGeom>
+          <a:ln>
+            <a:solidFill>
+              <a:schemeClr val="accent1">
+                <a:lumMod val="40000"/>
+                <a:lumOff val="60000"/>
+              </a:schemeClr>
+            </a:solidFill>
+          </a:ln>
         </p:spPr>
         <p:style>
-          <a:lnRef idx="3">
-            <a:schemeClr val="lt1"/>
+          <a:lnRef idx="2">
+            <a:schemeClr val="accent6">
+              <a:shade val="50000"/>
+            </a:schemeClr>
           </a:lnRef>
           <a:fillRef idx="1">
-            <a:schemeClr val="accent2"/>
+            <a:schemeClr val="accent6"/>
           </a:fillRef>
-          <a:effectRef idx="1">
-            <a:schemeClr val="accent2"/>
+          <a:effectRef idx="0">
+            <a:schemeClr val="accent6"/>
           </a:effectRef>
           <a:fontRef idx="minor">
             <a:schemeClr val="lt1"/>
@@ -11800,18 +15461,76 @@
           <a:p>
             <a:pPr algn="ctr"/>
             <a:r>
-              <a:rPr lang="ko-KR" altLang="en-US"/>
-              <a:t>결제 진행하기</a:t>
-            </a:r>
-          </a:p>
-        </p:txBody>
-      </p:sp>
-      <p:sp>
-        <p:nvSpPr>
-          <p:cNvPr id="85" name="TextBox 84">
-            <a:extLst>
-              <a:ext uri="{FF2B5EF4-FFF2-40B4-BE49-F238E27FC236}">
-                <a16:creationId xmlns:a16="http://schemas.microsoft.com/office/drawing/2014/main" id="{470F200B-0636-40CB-A6B9-EA0D78B80F55}"/>
+              <a:rPr lang="ko-KR" altLang="en-US" sz="1050" b="1" dirty="0"/>
+              <a:t>포인트 내역</a:t>
+            </a:r>
+          </a:p>
+        </p:txBody>
+      </p:sp>
+      <p:sp>
+        <p:nvSpPr>
+          <p:cNvPr id="34" name="사각형: 둥근 모서리 33">
+            <a:hlinkClick r:id="rId4" action="ppaction://hlinksldjump"/>
+            <a:extLst>
+              <a:ext uri="{FF2B5EF4-FFF2-40B4-BE49-F238E27FC236}">
+                <a16:creationId xmlns:a16="http://schemas.microsoft.com/office/drawing/2014/main" id="{D8639496-8B0D-4C23-B825-0AA3D9C4E7DB}"/>
+              </a:ext>
+            </a:extLst>
+          </p:cNvPr>
+          <p:cNvSpPr/>
+          <p:nvPr/>
+        </p:nvSpPr>
+        <p:spPr>
+          <a:xfrm>
+            <a:off x="5727325" y="3104227"/>
+            <a:ext cx="983898" cy="247997"/>
+          </a:xfrm>
+          <a:prstGeom prst="roundRect">
+            <a:avLst/>
+          </a:prstGeom>
+          <a:ln>
+            <a:solidFill>
+              <a:schemeClr val="accent1">
+                <a:lumMod val="40000"/>
+                <a:lumOff val="60000"/>
+              </a:schemeClr>
+            </a:solidFill>
+          </a:ln>
+        </p:spPr>
+        <p:style>
+          <a:lnRef idx="2">
+            <a:schemeClr val="accent6">
+              <a:shade val="50000"/>
+            </a:schemeClr>
+          </a:lnRef>
+          <a:fillRef idx="1">
+            <a:schemeClr val="accent6"/>
+          </a:fillRef>
+          <a:effectRef idx="0">
+            <a:schemeClr val="accent6"/>
+          </a:effectRef>
+          <a:fontRef idx="minor">
+            <a:schemeClr val="lt1"/>
+          </a:fontRef>
+        </p:style>
+        <p:txBody>
+          <a:bodyPr rtlCol="0" anchor="ctr"/>
+          <a:lstStyle/>
+          <a:p>
+            <a:pPr algn="ctr"/>
+            <a:r>
+              <a:rPr lang="ko-KR" altLang="en-US" sz="1050" dirty="0"/>
+              <a:t>구매 내역</a:t>
+            </a:r>
+          </a:p>
+        </p:txBody>
+      </p:sp>
+      <p:sp>
+        <p:nvSpPr>
+          <p:cNvPr id="35" name="TextBox 34">
+            <a:extLst>
+              <a:ext uri="{FF2B5EF4-FFF2-40B4-BE49-F238E27FC236}">
+                <a16:creationId xmlns:a16="http://schemas.microsoft.com/office/drawing/2014/main" id="{B6684624-BA7E-4EAA-AF72-853BA164DC32}"/>
               </a:ext>
             </a:extLst>
           </p:cNvPr>
@@ -11820,8 +15539,8 @@
         </p:nvSpPr>
         <p:spPr>
           <a:xfrm>
-            <a:off x="4477994" y="284100"/>
-            <a:ext cx="7373580" cy="307777"/>
+            <a:off x="5830906" y="3448352"/>
+            <a:ext cx="955480" cy="369332"/>
           </a:xfrm>
           <a:prstGeom prst="rect">
             <a:avLst/>
@@ -11834,51 +15553,20 @@
           </a:bodyPr>
           <a:lstStyle/>
           <a:p>
-            <a:r>
-              <a:rPr lang="ko-KR" altLang="en-US" sz="1400" dirty="0" err="1"/>
-              <a:t>온챌아카데미학원</a:t>
-            </a:r>
-            <a:r>
-              <a:rPr lang="ko-KR" altLang="en-US" sz="1400" dirty="0"/>
-              <a:t>       </a:t>
-            </a:r>
-            <a:r>
-              <a:rPr lang="ko-KR" altLang="en-US" sz="1400" dirty="0" err="1"/>
-              <a:t>온챌개념서</a:t>
-            </a:r>
-            <a:r>
-              <a:rPr lang="ko-KR" altLang="en-US" sz="1400" dirty="0"/>
-              <a:t> 무료보기      </a:t>
-            </a:r>
-            <a:r>
-              <a:rPr lang="ko-KR" altLang="en-US" sz="1400" dirty="0" err="1"/>
-              <a:t>온챌개념서</a:t>
-            </a:r>
-            <a:r>
-              <a:rPr lang="ko-KR" altLang="en-US" sz="1400" dirty="0"/>
-              <a:t> 구매     </a:t>
-            </a:r>
-            <a:r>
-              <a:rPr lang="ko-KR" altLang="en-US" sz="1400" b="1" dirty="0"/>
-              <a:t>장바구니</a:t>
-            </a:r>
-            <a:r>
-              <a:rPr lang="ko-KR" altLang="en-US" sz="1400" dirty="0"/>
-              <a:t>    로그아웃</a:t>
-            </a:r>
-            <a:r>
-              <a:rPr lang="ko-KR" altLang="en-US" sz="1400" b="1" dirty="0"/>
-              <a:t> </a:t>
-            </a:r>
-          </a:p>
-        </p:txBody>
-      </p:sp>
-      <p:sp>
-        <p:nvSpPr>
-          <p:cNvPr id="86" name="TextBox 85">
-            <a:extLst>
-              <a:ext uri="{FF2B5EF4-FFF2-40B4-BE49-F238E27FC236}">
-                <a16:creationId xmlns:a16="http://schemas.microsoft.com/office/drawing/2014/main" id="{1E499715-DFFE-4D95-B600-B21EF97463D8}"/>
+            <a:pPr algn="ctr"/>
+            <a:r>
+              <a:rPr lang="ko-KR" altLang="en-US" dirty="0"/>
+              <a:t>날짜</a:t>
+            </a:r>
+          </a:p>
+        </p:txBody>
+      </p:sp>
+      <p:sp>
+        <p:nvSpPr>
+          <p:cNvPr id="36" name="TextBox 35">
+            <a:extLst>
+              <a:ext uri="{FF2B5EF4-FFF2-40B4-BE49-F238E27FC236}">
+                <a16:creationId xmlns:a16="http://schemas.microsoft.com/office/drawing/2014/main" id="{99E925E5-C5E6-4DB2-A8A9-D1229BBE09D4}"/>
               </a:ext>
             </a:extLst>
           </p:cNvPr>
@@ -11887,8 +15575,8 @@
         </p:nvSpPr>
         <p:spPr>
           <a:xfrm>
-            <a:off x="973222" y="7134"/>
-            <a:ext cx="3161944" cy="707886"/>
+            <a:off x="5658840" y="3866346"/>
+            <a:ext cx="1299613" cy="246221"/>
           </a:xfrm>
           <a:prstGeom prst="rect">
             <a:avLst/>
@@ -11901,18 +15589,93 @@
           </a:bodyPr>
           <a:lstStyle/>
           <a:p>
-            <a:r>
-              <a:rPr lang="en-US" altLang="ko-KR" sz="4000" dirty="0"/>
-              <a:t>ONCHALL</a:t>
-            </a:r>
-            <a:endParaRPr lang="ko-KR" altLang="en-US" sz="4000" dirty="0"/>
+            <a:pPr algn="ctr"/>
+            <a:r>
+              <a:rPr lang="en-US" altLang="ko-KR" sz="1000" dirty="0"/>
+              <a:t>2021-12-08 16:31</a:t>
+            </a:r>
+            <a:endParaRPr lang="ko-KR" altLang="en-US" sz="1000" dirty="0"/>
+          </a:p>
+        </p:txBody>
+      </p:sp>
+      <p:sp>
+        <p:nvSpPr>
+          <p:cNvPr id="37" name="TextBox 36">
+            <a:extLst>
+              <a:ext uri="{FF2B5EF4-FFF2-40B4-BE49-F238E27FC236}">
+                <a16:creationId xmlns:a16="http://schemas.microsoft.com/office/drawing/2014/main" id="{EBE4F258-552C-4227-8303-3DB16EFB6F96}"/>
+              </a:ext>
+            </a:extLst>
+          </p:cNvPr>
+          <p:cNvSpPr txBox="1"/>
+          <p:nvPr/>
+        </p:nvSpPr>
+        <p:spPr>
+          <a:xfrm>
+            <a:off x="5658840" y="4244846"/>
+            <a:ext cx="1299612" cy="246221"/>
+          </a:xfrm>
+          <a:prstGeom prst="rect">
+            <a:avLst/>
+          </a:prstGeom>
+          <a:noFill/>
+        </p:spPr>
+        <p:txBody>
+          <a:bodyPr wrap="square" rtlCol="0">
+            <a:spAutoFit/>
+          </a:bodyPr>
+          <a:lstStyle/>
+          <a:p>
+            <a:pPr algn="ctr"/>
+            <a:r>
+              <a:rPr lang="en-US" altLang="ko-KR" sz="1000" dirty="0"/>
+              <a:t>2021-12-09 04:31</a:t>
+            </a:r>
+            <a:endParaRPr lang="ko-KR" altLang="en-US" sz="1000" dirty="0"/>
+          </a:p>
+        </p:txBody>
+      </p:sp>
+      <p:sp>
+        <p:nvSpPr>
+          <p:cNvPr id="38" name="TextBox 37">
+            <a:extLst>
+              <a:ext uri="{FF2B5EF4-FFF2-40B4-BE49-F238E27FC236}">
+                <a16:creationId xmlns:a16="http://schemas.microsoft.com/office/drawing/2014/main" id="{F19BED51-E1F8-4644-95C3-6368835AFEA9}"/>
+              </a:ext>
+            </a:extLst>
+          </p:cNvPr>
+          <p:cNvSpPr txBox="1"/>
+          <p:nvPr/>
+        </p:nvSpPr>
+        <p:spPr>
+          <a:xfrm>
+            <a:off x="5691559" y="4588893"/>
+            <a:ext cx="1234174" cy="246221"/>
+          </a:xfrm>
+          <a:prstGeom prst="rect">
+            <a:avLst/>
+          </a:prstGeom>
+          <a:noFill/>
+        </p:spPr>
+        <p:txBody>
+          <a:bodyPr wrap="square" rtlCol="0">
+            <a:spAutoFit/>
+          </a:bodyPr>
+          <a:lstStyle/>
+          <a:p>
+            <a:pPr algn="ctr"/>
+            <a:r>
+              <a:rPr lang="en-US" altLang="ko-KR" sz="1000" dirty="0"/>
+              <a:t>2021-12-11 12:31</a:t>
+            </a:r>
+            <a:endParaRPr lang="ko-KR" altLang="en-US" sz="1000" dirty="0"/>
           </a:p>
         </p:txBody>
       </p:sp>
     </p:spTree>
     <p:extLst>
       <p:ext uri="{BB962C8B-B14F-4D97-AF65-F5344CB8AC3E}">
-        <p14:creationId xmlns:p14="http://schemas.microsoft.com/office/powerpoint/2010/main" val="3743791400"/>
+        <p14:creationId xmlns:p14="http://schemas.microsoft.com/office/powerpoint/2010/main" val="3503555879"/>
       </p:ext>
     </p:extLst>
   </p:cSld>

--- a/프론트 디자인.pptx
+++ b/프론트 디자인.pptx
@@ -3943,7 +3943,7 @@
             </a:r>
             <a:r>
               <a:rPr lang="en-US" altLang="ko-KR" dirty="0"/>
-              <a:t>: 100</a:t>
+              <a:t>: 800</a:t>
             </a:r>
           </a:p>
         </p:txBody>
@@ -13759,7 +13759,7 @@
             </a:r>
             <a:r>
               <a:rPr lang="en-US" altLang="ko-KR" dirty="0"/>
-              <a:t>: 100</a:t>
+              <a:t>: 800</a:t>
             </a:r>
           </a:p>
         </p:txBody>

--- a/프론트 디자인.pptx
+++ b/프론트 디자인.pptx
@@ -271,7 +271,7 @@
           <a:p>
             <a:fld id="{D4ABF3E3-EBFF-45BD-AF4D-C526F9EC8AA9}" type="datetimeFigureOut">
               <a:rPr lang="ko-KR" altLang="en-US" smtClean="0"/>
-              <a:t>2021-12-01</a:t>
+              <a:t>2021. 12. 2.</a:t>
             </a:fld>
             <a:endParaRPr lang="ko-KR" altLang="en-US"/>
           </a:p>
@@ -469,7 +469,7 @@
           <a:p>
             <a:fld id="{D4ABF3E3-EBFF-45BD-AF4D-C526F9EC8AA9}" type="datetimeFigureOut">
               <a:rPr lang="ko-KR" altLang="en-US" smtClean="0"/>
-              <a:t>2021-12-01</a:t>
+              <a:t>2021. 12. 2.</a:t>
             </a:fld>
             <a:endParaRPr lang="ko-KR" altLang="en-US"/>
           </a:p>
@@ -677,7 +677,7 @@
           <a:p>
             <a:fld id="{D4ABF3E3-EBFF-45BD-AF4D-C526F9EC8AA9}" type="datetimeFigureOut">
               <a:rPr lang="ko-KR" altLang="en-US" smtClean="0"/>
-              <a:t>2021-12-01</a:t>
+              <a:t>2021. 12. 2.</a:t>
             </a:fld>
             <a:endParaRPr lang="ko-KR" altLang="en-US"/>
           </a:p>
@@ -875,7 +875,7 @@
           <a:p>
             <a:fld id="{D4ABF3E3-EBFF-45BD-AF4D-C526F9EC8AA9}" type="datetimeFigureOut">
               <a:rPr lang="ko-KR" altLang="en-US" smtClean="0"/>
-              <a:t>2021-12-01</a:t>
+              <a:t>2021. 12. 2.</a:t>
             </a:fld>
             <a:endParaRPr lang="ko-KR" altLang="en-US"/>
           </a:p>
@@ -1150,7 +1150,7 @@
           <a:p>
             <a:fld id="{D4ABF3E3-EBFF-45BD-AF4D-C526F9EC8AA9}" type="datetimeFigureOut">
               <a:rPr lang="ko-KR" altLang="en-US" smtClean="0"/>
-              <a:t>2021-12-01</a:t>
+              <a:t>2021. 12. 2.</a:t>
             </a:fld>
             <a:endParaRPr lang="ko-KR" altLang="en-US"/>
           </a:p>
@@ -1415,7 +1415,7 @@
           <a:p>
             <a:fld id="{D4ABF3E3-EBFF-45BD-AF4D-C526F9EC8AA9}" type="datetimeFigureOut">
               <a:rPr lang="ko-KR" altLang="en-US" smtClean="0"/>
-              <a:t>2021-12-01</a:t>
+              <a:t>2021. 12. 2.</a:t>
             </a:fld>
             <a:endParaRPr lang="ko-KR" altLang="en-US"/>
           </a:p>
@@ -1827,7 +1827,7 @@
           <a:p>
             <a:fld id="{D4ABF3E3-EBFF-45BD-AF4D-C526F9EC8AA9}" type="datetimeFigureOut">
               <a:rPr lang="ko-KR" altLang="en-US" smtClean="0"/>
-              <a:t>2021-12-01</a:t>
+              <a:t>2021. 12. 2.</a:t>
             </a:fld>
             <a:endParaRPr lang="ko-KR" altLang="en-US"/>
           </a:p>
@@ -1968,7 +1968,7 @@
           <a:p>
             <a:fld id="{D4ABF3E3-EBFF-45BD-AF4D-C526F9EC8AA9}" type="datetimeFigureOut">
               <a:rPr lang="ko-KR" altLang="en-US" smtClean="0"/>
-              <a:t>2021-12-01</a:t>
+              <a:t>2021. 12. 2.</a:t>
             </a:fld>
             <a:endParaRPr lang="ko-KR" altLang="en-US"/>
           </a:p>
@@ -2081,7 +2081,7 @@
           <a:p>
             <a:fld id="{D4ABF3E3-EBFF-45BD-AF4D-C526F9EC8AA9}" type="datetimeFigureOut">
               <a:rPr lang="ko-KR" altLang="en-US" smtClean="0"/>
-              <a:t>2021-12-01</a:t>
+              <a:t>2021. 12. 2.</a:t>
             </a:fld>
             <a:endParaRPr lang="ko-KR" altLang="en-US"/>
           </a:p>
@@ -2392,7 +2392,7 @@
           <a:p>
             <a:fld id="{D4ABF3E3-EBFF-45BD-AF4D-C526F9EC8AA9}" type="datetimeFigureOut">
               <a:rPr lang="ko-KR" altLang="en-US" smtClean="0"/>
-              <a:t>2021-12-01</a:t>
+              <a:t>2021. 12. 2.</a:t>
             </a:fld>
             <a:endParaRPr lang="ko-KR" altLang="en-US"/>
           </a:p>
@@ -2680,7 +2680,7 @@
           <a:p>
             <a:fld id="{D4ABF3E3-EBFF-45BD-AF4D-C526F9EC8AA9}" type="datetimeFigureOut">
               <a:rPr lang="ko-KR" altLang="en-US" smtClean="0"/>
-              <a:t>2021-12-01</a:t>
+              <a:t>2021. 12. 2.</a:t>
             </a:fld>
             <a:endParaRPr lang="ko-KR" altLang="en-US"/>
           </a:p>
@@ -2921,7 +2921,7 @@
           <a:p>
             <a:fld id="{D4ABF3E3-EBFF-45BD-AF4D-C526F9EC8AA9}" type="datetimeFigureOut">
               <a:rPr lang="ko-KR" altLang="en-US" smtClean="0"/>
-              <a:t>2021-12-01</a:t>
+              <a:t>2021. 12. 2.</a:t>
             </a:fld>
             <a:endParaRPr lang="ko-KR" altLang="en-US"/>
           </a:p>
@@ -4839,6 +4839,153 @@
           </a:p>
         </p:txBody>
       </p:sp>
+      <p:sp>
+        <p:nvSpPr>
+          <p:cNvPr id="6" name="모서리가 둥근 직사각형 5">
+            <a:extLst>
+              <a:ext uri="{FF2B5EF4-FFF2-40B4-BE49-F238E27FC236}">
+                <a16:creationId xmlns:a16="http://schemas.microsoft.com/office/drawing/2014/main" id="{FA5470B2-FA8D-0645-9CD4-6B8BA7CEFDD2}"/>
+              </a:ext>
+            </a:extLst>
+          </p:cNvPr>
+          <p:cNvSpPr/>
+          <p:nvPr/>
+        </p:nvSpPr>
+        <p:spPr>
+          <a:xfrm>
+            <a:off x="7864906" y="3805646"/>
+            <a:ext cx="733526" cy="307777"/>
+          </a:xfrm>
+          <a:prstGeom prst="roundRect">
+            <a:avLst/>
+          </a:prstGeom>
+        </p:spPr>
+        <p:style>
+          <a:lnRef idx="2">
+            <a:schemeClr val="accent6">
+              <a:shade val="50000"/>
+            </a:schemeClr>
+          </a:lnRef>
+          <a:fillRef idx="1">
+            <a:schemeClr val="accent6"/>
+          </a:fillRef>
+          <a:effectRef idx="0">
+            <a:schemeClr val="accent6"/>
+          </a:effectRef>
+          <a:fontRef idx="minor">
+            <a:schemeClr val="lt1"/>
+          </a:fontRef>
+        </p:style>
+        <p:txBody>
+          <a:bodyPr rtlCol="0" anchor="ctr"/>
+          <a:lstStyle/>
+          <a:p>
+            <a:pPr algn="ctr"/>
+            <a:r>
+              <a:rPr kumimoji="1" lang="ko-Kore-KR" altLang="en-US" sz="1000" dirty="0"/>
+              <a:t>리뷰쓰기</a:t>
+            </a:r>
+          </a:p>
+        </p:txBody>
+      </p:sp>
+      <p:sp>
+        <p:nvSpPr>
+          <p:cNvPr id="26" name="모서리가 둥근 직사각형 25">
+            <a:extLst>
+              <a:ext uri="{FF2B5EF4-FFF2-40B4-BE49-F238E27FC236}">
+                <a16:creationId xmlns:a16="http://schemas.microsoft.com/office/drawing/2014/main" id="{4B4A6E6A-E4E0-3844-AE22-01E582B7DA34}"/>
+              </a:ext>
+            </a:extLst>
+          </p:cNvPr>
+          <p:cNvSpPr/>
+          <p:nvPr/>
+        </p:nvSpPr>
+        <p:spPr>
+          <a:xfrm>
+            <a:off x="7873973" y="4196112"/>
+            <a:ext cx="733526" cy="307777"/>
+          </a:xfrm>
+          <a:prstGeom prst="roundRect">
+            <a:avLst/>
+          </a:prstGeom>
+        </p:spPr>
+        <p:style>
+          <a:lnRef idx="2">
+            <a:schemeClr val="accent6">
+              <a:shade val="50000"/>
+            </a:schemeClr>
+          </a:lnRef>
+          <a:fillRef idx="1">
+            <a:schemeClr val="accent6"/>
+          </a:fillRef>
+          <a:effectRef idx="0">
+            <a:schemeClr val="accent6"/>
+          </a:effectRef>
+          <a:fontRef idx="minor">
+            <a:schemeClr val="lt1"/>
+          </a:fontRef>
+        </p:style>
+        <p:txBody>
+          <a:bodyPr rtlCol="0" anchor="ctr"/>
+          <a:lstStyle/>
+          <a:p>
+            <a:pPr algn="ctr"/>
+            <a:r>
+              <a:rPr kumimoji="1" lang="ko-Kore-KR" altLang="en-US" sz="1000" dirty="0"/>
+              <a:t>리뷰쓰기</a:t>
+            </a:r>
+          </a:p>
+        </p:txBody>
+      </p:sp>
+      <p:sp>
+        <p:nvSpPr>
+          <p:cNvPr id="31" name="모서리가 둥근 직사각형 30">
+            <a:extLst>
+              <a:ext uri="{FF2B5EF4-FFF2-40B4-BE49-F238E27FC236}">
+                <a16:creationId xmlns:a16="http://schemas.microsoft.com/office/drawing/2014/main" id="{C799A736-287D-1E45-A892-A0C94D7DE7D2}"/>
+              </a:ext>
+            </a:extLst>
+          </p:cNvPr>
+          <p:cNvSpPr/>
+          <p:nvPr/>
+        </p:nvSpPr>
+        <p:spPr>
+          <a:xfrm>
+            <a:off x="7873973" y="4669621"/>
+            <a:ext cx="733526" cy="307777"/>
+          </a:xfrm>
+          <a:prstGeom prst="roundRect">
+            <a:avLst/>
+          </a:prstGeom>
+        </p:spPr>
+        <p:style>
+          <a:lnRef idx="2">
+            <a:schemeClr val="accent6">
+              <a:shade val="50000"/>
+            </a:schemeClr>
+          </a:lnRef>
+          <a:fillRef idx="1">
+            <a:schemeClr val="accent6"/>
+          </a:fillRef>
+          <a:effectRef idx="0">
+            <a:schemeClr val="accent6"/>
+          </a:effectRef>
+          <a:fontRef idx="minor">
+            <a:schemeClr val="lt1"/>
+          </a:fontRef>
+        </p:style>
+        <p:txBody>
+          <a:bodyPr rtlCol="0" anchor="ctr"/>
+          <a:lstStyle/>
+          <a:p>
+            <a:pPr algn="ctr"/>
+            <a:r>
+              <a:rPr kumimoji="1" lang="ko-Kore-KR" altLang="en-US" sz="1000" dirty="0"/>
+              <a:t>리뷰쓰기</a:t>
+            </a:r>
+          </a:p>
+        </p:txBody>
+      </p:sp>
     </p:spTree>
     <p:extLst>
       <p:ext uri="{BB962C8B-B14F-4D97-AF65-F5344CB8AC3E}">
@@ -5732,7 +5879,7 @@
                   <a:srgbClr val="1A1A1A"/>
                 </a:solidFill>
                 <a:effectLst/>
-                <a:latin typeface="Nanum Gothic"/>
+                <a:latin typeface="NanumGothic"/>
               </a:rPr>
               <a:t>책 전체를 구매하시면 할인된 가격에 소단원 전체를 구매하실 수 있습니다</a:t>
             </a:r>
@@ -5742,7 +5889,7 @@
                   <a:srgbClr val="1A1A1A"/>
                 </a:solidFill>
                 <a:effectLst/>
-                <a:latin typeface="Nanum Gothic"/>
+                <a:latin typeface="NanumGothic"/>
               </a:rPr>
               <a:t>.</a:t>
             </a:r>
@@ -5752,7 +5899,7 @@
                   <a:srgbClr val="1A1A1A"/>
                 </a:solidFill>
                 <a:effectLst/>
-                <a:latin typeface="Nanum Gothic"/>
+                <a:latin typeface="NanumGothic"/>
               </a:rPr>
             </a:br>
             <a:r>
@@ -5761,7 +5908,7 @@
                   <a:srgbClr val="1A1A1A"/>
                 </a:solidFill>
                 <a:effectLst/>
-                <a:latin typeface="Nanum Gothic"/>
+                <a:latin typeface="NanumGothic"/>
               </a:rPr>
               <a:t>* </a:t>
             </a:r>
@@ -5771,7 +5918,7 @@
                   <a:srgbClr val="1A1A1A"/>
                 </a:solidFill>
                 <a:effectLst/>
-                <a:latin typeface="Nanum Gothic"/>
+                <a:latin typeface="NanumGothic"/>
               </a:rPr>
               <a:t>고등수학상 제품은 고등수학상 </a:t>
             </a:r>
@@ -5781,7 +5928,7 @@
                   <a:srgbClr val="1A1A1A"/>
                 </a:solidFill>
                 <a:effectLst/>
-                <a:latin typeface="Nanum Gothic"/>
+                <a:latin typeface="NanumGothic"/>
               </a:rPr>
               <a:t>1</a:t>
             </a:r>
@@ -5791,7 +5938,7 @@
                   <a:srgbClr val="1A1A1A"/>
                 </a:solidFill>
                 <a:effectLst/>
-                <a:latin typeface="Nanum Gothic"/>
+                <a:latin typeface="NanumGothic"/>
               </a:rPr>
               <a:t>단원부터 </a:t>
             </a:r>
@@ -5801,7 +5948,7 @@
                   <a:srgbClr val="1A1A1A"/>
                 </a:solidFill>
                 <a:effectLst/>
-                <a:latin typeface="Nanum Gothic"/>
+                <a:latin typeface="NanumGothic"/>
               </a:rPr>
               <a:t>12</a:t>
             </a:r>
@@ -5811,7 +5958,7 @@
                   <a:srgbClr val="1A1A1A"/>
                 </a:solidFill>
                 <a:effectLst/>
-                <a:latin typeface="Nanum Gothic"/>
+                <a:latin typeface="NanumGothic"/>
               </a:rPr>
               <a:t>단원의 내용이 모두 포함되어 있습니다</a:t>
             </a:r>
@@ -5821,7 +5968,7 @@
                   <a:srgbClr val="1A1A1A"/>
                 </a:solidFill>
                 <a:effectLst/>
-                <a:latin typeface="Nanum Gothic"/>
+                <a:latin typeface="NanumGothic"/>
               </a:rPr>
               <a:t>.</a:t>
             </a:r>
@@ -5831,7 +5978,7 @@
                   <a:srgbClr val="1A1A1A"/>
                 </a:solidFill>
                 <a:effectLst/>
-                <a:latin typeface="Nanum Gothic"/>
+                <a:latin typeface="NanumGothic"/>
               </a:rPr>
             </a:br>
             <a:r>
@@ -5840,7 +5987,7 @@
                   <a:srgbClr val="1A1A1A"/>
                 </a:solidFill>
                 <a:effectLst/>
-                <a:latin typeface="Nanum Gothic"/>
+                <a:latin typeface="NanumGothic"/>
               </a:rPr>
               <a:t>* </a:t>
             </a:r>
@@ -5850,7 +5997,7 @@
                   <a:srgbClr val="1A1A1A"/>
                 </a:solidFill>
                 <a:effectLst/>
-                <a:latin typeface="Nanum Gothic"/>
+                <a:latin typeface="NanumGothic"/>
               </a:rPr>
               <a:t>책 전체와 소단원을 </a:t>
             </a:r>
@@ -5860,7 +6007,7 @@
                   <a:srgbClr val="1A1A1A"/>
                 </a:solidFill>
                 <a:effectLst/>
-                <a:latin typeface="Nanum Gothic"/>
+                <a:latin typeface="NanumGothic"/>
               </a:rPr>
               <a:t>중복구매하지</a:t>
             </a:r>
@@ -5870,7 +6017,7 @@
                   <a:srgbClr val="1A1A1A"/>
                 </a:solidFill>
                 <a:effectLst/>
-                <a:latin typeface="Nanum Gothic"/>
+                <a:latin typeface="NanumGothic"/>
               </a:rPr>
               <a:t> 않도록 주의해 주세요</a:t>
             </a:r>
@@ -5880,7 +6027,7 @@
                   <a:srgbClr val="1A1A1A"/>
                 </a:solidFill>
                 <a:effectLst/>
-                <a:latin typeface="Nanum Gothic"/>
+                <a:latin typeface="NanumGothic"/>
               </a:rPr>
               <a:t>!</a:t>
             </a:r>
@@ -5893,7 +6040,7 @@
                   <a:srgbClr val="1A1A1A"/>
                 </a:solidFill>
                 <a:effectLst/>
-                <a:latin typeface="Nanum Gothic"/>
+                <a:latin typeface="NanumGothic"/>
               </a:rPr>
               <a:t>* </a:t>
             </a:r>
@@ -5903,7 +6050,7 @@
                   <a:srgbClr val="1A1A1A"/>
                 </a:solidFill>
                 <a:effectLst/>
-                <a:latin typeface="Nanum Gothic"/>
+                <a:latin typeface="NanumGothic"/>
               </a:rPr>
               <a:t>디지털 다운로드 상품의 특성상 환불 및 교환이 되지 않습니다</a:t>
             </a:r>
@@ -5913,7 +6060,7 @@
                   <a:srgbClr val="1A1A1A"/>
                 </a:solidFill>
                 <a:effectLst/>
-                <a:latin typeface="Nanum Gothic"/>
+                <a:latin typeface="NanumGothic"/>
               </a:rPr>
               <a:t>. </a:t>
             </a:r>
@@ -5923,7 +6070,7 @@
                   <a:srgbClr val="1A1A1A"/>
                 </a:solidFill>
                 <a:effectLst/>
-                <a:latin typeface="Nanum Gothic"/>
+                <a:latin typeface="NanumGothic"/>
               </a:rPr>
               <a:t>구매시</a:t>
             </a:r>
@@ -5933,7 +6080,7 @@
                   <a:srgbClr val="1A1A1A"/>
                 </a:solidFill>
                 <a:effectLst/>
-                <a:latin typeface="Nanum Gothic"/>
+                <a:latin typeface="NanumGothic"/>
               </a:rPr>
               <a:t> 주의하여 주세요</a:t>
             </a:r>
@@ -5943,7 +6090,7 @@
                   <a:srgbClr val="1A1A1A"/>
                 </a:solidFill>
                 <a:effectLst/>
-                <a:latin typeface="Nanum Gothic"/>
+                <a:latin typeface="NanumGothic"/>
               </a:rPr>
               <a:t>!</a:t>
             </a:r>
@@ -5991,7 +6138,7 @@
                 </a:solidFill>
                 <a:effectLst/>
                 <a:latin typeface="Arial" panose="020B0604020202020204" pitchFamily="34" charset="0"/>
-                <a:ea typeface="Nanum Gothic"/>
+                <a:ea typeface="NanumGothic"/>
               </a:rPr>
               <a:t>₩11,000</a:t>
             </a:r>
@@ -6003,7 +6150,7 @@
                 </a:schemeClr>
               </a:solidFill>
               <a:latin typeface="Arial" panose="020B0604020202020204" pitchFamily="34" charset="0"/>
-              <a:ea typeface="Nanum Gothic"/>
+              <a:ea typeface="NanumGothic"/>
             </a:endParaRPr>
           </a:p>
           <a:p>
@@ -6017,7 +6164,7 @@
                 </a:solidFill>
                 <a:effectLst/>
                 <a:latin typeface="Arial" panose="020B0604020202020204" pitchFamily="34" charset="0"/>
-                <a:ea typeface="Nanum Gothic"/>
+                <a:ea typeface="NanumGothic"/>
               </a:rPr>
               <a:t>₩9,000 </a:t>
             </a:r>
@@ -6031,7 +6178,7 @@
                 </a:solidFill>
                 <a:effectLst/>
                 <a:latin typeface="Arial" panose="020B0604020202020204" pitchFamily="34" charset="0"/>
-                <a:ea typeface="Nanum Gothic"/>
+                <a:ea typeface="NanumGothic"/>
               </a:rPr>
               <a:t>(</a:t>
             </a:r>
@@ -6045,7 +6192,7 @@
                 </a:solidFill>
                 <a:effectLst/>
                 <a:latin typeface="Arial" panose="020B0604020202020204" pitchFamily="34" charset="0"/>
-                <a:ea typeface="Nanum Gothic"/>
+                <a:ea typeface="NanumGothic"/>
               </a:rPr>
               <a:t>tax</a:t>
             </a:r>
@@ -6059,7 +6206,7 @@
                 </a:solidFill>
                 <a:effectLst/>
                 <a:latin typeface="Arial" panose="020B0604020202020204" pitchFamily="34" charset="0"/>
-                <a:ea typeface="Nanum Gothic"/>
+                <a:ea typeface="NanumGothic"/>
               </a:rPr>
               <a:t> </a:t>
             </a:r>
@@ -6073,7 +6220,7 @@
                 </a:solidFill>
                 <a:effectLst/>
                 <a:latin typeface="Arial" panose="020B0604020202020204" pitchFamily="34" charset="0"/>
-                <a:ea typeface="Nanum Gothic"/>
+                <a:ea typeface="NanumGothic"/>
               </a:rPr>
               <a:t>included</a:t>
             </a:r>
@@ -6087,7 +6234,7 @@
                 </a:solidFill>
                 <a:effectLst/>
                 <a:latin typeface="Arial" panose="020B0604020202020204" pitchFamily="34" charset="0"/>
-                <a:ea typeface="Nanum Gothic"/>
+                <a:ea typeface="NanumGothic"/>
               </a:rPr>
               <a:t>)</a:t>
             </a:r>
@@ -6300,7 +6447,7 @@
                 </a:solidFill>
                 <a:effectLst/>
                 <a:latin typeface="Arial" panose="020B0604020202020204" pitchFamily="34" charset="0"/>
-                <a:ea typeface="Nanum Gothic"/>
+                <a:ea typeface="NanumGothic"/>
               </a:rPr>
               <a:t>₩11,000</a:t>
             </a:r>
@@ -6312,7 +6459,7 @@
                 </a:schemeClr>
               </a:solidFill>
               <a:latin typeface="Arial" panose="020B0604020202020204" pitchFamily="34" charset="0"/>
-              <a:ea typeface="Nanum Gothic"/>
+              <a:ea typeface="NanumGothic"/>
             </a:endParaRPr>
           </a:p>
           <a:p>
@@ -6326,7 +6473,7 @@
                 </a:solidFill>
                 <a:effectLst/>
                 <a:latin typeface="Arial" panose="020B0604020202020204" pitchFamily="34" charset="0"/>
-                <a:ea typeface="Nanum Gothic"/>
+                <a:ea typeface="NanumGothic"/>
               </a:rPr>
               <a:t>₩9,000 </a:t>
             </a:r>
@@ -6340,7 +6487,7 @@
                 </a:solidFill>
                 <a:effectLst/>
                 <a:latin typeface="Arial" panose="020B0604020202020204" pitchFamily="34" charset="0"/>
-                <a:ea typeface="Nanum Gothic"/>
+                <a:ea typeface="NanumGothic"/>
               </a:rPr>
               <a:t>(</a:t>
             </a:r>
@@ -6354,7 +6501,7 @@
                 </a:solidFill>
                 <a:effectLst/>
                 <a:latin typeface="Arial" panose="020B0604020202020204" pitchFamily="34" charset="0"/>
-                <a:ea typeface="Nanum Gothic"/>
+                <a:ea typeface="NanumGothic"/>
               </a:rPr>
               <a:t>tax</a:t>
             </a:r>
@@ -6368,7 +6515,7 @@
                 </a:solidFill>
                 <a:effectLst/>
                 <a:latin typeface="Arial" panose="020B0604020202020204" pitchFamily="34" charset="0"/>
-                <a:ea typeface="Nanum Gothic"/>
+                <a:ea typeface="NanumGothic"/>
               </a:rPr>
               <a:t> </a:t>
             </a:r>
@@ -6382,7 +6529,7 @@
                 </a:solidFill>
                 <a:effectLst/>
                 <a:latin typeface="Arial" panose="020B0604020202020204" pitchFamily="34" charset="0"/>
-                <a:ea typeface="Nanum Gothic"/>
+                <a:ea typeface="NanumGothic"/>
               </a:rPr>
               <a:t>included</a:t>
             </a:r>
@@ -6396,7 +6543,7 @@
                 </a:solidFill>
                 <a:effectLst/>
                 <a:latin typeface="Arial" panose="020B0604020202020204" pitchFamily="34" charset="0"/>
-                <a:ea typeface="Nanum Gothic"/>
+                <a:ea typeface="NanumGothic"/>
               </a:rPr>
               <a:t>)</a:t>
             </a:r>
@@ -6606,7 +6753,7 @@
                 </a:solidFill>
                 <a:effectLst/>
                 <a:latin typeface="Arial" panose="020B0604020202020204" pitchFamily="34" charset="0"/>
-                <a:ea typeface="Nanum Gothic"/>
+                <a:ea typeface="NanumGothic"/>
               </a:rPr>
               <a:t>₩</a:t>
             </a:r>
@@ -6620,7 +6767,7 @@
                 </a:solidFill>
                 <a:effectLst/>
                 <a:latin typeface="Arial" panose="020B0604020202020204" pitchFamily="34" charset="0"/>
-                <a:ea typeface="Nanum Gothic"/>
+                <a:ea typeface="NanumGothic"/>
               </a:rPr>
               <a:t>1,000</a:t>
             </a:r>
@@ -6634,7 +6781,7 @@
                 </a:solidFill>
                 <a:effectLst/>
                 <a:latin typeface="Arial" panose="020B0604020202020204" pitchFamily="34" charset="0"/>
-                <a:ea typeface="Nanum Gothic"/>
+                <a:ea typeface="NanumGothic"/>
               </a:rPr>
               <a:t> </a:t>
             </a:r>
@@ -6648,7 +6795,7 @@
                 </a:solidFill>
                 <a:effectLst/>
                 <a:latin typeface="Arial" panose="020B0604020202020204" pitchFamily="34" charset="0"/>
-                <a:ea typeface="Nanum Gothic"/>
+                <a:ea typeface="NanumGothic"/>
               </a:rPr>
               <a:t>(</a:t>
             </a:r>
@@ -6662,7 +6809,7 @@
                 </a:solidFill>
                 <a:effectLst/>
                 <a:latin typeface="Arial" panose="020B0604020202020204" pitchFamily="34" charset="0"/>
-                <a:ea typeface="Nanum Gothic"/>
+                <a:ea typeface="NanumGothic"/>
               </a:rPr>
               <a:t>tax</a:t>
             </a:r>
@@ -6676,7 +6823,7 @@
                 </a:solidFill>
                 <a:effectLst/>
                 <a:latin typeface="Arial" panose="020B0604020202020204" pitchFamily="34" charset="0"/>
-                <a:ea typeface="Nanum Gothic"/>
+                <a:ea typeface="NanumGothic"/>
               </a:rPr>
               <a:t> </a:t>
             </a:r>
@@ -6690,7 +6837,7 @@
                 </a:solidFill>
                 <a:effectLst/>
                 <a:latin typeface="Arial" panose="020B0604020202020204" pitchFamily="34" charset="0"/>
-                <a:ea typeface="Nanum Gothic"/>
+                <a:ea typeface="NanumGothic"/>
               </a:rPr>
               <a:t>included</a:t>
             </a:r>
@@ -6704,7 +6851,7 @@
                 </a:solidFill>
                 <a:effectLst/>
                 <a:latin typeface="Arial" panose="020B0604020202020204" pitchFamily="34" charset="0"/>
-                <a:ea typeface="Nanum Gothic"/>
+                <a:ea typeface="NanumGothic"/>
               </a:rPr>
               <a:t>)</a:t>
             </a:r>
@@ -6857,7 +7004,7 @@
                 </a:solidFill>
                 <a:effectLst/>
                 <a:latin typeface="Arial" panose="020B0604020202020204" pitchFamily="34" charset="0"/>
-                <a:ea typeface="Nanum Gothic"/>
+                <a:ea typeface="NanumGothic"/>
               </a:rPr>
               <a:t>₩</a:t>
             </a:r>
@@ -6871,7 +7018,7 @@
                 </a:solidFill>
                 <a:effectLst/>
                 <a:latin typeface="Arial" panose="020B0604020202020204" pitchFamily="34" charset="0"/>
-                <a:ea typeface="Nanum Gothic"/>
+                <a:ea typeface="NanumGothic"/>
               </a:rPr>
               <a:t>1,000</a:t>
             </a:r>
@@ -6885,7 +7032,7 @@
                 </a:solidFill>
                 <a:effectLst/>
                 <a:latin typeface="Arial" panose="020B0604020202020204" pitchFamily="34" charset="0"/>
-                <a:ea typeface="Nanum Gothic"/>
+                <a:ea typeface="NanumGothic"/>
               </a:rPr>
               <a:t> </a:t>
             </a:r>
@@ -6899,7 +7046,7 @@
                 </a:solidFill>
                 <a:effectLst/>
                 <a:latin typeface="Arial" panose="020B0604020202020204" pitchFamily="34" charset="0"/>
-                <a:ea typeface="Nanum Gothic"/>
+                <a:ea typeface="NanumGothic"/>
               </a:rPr>
               <a:t>(</a:t>
             </a:r>
@@ -6913,7 +7060,7 @@
                 </a:solidFill>
                 <a:effectLst/>
                 <a:latin typeface="Arial" panose="020B0604020202020204" pitchFamily="34" charset="0"/>
-                <a:ea typeface="Nanum Gothic"/>
+                <a:ea typeface="NanumGothic"/>
               </a:rPr>
               <a:t>tax</a:t>
             </a:r>
@@ -6927,7 +7074,7 @@
                 </a:solidFill>
                 <a:effectLst/>
                 <a:latin typeface="Arial" panose="020B0604020202020204" pitchFamily="34" charset="0"/>
-                <a:ea typeface="Nanum Gothic"/>
+                <a:ea typeface="NanumGothic"/>
               </a:rPr>
               <a:t> </a:t>
             </a:r>
@@ -6941,7 +7088,7 @@
                 </a:solidFill>
                 <a:effectLst/>
                 <a:latin typeface="Arial" panose="020B0604020202020204" pitchFamily="34" charset="0"/>
-                <a:ea typeface="Nanum Gothic"/>
+                <a:ea typeface="NanumGothic"/>
               </a:rPr>
               <a:t>included</a:t>
             </a:r>
@@ -6955,7 +7102,7 @@
                 </a:solidFill>
                 <a:effectLst/>
                 <a:latin typeface="Arial" panose="020B0604020202020204" pitchFamily="34" charset="0"/>
-                <a:ea typeface="Nanum Gothic"/>
+                <a:ea typeface="NanumGothic"/>
               </a:rPr>
               <a:t>)</a:t>
             </a:r>
@@ -7553,7 +7700,7 @@
                 </a:solidFill>
                 <a:effectLst/>
                 <a:latin typeface="Arial" panose="020B0604020202020204" pitchFamily="34" charset="0"/>
-                <a:ea typeface="Nanum Gothic"/>
+                <a:ea typeface="NanumGothic"/>
               </a:rPr>
               <a:t>₩11,000</a:t>
             </a:r>
@@ -7566,7 +7713,7 @@
                   </a:schemeClr>
                 </a:solidFill>
                 <a:latin typeface="Arial" panose="020B0604020202020204" pitchFamily="34" charset="0"/>
-                <a:ea typeface="Nanum Gothic"/>
+                <a:ea typeface="NanumGothic"/>
               </a:rPr>
               <a:t>  </a:t>
             </a:r>
@@ -7580,7 +7727,7 @@
                 </a:solidFill>
                 <a:effectLst/>
                 <a:latin typeface="Arial" panose="020B0604020202020204" pitchFamily="34" charset="0"/>
-                <a:ea typeface="Nanum Gothic"/>
+                <a:ea typeface="NanumGothic"/>
               </a:rPr>
               <a:t>₩9,000 (</a:t>
             </a:r>
@@ -7594,7 +7741,7 @@
                 </a:solidFill>
                 <a:effectLst/>
                 <a:latin typeface="Arial" panose="020B0604020202020204" pitchFamily="34" charset="0"/>
-                <a:ea typeface="Nanum Gothic"/>
+                <a:ea typeface="NanumGothic"/>
               </a:rPr>
               <a:t>tax</a:t>
             </a:r>
@@ -7608,7 +7755,7 @@
                 </a:solidFill>
                 <a:effectLst/>
                 <a:latin typeface="Arial" panose="020B0604020202020204" pitchFamily="34" charset="0"/>
-                <a:ea typeface="Nanum Gothic"/>
+                <a:ea typeface="NanumGothic"/>
               </a:rPr>
               <a:t> </a:t>
             </a:r>
@@ -7622,7 +7769,7 @@
                 </a:solidFill>
                 <a:effectLst/>
                 <a:latin typeface="Arial" panose="020B0604020202020204" pitchFamily="34" charset="0"/>
-                <a:ea typeface="Nanum Gothic"/>
+                <a:ea typeface="NanumGothic"/>
               </a:rPr>
               <a:t>included</a:t>
             </a:r>
@@ -7636,7 +7783,7 @@
                 </a:solidFill>
                 <a:effectLst/>
                 <a:latin typeface="Arial" panose="020B0604020202020204" pitchFamily="34" charset="0"/>
-                <a:ea typeface="Nanum Gothic"/>
+                <a:ea typeface="NanumGothic"/>
               </a:rPr>
               <a:t>)</a:t>
             </a:r>
@@ -7944,7 +8091,7 @@
                   <a:srgbClr val="1A1A1A"/>
                 </a:solidFill>
                 <a:effectLst/>
-                <a:latin typeface="Nanum Gothic"/>
+                <a:latin typeface="NanumGothic"/>
               </a:rPr>
               <a:t>구매 후 </a:t>
             </a:r>
@@ -7954,7 +8101,7 @@
                   <a:srgbClr val="1A1A1A"/>
                 </a:solidFill>
                 <a:effectLst/>
-                <a:latin typeface="Nanum Gothic"/>
+                <a:latin typeface="NanumGothic"/>
               </a:rPr>
               <a:t>7</a:t>
             </a:r>
@@ -7964,7 +8111,7 @@
                   <a:srgbClr val="1A1A1A"/>
                 </a:solidFill>
                 <a:effectLst/>
-                <a:latin typeface="Nanum Gothic"/>
+                <a:latin typeface="NanumGothic"/>
               </a:rPr>
               <a:t>일간만 다운로드가 가능한 </a:t>
             </a:r>
@@ -7974,7 +8121,7 @@
                   <a:srgbClr val="1A1A1A"/>
                 </a:solidFill>
                 <a:effectLst/>
-                <a:latin typeface="Nanum Gothic"/>
+                <a:latin typeface="NanumGothic"/>
               </a:rPr>
               <a:t>pdf </a:t>
             </a:r>
@@ -7984,7 +8131,7 @@
                   <a:srgbClr val="1A1A1A"/>
                 </a:solidFill>
                 <a:effectLst/>
-                <a:latin typeface="Nanum Gothic"/>
+                <a:latin typeface="NanumGothic"/>
               </a:rPr>
               <a:t>파일입니다</a:t>
             </a:r>
@@ -7994,7 +8141,7 @@
                   <a:srgbClr val="1A1A1A"/>
                 </a:solidFill>
                 <a:effectLst/>
-                <a:latin typeface="Nanum Gothic"/>
+                <a:latin typeface="NanumGothic"/>
               </a:rPr>
               <a:t>.</a:t>
             </a:r>
@@ -8004,7 +8151,7 @@
                   <a:srgbClr val="1A1A1A"/>
                 </a:solidFill>
                 <a:effectLst/>
-                <a:latin typeface="Nanum Gothic"/>
+                <a:latin typeface="NanumGothic"/>
               </a:rPr>
             </a:br>
             <a:r>
@@ -8013,7 +8160,7 @@
                   <a:srgbClr val="1A1A1A"/>
                 </a:solidFill>
                 <a:effectLst/>
-                <a:latin typeface="Nanum Gothic"/>
+                <a:latin typeface="NanumGothic"/>
               </a:rPr>
               <a:t>교환 및 환불이 불가한 상품입니다</a:t>
             </a:r>
@@ -8023,7 +8170,7 @@
                   <a:srgbClr val="1A1A1A"/>
                 </a:solidFill>
                 <a:effectLst/>
-                <a:latin typeface="Nanum Gothic"/>
+                <a:latin typeface="NanumGothic"/>
               </a:rPr>
               <a:t>. </a:t>
             </a:r>
@@ -8033,7 +8180,7 @@
                   <a:srgbClr val="1A1A1A"/>
                 </a:solidFill>
                 <a:effectLst/>
-                <a:latin typeface="Nanum Gothic"/>
+                <a:latin typeface="NanumGothic"/>
               </a:rPr>
               <a:t>확인후 결제하여 주시기 바랍니다</a:t>
             </a:r>
@@ -8043,7 +8190,7 @@
                   <a:srgbClr val="1A1A1A"/>
                 </a:solidFill>
                 <a:effectLst/>
-                <a:latin typeface="Nanum Gothic"/>
+                <a:latin typeface="NanumGothic"/>
               </a:rPr>
               <a:t>.</a:t>
             </a:r>
@@ -8055,7 +8202,7 @@
                 <a:srgbClr val="1A1A1A"/>
               </a:solidFill>
               <a:effectLst/>
-              <a:latin typeface="Nanum Gothic"/>
+              <a:latin typeface="NanumGothic"/>
             </a:endParaRPr>
           </a:p>
           <a:p>
@@ -8066,7 +8213,7 @@
                   <a:srgbClr val="1A1A1A"/>
                 </a:solidFill>
                 <a:effectLst/>
-                <a:latin typeface="Nanum Gothic"/>
+                <a:latin typeface="NanumGothic"/>
               </a:rPr>
               <a:t>개인 맞춤형 학원의 노하우가 들어있는 ‘강의가 들어있는 개념서’ </a:t>
             </a:r>
@@ -8076,7 +8223,7 @@
                   <a:srgbClr val="1A1A1A"/>
                 </a:solidFill>
                 <a:effectLst/>
-                <a:latin typeface="Nanum Gothic"/>
+                <a:latin typeface="NanumGothic"/>
               </a:rPr>
               <a:t>pdf</a:t>
             </a:r>
@@ -8086,7 +8233,7 @@
                   <a:srgbClr val="1A1A1A"/>
                 </a:solidFill>
                 <a:effectLst/>
-                <a:latin typeface="Nanum Gothic"/>
+                <a:latin typeface="NanumGothic"/>
               </a:rPr>
             </a:br>
             <a:r>
@@ -8095,7 +8242,7 @@
                   <a:srgbClr val="1A1A1A"/>
                 </a:solidFill>
                 <a:effectLst/>
-                <a:latin typeface="Nanum Gothic"/>
+                <a:latin typeface="NanumGothic"/>
               </a:rPr>
               <a:t>온챌개념서</a:t>
             </a:r>
@@ -8105,7 +8252,7 @@
                   <a:srgbClr val="1A1A1A"/>
                 </a:solidFill>
                 <a:effectLst/>
-                <a:latin typeface="Nanum Gothic"/>
+                <a:latin typeface="NanumGothic"/>
               </a:rPr>
               <a:t> 고등수학</a:t>
             </a:r>
@@ -8115,7 +8262,7 @@
                   <a:srgbClr val="1A1A1A"/>
                 </a:solidFill>
                 <a:effectLst/>
-                <a:latin typeface="Nanum Gothic"/>
+                <a:latin typeface="NanumGothic"/>
               </a:rPr>
               <a:t>(</a:t>
             </a:r>
@@ -8125,7 +8272,7 @@
                   <a:srgbClr val="1A1A1A"/>
                 </a:solidFill>
                 <a:effectLst/>
-                <a:latin typeface="Nanum Gothic"/>
+                <a:latin typeface="NanumGothic"/>
               </a:rPr>
               <a:t>상</a:t>
             </a:r>
@@ -8135,7 +8282,7 @@
                   <a:srgbClr val="1A1A1A"/>
                 </a:solidFill>
                 <a:effectLst/>
-                <a:latin typeface="Nanum Gothic"/>
+                <a:latin typeface="NanumGothic"/>
               </a:rPr>
               <a:t>)</a:t>
             </a:r>
@@ -8543,7 +8690,7 @@
                   <a:srgbClr val="1A1A1A"/>
                 </a:solidFill>
                 <a:effectLst/>
-                <a:latin typeface="Nanum Gothic"/>
+                <a:latin typeface="NanumGothic"/>
               </a:rPr>
               <a:t>상품을 구매한 로그인 고객만 상품평을 남길 수 있습니다</a:t>
             </a:r>
@@ -8553,7 +8700,7 @@
                   <a:srgbClr val="1A1A1A"/>
                 </a:solidFill>
                 <a:effectLst/>
-                <a:latin typeface="Nanum Gothic"/>
+                <a:latin typeface="NanumGothic"/>
               </a:rPr>
               <a:t>.</a:t>
             </a:r>
@@ -9516,7 +9663,7 @@
                 </a:solidFill>
                 <a:effectLst/>
                 <a:latin typeface="Arial" panose="020B0604020202020204" pitchFamily="34" charset="0"/>
-                <a:ea typeface="Nanum Gothic"/>
+                <a:ea typeface="NanumGothic"/>
               </a:rPr>
               <a:t>₩</a:t>
             </a:r>
@@ -9530,7 +9677,7 @@
                 </a:solidFill>
                 <a:effectLst/>
                 <a:latin typeface="Arial" panose="020B0604020202020204" pitchFamily="34" charset="0"/>
-                <a:ea typeface="Nanum Gothic"/>
+                <a:ea typeface="NanumGothic"/>
               </a:rPr>
               <a:t>1,000</a:t>
             </a:r>
@@ -9544,7 +9691,7 @@
                 </a:solidFill>
                 <a:effectLst/>
                 <a:latin typeface="Arial" panose="020B0604020202020204" pitchFamily="34" charset="0"/>
-                <a:ea typeface="Nanum Gothic"/>
+                <a:ea typeface="NanumGothic"/>
               </a:rPr>
               <a:t> (</a:t>
             </a:r>
@@ -9558,7 +9705,7 @@
                 </a:solidFill>
                 <a:effectLst/>
                 <a:latin typeface="Arial" panose="020B0604020202020204" pitchFamily="34" charset="0"/>
-                <a:ea typeface="Nanum Gothic"/>
+                <a:ea typeface="NanumGothic"/>
               </a:rPr>
               <a:t>tax</a:t>
             </a:r>
@@ -9572,7 +9719,7 @@
                 </a:solidFill>
                 <a:effectLst/>
                 <a:latin typeface="Arial" panose="020B0604020202020204" pitchFamily="34" charset="0"/>
-                <a:ea typeface="Nanum Gothic"/>
+                <a:ea typeface="NanumGothic"/>
               </a:rPr>
               <a:t> </a:t>
             </a:r>
@@ -9586,7 +9733,7 @@
                 </a:solidFill>
                 <a:effectLst/>
                 <a:latin typeface="Arial" panose="020B0604020202020204" pitchFamily="34" charset="0"/>
-                <a:ea typeface="Nanum Gothic"/>
+                <a:ea typeface="NanumGothic"/>
               </a:rPr>
               <a:t>included</a:t>
             </a:r>
@@ -9600,7 +9747,7 @@
                 </a:solidFill>
                 <a:effectLst/>
                 <a:latin typeface="Arial" panose="020B0604020202020204" pitchFamily="34" charset="0"/>
-                <a:ea typeface="Nanum Gothic"/>
+                <a:ea typeface="NanumGothic"/>
               </a:rPr>
               <a:t>)</a:t>
             </a:r>
@@ -9783,7 +9930,7 @@
                 </a:solidFill>
                 <a:effectLst/>
                 <a:latin typeface="Arial" panose="020B0604020202020204" pitchFamily="34" charset="0"/>
-                <a:ea typeface="Nanum Gothic"/>
+                <a:ea typeface="NanumGothic"/>
               </a:rPr>
               <a:t>₩</a:t>
             </a:r>
@@ -9797,7 +9944,7 @@
                 </a:solidFill>
                 <a:effectLst/>
                 <a:latin typeface="Arial" panose="020B0604020202020204" pitchFamily="34" charset="0"/>
-                <a:ea typeface="Nanum Gothic"/>
+                <a:ea typeface="NanumGothic"/>
               </a:rPr>
               <a:t>1,000</a:t>
             </a:r>
@@ -9811,7 +9958,7 @@
                 </a:solidFill>
                 <a:effectLst/>
                 <a:latin typeface="Arial" panose="020B0604020202020204" pitchFamily="34" charset="0"/>
-                <a:ea typeface="Nanum Gothic"/>
+                <a:ea typeface="NanumGothic"/>
               </a:rPr>
               <a:t> (</a:t>
             </a:r>
@@ -9825,7 +9972,7 @@
                 </a:solidFill>
                 <a:effectLst/>
                 <a:latin typeface="Arial" panose="020B0604020202020204" pitchFamily="34" charset="0"/>
-                <a:ea typeface="Nanum Gothic"/>
+                <a:ea typeface="NanumGothic"/>
               </a:rPr>
               <a:t>tax</a:t>
             </a:r>
@@ -9839,7 +9986,7 @@
                 </a:solidFill>
                 <a:effectLst/>
                 <a:latin typeface="Arial" panose="020B0604020202020204" pitchFamily="34" charset="0"/>
-                <a:ea typeface="Nanum Gothic"/>
+                <a:ea typeface="NanumGothic"/>
               </a:rPr>
               <a:t> </a:t>
             </a:r>
@@ -9853,7 +10000,7 @@
                 </a:solidFill>
                 <a:effectLst/>
                 <a:latin typeface="Arial" panose="020B0604020202020204" pitchFamily="34" charset="0"/>
-                <a:ea typeface="Nanum Gothic"/>
+                <a:ea typeface="NanumGothic"/>
               </a:rPr>
               <a:t>included</a:t>
             </a:r>
@@ -9867,7 +10014,7 @@
                 </a:solidFill>
                 <a:effectLst/>
                 <a:latin typeface="Arial" panose="020B0604020202020204" pitchFamily="34" charset="0"/>
-                <a:ea typeface="Nanum Gothic"/>
+                <a:ea typeface="NanumGothic"/>
               </a:rPr>
               <a:t>)</a:t>
             </a:r>
@@ -10050,7 +10197,7 @@
                 </a:solidFill>
                 <a:effectLst/>
                 <a:latin typeface="Arial" panose="020B0604020202020204" pitchFamily="34" charset="0"/>
-                <a:ea typeface="Nanum Gothic"/>
+                <a:ea typeface="NanumGothic"/>
               </a:rPr>
               <a:t>₩</a:t>
             </a:r>
@@ -10064,7 +10211,7 @@
                 </a:solidFill>
                 <a:effectLst/>
                 <a:latin typeface="Arial" panose="020B0604020202020204" pitchFamily="34" charset="0"/>
-                <a:ea typeface="Nanum Gothic"/>
+                <a:ea typeface="NanumGothic"/>
               </a:rPr>
               <a:t>1,000</a:t>
             </a:r>
@@ -10078,7 +10225,7 @@
                 </a:solidFill>
                 <a:effectLst/>
                 <a:latin typeface="Arial" panose="020B0604020202020204" pitchFamily="34" charset="0"/>
-                <a:ea typeface="Nanum Gothic"/>
+                <a:ea typeface="NanumGothic"/>
               </a:rPr>
               <a:t> (</a:t>
             </a:r>
@@ -10092,7 +10239,7 @@
                 </a:solidFill>
                 <a:effectLst/>
                 <a:latin typeface="Arial" panose="020B0604020202020204" pitchFamily="34" charset="0"/>
-                <a:ea typeface="Nanum Gothic"/>
+                <a:ea typeface="NanumGothic"/>
               </a:rPr>
               <a:t>tax</a:t>
             </a:r>
@@ -10106,7 +10253,7 @@
                 </a:solidFill>
                 <a:effectLst/>
                 <a:latin typeface="Arial" panose="020B0604020202020204" pitchFamily="34" charset="0"/>
-                <a:ea typeface="Nanum Gothic"/>
+                <a:ea typeface="NanumGothic"/>
               </a:rPr>
               <a:t> </a:t>
             </a:r>
@@ -10120,7 +10267,7 @@
                 </a:solidFill>
                 <a:effectLst/>
                 <a:latin typeface="Arial" panose="020B0604020202020204" pitchFamily="34" charset="0"/>
-                <a:ea typeface="Nanum Gothic"/>
+                <a:ea typeface="NanumGothic"/>
               </a:rPr>
               <a:t>included</a:t>
             </a:r>
@@ -10134,7 +10281,7 @@
                 </a:solidFill>
                 <a:effectLst/>
                 <a:latin typeface="Arial" panose="020B0604020202020204" pitchFamily="34" charset="0"/>
-                <a:ea typeface="Nanum Gothic"/>
+                <a:ea typeface="NanumGothic"/>
               </a:rPr>
               <a:t>)</a:t>
             </a:r>
@@ -10317,7 +10464,7 @@
                 </a:solidFill>
                 <a:effectLst/>
                 <a:latin typeface="Arial" panose="020B0604020202020204" pitchFamily="34" charset="0"/>
-                <a:ea typeface="Nanum Gothic"/>
+                <a:ea typeface="NanumGothic"/>
               </a:rPr>
               <a:t>₩</a:t>
             </a:r>
@@ -10331,7 +10478,7 @@
                 </a:solidFill>
                 <a:effectLst/>
                 <a:latin typeface="Arial" panose="020B0604020202020204" pitchFamily="34" charset="0"/>
-                <a:ea typeface="Nanum Gothic"/>
+                <a:ea typeface="NanumGothic"/>
               </a:rPr>
               <a:t>1,000</a:t>
             </a:r>
@@ -10345,7 +10492,7 @@
                 </a:solidFill>
                 <a:effectLst/>
                 <a:latin typeface="Arial" panose="020B0604020202020204" pitchFamily="34" charset="0"/>
-                <a:ea typeface="Nanum Gothic"/>
+                <a:ea typeface="NanumGothic"/>
               </a:rPr>
               <a:t> (</a:t>
             </a:r>
@@ -10359,7 +10506,7 @@
                 </a:solidFill>
                 <a:effectLst/>
                 <a:latin typeface="Arial" panose="020B0604020202020204" pitchFamily="34" charset="0"/>
-                <a:ea typeface="Nanum Gothic"/>
+                <a:ea typeface="NanumGothic"/>
               </a:rPr>
               <a:t>tax</a:t>
             </a:r>
@@ -10373,7 +10520,7 @@
                 </a:solidFill>
                 <a:effectLst/>
                 <a:latin typeface="Arial" panose="020B0604020202020204" pitchFamily="34" charset="0"/>
-                <a:ea typeface="Nanum Gothic"/>
+                <a:ea typeface="NanumGothic"/>
               </a:rPr>
               <a:t> </a:t>
             </a:r>
@@ -10387,7 +10534,7 @@
                 </a:solidFill>
                 <a:effectLst/>
                 <a:latin typeface="Arial" panose="020B0604020202020204" pitchFamily="34" charset="0"/>
-                <a:ea typeface="Nanum Gothic"/>
+                <a:ea typeface="NanumGothic"/>
               </a:rPr>
               <a:t>included</a:t>
             </a:r>
@@ -10401,7 +10548,7 @@
                 </a:solidFill>
                 <a:effectLst/>
                 <a:latin typeface="Arial" panose="020B0604020202020204" pitchFamily="34" charset="0"/>
-                <a:ea typeface="Nanum Gothic"/>
+                <a:ea typeface="NanumGothic"/>
               </a:rPr>
               <a:t>)</a:t>
             </a:r>
@@ -10722,7 +10869,7 @@
                   <a:srgbClr val="1A1A1A"/>
                 </a:solidFill>
                 <a:effectLst/>
-                <a:latin typeface="Nanum Gothic"/>
+                <a:latin typeface="NanumGothic"/>
               </a:rPr>
               <a:t>결제 전 중복되는 주문이 없는지 확인해 주세요</a:t>
             </a:r>
@@ -10732,7 +10879,7 @@
                   <a:srgbClr val="1A1A1A"/>
                 </a:solidFill>
                 <a:effectLst/>
-                <a:latin typeface="Nanum Gothic"/>
+                <a:latin typeface="NanumGothic"/>
               </a:rPr>
               <a:t>. </a:t>
             </a:r>
@@ -10742,7 +10889,7 @@
                   <a:srgbClr val="1A1A1A"/>
                 </a:solidFill>
                 <a:effectLst/>
-                <a:latin typeface="Nanum Gothic"/>
+                <a:latin typeface="NanumGothic"/>
               </a:rPr>
               <a:t>다운로드 상품의 특성상 교환 및 환불이 불가능합니다</a:t>
             </a:r>
@@ -10752,7 +10899,7 @@
                   <a:srgbClr val="1A1A1A"/>
                 </a:solidFill>
                 <a:effectLst/>
-                <a:latin typeface="Nanum Gothic"/>
+                <a:latin typeface="NanumGothic"/>
               </a:rPr>
               <a:t>.</a:t>
             </a:r>
@@ -10768,7 +10915,7 @@
                   <a:srgbClr val="1A1A1A"/>
                 </a:solidFill>
                 <a:effectLst/>
-                <a:latin typeface="Nanum Gothic"/>
+                <a:latin typeface="NanumGothic"/>
               </a:rPr>
               <a:t>예</a:t>
             </a:r>
@@ -10778,7 +10925,7 @@
                   <a:srgbClr val="1A1A1A"/>
                 </a:solidFill>
                 <a:effectLst/>
-                <a:latin typeface="Nanum Gothic"/>
+                <a:latin typeface="NanumGothic"/>
               </a:rPr>
               <a:t>) ‘[</a:t>
             </a:r>
@@ -10788,7 +10935,7 @@
                   <a:srgbClr val="1A1A1A"/>
                 </a:solidFill>
                 <a:effectLst/>
-                <a:latin typeface="Nanum Gothic"/>
+                <a:latin typeface="NanumGothic"/>
               </a:rPr>
               <a:t>온챌개념서</a:t>
             </a:r>
@@ -10798,7 +10945,7 @@
                   <a:srgbClr val="1A1A1A"/>
                 </a:solidFill>
                 <a:effectLst/>
-                <a:latin typeface="Nanum Gothic"/>
+                <a:latin typeface="NanumGothic"/>
               </a:rPr>
               <a:t>] </a:t>
             </a:r>
@@ -10808,7 +10955,7 @@
                   <a:srgbClr val="1A1A1A"/>
                 </a:solidFill>
                 <a:effectLst/>
-                <a:latin typeface="Nanum Gothic"/>
+                <a:latin typeface="NanumGothic"/>
               </a:rPr>
               <a:t>고등수학상’은</a:t>
             </a:r>
@@ -10818,7 +10965,7 @@
                   <a:srgbClr val="1A1A1A"/>
                 </a:solidFill>
                 <a:effectLst/>
-                <a:latin typeface="Nanum Gothic"/>
+                <a:latin typeface="NanumGothic"/>
               </a:rPr>
               <a:t> 고등수학상 전과정을 포함하고 있습니다</a:t>
             </a:r>
@@ -10828,7 +10975,7 @@
                   <a:srgbClr val="1A1A1A"/>
                 </a:solidFill>
                 <a:effectLst/>
-                <a:latin typeface="Nanum Gothic"/>
+                <a:latin typeface="NanumGothic"/>
               </a:rPr>
               <a:t>.</a:t>
             </a:r>
@@ -10841,7 +10988,7 @@
                   <a:srgbClr val="1A1A1A"/>
                 </a:solidFill>
                 <a:effectLst/>
-                <a:latin typeface="Nanum Gothic"/>
+                <a:latin typeface="NanumGothic"/>
               </a:rPr>
               <a:t>이것과 함께 소단원 ‘고등수학상</a:t>
             </a:r>
@@ -10851,7 +10998,7 @@
                   <a:srgbClr val="1A1A1A"/>
                 </a:solidFill>
                 <a:effectLst/>
-                <a:latin typeface="Nanum Gothic"/>
+                <a:latin typeface="NanumGothic"/>
               </a:rPr>
               <a:t>_02</a:t>
             </a:r>
@@ -10861,7 +11008,7 @@
                   <a:srgbClr val="1A1A1A"/>
                 </a:solidFill>
                 <a:effectLst/>
-                <a:latin typeface="Nanum Gothic"/>
+                <a:latin typeface="NanumGothic"/>
               </a:rPr>
               <a:t>항등식과나머지정리’를</a:t>
             </a:r>
@@ -10871,7 +11018,7 @@
                   <a:srgbClr val="1A1A1A"/>
                 </a:solidFill>
                 <a:effectLst/>
-                <a:latin typeface="Nanum Gothic"/>
+                <a:latin typeface="NanumGothic"/>
               </a:rPr>
               <a:t> 구매하시면 안됩니다</a:t>
             </a:r>
@@ -10960,7 +11107,7 @@
                   <a:srgbClr val="1A1A1A"/>
                 </a:solidFill>
                 <a:effectLst/>
-                <a:latin typeface="Nanum Gothic"/>
+                <a:latin typeface="NanumGothic"/>
               </a:rPr>
               <a:t>₩</a:t>
             </a:r>
@@ -10970,7 +11117,7 @@
                   <a:srgbClr val="1A1A1A"/>
                 </a:solidFill>
                 <a:effectLst/>
-                <a:latin typeface="Nanum Gothic"/>
+                <a:latin typeface="NanumGothic"/>
               </a:rPr>
               <a:t>9,000</a:t>
             </a:r>
@@ -11220,7 +11367,7 @@
                   <a:srgbClr val="1A1A1A"/>
                 </a:solidFill>
                 <a:effectLst/>
-                <a:latin typeface="Nanum Gothic"/>
+                <a:latin typeface="NanumGothic"/>
               </a:rPr>
               <a:t>₩</a:t>
             </a:r>
@@ -11230,7 +11377,7 @@
                   <a:srgbClr val="1A1A1A"/>
                 </a:solidFill>
                 <a:effectLst/>
-                <a:latin typeface="Nanum Gothic"/>
+                <a:latin typeface="NanumGothic"/>
               </a:rPr>
               <a:t>1,000</a:t>
             </a:r>
@@ -11379,7 +11526,7 @@
                   <a:schemeClr val="tx1"/>
                 </a:solidFill>
                 <a:effectLst/>
-                <a:latin typeface="Nanum Gothic"/>
+                <a:latin typeface="NanumGothic"/>
               </a:rPr>
               <a:t>₩</a:t>
             </a:r>
@@ -11389,7 +11536,7 @@
                   <a:schemeClr val="tx1"/>
                 </a:solidFill>
                 <a:effectLst/>
-                <a:latin typeface="Nanum Gothic"/>
+                <a:latin typeface="NanumGothic"/>
               </a:rPr>
               <a:t>10,000</a:t>
             </a:r>
@@ -11465,7 +11612,7 @@
                   <a:schemeClr val="tx1"/>
                 </a:solidFill>
                 <a:effectLst/>
-                <a:latin typeface="Nanum Gothic"/>
+                <a:latin typeface="NanumGothic"/>
               </a:rPr>
               <a:t>₩</a:t>
             </a:r>
@@ -11475,7 +11622,7 @@
                   <a:schemeClr val="tx1"/>
                 </a:solidFill>
                 <a:effectLst/>
-                <a:latin typeface="Nanum Gothic"/>
+                <a:latin typeface="NanumGothic"/>
               </a:rPr>
               <a:t>10,000</a:t>
             </a:r>

--- a/프론트 디자인.pptx
+++ b/프론트 디자인.pptx
@@ -15,9 +15,10 @@
     <p:sldId id="265" r:id="rId9"/>
     <p:sldId id="266" r:id="rId10"/>
     <p:sldId id="267" r:id="rId11"/>
-    <p:sldId id="258" r:id="rId12"/>
-    <p:sldId id="259" r:id="rId13"/>
-    <p:sldId id="260" r:id="rId14"/>
+    <p:sldId id="269" r:id="rId12"/>
+    <p:sldId id="258" r:id="rId13"/>
+    <p:sldId id="259" r:id="rId14"/>
+    <p:sldId id="260" r:id="rId15"/>
   </p:sldIdLst>
   <p:sldSz cx="12192000" cy="6858000"/>
   <p:notesSz cx="6858000" cy="9144000"/>
@@ -271,7 +272,7 @@
           <a:p>
             <a:fld id="{D4ABF3E3-EBFF-45BD-AF4D-C526F9EC8AA9}" type="datetimeFigureOut">
               <a:rPr lang="ko-KR" altLang="en-US" smtClean="0"/>
-              <a:t>2021. 12. 2.</a:t>
+              <a:t>2021. 12. 3.</a:t>
             </a:fld>
             <a:endParaRPr lang="ko-KR" altLang="en-US"/>
           </a:p>
@@ -469,7 +470,7 @@
           <a:p>
             <a:fld id="{D4ABF3E3-EBFF-45BD-AF4D-C526F9EC8AA9}" type="datetimeFigureOut">
               <a:rPr lang="ko-KR" altLang="en-US" smtClean="0"/>
-              <a:t>2021. 12. 2.</a:t>
+              <a:t>2021. 12. 3.</a:t>
             </a:fld>
             <a:endParaRPr lang="ko-KR" altLang="en-US"/>
           </a:p>
@@ -677,7 +678,7 @@
           <a:p>
             <a:fld id="{D4ABF3E3-EBFF-45BD-AF4D-C526F9EC8AA9}" type="datetimeFigureOut">
               <a:rPr lang="ko-KR" altLang="en-US" smtClean="0"/>
-              <a:t>2021. 12. 2.</a:t>
+              <a:t>2021. 12. 3.</a:t>
             </a:fld>
             <a:endParaRPr lang="ko-KR" altLang="en-US"/>
           </a:p>
@@ -875,7 +876,7 @@
           <a:p>
             <a:fld id="{D4ABF3E3-EBFF-45BD-AF4D-C526F9EC8AA9}" type="datetimeFigureOut">
               <a:rPr lang="ko-KR" altLang="en-US" smtClean="0"/>
-              <a:t>2021. 12. 2.</a:t>
+              <a:t>2021. 12. 3.</a:t>
             </a:fld>
             <a:endParaRPr lang="ko-KR" altLang="en-US"/>
           </a:p>
@@ -1150,7 +1151,7 @@
           <a:p>
             <a:fld id="{D4ABF3E3-EBFF-45BD-AF4D-C526F9EC8AA9}" type="datetimeFigureOut">
               <a:rPr lang="ko-KR" altLang="en-US" smtClean="0"/>
-              <a:t>2021. 12. 2.</a:t>
+              <a:t>2021. 12. 3.</a:t>
             </a:fld>
             <a:endParaRPr lang="ko-KR" altLang="en-US"/>
           </a:p>
@@ -1415,7 +1416,7 @@
           <a:p>
             <a:fld id="{D4ABF3E3-EBFF-45BD-AF4D-C526F9EC8AA9}" type="datetimeFigureOut">
               <a:rPr lang="ko-KR" altLang="en-US" smtClean="0"/>
-              <a:t>2021. 12. 2.</a:t>
+              <a:t>2021. 12. 3.</a:t>
             </a:fld>
             <a:endParaRPr lang="ko-KR" altLang="en-US"/>
           </a:p>
@@ -1827,7 +1828,7 @@
           <a:p>
             <a:fld id="{D4ABF3E3-EBFF-45BD-AF4D-C526F9EC8AA9}" type="datetimeFigureOut">
               <a:rPr lang="ko-KR" altLang="en-US" smtClean="0"/>
-              <a:t>2021. 12. 2.</a:t>
+              <a:t>2021. 12. 3.</a:t>
             </a:fld>
             <a:endParaRPr lang="ko-KR" altLang="en-US"/>
           </a:p>
@@ -1968,7 +1969,7 @@
           <a:p>
             <a:fld id="{D4ABF3E3-EBFF-45BD-AF4D-C526F9EC8AA9}" type="datetimeFigureOut">
               <a:rPr lang="ko-KR" altLang="en-US" smtClean="0"/>
-              <a:t>2021. 12. 2.</a:t>
+              <a:t>2021. 12. 3.</a:t>
             </a:fld>
             <a:endParaRPr lang="ko-KR" altLang="en-US"/>
           </a:p>
@@ -2081,7 +2082,7 @@
           <a:p>
             <a:fld id="{D4ABF3E3-EBFF-45BD-AF4D-C526F9EC8AA9}" type="datetimeFigureOut">
               <a:rPr lang="ko-KR" altLang="en-US" smtClean="0"/>
-              <a:t>2021. 12. 2.</a:t>
+              <a:t>2021. 12. 3.</a:t>
             </a:fld>
             <a:endParaRPr lang="ko-KR" altLang="en-US"/>
           </a:p>
@@ -2392,7 +2393,7 @@
           <a:p>
             <a:fld id="{D4ABF3E3-EBFF-45BD-AF4D-C526F9EC8AA9}" type="datetimeFigureOut">
               <a:rPr lang="ko-KR" altLang="en-US" smtClean="0"/>
-              <a:t>2021. 12. 2.</a:t>
+              <a:t>2021. 12. 3.</a:t>
             </a:fld>
             <a:endParaRPr lang="ko-KR" altLang="en-US"/>
           </a:p>
@@ -2680,7 +2681,7 @@
           <a:p>
             <a:fld id="{D4ABF3E3-EBFF-45BD-AF4D-C526F9EC8AA9}" type="datetimeFigureOut">
               <a:rPr lang="ko-KR" altLang="en-US" smtClean="0"/>
-              <a:t>2021. 12. 2.</a:t>
+              <a:t>2021. 12. 3.</a:t>
             </a:fld>
             <a:endParaRPr lang="ko-KR" altLang="en-US"/>
           </a:p>
@@ -2921,7 +2922,7 @@
           <a:p>
             <a:fld id="{D4ABF3E3-EBFF-45BD-AF4D-C526F9EC8AA9}" type="datetimeFigureOut">
               <a:rPr lang="ko-KR" altLang="en-US" smtClean="0"/>
-              <a:t>2021. 12. 2.</a:t>
+              <a:t>2021. 12. 3.</a:t>
             </a:fld>
             <a:endParaRPr lang="ko-KR" altLang="en-US"/>
           </a:p>
@@ -4839,12 +4840,219 @@
           </a:p>
         </p:txBody>
       </p:sp>
-      <p:sp>
-        <p:nvSpPr>
-          <p:cNvPr id="6" name="모서리가 둥근 직사각형 5">
-            <a:extLst>
-              <a:ext uri="{FF2B5EF4-FFF2-40B4-BE49-F238E27FC236}">
-                <a16:creationId xmlns:a16="http://schemas.microsoft.com/office/drawing/2014/main" id="{FA5470B2-FA8D-0645-9CD4-6B8BA7CEFDD2}"/>
+    </p:spTree>
+    <p:extLst>
+      <p:ext uri="{BB962C8B-B14F-4D97-AF65-F5344CB8AC3E}">
+        <p14:creationId xmlns:p14="http://schemas.microsoft.com/office/powerpoint/2010/main" val="1015397005"/>
+      </p:ext>
+    </p:extLst>
+  </p:cSld>
+  <p:clrMapOvr>
+    <a:masterClrMapping/>
+  </p:clrMapOvr>
+</p:sld>
+</file>
+
+<file path=ppt/slides/slide11.xml><?xml version="1.0" encoding="utf-8"?>
+<p:sld xmlns:a="http://schemas.openxmlformats.org/drawingml/2006/main" xmlns:r="http://schemas.openxmlformats.org/officeDocument/2006/relationships" xmlns:p="http://schemas.openxmlformats.org/presentationml/2006/main">
+  <p:cSld>
+    <p:spTree>
+      <p:nvGrpSpPr>
+        <p:cNvPr id="1" name=""/>
+        <p:cNvGrpSpPr/>
+        <p:nvPr/>
+      </p:nvGrpSpPr>
+      <p:grpSpPr>
+        <a:xfrm>
+          <a:off x="0" y="0"/>
+          <a:ext cx="0" cy="0"/>
+          <a:chOff x="0" y="0"/>
+          <a:chExt cx="0" cy="0"/>
+        </a:xfrm>
+      </p:grpSpPr>
+      <p:sp>
+        <p:nvSpPr>
+          <p:cNvPr id="4" name="TextBox 3">
+            <a:extLst>
+              <a:ext uri="{FF2B5EF4-FFF2-40B4-BE49-F238E27FC236}">
+                <a16:creationId xmlns:a16="http://schemas.microsoft.com/office/drawing/2014/main" id="{181F38E4-D20C-4834-B1F4-69D8B5846AD9}"/>
+              </a:ext>
+            </a:extLst>
+          </p:cNvPr>
+          <p:cNvSpPr txBox="1"/>
+          <p:nvPr/>
+        </p:nvSpPr>
+        <p:spPr>
+          <a:xfrm>
+            <a:off x="47501" y="0"/>
+            <a:ext cx="1686296" cy="369332"/>
+          </a:xfrm>
+          <a:prstGeom prst="rect">
+            <a:avLst/>
+          </a:prstGeom>
+          <a:noFill/>
+        </p:spPr>
+        <p:txBody>
+          <a:bodyPr wrap="square" rtlCol="0">
+            <a:spAutoFit/>
+          </a:bodyPr>
+          <a:lstStyle/>
+          <a:p>
+            <a:r>
+              <a:rPr lang="en-US" altLang="ko-KR" dirty="0"/>
+              <a:t>login</a:t>
+            </a:r>
+            <a:endParaRPr lang="ko-KR" altLang="en-US" dirty="0"/>
+          </a:p>
+        </p:txBody>
+      </p:sp>
+      <p:sp>
+        <p:nvSpPr>
+          <p:cNvPr id="11" name="TextBox 10">
+            <a:extLst>
+              <a:ext uri="{FF2B5EF4-FFF2-40B4-BE49-F238E27FC236}">
+                <a16:creationId xmlns:a16="http://schemas.microsoft.com/office/drawing/2014/main" id="{7372AEBA-C50D-4DF1-8F06-C71C3DEA659F}"/>
+              </a:ext>
+            </a:extLst>
+          </p:cNvPr>
+          <p:cNvSpPr txBox="1"/>
+          <p:nvPr/>
+        </p:nvSpPr>
+        <p:spPr>
+          <a:xfrm>
+            <a:off x="973222" y="7136"/>
+            <a:ext cx="3161944" cy="707886"/>
+          </a:xfrm>
+          <a:prstGeom prst="rect">
+            <a:avLst/>
+          </a:prstGeom>
+          <a:noFill/>
+        </p:spPr>
+        <p:txBody>
+          <a:bodyPr wrap="square" rtlCol="0">
+            <a:spAutoFit/>
+          </a:bodyPr>
+          <a:lstStyle/>
+          <a:p>
+            <a:r>
+              <a:rPr lang="en-US" altLang="ko-KR" sz="4000" dirty="0"/>
+              <a:t>ONCHALL</a:t>
+            </a:r>
+            <a:endParaRPr lang="ko-KR" altLang="en-US" sz="4000" dirty="0"/>
+          </a:p>
+        </p:txBody>
+      </p:sp>
+      <p:sp>
+        <p:nvSpPr>
+          <p:cNvPr id="12" name="TextBox 11">
+            <a:extLst>
+              <a:ext uri="{FF2B5EF4-FFF2-40B4-BE49-F238E27FC236}">
+                <a16:creationId xmlns:a16="http://schemas.microsoft.com/office/drawing/2014/main" id="{00EC4550-7BAE-4775-9A3C-30AB89ACCF47}"/>
+              </a:ext>
+            </a:extLst>
+          </p:cNvPr>
+          <p:cNvSpPr txBox="1"/>
+          <p:nvPr/>
+        </p:nvSpPr>
+        <p:spPr>
+          <a:xfrm>
+            <a:off x="4477995" y="284102"/>
+            <a:ext cx="7306656" cy="307777"/>
+          </a:xfrm>
+          <a:prstGeom prst="rect">
+            <a:avLst/>
+          </a:prstGeom>
+          <a:noFill/>
+        </p:spPr>
+        <p:txBody>
+          <a:bodyPr wrap="square" rtlCol="0">
+            <a:spAutoFit/>
+          </a:bodyPr>
+          <a:lstStyle/>
+          <a:p>
+            <a:r>
+              <a:rPr lang="ko-KR" altLang="en-US" sz="1400" dirty="0" err="1"/>
+              <a:t>온챌아카데미학원</a:t>
+            </a:r>
+            <a:r>
+              <a:rPr lang="ko-KR" altLang="en-US" sz="1400" dirty="0"/>
+              <a:t>       </a:t>
+            </a:r>
+            <a:r>
+              <a:rPr lang="ko-KR" altLang="en-US" sz="1400" dirty="0" err="1"/>
+              <a:t>온챌개념서</a:t>
+            </a:r>
+            <a:r>
+              <a:rPr lang="ko-KR" altLang="en-US" sz="1400" dirty="0"/>
+              <a:t> 무료보기     </a:t>
+            </a:r>
+            <a:r>
+              <a:rPr lang="ko-KR" altLang="en-US" sz="1400" dirty="0" err="1"/>
+              <a:t>온챌개념서</a:t>
+            </a:r>
+            <a:r>
+              <a:rPr lang="ko-KR" altLang="en-US" sz="1400" dirty="0"/>
+              <a:t> 구매     장바구니    회원정보</a:t>
+            </a:r>
+          </a:p>
+        </p:txBody>
+      </p:sp>
+      <p:sp>
+        <p:nvSpPr>
+          <p:cNvPr id="13" name="TextBox 12">
+            <a:extLst>
+              <a:ext uri="{FF2B5EF4-FFF2-40B4-BE49-F238E27FC236}">
+                <a16:creationId xmlns:a16="http://schemas.microsoft.com/office/drawing/2014/main" id="{978C000E-E8E9-4707-98A8-994482492F42}"/>
+              </a:ext>
+            </a:extLst>
+          </p:cNvPr>
+          <p:cNvSpPr txBox="1"/>
+          <p:nvPr/>
+        </p:nvSpPr>
+        <p:spPr>
+          <a:xfrm>
+            <a:off x="1778409" y="938419"/>
+            <a:ext cx="1463555" cy="461665"/>
+          </a:xfrm>
+          <a:prstGeom prst="rect">
+            <a:avLst/>
+          </a:prstGeom>
+          <a:noFill/>
+        </p:spPr>
+        <p:txBody>
+          <a:bodyPr wrap="square" rtlCol="0">
+            <a:spAutoFit/>
+          </a:bodyPr>
+          <a:lstStyle/>
+          <a:p>
+            <a:pPr algn="l"/>
+            <a:r>
+              <a:rPr lang="ko-KR" altLang="en-US" sz="2400" b="1" i="0" dirty="0" err="1">
+                <a:solidFill>
+                  <a:srgbClr val="1A1A1A"/>
+                </a:solidFill>
+                <a:effectLst/>
+                <a:latin typeface="Montserrat" panose="020B0604020202020204" pitchFamily="2" charset="0"/>
+              </a:rPr>
+              <a:t>주문정보</a:t>
+            </a:r>
+            <a:endParaRPr lang="ko-KR" altLang="en-US" sz="2400" b="1" i="0" dirty="0">
+              <a:solidFill>
+                <a:srgbClr val="1A1A1A"/>
+              </a:solidFill>
+              <a:effectLst/>
+              <a:latin typeface="Montserrat" panose="020B0604020202020204" pitchFamily="2" charset="0"/>
+            </a:endParaRPr>
+          </a:p>
+        </p:txBody>
+      </p:sp>
+      <p:sp>
+        <p:nvSpPr>
+          <p:cNvPr id="10" name="사각형: 둥근 모서리 9">
+            <a:hlinkClick r:id="rId2" action="ppaction://hlinksldjump"/>
+            <a:extLst>
+              <a:ext uri="{FF2B5EF4-FFF2-40B4-BE49-F238E27FC236}">
+                <a16:creationId xmlns:a16="http://schemas.microsoft.com/office/drawing/2014/main" id="{247DCBFF-F4AB-4922-8212-F2E7CFA52CFE}"/>
               </a:ext>
             </a:extLst>
           </p:cNvPr>
@@ -4853,12 +5061,20 @@
         </p:nvSpPr>
         <p:spPr>
           <a:xfrm>
-            <a:off x="7864906" y="3805646"/>
-            <a:ext cx="733526" cy="307777"/>
+            <a:off x="5494091" y="6097668"/>
+            <a:ext cx="1203814" cy="408843"/>
           </a:xfrm>
           <a:prstGeom prst="roundRect">
             <a:avLst/>
           </a:prstGeom>
+          <a:ln>
+            <a:solidFill>
+              <a:schemeClr val="accent1">
+                <a:lumMod val="40000"/>
+                <a:lumOff val="60000"/>
+              </a:schemeClr>
+            </a:solidFill>
+          </a:ln>
         </p:spPr>
         <p:style>
           <a:lnRef idx="2">
@@ -4882,18 +5098,552 @@
           <a:p>
             <a:pPr algn="ctr"/>
             <a:r>
-              <a:rPr kumimoji="1" lang="ko-Kore-KR" altLang="en-US" sz="1000" dirty="0"/>
-              <a:t>리뷰쓰기</a:t>
-            </a:r>
-          </a:p>
-        </p:txBody>
-      </p:sp>
-      <p:sp>
-        <p:nvSpPr>
-          <p:cNvPr id="26" name="모서리가 둥근 직사각형 25">
-            <a:extLst>
-              <a:ext uri="{FF2B5EF4-FFF2-40B4-BE49-F238E27FC236}">
-                <a16:creationId xmlns:a16="http://schemas.microsoft.com/office/drawing/2014/main" id="{4B4A6E6A-E4E0-3844-AE22-01E582B7DA34}"/>
+              <a:rPr lang="ko-KR" altLang="en-US" sz="1200" dirty="0" err="1"/>
+              <a:t>뒤로가기</a:t>
+            </a:r>
+            <a:endParaRPr lang="ko-KR" altLang="en-US" sz="1200" dirty="0"/>
+          </a:p>
+        </p:txBody>
+      </p:sp>
+      <p:graphicFrame>
+        <p:nvGraphicFramePr>
+          <p:cNvPr id="7" name="표 8">
+            <a:extLst>
+              <a:ext uri="{FF2B5EF4-FFF2-40B4-BE49-F238E27FC236}">
+                <a16:creationId xmlns:a16="http://schemas.microsoft.com/office/drawing/2014/main" id="{CD1CAE68-9E78-8841-940B-43506FBA132E}"/>
+              </a:ext>
+            </a:extLst>
+          </p:cNvPr>
+          <p:cNvGraphicFramePr>
+            <a:graphicFrameLocks noGrp="1"/>
+          </p:cNvGraphicFramePr>
+          <p:nvPr>
+            <p:extLst>
+              <p:ext uri="{D42A27DB-BD31-4B8C-83A1-F6EECF244321}">
+                <p14:modId xmlns:p14="http://schemas.microsoft.com/office/powerpoint/2010/main" val="25394981"/>
+              </p:ext>
+            </p:extLst>
+          </p:nvPr>
+        </p:nvGraphicFramePr>
+        <p:xfrm>
+          <a:off x="2830020" y="2172574"/>
+          <a:ext cx="6531957" cy="2794919"/>
+        </p:xfrm>
+        <a:graphic>
+          <a:graphicData uri="http://schemas.openxmlformats.org/drawingml/2006/table">
+            <a:tbl>
+              <a:tblPr firstRow="1" bandRow="1">
+                <a:tableStyleId>{5C22544A-7EE6-4342-B048-85BDC9FD1C3A}</a:tableStyleId>
+              </a:tblPr>
+              <a:tblGrid>
+                <a:gridCol w="2177319">
+                  <a:extLst>
+                    <a:ext uri="{9D8B030D-6E8A-4147-A177-3AD203B41FA5}">
+                      <a16:colId xmlns:a16="http://schemas.microsoft.com/office/drawing/2014/main" val="2986869564"/>
+                    </a:ext>
+                  </a:extLst>
+                </a:gridCol>
+                <a:gridCol w="2177319">
+                  <a:extLst>
+                    <a:ext uri="{9D8B030D-6E8A-4147-A177-3AD203B41FA5}">
+                      <a16:colId xmlns:a16="http://schemas.microsoft.com/office/drawing/2014/main" val="747445780"/>
+                    </a:ext>
+                  </a:extLst>
+                </a:gridCol>
+                <a:gridCol w="2177319">
+                  <a:extLst>
+                    <a:ext uri="{9D8B030D-6E8A-4147-A177-3AD203B41FA5}">
+                      <a16:colId xmlns:a16="http://schemas.microsoft.com/office/drawing/2014/main" val="959988316"/>
+                    </a:ext>
+                  </a:extLst>
+                </a:gridCol>
+              </a:tblGrid>
+              <a:tr h="460733">
+                <a:tc>
+                  <a:txBody>
+                    <a:bodyPr/>
+                    <a:lstStyle/>
+                    <a:p>
+                      <a:pPr algn="ctr"/>
+                      <a:r>
+                        <a:rPr lang="ko-KR" altLang="en-US" dirty="0"/>
+                        <a:t>상품주문번호</a:t>
+                      </a:r>
+                      <a:endParaRPr lang="ko-Kore-KR" altLang="en-US" dirty="0"/>
+                    </a:p>
+                  </a:txBody>
+                  <a:tcPr anchor="ctr"/>
+                </a:tc>
+                <a:tc>
+                  <a:txBody>
+                    <a:bodyPr/>
+                    <a:lstStyle/>
+                    <a:p>
+                      <a:pPr algn="ctr"/>
+                      <a:r>
+                        <a:rPr lang="ko-Kore-KR" altLang="en-US" dirty="0"/>
+                        <a:t>상품정보</a:t>
+                      </a:r>
+                    </a:p>
+                  </a:txBody>
+                  <a:tcPr anchor="ctr"/>
+                </a:tc>
+                <a:tc>
+                  <a:txBody>
+                    <a:bodyPr/>
+                    <a:lstStyle/>
+                    <a:p>
+                      <a:pPr algn="ctr"/>
+                      <a:r>
+                        <a:rPr lang="ko-Kore-KR" altLang="en-US" dirty="0"/>
+                        <a:t>금액</a:t>
+                      </a:r>
+                    </a:p>
+                  </a:txBody>
+                  <a:tcPr anchor="ctr"/>
+                </a:tc>
+                <a:extLst>
+                  <a:ext uri="{0D108BD9-81ED-4DB2-BD59-A6C34878D82A}">
+                    <a16:rowId xmlns:a16="http://schemas.microsoft.com/office/drawing/2014/main" val="3657379948"/>
+                  </a:ext>
+                </a:extLst>
+              </a:tr>
+              <a:tr h="460733">
+                <a:tc>
+                  <a:txBody>
+                    <a:bodyPr/>
+                    <a:lstStyle/>
+                    <a:p>
+                      <a:pPr algn="ctr"/>
+                      <a:r>
+                        <a:rPr lang="en-US" altLang="ko-Kore-KR" sz="1400" dirty="0"/>
+                        <a:t>32489238</a:t>
+                      </a:r>
+                      <a:endParaRPr lang="ko-Kore-KR" altLang="en-US" sz="1400" dirty="0"/>
+                    </a:p>
+                  </a:txBody>
+                  <a:tcPr anchor="ctr"/>
+                </a:tc>
+                <a:tc>
+                  <a:txBody>
+                    <a:bodyPr/>
+                    <a:lstStyle/>
+                    <a:p>
+                      <a:pPr algn="ctr"/>
+                      <a:r>
+                        <a:rPr lang="en-US" altLang="ko-Kore-KR" sz="1400" dirty="0"/>
+                        <a:t>[</a:t>
+                      </a:r>
+                      <a:r>
+                        <a:rPr lang="ko-KR" altLang="en-US" sz="1400" dirty="0" err="1"/>
+                        <a:t>온챌개념서</a:t>
+                      </a:r>
+                      <a:r>
+                        <a:rPr lang="en-US" altLang="ko-KR" sz="1400" dirty="0"/>
+                        <a:t>]</a:t>
+                      </a:r>
+                      <a:r>
+                        <a:rPr lang="ko-KR" altLang="en-US" sz="1400" dirty="0" err="1"/>
+                        <a:t>고등수학상</a:t>
+                      </a:r>
+                      <a:r>
+                        <a:rPr lang="en-US" altLang="ko-KR" sz="1400" dirty="0"/>
+                        <a:t>1</a:t>
+                      </a:r>
+                      <a:endParaRPr lang="ko-Kore-KR" altLang="en-US" sz="1400" dirty="0"/>
+                    </a:p>
+                  </a:txBody>
+                  <a:tcPr anchor="ctr"/>
+                </a:tc>
+                <a:tc>
+                  <a:txBody>
+                    <a:bodyPr/>
+                    <a:lstStyle/>
+                    <a:p>
+                      <a:pPr algn="ctr"/>
+                      <a:r>
+                        <a:rPr lang="en-US" altLang="ko-Kore-KR" sz="1400" dirty="0"/>
+                        <a:t>9</a:t>
+                      </a:r>
+                      <a:r>
+                        <a:rPr lang="en-US" altLang="ko-KR" sz="1400" dirty="0"/>
+                        <a:t>095</a:t>
+                      </a:r>
+                      <a:endParaRPr lang="ko-Kore-KR" altLang="en-US" sz="1400" dirty="0"/>
+                    </a:p>
+                  </a:txBody>
+                  <a:tcPr anchor="ctr"/>
+                </a:tc>
+                <a:extLst>
+                  <a:ext uri="{0D108BD9-81ED-4DB2-BD59-A6C34878D82A}">
+                    <a16:rowId xmlns:a16="http://schemas.microsoft.com/office/drawing/2014/main" val="2875843221"/>
+                  </a:ext>
+                </a:extLst>
+              </a:tr>
+              <a:tr h="460733">
+                <a:tc>
+                  <a:txBody>
+                    <a:bodyPr/>
+                    <a:lstStyle/>
+                    <a:p>
+                      <a:pPr algn="ctr"/>
+                      <a:r>
+                        <a:rPr lang="en-US" altLang="ko-Kore-KR" sz="1400" dirty="0"/>
+                        <a:t>32984723</a:t>
+                      </a:r>
+                      <a:endParaRPr lang="ko-Kore-KR" altLang="en-US" sz="1400" dirty="0"/>
+                    </a:p>
+                  </a:txBody>
+                  <a:tcPr anchor="ctr"/>
+                </a:tc>
+                <a:tc>
+                  <a:txBody>
+                    <a:bodyPr/>
+                    <a:lstStyle/>
+                    <a:p>
+                      <a:pPr algn="ctr"/>
+                      <a:r>
+                        <a:rPr lang="en-US" altLang="ko-Kore-KR" sz="1400" dirty="0"/>
+                        <a:t>[</a:t>
+                      </a:r>
+                      <a:r>
+                        <a:rPr lang="ko-KR" altLang="en-US" sz="1400" dirty="0" err="1"/>
+                        <a:t>온챌개념서</a:t>
+                      </a:r>
+                      <a:r>
+                        <a:rPr lang="en-US" altLang="ko-KR" sz="1400" dirty="0"/>
+                        <a:t>]</a:t>
+                      </a:r>
+                      <a:r>
+                        <a:rPr lang="ko-KR" altLang="en-US" sz="1400" dirty="0" err="1"/>
+                        <a:t>고등수학상</a:t>
+                      </a:r>
+                      <a:r>
+                        <a:rPr lang="en-US" altLang="ko-KR" sz="1400" dirty="0"/>
+                        <a:t>2</a:t>
+                      </a:r>
+                      <a:endParaRPr lang="ko-Kore-KR" altLang="en-US" sz="1400" dirty="0"/>
+                    </a:p>
+                  </a:txBody>
+                  <a:tcPr anchor="ctr"/>
+                </a:tc>
+                <a:tc>
+                  <a:txBody>
+                    <a:bodyPr/>
+                    <a:lstStyle/>
+                    <a:p>
+                      <a:pPr algn="ctr"/>
+                      <a:r>
+                        <a:rPr lang="en-US" altLang="ko-Kore-KR" sz="1400" dirty="0"/>
+                        <a:t>9</a:t>
+                      </a:r>
+                      <a:r>
+                        <a:rPr lang="en-US" altLang="ko-KR" sz="1400" dirty="0"/>
+                        <a:t>100</a:t>
+                      </a:r>
+                      <a:endParaRPr lang="ko-Kore-KR" altLang="en-US" sz="1400" dirty="0"/>
+                    </a:p>
+                  </a:txBody>
+                  <a:tcPr anchor="ctr"/>
+                </a:tc>
+                <a:extLst>
+                  <a:ext uri="{0D108BD9-81ED-4DB2-BD59-A6C34878D82A}">
+                    <a16:rowId xmlns:a16="http://schemas.microsoft.com/office/drawing/2014/main" val="2392269117"/>
+                  </a:ext>
+                </a:extLst>
+              </a:tr>
+              <a:tr h="460733">
+                <a:tc>
+                  <a:txBody>
+                    <a:bodyPr/>
+                    <a:lstStyle/>
+                    <a:p>
+                      <a:pPr algn="ctr"/>
+                      <a:r>
+                        <a:rPr lang="en-US" altLang="ko-Kore-KR" sz="1400" dirty="0"/>
+                        <a:t>47291389</a:t>
+                      </a:r>
+                      <a:endParaRPr lang="ko-Kore-KR" altLang="en-US" sz="1400" dirty="0"/>
+                    </a:p>
+                  </a:txBody>
+                  <a:tcPr anchor="ctr"/>
+                </a:tc>
+                <a:tc>
+                  <a:txBody>
+                    <a:bodyPr/>
+                    <a:lstStyle/>
+                    <a:p>
+                      <a:pPr algn="ctr"/>
+                      <a:r>
+                        <a:rPr lang="en-US" altLang="ko-Kore-KR" sz="1400" dirty="0"/>
+                        <a:t>[</a:t>
+                      </a:r>
+                      <a:r>
+                        <a:rPr lang="ko-KR" altLang="en-US" sz="1400" dirty="0" err="1"/>
+                        <a:t>온챌개념서</a:t>
+                      </a:r>
+                      <a:r>
+                        <a:rPr lang="en-US" altLang="ko-KR" sz="1400" dirty="0"/>
+                        <a:t>]</a:t>
+                      </a:r>
+                      <a:r>
+                        <a:rPr lang="ko-KR" altLang="en-US" sz="1400" dirty="0" err="1"/>
+                        <a:t>고등수학상</a:t>
+                      </a:r>
+                      <a:r>
+                        <a:rPr lang="en-US" altLang="ko-KR" sz="1400" dirty="0"/>
+                        <a:t>3</a:t>
+                      </a:r>
+                      <a:endParaRPr lang="ko-Kore-KR" altLang="en-US" sz="1400" dirty="0"/>
+                    </a:p>
+                  </a:txBody>
+                  <a:tcPr anchor="ctr"/>
+                </a:tc>
+                <a:tc>
+                  <a:txBody>
+                    <a:bodyPr/>
+                    <a:lstStyle/>
+                    <a:p>
+                      <a:pPr algn="ctr"/>
+                      <a:r>
+                        <a:rPr lang="en-US" altLang="ko-Kore-KR" sz="1400" dirty="0"/>
+                        <a:t>9</a:t>
+                      </a:r>
+                      <a:r>
+                        <a:rPr lang="en-US" altLang="ko-KR" sz="1400" dirty="0"/>
+                        <a:t>150</a:t>
+                      </a:r>
+                      <a:endParaRPr lang="ko-Kore-KR" altLang="en-US" sz="1400" dirty="0"/>
+                    </a:p>
+                  </a:txBody>
+                  <a:tcPr anchor="ctr"/>
+                </a:tc>
+                <a:extLst>
+                  <a:ext uri="{0D108BD9-81ED-4DB2-BD59-A6C34878D82A}">
+                    <a16:rowId xmlns:a16="http://schemas.microsoft.com/office/drawing/2014/main" val="437381681"/>
+                  </a:ext>
+                </a:extLst>
+              </a:tr>
+              <a:tr h="460733">
+                <a:tc>
+                  <a:txBody>
+                    <a:bodyPr/>
+                    <a:lstStyle/>
+                    <a:p>
+                      <a:pPr algn="ctr"/>
+                      <a:r>
+                        <a:rPr lang="en-US" altLang="ko-Kore-KR" sz="1400" dirty="0"/>
+                        <a:t>41039230</a:t>
+                      </a:r>
+                      <a:endParaRPr lang="ko-Kore-KR" altLang="en-US" sz="1400" dirty="0"/>
+                    </a:p>
+                  </a:txBody>
+                  <a:tcPr anchor="ctr"/>
+                </a:tc>
+                <a:tc>
+                  <a:txBody>
+                    <a:bodyPr/>
+                    <a:lstStyle/>
+                    <a:p>
+                      <a:pPr algn="ctr"/>
+                      <a:r>
+                        <a:rPr lang="en-US" altLang="ko-Kore-KR" sz="1400" dirty="0"/>
+                        <a:t>[</a:t>
+                      </a:r>
+                      <a:r>
+                        <a:rPr lang="ko-KR" altLang="en-US" sz="1400" dirty="0" err="1"/>
+                        <a:t>온챌개념서</a:t>
+                      </a:r>
+                      <a:r>
+                        <a:rPr lang="en-US" altLang="ko-KR" sz="1400" dirty="0"/>
+                        <a:t>]</a:t>
+                      </a:r>
+                      <a:r>
+                        <a:rPr lang="ko-KR" altLang="en-US" sz="1400" dirty="0" err="1"/>
+                        <a:t>고등수학상</a:t>
+                      </a:r>
+                      <a:r>
+                        <a:rPr lang="en-US" altLang="ko-KR" sz="1400" dirty="0"/>
+                        <a:t>4</a:t>
+                      </a:r>
+                      <a:endParaRPr lang="ko-Kore-KR" altLang="en-US" sz="1400" dirty="0"/>
+                    </a:p>
+                  </a:txBody>
+                  <a:tcPr anchor="ctr"/>
+                </a:tc>
+                <a:tc>
+                  <a:txBody>
+                    <a:bodyPr/>
+                    <a:lstStyle/>
+                    <a:p>
+                      <a:pPr algn="ctr"/>
+                      <a:r>
+                        <a:rPr lang="en-US" altLang="ko-Kore-KR" sz="1400" dirty="0"/>
+                        <a:t>9</a:t>
+                      </a:r>
+                      <a:r>
+                        <a:rPr lang="en-US" altLang="ko-KR" sz="1400" dirty="0"/>
+                        <a:t>200</a:t>
+                      </a:r>
+                      <a:endParaRPr lang="ko-Kore-KR" altLang="en-US" sz="1400" dirty="0"/>
+                    </a:p>
+                  </a:txBody>
+                  <a:tcPr anchor="ctr"/>
+                </a:tc>
+                <a:extLst>
+                  <a:ext uri="{0D108BD9-81ED-4DB2-BD59-A6C34878D82A}">
+                    <a16:rowId xmlns:a16="http://schemas.microsoft.com/office/drawing/2014/main" val="611912073"/>
+                  </a:ext>
+                </a:extLst>
+              </a:tr>
+              <a:tr h="491254">
+                <a:tc>
+                  <a:txBody>
+                    <a:bodyPr/>
+                    <a:lstStyle/>
+                    <a:p>
+                      <a:pPr algn="ctr"/>
+                      <a:r>
+                        <a:rPr lang="en-US" altLang="ko-Kore-KR" sz="1400" dirty="0"/>
+                        <a:t>47850292</a:t>
+                      </a:r>
+                      <a:endParaRPr lang="ko-Kore-KR" altLang="en-US" sz="1400" dirty="0"/>
+                    </a:p>
+                  </a:txBody>
+                  <a:tcPr anchor="ctr"/>
+                </a:tc>
+                <a:tc>
+                  <a:txBody>
+                    <a:bodyPr/>
+                    <a:lstStyle/>
+                    <a:p>
+                      <a:pPr algn="ctr"/>
+                      <a:r>
+                        <a:rPr lang="en-US" altLang="ko-Kore-KR" sz="1400" dirty="0"/>
+                        <a:t>[</a:t>
+                      </a:r>
+                      <a:r>
+                        <a:rPr lang="ko-KR" altLang="en-US" sz="1400" dirty="0" err="1"/>
+                        <a:t>온챌개념서</a:t>
+                      </a:r>
+                      <a:r>
+                        <a:rPr lang="en-US" altLang="ko-KR" sz="1400" dirty="0"/>
+                        <a:t>]</a:t>
+                      </a:r>
+                      <a:r>
+                        <a:rPr lang="ko-KR" altLang="en-US" sz="1400" dirty="0" err="1"/>
+                        <a:t>고등수학상</a:t>
+                      </a:r>
+                      <a:r>
+                        <a:rPr lang="en-US" altLang="ko-KR" sz="1400" dirty="0"/>
+                        <a:t>5</a:t>
+                      </a:r>
+                      <a:endParaRPr lang="ko-Kore-KR" altLang="en-US" sz="1400" dirty="0"/>
+                    </a:p>
+                  </a:txBody>
+                  <a:tcPr anchor="ctr"/>
+                </a:tc>
+                <a:tc>
+                  <a:txBody>
+                    <a:bodyPr/>
+                    <a:lstStyle/>
+                    <a:p>
+                      <a:pPr algn="ctr"/>
+                      <a:r>
+                        <a:rPr lang="en-US" altLang="ko-Kore-KR" sz="1400" dirty="0"/>
+                        <a:t>9</a:t>
+                      </a:r>
+                      <a:r>
+                        <a:rPr lang="en-US" altLang="ko-KR" sz="1400" dirty="0"/>
+                        <a:t>250</a:t>
+                      </a:r>
+                      <a:endParaRPr lang="ko-Kore-KR" altLang="en-US" sz="1400" dirty="0"/>
+                    </a:p>
+                  </a:txBody>
+                  <a:tcPr anchor="ctr"/>
+                </a:tc>
+                <a:extLst>
+                  <a:ext uri="{0D108BD9-81ED-4DB2-BD59-A6C34878D82A}">
+                    <a16:rowId xmlns:a16="http://schemas.microsoft.com/office/drawing/2014/main" val="2764049170"/>
+                  </a:ext>
+                </a:extLst>
+              </a:tr>
+            </a:tbl>
+          </a:graphicData>
+        </a:graphic>
+      </p:graphicFrame>
+      <p:sp>
+        <p:nvSpPr>
+          <p:cNvPr id="9" name="TextBox 8">
+            <a:extLst>
+              <a:ext uri="{FF2B5EF4-FFF2-40B4-BE49-F238E27FC236}">
+                <a16:creationId xmlns:a16="http://schemas.microsoft.com/office/drawing/2014/main" id="{8C78BC64-D93D-FA42-9857-F85E4B5C35DF}"/>
+              </a:ext>
+            </a:extLst>
+          </p:cNvPr>
+          <p:cNvSpPr txBox="1"/>
+          <p:nvPr/>
+        </p:nvSpPr>
+        <p:spPr>
+          <a:xfrm>
+            <a:off x="3316092" y="1391878"/>
+            <a:ext cx="3840434" cy="646331"/>
+          </a:xfrm>
+          <a:prstGeom prst="rect">
+            <a:avLst/>
+          </a:prstGeom>
+          <a:noFill/>
+        </p:spPr>
+        <p:txBody>
+          <a:bodyPr wrap="square" rtlCol="0">
+            <a:spAutoFit/>
+          </a:bodyPr>
+          <a:lstStyle/>
+          <a:p>
+            <a:r>
+              <a:rPr kumimoji="1" lang="ko-Kore-KR" altLang="en-US" dirty="0"/>
+              <a:t>주문번호</a:t>
+            </a:r>
+            <a:r>
+              <a:rPr kumimoji="1" lang="en-US" altLang="ko-Kore-KR" dirty="0"/>
+              <a:t>:</a:t>
+            </a:r>
+            <a:r>
+              <a:rPr kumimoji="1" lang="ko-KR" altLang="en-US" dirty="0"/>
+              <a:t> </a:t>
+            </a:r>
+            <a:r>
+              <a:rPr kumimoji="1" lang="en-US" altLang="ko-KR" dirty="0" err="1"/>
+              <a:t>asdfasqe</a:t>
+            </a:r>
+            <a:endParaRPr kumimoji="1" lang="en-US" altLang="ko-KR" dirty="0"/>
+          </a:p>
+          <a:p>
+            <a:r>
+              <a:rPr kumimoji="1" lang="ko-KR" altLang="en-US" dirty="0" err="1"/>
+              <a:t>주문날짜</a:t>
+            </a:r>
+            <a:r>
+              <a:rPr kumimoji="1" lang="en-US" altLang="ko-KR" dirty="0"/>
+              <a:t>:</a:t>
+            </a:r>
+            <a:r>
+              <a:rPr kumimoji="1" lang="ko-KR" altLang="en-US" dirty="0"/>
+              <a:t> </a:t>
+            </a:r>
+            <a:r>
+              <a:rPr kumimoji="1" lang="en-US" altLang="ko-KR" dirty="0"/>
+              <a:t>2021-12-12 13:12</a:t>
+            </a:r>
+          </a:p>
+        </p:txBody>
+      </p:sp>
+      <p:sp>
+        <p:nvSpPr>
+          <p:cNvPr id="32" name="모서리가 둥근 직사각형 31">
+            <a:extLst>
+              <a:ext uri="{FF2B5EF4-FFF2-40B4-BE49-F238E27FC236}">
+                <a16:creationId xmlns:a16="http://schemas.microsoft.com/office/drawing/2014/main" id="{805D7DB7-8025-CA49-9447-5D8081E90B8C}"/>
               </a:ext>
             </a:extLst>
           </p:cNvPr>
@@ -4902,11 +5652,13 @@
         </p:nvSpPr>
         <p:spPr>
           <a:xfrm>
-            <a:off x="7873973" y="4196112"/>
+            <a:off x="9500895" y="3156422"/>
             <a:ext cx="733526" cy="307777"/>
           </a:xfrm>
           <a:prstGeom prst="roundRect">
-            <a:avLst/>
+            <a:avLst>
+              <a:gd name="adj" fmla="val 19968"/>
+            </a:avLst>
           </a:prstGeom>
         </p:spPr>
         <p:style>
@@ -4939,10 +5691,10 @@
       </p:sp>
       <p:sp>
         <p:nvSpPr>
-          <p:cNvPr id="31" name="모서리가 둥근 직사각형 30">
-            <a:extLst>
-              <a:ext uri="{FF2B5EF4-FFF2-40B4-BE49-F238E27FC236}">
-                <a16:creationId xmlns:a16="http://schemas.microsoft.com/office/drawing/2014/main" id="{C799A736-287D-1E45-A892-A0C94D7DE7D2}"/>
+          <p:cNvPr id="39" name="모서리가 둥근 직사각형 38">
+            <a:extLst>
+              <a:ext uri="{FF2B5EF4-FFF2-40B4-BE49-F238E27FC236}">
+                <a16:creationId xmlns:a16="http://schemas.microsoft.com/office/drawing/2014/main" id="{6108BF47-A6EF-514B-A106-A2ADAFFF1D6C}"/>
               </a:ext>
             </a:extLst>
           </p:cNvPr>
@@ -4951,11 +5703,13 @@
         </p:nvSpPr>
         <p:spPr>
           <a:xfrm>
-            <a:off x="7873973" y="4669621"/>
+            <a:off x="9500895" y="3683868"/>
             <a:ext cx="733526" cy="307777"/>
           </a:xfrm>
           <a:prstGeom prst="roundRect">
-            <a:avLst/>
+            <a:avLst>
+              <a:gd name="adj" fmla="val 19968"/>
+            </a:avLst>
           </a:prstGeom>
         </p:spPr>
         <p:style>
@@ -4986,10 +5740,169 @@
           </a:p>
         </p:txBody>
       </p:sp>
+      <p:sp>
+        <p:nvSpPr>
+          <p:cNvPr id="40" name="모서리가 둥근 직사각형 39">
+            <a:extLst>
+              <a:ext uri="{FF2B5EF4-FFF2-40B4-BE49-F238E27FC236}">
+                <a16:creationId xmlns:a16="http://schemas.microsoft.com/office/drawing/2014/main" id="{863E19CF-5FCC-CE4C-8316-A2A5F9B149B6}"/>
+              </a:ext>
+            </a:extLst>
+          </p:cNvPr>
+          <p:cNvSpPr/>
+          <p:nvPr/>
+        </p:nvSpPr>
+        <p:spPr>
+          <a:xfrm>
+            <a:off x="9500895" y="4544491"/>
+            <a:ext cx="733526" cy="307777"/>
+          </a:xfrm>
+          <a:prstGeom prst="roundRect">
+            <a:avLst>
+              <a:gd name="adj" fmla="val 19968"/>
+            </a:avLst>
+          </a:prstGeom>
+        </p:spPr>
+        <p:style>
+          <a:lnRef idx="2">
+            <a:schemeClr val="accent6">
+              <a:shade val="50000"/>
+            </a:schemeClr>
+          </a:lnRef>
+          <a:fillRef idx="1">
+            <a:schemeClr val="accent6"/>
+          </a:fillRef>
+          <a:effectRef idx="0">
+            <a:schemeClr val="accent6"/>
+          </a:effectRef>
+          <a:fontRef idx="minor">
+            <a:schemeClr val="lt1"/>
+          </a:fontRef>
+        </p:style>
+        <p:txBody>
+          <a:bodyPr rtlCol="0" anchor="ctr"/>
+          <a:lstStyle/>
+          <a:p>
+            <a:pPr algn="ctr"/>
+            <a:r>
+              <a:rPr kumimoji="1" lang="ko-Kore-KR" altLang="en-US" sz="1000" dirty="0"/>
+              <a:t>리뷰쓰기</a:t>
+            </a:r>
+          </a:p>
+        </p:txBody>
+      </p:sp>
+      <p:sp>
+        <p:nvSpPr>
+          <p:cNvPr id="19" name="TextBox 18">
+            <a:extLst>
+              <a:ext uri="{FF2B5EF4-FFF2-40B4-BE49-F238E27FC236}">
+                <a16:creationId xmlns:a16="http://schemas.microsoft.com/office/drawing/2014/main" id="{3BD92EC3-06B9-F344-BFC3-CFBC397EE4EE}"/>
+              </a:ext>
+            </a:extLst>
+          </p:cNvPr>
+          <p:cNvSpPr txBox="1"/>
+          <p:nvPr/>
+        </p:nvSpPr>
+        <p:spPr>
+          <a:xfrm>
+            <a:off x="7197895" y="4967493"/>
+            <a:ext cx="2164082" cy="1200329"/>
+          </a:xfrm>
+          <a:prstGeom prst="rect">
+            <a:avLst/>
+          </a:prstGeom>
+          <a:noFill/>
+        </p:spPr>
+        <p:txBody>
+          <a:bodyPr wrap="square" rtlCol="0">
+            <a:spAutoFit/>
+          </a:bodyPr>
+          <a:lstStyle/>
+          <a:p>
+            <a:r>
+              <a:rPr kumimoji="1" lang="ko-KR" altLang="en-US" dirty="0"/>
+              <a:t>총 가격</a:t>
+            </a:r>
+            <a:r>
+              <a:rPr kumimoji="1" lang="en-US" altLang="ko-KR" dirty="0"/>
+              <a:t>:</a:t>
+            </a:r>
+            <a:r>
+              <a:rPr kumimoji="1" lang="ko-KR" altLang="en-US" dirty="0"/>
+              <a:t> </a:t>
+            </a:r>
+            <a:r>
+              <a:rPr kumimoji="1" lang="en-US" altLang="ko-KR" dirty="0"/>
+              <a:t>45750</a:t>
+            </a:r>
+            <a:r>
+              <a:rPr kumimoji="1" lang="ko-KR" altLang="en-US" dirty="0"/>
+              <a:t>원</a:t>
+            </a:r>
+            <a:endParaRPr kumimoji="1" lang="en-US" altLang="ko-KR" dirty="0"/>
+          </a:p>
+          <a:p>
+            <a:r>
+              <a:rPr kumimoji="1" lang="ko-KR" altLang="en-US" dirty="0"/>
+              <a:t>포인트 사용</a:t>
+            </a:r>
+            <a:r>
+              <a:rPr kumimoji="1" lang="en-US" altLang="ko-KR" dirty="0"/>
+              <a:t>:</a:t>
+            </a:r>
+            <a:r>
+              <a:rPr kumimoji="1" lang="ko-KR" altLang="en-US" dirty="0"/>
+              <a:t> </a:t>
+            </a:r>
+            <a:r>
+              <a:rPr kumimoji="1" lang="en-US" altLang="ko-KR" dirty="0"/>
+              <a:t>3000</a:t>
+            </a:r>
+          </a:p>
+          <a:p>
+            <a:r>
+              <a:rPr kumimoji="1" lang="ko-KR" altLang="en-US" dirty="0"/>
+              <a:t>결제금액</a:t>
+            </a:r>
+            <a:r>
+              <a:rPr kumimoji="1" lang="en-US" altLang="ko-KR" dirty="0"/>
+              <a:t>:</a:t>
+            </a:r>
+            <a:r>
+              <a:rPr kumimoji="1" lang="ko-KR" altLang="en-US" dirty="0"/>
+              <a:t> </a:t>
+            </a:r>
+            <a:r>
+              <a:rPr kumimoji="1" lang="en-US" altLang="ko-KR" dirty="0"/>
+              <a:t>42750</a:t>
+            </a:r>
+            <a:r>
+              <a:rPr kumimoji="1" lang="ko-KR" altLang="en-US" dirty="0"/>
+              <a:t>원</a:t>
+            </a:r>
+            <a:endParaRPr kumimoji="1" lang="en-US" altLang="ko-KR" dirty="0"/>
+          </a:p>
+          <a:p>
+            <a:r>
+              <a:rPr kumimoji="1" lang="ko-KR" altLang="en-US" dirty="0"/>
+              <a:t>결제방법</a:t>
+            </a:r>
+            <a:r>
+              <a:rPr kumimoji="1" lang="en-US" altLang="ko-KR" dirty="0"/>
+              <a:t>:</a:t>
+            </a:r>
+            <a:r>
+              <a:rPr kumimoji="1" lang="ko-KR" altLang="en-US" dirty="0"/>
+              <a:t> 신용카드</a:t>
+            </a:r>
+            <a:endParaRPr kumimoji="1" lang="ko-Kore-KR" altLang="en-US" dirty="0"/>
+          </a:p>
+        </p:txBody>
+      </p:sp>
     </p:spTree>
     <p:extLst>
       <p:ext uri="{BB962C8B-B14F-4D97-AF65-F5344CB8AC3E}">
-        <p14:creationId xmlns:p14="http://schemas.microsoft.com/office/powerpoint/2010/main" val="1015397005"/>
+        <p14:creationId xmlns:p14="http://schemas.microsoft.com/office/powerpoint/2010/main" val="1531088199"/>
       </p:ext>
     </p:extLst>
   </p:cSld>
@@ -4999,7 +5912,7 @@
 </p:sld>
 </file>
 
-<file path=ppt/slides/slide11.xml><?xml version="1.0" encoding="utf-8"?>
+<file path=ppt/slides/slide12.xml><?xml version="1.0" encoding="utf-8"?>
 <p:sld xmlns:a="http://schemas.openxmlformats.org/drawingml/2006/main" xmlns:r="http://schemas.openxmlformats.org/officeDocument/2006/relationships" xmlns:p="http://schemas.openxmlformats.org/presentationml/2006/main">
   <p:cSld>
     <p:bg>
@@ -7486,7 +8399,7 @@
 </p:sld>
 </file>
 
-<file path=ppt/slides/slide12.xml><?xml version="1.0" encoding="utf-8"?>
+<file path=ppt/slides/slide13.xml><?xml version="1.0" encoding="utf-8"?>
 <p:sld xmlns:a="http://schemas.openxmlformats.org/drawingml/2006/main" xmlns:r="http://schemas.openxmlformats.org/officeDocument/2006/relationships" xmlns:p="http://schemas.openxmlformats.org/presentationml/2006/main">
   <p:cSld>
     <p:spTree>
@@ -10743,7 +11656,7 @@
 </p:sld>
 </file>
 
-<file path=ppt/slides/slide13.xml><?xml version="1.0" encoding="utf-8"?>
+<file path=ppt/slides/slide14.xml><?xml version="1.0" encoding="utf-8"?>
 <p:sld xmlns:a="http://schemas.openxmlformats.org/drawingml/2006/main" xmlns:r="http://schemas.openxmlformats.org/officeDocument/2006/relationships" xmlns:p="http://schemas.openxmlformats.org/presentationml/2006/main">
   <p:cSld>
     <p:spTree>

--- a/프론트 디자인.pptx
+++ b/프론트 디자인.pptx
@@ -18,7 +18,9 @@
     <p:sldId id="269" r:id="rId12"/>
     <p:sldId id="258" r:id="rId13"/>
     <p:sldId id="259" r:id="rId14"/>
-    <p:sldId id="260" r:id="rId15"/>
+    <p:sldId id="270" r:id="rId15"/>
+    <p:sldId id="271" r:id="rId16"/>
+    <p:sldId id="260" r:id="rId17"/>
   </p:sldIdLst>
   <p:sldSz cx="12192000" cy="6858000"/>
   <p:notesSz cx="6858000" cy="9144000"/>
@@ -4885,7 +4887,7 @@
         <p:spPr>
           <a:xfrm>
             <a:off x="47501" y="0"/>
-            <a:ext cx="1686296" cy="369332"/>
+            <a:ext cx="1686296" cy="307777"/>
           </a:xfrm>
           <a:prstGeom prst="rect">
             <a:avLst/>
@@ -4899,10 +4901,10 @@
           <a:lstStyle/>
           <a:p>
             <a:r>
-              <a:rPr lang="en-US" altLang="ko-KR" dirty="0"/>
-              <a:t>login</a:t>
-            </a:r>
-            <a:endParaRPr lang="ko-KR" altLang="en-US" dirty="0"/>
+              <a:rPr lang="en-US" altLang="ko-KR" sz="1400" dirty="0" err="1"/>
+              <a:t>orderDetail</a:t>
+            </a:r>
+            <a:endParaRPr lang="ko-KR" altLang="en-US" sz="1400" dirty="0"/>
           </a:p>
         </p:txBody>
       </p:sp>
@@ -6526,7 +6528,7 @@
           <a:p>
             <a:r>
               <a:rPr lang="en-US" altLang="ko-KR" dirty="0"/>
-              <a:t>shop</a:t>
+              <a:t>board</a:t>
             </a:r>
             <a:endParaRPr lang="ko-KR" altLang="en-US" dirty="0"/>
           </a:p>
@@ -9425,7 +9427,7 @@
                   </a:outerShdw>
                 </a:effectLst>
               </a:rPr>
-              <a:t>(3)</a:t>
+              <a:t>(1)</a:t>
             </a:r>
             <a:endParaRPr lang="ko-KR" altLang="en-US" sz="800" dirty="0">
               <a:ln w="0"/>
@@ -11703,6 +11705,1637 @@
           <a:p>
             <a:r>
               <a:rPr lang="en-US" altLang="ko-KR" dirty="0"/>
+              <a:t>order</a:t>
+            </a:r>
+            <a:endParaRPr lang="ko-KR" altLang="en-US" dirty="0"/>
+          </a:p>
+        </p:txBody>
+      </p:sp>
+      <p:sp>
+        <p:nvSpPr>
+          <p:cNvPr id="11" name="TextBox 10">
+            <a:extLst>
+              <a:ext uri="{FF2B5EF4-FFF2-40B4-BE49-F238E27FC236}">
+                <a16:creationId xmlns:a16="http://schemas.microsoft.com/office/drawing/2014/main" id="{7372AEBA-C50D-4DF1-8F06-C71C3DEA659F}"/>
+              </a:ext>
+            </a:extLst>
+          </p:cNvPr>
+          <p:cNvSpPr txBox="1"/>
+          <p:nvPr/>
+        </p:nvSpPr>
+        <p:spPr>
+          <a:xfrm>
+            <a:off x="973222" y="7136"/>
+            <a:ext cx="3161944" cy="707886"/>
+          </a:xfrm>
+          <a:prstGeom prst="rect">
+            <a:avLst/>
+          </a:prstGeom>
+          <a:noFill/>
+        </p:spPr>
+        <p:txBody>
+          <a:bodyPr wrap="square" rtlCol="0">
+            <a:spAutoFit/>
+          </a:bodyPr>
+          <a:lstStyle/>
+          <a:p>
+            <a:r>
+              <a:rPr lang="en-US" altLang="ko-KR" sz="4000" dirty="0"/>
+              <a:t>ONCHALL</a:t>
+            </a:r>
+            <a:endParaRPr lang="ko-KR" altLang="en-US" sz="4000" dirty="0"/>
+          </a:p>
+        </p:txBody>
+      </p:sp>
+      <p:sp>
+        <p:nvSpPr>
+          <p:cNvPr id="12" name="TextBox 11">
+            <a:extLst>
+              <a:ext uri="{FF2B5EF4-FFF2-40B4-BE49-F238E27FC236}">
+                <a16:creationId xmlns:a16="http://schemas.microsoft.com/office/drawing/2014/main" id="{00EC4550-7BAE-4775-9A3C-30AB89ACCF47}"/>
+              </a:ext>
+            </a:extLst>
+          </p:cNvPr>
+          <p:cNvSpPr txBox="1"/>
+          <p:nvPr/>
+        </p:nvSpPr>
+        <p:spPr>
+          <a:xfrm>
+            <a:off x="4477995" y="284102"/>
+            <a:ext cx="7306656" cy="307777"/>
+          </a:xfrm>
+          <a:prstGeom prst="rect">
+            <a:avLst/>
+          </a:prstGeom>
+          <a:noFill/>
+        </p:spPr>
+        <p:txBody>
+          <a:bodyPr wrap="square" rtlCol="0">
+            <a:spAutoFit/>
+          </a:bodyPr>
+          <a:lstStyle/>
+          <a:p>
+            <a:r>
+              <a:rPr lang="ko-KR" altLang="en-US" sz="1400" dirty="0" err="1"/>
+              <a:t>온챌아카데미학원</a:t>
+            </a:r>
+            <a:r>
+              <a:rPr lang="ko-KR" altLang="en-US" sz="1400" dirty="0"/>
+              <a:t>       </a:t>
+            </a:r>
+            <a:r>
+              <a:rPr lang="ko-KR" altLang="en-US" sz="1400" dirty="0" err="1"/>
+              <a:t>온챌개념서</a:t>
+            </a:r>
+            <a:r>
+              <a:rPr lang="ko-KR" altLang="en-US" sz="1400" dirty="0"/>
+              <a:t> 무료보기     </a:t>
+            </a:r>
+            <a:r>
+              <a:rPr lang="ko-KR" altLang="en-US" sz="1400" dirty="0" err="1"/>
+              <a:t>온챌개념서</a:t>
+            </a:r>
+            <a:r>
+              <a:rPr lang="ko-KR" altLang="en-US" sz="1400" dirty="0"/>
+              <a:t> 구매     장바구니    회원정보</a:t>
+            </a:r>
+          </a:p>
+        </p:txBody>
+      </p:sp>
+      <p:sp>
+        <p:nvSpPr>
+          <p:cNvPr id="13" name="TextBox 12">
+            <a:extLst>
+              <a:ext uri="{FF2B5EF4-FFF2-40B4-BE49-F238E27FC236}">
+                <a16:creationId xmlns:a16="http://schemas.microsoft.com/office/drawing/2014/main" id="{978C000E-E8E9-4707-98A8-994482492F42}"/>
+              </a:ext>
+            </a:extLst>
+          </p:cNvPr>
+          <p:cNvSpPr txBox="1"/>
+          <p:nvPr/>
+        </p:nvSpPr>
+        <p:spPr>
+          <a:xfrm>
+            <a:off x="1778409" y="938419"/>
+            <a:ext cx="1463555" cy="461665"/>
+          </a:xfrm>
+          <a:prstGeom prst="rect">
+            <a:avLst/>
+          </a:prstGeom>
+          <a:noFill/>
+        </p:spPr>
+        <p:txBody>
+          <a:bodyPr wrap="square" rtlCol="0">
+            <a:spAutoFit/>
+          </a:bodyPr>
+          <a:lstStyle/>
+          <a:p>
+            <a:pPr algn="l"/>
+            <a:r>
+              <a:rPr lang="ko-KR" altLang="en-US" sz="2400" b="1" dirty="0">
+                <a:solidFill>
+                  <a:srgbClr val="1A1A1A"/>
+                </a:solidFill>
+                <a:latin typeface="Montserrat" panose="020B0604020202020204" pitchFamily="2" charset="0"/>
+              </a:rPr>
+              <a:t>주문하기</a:t>
+            </a:r>
+            <a:endParaRPr lang="ko-KR" altLang="en-US" sz="2400" b="1" i="0" dirty="0">
+              <a:solidFill>
+                <a:srgbClr val="1A1A1A"/>
+              </a:solidFill>
+              <a:effectLst/>
+              <a:latin typeface="Montserrat" panose="020B0604020202020204" pitchFamily="2" charset="0"/>
+            </a:endParaRPr>
+          </a:p>
+        </p:txBody>
+      </p:sp>
+      <p:grpSp>
+        <p:nvGrpSpPr>
+          <p:cNvPr id="6" name="그룹 5">
+            <a:extLst>
+              <a:ext uri="{FF2B5EF4-FFF2-40B4-BE49-F238E27FC236}">
+                <a16:creationId xmlns:a16="http://schemas.microsoft.com/office/drawing/2014/main" id="{11DE3161-CA91-074C-9D70-A08A537E3102}"/>
+              </a:ext>
+            </a:extLst>
+          </p:cNvPr>
+          <p:cNvGrpSpPr/>
+          <p:nvPr/>
+        </p:nvGrpSpPr>
+        <p:grpSpPr>
+          <a:xfrm>
+            <a:off x="3830847" y="1295924"/>
+            <a:ext cx="4530306" cy="1619996"/>
+            <a:chOff x="2895600" y="1572275"/>
+            <a:chExt cx="4490720" cy="2131620"/>
+          </a:xfrm>
+        </p:grpSpPr>
+        <p:sp>
+          <p:nvSpPr>
+            <p:cNvPr id="26" name="TextBox 25">
+              <a:extLst>
+                <a:ext uri="{FF2B5EF4-FFF2-40B4-BE49-F238E27FC236}">
+                  <a16:creationId xmlns:a16="http://schemas.microsoft.com/office/drawing/2014/main" id="{A74CD701-A0EC-CF45-AC69-0795AA269830}"/>
+                </a:ext>
+              </a:extLst>
+            </p:cNvPr>
+            <p:cNvSpPr txBox="1"/>
+            <p:nvPr/>
+          </p:nvSpPr>
+          <p:spPr>
+            <a:xfrm>
+              <a:off x="3344792" y="2242105"/>
+              <a:ext cx="2493820" cy="338554"/>
+            </a:xfrm>
+            <a:prstGeom prst="rect">
+              <a:avLst/>
+            </a:prstGeom>
+            <a:noFill/>
+          </p:spPr>
+          <p:txBody>
+            <a:bodyPr wrap="square" rtlCol="0">
+              <a:spAutoFit/>
+            </a:bodyPr>
+            <a:lstStyle/>
+            <a:p>
+              <a:r>
+                <a:rPr lang="en-US" altLang="ko-KR" sz="1600" dirty="0"/>
+                <a:t>[</a:t>
+              </a:r>
+              <a:r>
+                <a:rPr lang="ko-KR" altLang="en-US" sz="1600" dirty="0" err="1"/>
+                <a:t>온챌개념서</a:t>
+              </a:r>
+              <a:r>
+                <a:rPr lang="en-US" altLang="ko-KR" sz="1600" dirty="0"/>
+                <a:t>]_</a:t>
+              </a:r>
+              <a:r>
+                <a:rPr lang="ko-KR" altLang="en-US" sz="1600" dirty="0"/>
+                <a:t>고등수학상</a:t>
+              </a:r>
+            </a:p>
+          </p:txBody>
+        </p:sp>
+        <p:sp>
+          <p:nvSpPr>
+            <p:cNvPr id="31" name="TextBox 30">
+              <a:extLst>
+                <a:ext uri="{FF2B5EF4-FFF2-40B4-BE49-F238E27FC236}">
+                  <a16:creationId xmlns:a16="http://schemas.microsoft.com/office/drawing/2014/main" id="{8D57F09D-2F8C-104C-AFA4-BF6EB8EBB203}"/>
+                </a:ext>
+              </a:extLst>
+            </p:cNvPr>
+            <p:cNvSpPr txBox="1"/>
+            <p:nvPr/>
+          </p:nvSpPr>
+          <p:spPr>
+            <a:xfrm>
+              <a:off x="6025401" y="2259215"/>
+              <a:ext cx="1025039" cy="338554"/>
+            </a:xfrm>
+            <a:prstGeom prst="rect">
+              <a:avLst/>
+            </a:prstGeom>
+            <a:noFill/>
+          </p:spPr>
+          <p:txBody>
+            <a:bodyPr wrap="square" rtlCol="0">
+              <a:spAutoFit/>
+            </a:bodyPr>
+            <a:lstStyle/>
+            <a:p>
+              <a:pPr algn="ctr"/>
+              <a:r>
+                <a:rPr lang="ko-KR" altLang="en-US" sz="1600" b="0" i="0" dirty="0">
+                  <a:solidFill>
+                    <a:srgbClr val="1A1A1A"/>
+                  </a:solidFill>
+                  <a:effectLst/>
+                  <a:latin typeface="NanumGothic"/>
+                </a:rPr>
+                <a:t>₩</a:t>
+              </a:r>
+              <a:r>
+                <a:rPr lang="en-US" altLang="ko-KR" sz="1600" b="0" i="0" dirty="0">
+                  <a:solidFill>
+                    <a:srgbClr val="1A1A1A"/>
+                  </a:solidFill>
+                  <a:effectLst/>
+                  <a:latin typeface="NanumGothic"/>
+                </a:rPr>
+                <a:t>9,000</a:t>
+              </a:r>
+              <a:endParaRPr lang="ko-KR" altLang="en-US" sz="1600" dirty="0"/>
+            </a:p>
+          </p:txBody>
+        </p:sp>
+        <p:sp>
+          <p:nvSpPr>
+            <p:cNvPr id="32" name="직사각형 31">
+              <a:extLst>
+                <a:ext uri="{FF2B5EF4-FFF2-40B4-BE49-F238E27FC236}">
+                  <a16:creationId xmlns:a16="http://schemas.microsoft.com/office/drawing/2014/main" id="{5F8077E7-AC0D-AC41-B774-1021CB2D2F93}"/>
+                </a:ext>
+              </a:extLst>
+            </p:cNvPr>
+            <p:cNvSpPr/>
+            <p:nvPr/>
+          </p:nvSpPr>
+          <p:spPr>
+            <a:xfrm>
+              <a:off x="2895600" y="1572275"/>
+              <a:ext cx="4490720" cy="2131620"/>
+            </a:xfrm>
+            <a:prstGeom prst="rect">
+              <a:avLst/>
+            </a:prstGeom>
+            <a:noFill/>
+            <a:ln>
+              <a:solidFill>
+                <a:schemeClr val="tx1"/>
+              </a:solidFill>
+            </a:ln>
+          </p:spPr>
+          <p:style>
+            <a:lnRef idx="2">
+              <a:schemeClr val="accent1">
+                <a:shade val="50000"/>
+              </a:schemeClr>
+            </a:lnRef>
+            <a:fillRef idx="1">
+              <a:schemeClr val="accent1"/>
+            </a:fillRef>
+            <a:effectRef idx="0">
+              <a:schemeClr val="accent1"/>
+            </a:effectRef>
+            <a:fontRef idx="minor">
+              <a:schemeClr val="lt1"/>
+            </a:fontRef>
+          </p:style>
+          <p:txBody>
+            <a:bodyPr rtlCol="0" anchor="ctr"/>
+            <a:lstStyle/>
+            <a:p>
+              <a:pPr algn="ctr"/>
+              <a:endParaRPr lang="ko-KR" altLang="en-US" dirty="0"/>
+            </a:p>
+          </p:txBody>
+        </p:sp>
+        <p:sp>
+          <p:nvSpPr>
+            <p:cNvPr id="40" name="TextBox 39">
+              <a:extLst>
+                <a:ext uri="{FF2B5EF4-FFF2-40B4-BE49-F238E27FC236}">
+                  <a16:creationId xmlns:a16="http://schemas.microsoft.com/office/drawing/2014/main" id="{A8DBCCC2-07F5-5044-A2EF-C96842F7104D}"/>
+                </a:ext>
+              </a:extLst>
+            </p:cNvPr>
+            <p:cNvSpPr txBox="1"/>
+            <p:nvPr/>
+          </p:nvSpPr>
+          <p:spPr>
+            <a:xfrm>
+              <a:off x="4106418" y="1657855"/>
+              <a:ext cx="1136142" cy="461665"/>
+            </a:xfrm>
+            <a:prstGeom prst="rect">
+              <a:avLst/>
+            </a:prstGeom>
+            <a:noFill/>
+          </p:spPr>
+          <p:txBody>
+            <a:bodyPr wrap="square" rtlCol="0">
+              <a:spAutoFit/>
+            </a:bodyPr>
+            <a:lstStyle/>
+            <a:p>
+              <a:pPr algn="ctr"/>
+              <a:r>
+                <a:rPr lang="ko-KR" altLang="en-US" sz="2400" dirty="0"/>
+                <a:t>상품명</a:t>
+              </a:r>
+            </a:p>
+          </p:txBody>
+        </p:sp>
+        <p:sp>
+          <p:nvSpPr>
+            <p:cNvPr id="41" name="TextBox 40">
+              <a:extLst>
+                <a:ext uri="{FF2B5EF4-FFF2-40B4-BE49-F238E27FC236}">
+                  <a16:creationId xmlns:a16="http://schemas.microsoft.com/office/drawing/2014/main" id="{106CC8F7-B872-A743-8363-E589BBC56F21}"/>
+                </a:ext>
+              </a:extLst>
+            </p:cNvPr>
+            <p:cNvSpPr txBox="1"/>
+            <p:nvPr/>
+          </p:nvSpPr>
+          <p:spPr>
+            <a:xfrm>
+              <a:off x="6095564" y="1648360"/>
+              <a:ext cx="884712" cy="461665"/>
+            </a:xfrm>
+            <a:prstGeom prst="rect">
+              <a:avLst/>
+            </a:prstGeom>
+            <a:noFill/>
+          </p:spPr>
+          <p:txBody>
+            <a:bodyPr wrap="square" rtlCol="0">
+              <a:spAutoFit/>
+            </a:bodyPr>
+            <a:lstStyle/>
+            <a:p>
+              <a:pPr algn="ctr"/>
+              <a:r>
+                <a:rPr lang="ko-KR" altLang="en-US" sz="2400" dirty="0"/>
+                <a:t>가격</a:t>
+              </a:r>
+            </a:p>
+          </p:txBody>
+        </p:sp>
+        <p:sp>
+          <p:nvSpPr>
+            <p:cNvPr id="42" name="TextBox 41">
+              <a:extLst>
+                <a:ext uri="{FF2B5EF4-FFF2-40B4-BE49-F238E27FC236}">
+                  <a16:creationId xmlns:a16="http://schemas.microsoft.com/office/drawing/2014/main" id="{79F4EE0E-39C7-784B-B688-2A8033E7BA9C}"/>
+                </a:ext>
+              </a:extLst>
+            </p:cNvPr>
+            <p:cNvSpPr txBox="1"/>
+            <p:nvPr/>
+          </p:nvSpPr>
+          <p:spPr>
+            <a:xfrm>
+              <a:off x="3344792" y="2826021"/>
+              <a:ext cx="2493820" cy="584775"/>
+            </a:xfrm>
+            <a:prstGeom prst="rect">
+              <a:avLst/>
+            </a:prstGeom>
+            <a:noFill/>
+          </p:spPr>
+          <p:txBody>
+            <a:bodyPr wrap="square" rtlCol="0">
+              <a:spAutoFit/>
+            </a:bodyPr>
+            <a:lstStyle/>
+            <a:p>
+              <a:r>
+                <a:rPr lang="ko-KR" altLang="en-US" sz="1600" dirty="0"/>
+                <a:t>고등수학상</a:t>
+              </a:r>
+              <a:r>
+                <a:rPr lang="en-US" altLang="ko-KR" sz="1600" dirty="0"/>
+                <a:t>_07</a:t>
+              </a:r>
+              <a:r>
+                <a:rPr lang="ko-KR" altLang="en-US" sz="1600" dirty="0" err="1"/>
+                <a:t>여러가지방정식</a:t>
+              </a:r>
+              <a:endParaRPr lang="ko-KR" altLang="en-US" sz="1600" dirty="0"/>
+            </a:p>
+          </p:txBody>
+        </p:sp>
+        <p:sp>
+          <p:nvSpPr>
+            <p:cNvPr id="43" name="TextBox 42">
+              <a:extLst>
+                <a:ext uri="{FF2B5EF4-FFF2-40B4-BE49-F238E27FC236}">
+                  <a16:creationId xmlns:a16="http://schemas.microsoft.com/office/drawing/2014/main" id="{0D796CDC-7C4F-7A4C-B140-7EC1D0F87C54}"/>
+                </a:ext>
+              </a:extLst>
+            </p:cNvPr>
+            <p:cNvSpPr txBox="1"/>
+            <p:nvPr/>
+          </p:nvSpPr>
+          <p:spPr>
+            <a:xfrm>
+              <a:off x="6025402" y="2861487"/>
+              <a:ext cx="1025038" cy="338554"/>
+            </a:xfrm>
+            <a:prstGeom prst="rect">
+              <a:avLst/>
+            </a:prstGeom>
+            <a:noFill/>
+          </p:spPr>
+          <p:txBody>
+            <a:bodyPr wrap="square" rtlCol="0">
+              <a:spAutoFit/>
+            </a:bodyPr>
+            <a:lstStyle/>
+            <a:p>
+              <a:pPr algn="ctr"/>
+              <a:r>
+                <a:rPr lang="ko-KR" altLang="en-US" sz="1600" b="0" i="0" dirty="0">
+                  <a:solidFill>
+                    <a:srgbClr val="1A1A1A"/>
+                  </a:solidFill>
+                  <a:effectLst/>
+                  <a:latin typeface="NanumGothic"/>
+                </a:rPr>
+                <a:t>₩</a:t>
+              </a:r>
+              <a:r>
+                <a:rPr lang="en-US" altLang="ko-KR" sz="1600" b="0" i="0" dirty="0">
+                  <a:solidFill>
+                    <a:srgbClr val="1A1A1A"/>
+                  </a:solidFill>
+                  <a:effectLst/>
+                  <a:latin typeface="NanumGothic"/>
+                </a:rPr>
+                <a:t>1,000</a:t>
+              </a:r>
+              <a:endParaRPr lang="ko-KR" altLang="en-US" sz="1600" dirty="0"/>
+            </a:p>
+          </p:txBody>
+        </p:sp>
+      </p:grpSp>
+      <p:sp>
+        <p:nvSpPr>
+          <p:cNvPr id="48" name="사각형: 둥근 모서리 23">
+            <a:extLst>
+              <a:ext uri="{FF2B5EF4-FFF2-40B4-BE49-F238E27FC236}">
+                <a16:creationId xmlns:a16="http://schemas.microsoft.com/office/drawing/2014/main" id="{AD487BE9-EA08-E942-BF99-741642E3D844}"/>
+              </a:ext>
+            </a:extLst>
+          </p:cNvPr>
+          <p:cNvSpPr/>
+          <p:nvPr/>
+        </p:nvSpPr>
+        <p:spPr>
+          <a:xfrm>
+            <a:off x="8945945" y="5843502"/>
+            <a:ext cx="1983179" cy="469075"/>
+          </a:xfrm>
+          <a:prstGeom prst="roundRect">
+            <a:avLst/>
+          </a:prstGeom>
+        </p:spPr>
+        <p:style>
+          <a:lnRef idx="3">
+            <a:schemeClr val="lt1"/>
+          </a:lnRef>
+          <a:fillRef idx="1">
+            <a:schemeClr val="accent2"/>
+          </a:fillRef>
+          <a:effectRef idx="1">
+            <a:schemeClr val="accent2"/>
+          </a:effectRef>
+          <a:fontRef idx="minor">
+            <a:schemeClr val="lt1"/>
+          </a:fontRef>
+        </p:style>
+        <p:txBody>
+          <a:bodyPr rtlCol="0" anchor="ctr"/>
+          <a:lstStyle/>
+          <a:p>
+            <a:pPr algn="ctr"/>
+            <a:r>
+              <a:rPr lang="ko-KR" altLang="en-US" dirty="0"/>
+              <a:t>결제하기</a:t>
+            </a:r>
+          </a:p>
+        </p:txBody>
+      </p:sp>
+      <p:sp>
+        <p:nvSpPr>
+          <p:cNvPr id="49" name="사각형: 둥근 모서리 24">
+            <a:hlinkClick r:id="rId2" action="ppaction://hlinksldjump"/>
+            <a:extLst>
+              <a:ext uri="{FF2B5EF4-FFF2-40B4-BE49-F238E27FC236}">
+                <a16:creationId xmlns:a16="http://schemas.microsoft.com/office/drawing/2014/main" id="{74F40818-1532-8643-8B34-F33CB1628419}"/>
+              </a:ext>
+            </a:extLst>
+          </p:cNvPr>
+          <p:cNvSpPr/>
+          <p:nvPr/>
+        </p:nvSpPr>
+        <p:spPr>
+          <a:xfrm>
+            <a:off x="4766094" y="5695818"/>
+            <a:ext cx="903186" cy="424959"/>
+          </a:xfrm>
+          <a:prstGeom prst="roundRect">
+            <a:avLst/>
+          </a:prstGeom>
+          <a:ln>
+            <a:solidFill>
+              <a:schemeClr val="accent1">
+                <a:lumMod val="40000"/>
+                <a:lumOff val="60000"/>
+              </a:schemeClr>
+            </a:solidFill>
+          </a:ln>
+        </p:spPr>
+        <p:style>
+          <a:lnRef idx="2">
+            <a:schemeClr val="accent6">
+              <a:shade val="50000"/>
+            </a:schemeClr>
+          </a:lnRef>
+          <a:fillRef idx="1">
+            <a:schemeClr val="accent6"/>
+          </a:fillRef>
+          <a:effectRef idx="0">
+            <a:schemeClr val="accent6"/>
+          </a:effectRef>
+          <a:fontRef idx="minor">
+            <a:schemeClr val="lt1"/>
+          </a:fontRef>
+        </p:style>
+        <p:txBody>
+          <a:bodyPr rtlCol="0" anchor="ctr"/>
+          <a:lstStyle/>
+          <a:p>
+            <a:pPr algn="ctr"/>
+            <a:r>
+              <a:rPr lang="ko-KR" altLang="en-US" sz="1200" b="1" dirty="0"/>
+              <a:t>카드</a:t>
+            </a:r>
+          </a:p>
+        </p:txBody>
+      </p:sp>
+      <p:sp>
+        <p:nvSpPr>
+          <p:cNvPr id="7" name="TextBox 6">
+            <a:extLst>
+              <a:ext uri="{FF2B5EF4-FFF2-40B4-BE49-F238E27FC236}">
+                <a16:creationId xmlns:a16="http://schemas.microsoft.com/office/drawing/2014/main" id="{29A61165-0923-F547-8386-20F7E5C125DA}"/>
+              </a:ext>
+            </a:extLst>
+          </p:cNvPr>
+          <p:cNvSpPr txBox="1"/>
+          <p:nvPr/>
+        </p:nvSpPr>
+        <p:spPr>
+          <a:xfrm>
+            <a:off x="9005386" y="2756025"/>
+            <a:ext cx="1864295" cy="923330"/>
+          </a:xfrm>
+          <a:prstGeom prst="rect">
+            <a:avLst/>
+          </a:prstGeom>
+          <a:noFill/>
+        </p:spPr>
+        <p:txBody>
+          <a:bodyPr wrap="square" rtlCol="0">
+            <a:spAutoFit/>
+          </a:bodyPr>
+          <a:lstStyle/>
+          <a:p>
+            <a:pPr algn="ctr"/>
+            <a:r>
+              <a:rPr kumimoji="1" lang="ko-Kore-KR" altLang="en-US" b="1" dirty="0"/>
+              <a:t>주문자</a:t>
+            </a:r>
+            <a:r>
+              <a:rPr kumimoji="1" lang="ko-KR" altLang="en-US" b="1" dirty="0"/>
+              <a:t> 정보</a:t>
+            </a:r>
+            <a:endParaRPr kumimoji="1" lang="en-US" altLang="ko-KR" b="1" dirty="0"/>
+          </a:p>
+          <a:p>
+            <a:r>
+              <a:rPr kumimoji="1" lang="en-US" altLang="ko-Kore-KR" dirty="0" err="1"/>
+              <a:t>testMember</a:t>
+            </a:r>
+            <a:endParaRPr kumimoji="1" lang="en-US" altLang="ko-Kore-KR" dirty="0"/>
+          </a:p>
+          <a:p>
+            <a:r>
+              <a:rPr kumimoji="1" lang="en-US" altLang="ko-Kore-KR" dirty="0" err="1"/>
+              <a:t>asdf@asdf.com</a:t>
+            </a:r>
+            <a:endParaRPr kumimoji="1" lang="ko-Kore-KR" altLang="en-US" dirty="0"/>
+          </a:p>
+        </p:txBody>
+      </p:sp>
+      <p:grpSp>
+        <p:nvGrpSpPr>
+          <p:cNvPr id="20" name="그룹 19">
+            <a:extLst>
+              <a:ext uri="{FF2B5EF4-FFF2-40B4-BE49-F238E27FC236}">
+                <a16:creationId xmlns:a16="http://schemas.microsoft.com/office/drawing/2014/main" id="{870752C7-59A1-654A-A268-F6C1DAA3C59E}"/>
+              </a:ext>
+            </a:extLst>
+          </p:cNvPr>
+          <p:cNvGrpSpPr/>
+          <p:nvPr/>
+        </p:nvGrpSpPr>
+        <p:grpSpPr>
+          <a:xfrm>
+            <a:off x="4255455" y="2987000"/>
+            <a:ext cx="3681090" cy="1245084"/>
+            <a:chOff x="3668814" y="2987000"/>
+            <a:chExt cx="3681090" cy="1245084"/>
+          </a:xfrm>
+        </p:grpSpPr>
+        <p:sp>
+          <p:nvSpPr>
+            <p:cNvPr id="51" name="사각형: 둥근 모서리 33">
+              <a:extLst>
+                <a:ext uri="{FF2B5EF4-FFF2-40B4-BE49-F238E27FC236}">
+                  <a16:creationId xmlns:a16="http://schemas.microsoft.com/office/drawing/2014/main" id="{FBA6742F-EE2E-9347-809B-6F6FA48E118D}"/>
+                </a:ext>
+              </a:extLst>
+            </p:cNvPr>
+            <p:cNvSpPr/>
+            <p:nvPr/>
+          </p:nvSpPr>
+          <p:spPr>
+            <a:xfrm>
+              <a:off x="6366006" y="3896721"/>
+              <a:ext cx="983898" cy="247997"/>
+            </a:xfrm>
+            <a:prstGeom prst="roundRect">
+              <a:avLst/>
+            </a:prstGeom>
+            <a:ln>
+              <a:solidFill>
+                <a:schemeClr val="accent1">
+                  <a:lumMod val="40000"/>
+                  <a:lumOff val="60000"/>
+                </a:schemeClr>
+              </a:solidFill>
+            </a:ln>
+          </p:spPr>
+          <p:style>
+            <a:lnRef idx="2">
+              <a:schemeClr val="accent6">
+                <a:shade val="50000"/>
+              </a:schemeClr>
+            </a:lnRef>
+            <a:fillRef idx="1">
+              <a:schemeClr val="accent6"/>
+            </a:fillRef>
+            <a:effectRef idx="0">
+              <a:schemeClr val="accent6"/>
+            </a:effectRef>
+            <a:fontRef idx="minor">
+              <a:schemeClr val="lt1"/>
+            </a:fontRef>
+          </p:style>
+          <p:txBody>
+            <a:bodyPr rtlCol="0" anchor="ctr"/>
+            <a:lstStyle/>
+            <a:p>
+              <a:pPr algn="ctr"/>
+              <a:r>
+                <a:rPr lang="ko-KR" altLang="en-US" sz="1050" dirty="0" err="1"/>
+                <a:t>전액사용</a:t>
+              </a:r>
+              <a:endParaRPr lang="ko-KR" altLang="en-US" sz="1050" dirty="0"/>
+            </a:p>
+          </p:txBody>
+        </p:sp>
+        <p:sp>
+          <p:nvSpPr>
+            <p:cNvPr id="9" name="TextBox 8">
+              <a:extLst>
+                <a:ext uri="{FF2B5EF4-FFF2-40B4-BE49-F238E27FC236}">
+                  <a16:creationId xmlns:a16="http://schemas.microsoft.com/office/drawing/2014/main" id="{F1932E69-EB58-0A4F-88A7-0D2FF75A940C}"/>
+                </a:ext>
+              </a:extLst>
+            </p:cNvPr>
+            <p:cNvSpPr txBox="1"/>
+            <p:nvPr/>
+          </p:nvSpPr>
+          <p:spPr>
+            <a:xfrm>
+              <a:off x="3668814" y="2987000"/>
+              <a:ext cx="1129108" cy="1245084"/>
+            </a:xfrm>
+            <a:prstGeom prst="rect">
+              <a:avLst/>
+            </a:prstGeom>
+            <a:noFill/>
+          </p:spPr>
+          <p:txBody>
+            <a:bodyPr wrap="square" rtlCol="0">
+              <a:spAutoFit/>
+            </a:bodyPr>
+            <a:lstStyle/>
+            <a:p>
+              <a:pPr algn="ctr">
+                <a:lnSpc>
+                  <a:spcPct val="150000"/>
+                </a:lnSpc>
+              </a:pPr>
+              <a:r>
+                <a:rPr kumimoji="1" lang="ko-Kore-KR" altLang="en-US" sz="2000" b="1" dirty="0"/>
+                <a:t>포인트</a:t>
+              </a:r>
+              <a:endParaRPr kumimoji="1" lang="en-US" altLang="ko-Kore-KR" sz="2000" b="1" dirty="0"/>
+            </a:p>
+            <a:p>
+              <a:pPr algn="ctr">
+                <a:lnSpc>
+                  <a:spcPct val="150000"/>
+                </a:lnSpc>
+              </a:pPr>
+              <a:r>
+                <a:rPr kumimoji="1" lang="ko-Kore-KR" altLang="en-US" sz="1600" dirty="0"/>
+                <a:t>보유</a:t>
+              </a:r>
+              <a:r>
+                <a:rPr kumimoji="1" lang="ko-KR" altLang="en-US" sz="1600" dirty="0"/>
+                <a:t>           </a:t>
+              </a:r>
+              <a:endParaRPr kumimoji="1" lang="en-US" altLang="ko-Kore-KR" sz="1600" dirty="0"/>
+            </a:p>
+            <a:p>
+              <a:pPr algn="ctr">
+                <a:lnSpc>
+                  <a:spcPct val="150000"/>
+                </a:lnSpc>
+              </a:pPr>
+              <a:r>
+                <a:rPr kumimoji="1" lang="ko-Kore-KR" altLang="en-US" sz="1600" dirty="0"/>
+                <a:t>사용</a:t>
+              </a:r>
+            </a:p>
+          </p:txBody>
+        </p:sp>
+        <p:cxnSp>
+          <p:nvCxnSpPr>
+            <p:cNvPr id="18" name="직선 연결선[R] 17">
+              <a:extLst>
+                <a:ext uri="{FF2B5EF4-FFF2-40B4-BE49-F238E27FC236}">
+                  <a16:creationId xmlns:a16="http://schemas.microsoft.com/office/drawing/2014/main" id="{0683F5ED-7C27-064C-A66B-01482041889D}"/>
+                </a:ext>
+              </a:extLst>
+            </p:cNvPr>
+            <p:cNvCxnSpPr/>
+            <p:nvPr/>
+          </p:nvCxnSpPr>
+          <p:spPr>
+            <a:xfrm>
+              <a:off x="4787762" y="4176414"/>
+              <a:ext cx="1480958" cy="0"/>
+            </a:xfrm>
+            <a:prstGeom prst="line">
+              <a:avLst/>
+            </a:prstGeom>
+          </p:spPr>
+          <p:style>
+            <a:lnRef idx="1">
+              <a:schemeClr val="dk1"/>
+            </a:lnRef>
+            <a:fillRef idx="0">
+              <a:schemeClr val="dk1"/>
+            </a:fillRef>
+            <a:effectRef idx="0">
+              <a:schemeClr val="dk1"/>
+            </a:effectRef>
+            <a:fontRef idx="minor">
+              <a:schemeClr val="tx1"/>
+            </a:fontRef>
+          </p:style>
+        </p:cxnSp>
+        <p:cxnSp>
+          <p:nvCxnSpPr>
+            <p:cNvPr id="52" name="직선 연결선[R] 51">
+              <a:extLst>
+                <a:ext uri="{FF2B5EF4-FFF2-40B4-BE49-F238E27FC236}">
+                  <a16:creationId xmlns:a16="http://schemas.microsoft.com/office/drawing/2014/main" id="{08D55F3D-4AFC-9B49-89C0-47D12C74AFCC}"/>
+                </a:ext>
+              </a:extLst>
+            </p:cNvPr>
+            <p:cNvCxnSpPr/>
+            <p:nvPr/>
+          </p:nvCxnSpPr>
+          <p:spPr>
+            <a:xfrm>
+              <a:off x="4777602" y="3800494"/>
+              <a:ext cx="1480958" cy="0"/>
+            </a:xfrm>
+            <a:prstGeom prst="line">
+              <a:avLst/>
+            </a:prstGeom>
+          </p:spPr>
+          <p:style>
+            <a:lnRef idx="1">
+              <a:schemeClr val="dk1"/>
+            </a:lnRef>
+            <a:fillRef idx="0">
+              <a:schemeClr val="dk1"/>
+            </a:fillRef>
+            <a:effectRef idx="0">
+              <a:schemeClr val="dk1"/>
+            </a:effectRef>
+            <a:fontRef idx="minor">
+              <a:schemeClr val="tx1"/>
+            </a:fontRef>
+          </p:style>
+        </p:cxnSp>
+        <p:sp>
+          <p:nvSpPr>
+            <p:cNvPr id="19" name="TextBox 18">
+              <a:extLst>
+                <a:ext uri="{FF2B5EF4-FFF2-40B4-BE49-F238E27FC236}">
+                  <a16:creationId xmlns:a16="http://schemas.microsoft.com/office/drawing/2014/main" id="{D0D0DB93-9BC5-B34B-B610-B7728234AB9A}"/>
+                </a:ext>
+              </a:extLst>
+            </p:cNvPr>
+            <p:cNvSpPr txBox="1"/>
+            <p:nvPr/>
+          </p:nvSpPr>
+          <p:spPr>
+            <a:xfrm>
+              <a:off x="5412583" y="3455054"/>
+              <a:ext cx="955040" cy="369332"/>
+            </a:xfrm>
+            <a:prstGeom prst="rect">
+              <a:avLst/>
+            </a:prstGeom>
+            <a:noFill/>
+          </p:spPr>
+          <p:txBody>
+            <a:bodyPr wrap="square" rtlCol="0">
+              <a:spAutoFit/>
+            </a:bodyPr>
+            <a:lstStyle/>
+            <a:p>
+              <a:r>
+                <a:rPr kumimoji="1" lang="en-US" altLang="ko-Kore-KR" dirty="0"/>
+                <a:t>29,946</a:t>
+              </a:r>
+              <a:endParaRPr kumimoji="1" lang="ko-Kore-KR" altLang="en-US" dirty="0"/>
+            </a:p>
+          </p:txBody>
+        </p:sp>
+        <p:sp>
+          <p:nvSpPr>
+            <p:cNvPr id="53" name="TextBox 52">
+              <a:extLst>
+                <a:ext uri="{FF2B5EF4-FFF2-40B4-BE49-F238E27FC236}">
+                  <a16:creationId xmlns:a16="http://schemas.microsoft.com/office/drawing/2014/main" id="{35FC472B-674E-4D46-8F5E-83388B12B575}"/>
+                </a:ext>
+              </a:extLst>
+            </p:cNvPr>
+            <p:cNvSpPr txBox="1"/>
+            <p:nvPr/>
+          </p:nvSpPr>
+          <p:spPr>
+            <a:xfrm>
+              <a:off x="5564983" y="3861454"/>
+              <a:ext cx="955040" cy="369332"/>
+            </a:xfrm>
+            <a:prstGeom prst="rect">
+              <a:avLst/>
+            </a:prstGeom>
+            <a:noFill/>
+          </p:spPr>
+          <p:txBody>
+            <a:bodyPr wrap="square" rtlCol="0">
+              <a:spAutoFit/>
+            </a:bodyPr>
+            <a:lstStyle/>
+            <a:p>
+              <a:r>
+                <a:rPr kumimoji="1" lang="en-US" altLang="ko-KR" dirty="0"/>
+                <a:t>3,000</a:t>
+              </a:r>
+              <a:endParaRPr kumimoji="1" lang="ko-Kore-KR" altLang="en-US" dirty="0"/>
+            </a:p>
+          </p:txBody>
+        </p:sp>
+      </p:grpSp>
+      <p:sp>
+        <p:nvSpPr>
+          <p:cNvPr id="21" name="TextBox 20">
+            <a:extLst>
+              <a:ext uri="{FF2B5EF4-FFF2-40B4-BE49-F238E27FC236}">
+                <a16:creationId xmlns:a16="http://schemas.microsoft.com/office/drawing/2014/main" id="{C577B1D0-F8A1-B448-88C7-CF6A24D8C9C8}"/>
+              </a:ext>
+            </a:extLst>
+          </p:cNvPr>
+          <p:cNvSpPr txBox="1"/>
+          <p:nvPr/>
+        </p:nvSpPr>
+        <p:spPr>
+          <a:xfrm>
+            <a:off x="4283999" y="5227764"/>
+            <a:ext cx="1100564" cy="379442"/>
+          </a:xfrm>
+          <a:prstGeom prst="rect">
+            <a:avLst/>
+          </a:prstGeom>
+          <a:noFill/>
+        </p:spPr>
+        <p:txBody>
+          <a:bodyPr wrap="square" rtlCol="0">
+            <a:spAutoFit/>
+          </a:bodyPr>
+          <a:lstStyle/>
+          <a:p>
+            <a:r>
+              <a:rPr kumimoji="1" lang="ko-Kore-KR" altLang="en-US" b="1" dirty="0"/>
+              <a:t>결제수단</a:t>
+            </a:r>
+          </a:p>
+        </p:txBody>
+      </p:sp>
+      <p:sp>
+        <p:nvSpPr>
+          <p:cNvPr id="54" name="사각형: 둥근 모서리 24">
+            <a:hlinkClick r:id="rId2" action="ppaction://hlinksldjump"/>
+            <a:extLst>
+              <a:ext uri="{FF2B5EF4-FFF2-40B4-BE49-F238E27FC236}">
+                <a16:creationId xmlns:a16="http://schemas.microsoft.com/office/drawing/2014/main" id="{DEA682C9-8FA8-9443-AF45-56077B197098}"/>
+              </a:ext>
+            </a:extLst>
+          </p:cNvPr>
+          <p:cNvSpPr/>
+          <p:nvPr/>
+        </p:nvSpPr>
+        <p:spPr>
+          <a:xfrm>
+            <a:off x="5746902" y="5695817"/>
+            <a:ext cx="903186" cy="424959"/>
+          </a:xfrm>
+          <a:prstGeom prst="roundRect">
+            <a:avLst/>
+          </a:prstGeom>
+          <a:ln>
+            <a:solidFill>
+              <a:schemeClr val="accent1">
+                <a:lumMod val="40000"/>
+                <a:lumOff val="60000"/>
+              </a:schemeClr>
+            </a:solidFill>
+          </a:ln>
+        </p:spPr>
+        <p:style>
+          <a:lnRef idx="2">
+            <a:schemeClr val="accent6">
+              <a:shade val="50000"/>
+            </a:schemeClr>
+          </a:lnRef>
+          <a:fillRef idx="1">
+            <a:schemeClr val="accent6"/>
+          </a:fillRef>
+          <a:effectRef idx="0">
+            <a:schemeClr val="accent6"/>
+          </a:effectRef>
+          <a:fontRef idx="minor">
+            <a:schemeClr val="lt1"/>
+          </a:fontRef>
+        </p:style>
+        <p:txBody>
+          <a:bodyPr rtlCol="0" anchor="ctr"/>
+          <a:lstStyle/>
+          <a:p>
+            <a:pPr algn="ctr"/>
+            <a:r>
+              <a:rPr lang="ko-KR" altLang="en-US" sz="1200" b="1" dirty="0"/>
+              <a:t>계좌 입금</a:t>
+            </a:r>
+          </a:p>
+        </p:txBody>
+      </p:sp>
+      <p:sp>
+        <p:nvSpPr>
+          <p:cNvPr id="55" name="TextBox 54">
+            <a:extLst>
+              <a:ext uri="{FF2B5EF4-FFF2-40B4-BE49-F238E27FC236}">
+                <a16:creationId xmlns:a16="http://schemas.microsoft.com/office/drawing/2014/main" id="{E11FEE4C-A0B3-E24A-8758-3AE36BC3BBDD}"/>
+              </a:ext>
+            </a:extLst>
+          </p:cNvPr>
+          <p:cNvSpPr txBox="1"/>
+          <p:nvPr/>
+        </p:nvSpPr>
+        <p:spPr>
+          <a:xfrm>
+            <a:off x="8945945" y="4144718"/>
+            <a:ext cx="1415761" cy="1568250"/>
+          </a:xfrm>
+          <a:prstGeom prst="rect">
+            <a:avLst/>
+          </a:prstGeom>
+          <a:noFill/>
+        </p:spPr>
+        <p:txBody>
+          <a:bodyPr wrap="square" rtlCol="0" anchor="ctr">
+            <a:spAutoFit/>
+          </a:bodyPr>
+          <a:lstStyle/>
+          <a:p>
+            <a:pPr>
+              <a:lnSpc>
+                <a:spcPct val="150000"/>
+              </a:lnSpc>
+            </a:pPr>
+            <a:r>
+              <a:rPr kumimoji="1" lang="ko-Kore-KR" altLang="en-US" b="1" dirty="0"/>
+              <a:t>결제상세</a:t>
+            </a:r>
+            <a:endParaRPr kumimoji="1" lang="en-US" altLang="ko-Kore-KR" b="1" dirty="0"/>
+          </a:p>
+          <a:p>
+            <a:pPr>
+              <a:lnSpc>
+                <a:spcPct val="150000"/>
+              </a:lnSpc>
+            </a:pPr>
+            <a:r>
+              <a:rPr kumimoji="1" lang="ko-Kore-KR" altLang="en-US" sz="1600" dirty="0"/>
+              <a:t>주문금액</a:t>
+            </a:r>
+            <a:endParaRPr kumimoji="1" lang="en-US" altLang="ko-Kore-KR" sz="1600" dirty="0"/>
+          </a:p>
+          <a:p>
+            <a:pPr>
+              <a:lnSpc>
+                <a:spcPct val="150000"/>
+              </a:lnSpc>
+            </a:pPr>
+            <a:r>
+              <a:rPr kumimoji="1" lang="ko-Kore-KR" altLang="en-US" sz="1600" dirty="0"/>
+              <a:t>포인트</a:t>
+            </a:r>
+            <a:r>
+              <a:rPr kumimoji="1" lang="ko-KR" altLang="en-US" sz="1600" dirty="0"/>
+              <a:t> 사용</a:t>
+            </a:r>
+            <a:endParaRPr kumimoji="1" lang="en-US" altLang="ko-KR" sz="1600" dirty="0"/>
+          </a:p>
+          <a:p>
+            <a:pPr>
+              <a:lnSpc>
+                <a:spcPct val="150000"/>
+              </a:lnSpc>
+            </a:pPr>
+            <a:r>
+              <a:rPr kumimoji="1" lang="ko-KR" altLang="en-US" sz="1600" dirty="0" err="1"/>
+              <a:t>실결제</a:t>
+            </a:r>
+            <a:endParaRPr kumimoji="1" lang="ko-Kore-KR" altLang="en-US" sz="1600" dirty="0"/>
+          </a:p>
+        </p:txBody>
+      </p:sp>
+      <p:cxnSp>
+        <p:nvCxnSpPr>
+          <p:cNvPr id="23" name="직선 연결선[R] 22">
+            <a:extLst>
+              <a:ext uri="{FF2B5EF4-FFF2-40B4-BE49-F238E27FC236}">
+                <a16:creationId xmlns:a16="http://schemas.microsoft.com/office/drawing/2014/main" id="{75237585-2C44-3A46-A0E3-E754FFE87122}"/>
+              </a:ext>
+            </a:extLst>
+          </p:cNvPr>
+          <p:cNvCxnSpPr/>
+          <p:nvPr/>
+        </p:nvCxnSpPr>
+        <p:spPr>
+          <a:xfrm flipH="1">
+            <a:off x="10292080" y="4928843"/>
+            <a:ext cx="1076960" cy="0"/>
+          </a:xfrm>
+          <a:prstGeom prst="line">
+            <a:avLst/>
+          </a:prstGeom>
+        </p:spPr>
+        <p:style>
+          <a:lnRef idx="1">
+            <a:schemeClr val="dk1"/>
+          </a:lnRef>
+          <a:fillRef idx="0">
+            <a:schemeClr val="dk1"/>
+          </a:fillRef>
+          <a:effectRef idx="0">
+            <a:schemeClr val="dk1"/>
+          </a:effectRef>
+          <a:fontRef idx="minor">
+            <a:schemeClr val="tx1"/>
+          </a:fontRef>
+        </p:style>
+      </p:cxnSp>
+      <p:cxnSp>
+        <p:nvCxnSpPr>
+          <p:cNvPr id="56" name="직선 연결선[R] 55">
+            <a:extLst>
+              <a:ext uri="{FF2B5EF4-FFF2-40B4-BE49-F238E27FC236}">
+                <a16:creationId xmlns:a16="http://schemas.microsoft.com/office/drawing/2014/main" id="{3A753E39-E558-494B-8ACB-B6C853E495DC}"/>
+              </a:ext>
+            </a:extLst>
+          </p:cNvPr>
+          <p:cNvCxnSpPr/>
+          <p:nvPr/>
+        </p:nvCxnSpPr>
+        <p:spPr>
+          <a:xfrm flipH="1">
+            <a:off x="10292080" y="5279619"/>
+            <a:ext cx="1076960" cy="0"/>
+          </a:xfrm>
+          <a:prstGeom prst="line">
+            <a:avLst/>
+          </a:prstGeom>
+        </p:spPr>
+        <p:style>
+          <a:lnRef idx="1">
+            <a:schemeClr val="dk1"/>
+          </a:lnRef>
+          <a:fillRef idx="0">
+            <a:schemeClr val="dk1"/>
+          </a:fillRef>
+          <a:effectRef idx="0">
+            <a:schemeClr val="dk1"/>
+          </a:effectRef>
+          <a:fontRef idx="minor">
+            <a:schemeClr val="tx1"/>
+          </a:fontRef>
+        </p:style>
+      </p:cxnSp>
+      <p:cxnSp>
+        <p:nvCxnSpPr>
+          <p:cNvPr id="57" name="직선 연결선[R] 56">
+            <a:extLst>
+              <a:ext uri="{FF2B5EF4-FFF2-40B4-BE49-F238E27FC236}">
+                <a16:creationId xmlns:a16="http://schemas.microsoft.com/office/drawing/2014/main" id="{80051B07-616E-AC45-8A08-FBE7DDEADBA0}"/>
+              </a:ext>
+            </a:extLst>
+          </p:cNvPr>
+          <p:cNvCxnSpPr/>
+          <p:nvPr/>
+        </p:nvCxnSpPr>
+        <p:spPr>
+          <a:xfrm flipH="1">
+            <a:off x="10292080" y="5704051"/>
+            <a:ext cx="1076960" cy="0"/>
+          </a:xfrm>
+          <a:prstGeom prst="line">
+            <a:avLst/>
+          </a:prstGeom>
+        </p:spPr>
+        <p:style>
+          <a:lnRef idx="1">
+            <a:schemeClr val="dk1"/>
+          </a:lnRef>
+          <a:fillRef idx="0">
+            <a:schemeClr val="dk1"/>
+          </a:fillRef>
+          <a:effectRef idx="0">
+            <a:schemeClr val="dk1"/>
+          </a:effectRef>
+          <a:fontRef idx="minor">
+            <a:schemeClr val="tx1"/>
+          </a:fontRef>
+        </p:style>
+      </p:cxnSp>
+      <p:sp>
+        <p:nvSpPr>
+          <p:cNvPr id="24" name="TextBox 23">
+            <a:extLst>
+              <a:ext uri="{FF2B5EF4-FFF2-40B4-BE49-F238E27FC236}">
+                <a16:creationId xmlns:a16="http://schemas.microsoft.com/office/drawing/2014/main" id="{84417F5C-D1E5-2942-9078-9E6CC3E2B2D8}"/>
+              </a:ext>
+            </a:extLst>
+          </p:cNvPr>
+          <p:cNvSpPr txBox="1"/>
+          <p:nvPr/>
+        </p:nvSpPr>
+        <p:spPr>
+          <a:xfrm>
+            <a:off x="10292080" y="4632960"/>
+            <a:ext cx="1076960" cy="338554"/>
+          </a:xfrm>
+          <a:prstGeom prst="rect">
+            <a:avLst/>
+          </a:prstGeom>
+          <a:noFill/>
+        </p:spPr>
+        <p:txBody>
+          <a:bodyPr wrap="square" rtlCol="0">
+            <a:spAutoFit/>
+          </a:bodyPr>
+          <a:lstStyle/>
+          <a:p>
+            <a:pPr algn="r"/>
+            <a:r>
+              <a:rPr kumimoji="1" lang="en-US" altLang="ko-Kore-KR" sz="1600" dirty="0"/>
+              <a:t>1</a:t>
+            </a:r>
+            <a:r>
+              <a:rPr kumimoji="1" lang="en-US" altLang="ko-KR" sz="1600" dirty="0"/>
+              <a:t>0,000</a:t>
+            </a:r>
+            <a:endParaRPr kumimoji="1" lang="ko-Kore-KR" altLang="en-US" sz="1600" dirty="0"/>
+          </a:p>
+        </p:txBody>
+      </p:sp>
+      <p:sp>
+        <p:nvSpPr>
+          <p:cNvPr id="58" name="TextBox 57">
+            <a:extLst>
+              <a:ext uri="{FF2B5EF4-FFF2-40B4-BE49-F238E27FC236}">
+                <a16:creationId xmlns:a16="http://schemas.microsoft.com/office/drawing/2014/main" id="{E419B839-50A4-7341-A270-51818E2F2358}"/>
+              </a:ext>
+            </a:extLst>
+          </p:cNvPr>
+          <p:cNvSpPr txBox="1"/>
+          <p:nvPr/>
+        </p:nvSpPr>
+        <p:spPr>
+          <a:xfrm>
+            <a:off x="10292080" y="4984302"/>
+            <a:ext cx="1076960" cy="338554"/>
+          </a:xfrm>
+          <a:prstGeom prst="rect">
+            <a:avLst/>
+          </a:prstGeom>
+          <a:noFill/>
+        </p:spPr>
+        <p:txBody>
+          <a:bodyPr wrap="square" rtlCol="0">
+            <a:spAutoFit/>
+          </a:bodyPr>
+          <a:lstStyle/>
+          <a:p>
+            <a:pPr algn="r"/>
+            <a:r>
+              <a:rPr kumimoji="1" lang="en-US" altLang="ko-KR" sz="1600" dirty="0"/>
+              <a:t>3,000</a:t>
+            </a:r>
+            <a:endParaRPr kumimoji="1" lang="ko-Kore-KR" altLang="en-US" sz="1600" dirty="0"/>
+          </a:p>
+        </p:txBody>
+      </p:sp>
+      <p:sp>
+        <p:nvSpPr>
+          <p:cNvPr id="59" name="TextBox 58">
+            <a:extLst>
+              <a:ext uri="{FF2B5EF4-FFF2-40B4-BE49-F238E27FC236}">
+                <a16:creationId xmlns:a16="http://schemas.microsoft.com/office/drawing/2014/main" id="{331C2330-C325-0644-9E9C-ABCBCC4C5517}"/>
+              </a:ext>
+            </a:extLst>
+          </p:cNvPr>
+          <p:cNvSpPr txBox="1"/>
+          <p:nvPr/>
+        </p:nvSpPr>
+        <p:spPr>
+          <a:xfrm>
+            <a:off x="10292080" y="5380808"/>
+            <a:ext cx="1076960" cy="338554"/>
+          </a:xfrm>
+          <a:prstGeom prst="rect">
+            <a:avLst/>
+          </a:prstGeom>
+          <a:noFill/>
+        </p:spPr>
+        <p:txBody>
+          <a:bodyPr wrap="square" rtlCol="0">
+            <a:spAutoFit/>
+          </a:bodyPr>
+          <a:lstStyle/>
+          <a:p>
+            <a:pPr algn="r"/>
+            <a:r>
+              <a:rPr kumimoji="1" lang="en-US" altLang="ko-KR" sz="1600" dirty="0"/>
+              <a:t>7,000</a:t>
+            </a:r>
+            <a:endParaRPr kumimoji="1" lang="ko-Kore-KR" altLang="en-US" sz="1600" dirty="0"/>
+          </a:p>
+        </p:txBody>
+      </p:sp>
+    </p:spTree>
+    <p:extLst>
+      <p:ext uri="{BB962C8B-B14F-4D97-AF65-F5344CB8AC3E}">
+        <p14:creationId xmlns:p14="http://schemas.microsoft.com/office/powerpoint/2010/main" val="3567130416"/>
+      </p:ext>
+    </p:extLst>
+  </p:cSld>
+  <p:clrMapOvr>
+    <a:masterClrMapping/>
+  </p:clrMapOvr>
+</p:sld>
+</file>
+
+<file path=ppt/slides/slide15.xml><?xml version="1.0" encoding="utf-8"?>
+<p:sld xmlns:a="http://schemas.openxmlformats.org/drawingml/2006/main" xmlns:r="http://schemas.openxmlformats.org/officeDocument/2006/relationships" xmlns:p="http://schemas.openxmlformats.org/presentationml/2006/main">
+  <p:cSld>
+    <p:spTree>
+      <p:nvGrpSpPr>
+        <p:cNvPr id="1" name=""/>
+        <p:cNvGrpSpPr/>
+        <p:nvPr/>
+      </p:nvGrpSpPr>
+      <p:grpSpPr>
+        <a:xfrm>
+          <a:off x="0" y="0"/>
+          <a:ext cx="0" cy="0"/>
+          <a:chOff x="0" y="0"/>
+          <a:chExt cx="0" cy="0"/>
+        </a:xfrm>
+      </p:grpSpPr>
+      <p:sp>
+        <p:nvSpPr>
+          <p:cNvPr id="4" name="TextBox 3">
+            <a:extLst>
+              <a:ext uri="{FF2B5EF4-FFF2-40B4-BE49-F238E27FC236}">
+                <a16:creationId xmlns:a16="http://schemas.microsoft.com/office/drawing/2014/main" id="{181F38E4-D20C-4834-B1F4-69D8B5846AD9}"/>
+              </a:ext>
+            </a:extLst>
+          </p:cNvPr>
+          <p:cNvSpPr txBox="1"/>
+          <p:nvPr/>
+        </p:nvSpPr>
+        <p:spPr>
+          <a:xfrm>
+            <a:off x="47501" y="0"/>
+            <a:ext cx="1686296" cy="369332"/>
+          </a:xfrm>
+          <a:prstGeom prst="rect">
+            <a:avLst/>
+          </a:prstGeom>
+          <a:noFill/>
+        </p:spPr>
+        <p:txBody>
+          <a:bodyPr wrap="square" rtlCol="0">
+            <a:spAutoFit/>
+          </a:bodyPr>
+          <a:lstStyle/>
+          <a:p>
+            <a:r>
+              <a:rPr lang="en-US" altLang="ko-KR" dirty="0"/>
+              <a:t>order</a:t>
+            </a:r>
+            <a:endParaRPr lang="ko-KR" altLang="en-US" dirty="0"/>
+          </a:p>
+        </p:txBody>
+      </p:sp>
+      <p:sp>
+        <p:nvSpPr>
+          <p:cNvPr id="11" name="TextBox 10">
+            <a:extLst>
+              <a:ext uri="{FF2B5EF4-FFF2-40B4-BE49-F238E27FC236}">
+                <a16:creationId xmlns:a16="http://schemas.microsoft.com/office/drawing/2014/main" id="{7372AEBA-C50D-4DF1-8F06-C71C3DEA659F}"/>
+              </a:ext>
+            </a:extLst>
+          </p:cNvPr>
+          <p:cNvSpPr txBox="1"/>
+          <p:nvPr/>
+        </p:nvSpPr>
+        <p:spPr>
+          <a:xfrm>
+            <a:off x="973222" y="7136"/>
+            <a:ext cx="3161944" cy="707886"/>
+          </a:xfrm>
+          <a:prstGeom prst="rect">
+            <a:avLst/>
+          </a:prstGeom>
+          <a:noFill/>
+        </p:spPr>
+        <p:txBody>
+          <a:bodyPr wrap="square" rtlCol="0">
+            <a:spAutoFit/>
+          </a:bodyPr>
+          <a:lstStyle/>
+          <a:p>
+            <a:r>
+              <a:rPr lang="en-US" altLang="ko-KR" sz="4000" dirty="0"/>
+              <a:t>ONCHALL</a:t>
+            </a:r>
+            <a:endParaRPr lang="ko-KR" altLang="en-US" sz="4000" dirty="0"/>
+          </a:p>
+        </p:txBody>
+      </p:sp>
+      <p:sp>
+        <p:nvSpPr>
+          <p:cNvPr id="12" name="TextBox 11">
+            <a:extLst>
+              <a:ext uri="{FF2B5EF4-FFF2-40B4-BE49-F238E27FC236}">
+                <a16:creationId xmlns:a16="http://schemas.microsoft.com/office/drawing/2014/main" id="{00EC4550-7BAE-4775-9A3C-30AB89ACCF47}"/>
+              </a:ext>
+            </a:extLst>
+          </p:cNvPr>
+          <p:cNvSpPr txBox="1"/>
+          <p:nvPr/>
+        </p:nvSpPr>
+        <p:spPr>
+          <a:xfrm>
+            <a:off x="4477995" y="284102"/>
+            <a:ext cx="7306656" cy="307777"/>
+          </a:xfrm>
+          <a:prstGeom prst="rect">
+            <a:avLst/>
+          </a:prstGeom>
+          <a:noFill/>
+        </p:spPr>
+        <p:txBody>
+          <a:bodyPr wrap="square" rtlCol="0">
+            <a:spAutoFit/>
+          </a:bodyPr>
+          <a:lstStyle/>
+          <a:p>
+            <a:r>
+              <a:rPr lang="ko-KR" altLang="en-US" sz="1400" dirty="0" err="1"/>
+              <a:t>온챌아카데미학원</a:t>
+            </a:r>
+            <a:r>
+              <a:rPr lang="ko-KR" altLang="en-US" sz="1400" dirty="0"/>
+              <a:t>       </a:t>
+            </a:r>
+            <a:r>
+              <a:rPr lang="ko-KR" altLang="en-US" sz="1400" dirty="0" err="1"/>
+              <a:t>온챌개념서</a:t>
+            </a:r>
+            <a:r>
+              <a:rPr lang="ko-KR" altLang="en-US" sz="1400" dirty="0"/>
+              <a:t> 무료보기     </a:t>
+            </a:r>
+            <a:r>
+              <a:rPr lang="ko-KR" altLang="en-US" sz="1400" dirty="0" err="1"/>
+              <a:t>온챌개념서</a:t>
+            </a:r>
+            <a:r>
+              <a:rPr lang="ko-KR" altLang="en-US" sz="1400" dirty="0"/>
+              <a:t> 구매     장바구니    회원정보</a:t>
+            </a:r>
+          </a:p>
+        </p:txBody>
+      </p:sp>
+      <p:sp>
+        <p:nvSpPr>
+          <p:cNvPr id="13" name="TextBox 12">
+            <a:extLst>
+              <a:ext uri="{FF2B5EF4-FFF2-40B4-BE49-F238E27FC236}">
+                <a16:creationId xmlns:a16="http://schemas.microsoft.com/office/drawing/2014/main" id="{978C000E-E8E9-4707-98A8-994482492F42}"/>
+              </a:ext>
+            </a:extLst>
+          </p:cNvPr>
+          <p:cNvSpPr txBox="1"/>
+          <p:nvPr/>
+        </p:nvSpPr>
+        <p:spPr>
+          <a:xfrm>
+            <a:off x="3573789" y="2828836"/>
+            <a:ext cx="5044422" cy="1200329"/>
+          </a:xfrm>
+          <a:prstGeom prst="rect">
+            <a:avLst/>
+          </a:prstGeom>
+          <a:noFill/>
+        </p:spPr>
+        <p:txBody>
+          <a:bodyPr wrap="square" rtlCol="0">
+            <a:spAutoFit/>
+          </a:bodyPr>
+          <a:lstStyle/>
+          <a:p>
+            <a:pPr algn="ctr"/>
+            <a:r>
+              <a:rPr lang="ko-KR" altLang="en-US" sz="3600" dirty="0">
+                <a:solidFill>
+                  <a:srgbClr val="1A1A1A"/>
+                </a:solidFill>
+                <a:latin typeface="Montserrat" panose="020B0604020202020204" pitchFamily="2" charset="0"/>
+              </a:rPr>
+              <a:t>주문이 완료되었습니다</a:t>
+            </a:r>
+            <a:r>
+              <a:rPr lang="en-US" altLang="ko-KR" sz="3600" dirty="0">
+                <a:solidFill>
+                  <a:srgbClr val="1A1A1A"/>
+                </a:solidFill>
+                <a:latin typeface="Montserrat" panose="020B0604020202020204" pitchFamily="2" charset="0"/>
+              </a:rPr>
+              <a:t>.</a:t>
+            </a:r>
+          </a:p>
+          <a:p>
+            <a:pPr algn="ctr"/>
+            <a:r>
+              <a:rPr lang="ko-KR" altLang="en-US" sz="3600" i="0" dirty="0">
+                <a:solidFill>
+                  <a:srgbClr val="1A1A1A"/>
+                </a:solidFill>
+                <a:effectLst/>
+                <a:latin typeface="Montserrat" panose="020B0604020202020204" pitchFamily="2" charset="0"/>
+              </a:rPr>
+              <a:t>주문</a:t>
+            </a:r>
+            <a:r>
+              <a:rPr lang="en-US" altLang="ko-KR" sz="3600" dirty="0">
+                <a:solidFill>
+                  <a:srgbClr val="1A1A1A"/>
+                </a:solidFill>
+                <a:latin typeface="Montserrat" panose="020B0604020202020204" pitchFamily="2" charset="0"/>
+              </a:rPr>
+              <a:t>ID: </a:t>
+            </a:r>
+            <a:endParaRPr lang="ko-KR" altLang="en-US" sz="3600" i="0" dirty="0">
+              <a:solidFill>
+                <a:srgbClr val="1A1A1A"/>
+              </a:solidFill>
+              <a:effectLst/>
+              <a:latin typeface="Montserrat" panose="020B0604020202020204" pitchFamily="2" charset="0"/>
+            </a:endParaRPr>
+          </a:p>
+        </p:txBody>
+      </p:sp>
+    </p:spTree>
+    <p:extLst>
+      <p:ext uri="{BB962C8B-B14F-4D97-AF65-F5344CB8AC3E}">
+        <p14:creationId xmlns:p14="http://schemas.microsoft.com/office/powerpoint/2010/main" val="2246418227"/>
+      </p:ext>
+    </p:extLst>
+  </p:cSld>
+  <p:clrMapOvr>
+    <a:masterClrMapping/>
+  </p:clrMapOvr>
+</p:sld>
+</file>
+
+<file path=ppt/slides/slide16.xml><?xml version="1.0" encoding="utf-8"?>
+<p:sld xmlns:a="http://schemas.openxmlformats.org/drawingml/2006/main" xmlns:r="http://schemas.openxmlformats.org/officeDocument/2006/relationships" xmlns:p="http://schemas.openxmlformats.org/presentationml/2006/main">
+  <p:cSld>
+    <p:spTree>
+      <p:nvGrpSpPr>
+        <p:cNvPr id="1" name=""/>
+        <p:cNvGrpSpPr/>
+        <p:nvPr/>
+      </p:nvGrpSpPr>
+      <p:grpSpPr>
+        <a:xfrm>
+          <a:off x="0" y="0"/>
+          <a:ext cx="0" cy="0"/>
+          <a:chOff x="0" y="0"/>
+          <a:chExt cx="0" cy="0"/>
+        </a:xfrm>
+      </p:grpSpPr>
+      <p:sp>
+        <p:nvSpPr>
+          <p:cNvPr id="4" name="TextBox 3">
+            <a:extLst>
+              <a:ext uri="{FF2B5EF4-FFF2-40B4-BE49-F238E27FC236}">
+                <a16:creationId xmlns:a16="http://schemas.microsoft.com/office/drawing/2014/main" id="{181F38E4-D20C-4834-B1F4-69D8B5846AD9}"/>
+              </a:ext>
+            </a:extLst>
+          </p:cNvPr>
+          <p:cNvSpPr txBox="1"/>
+          <p:nvPr/>
+        </p:nvSpPr>
+        <p:spPr>
+          <a:xfrm>
+            <a:off x="47501" y="0"/>
+            <a:ext cx="1686296" cy="369332"/>
+          </a:xfrm>
+          <a:prstGeom prst="rect">
+            <a:avLst/>
+          </a:prstGeom>
+          <a:noFill/>
+        </p:spPr>
+        <p:txBody>
+          <a:bodyPr wrap="square" rtlCol="0">
+            <a:spAutoFit/>
+          </a:bodyPr>
+          <a:lstStyle/>
+          <a:p>
+            <a:r>
+              <a:rPr lang="en-US" altLang="ko-KR" dirty="0"/>
               <a:t>cart</a:t>
             </a:r>
             <a:endParaRPr lang="ko-KR" altLang="en-US" dirty="0"/>
@@ -12000,8 +13633,8 @@
         </p:nvSpPr>
         <p:spPr>
           <a:xfrm>
-            <a:off x="5933960" y="2901161"/>
-            <a:ext cx="860962" cy="338554"/>
+            <a:off x="5933959" y="2901161"/>
+            <a:ext cx="1025039" cy="338554"/>
           </a:xfrm>
           <a:prstGeom prst="rect">
             <a:avLst/>
@@ -12180,7 +13813,7 @@
         </p:nvSpPr>
         <p:spPr>
           <a:xfrm>
-            <a:off x="5910210" y="2472521"/>
+            <a:off x="6004122" y="2463026"/>
             <a:ext cx="884712" cy="369332"/>
           </a:xfrm>
           <a:prstGeom prst="rect">
@@ -12261,7 +13894,7 @@
         <p:spPr>
           <a:xfrm>
             <a:off x="5933960" y="3544073"/>
-            <a:ext cx="860962" cy="338554"/>
+            <a:ext cx="1025038" cy="338554"/>
           </a:xfrm>
           <a:prstGeom prst="rect">
             <a:avLst/>
@@ -12390,7 +14023,7 @@
         <p:spPr>
           <a:xfrm>
             <a:off x="7083631" y="4994061"/>
-            <a:ext cx="1983179" cy="302821"/>
+            <a:ext cx="2151809" cy="302821"/>
           </a:xfrm>
           <a:prstGeom prst="roundRect">
             <a:avLst/>
@@ -12476,7 +14109,7 @@
         <p:spPr>
           <a:xfrm>
             <a:off x="7083631" y="5297370"/>
-            <a:ext cx="1983179" cy="302821"/>
+            <a:ext cx="2151809" cy="302821"/>
           </a:xfrm>
           <a:prstGeom prst="roundRect">
             <a:avLst/>
@@ -12561,7 +14194,7 @@
         </p:nvSpPr>
         <p:spPr>
           <a:xfrm>
-            <a:off x="7083631" y="5772382"/>
+            <a:off x="7167945" y="5772382"/>
             <a:ext cx="1983179" cy="469075"/>
           </a:xfrm>
           <a:prstGeom prst="roundRect">
@@ -12588,8 +14221,8 @@
           <a:p>
             <a:pPr algn="ctr"/>
             <a:r>
-              <a:rPr lang="ko-KR" altLang="en-US"/>
-              <a:t>결제 진행하기</a:t>
+              <a:rPr lang="ko-KR" altLang="en-US" dirty="0"/>
+              <a:t>주문 진행하기</a:t>
             </a:r>
           </a:p>
         </p:txBody>
